--- a/项目计划/PRD2018-G07-项目计划PPT.pptx
+++ b/项目计划/PRD2018-G07-项目计划PPT.pptx
@@ -5,7 +5,7 @@
     <p:sldMasterId id="2147483648" r:id="rId1"/>
   </p:sldMasterIdLst>
   <p:notesMasterIdLst>
-    <p:notesMasterId r:id="rId11"/>
+    <p:notesMasterId r:id="rId10"/>
   </p:notesMasterIdLst>
   <p:sldIdLst>
     <p:sldId id="262" r:id="rId3"/>
@@ -13,14 +13,13 @@
     <p:sldId id="307" r:id="rId5"/>
     <p:sldId id="267" r:id="rId6"/>
     <p:sldId id="308" r:id="rId7"/>
-    <p:sldId id="309" r:id="rId8"/>
-    <p:sldId id="288" r:id="rId9"/>
-    <p:sldId id="298" r:id="rId10"/>
-    <p:sldId id="285" r:id="rId12"/>
-    <p:sldId id="287" r:id="rId13"/>
-    <p:sldId id="295" r:id="rId14"/>
-    <p:sldId id="297" r:id="rId15"/>
-    <p:sldId id="283" r:id="rId16"/>
+    <p:sldId id="288" r:id="rId8"/>
+    <p:sldId id="298" r:id="rId9"/>
+    <p:sldId id="285" r:id="rId11"/>
+    <p:sldId id="287" r:id="rId12"/>
+    <p:sldId id="295" r:id="rId13"/>
+    <p:sldId id="297" r:id="rId14"/>
+    <p:sldId id="283" r:id="rId15"/>
   </p:sldIdLst>
   <p:sldSz cx="9144000" cy="6858000" type="screen4x3"/>
   <p:notesSz cx="6858000" cy="9144000"/>
@@ -1612,90 +1611,6 @@
           <a:bodyPr/>
           <a:lstStyle/>
           <a:p>
-            <a:r>
-              <a:rPr lang="zh-CN" altLang="en-US" dirty="0" smtClean="0"/>
-              <a:t>吴：</a:t>
-            </a:r>
-            <a:r>
-              <a:rPr lang="en-US" altLang="zh-CN" dirty="0" smtClean="0"/>
-              <a:t>GANT</a:t>
-            </a:r>
-            <a:r>
-              <a:rPr lang="zh-CN" altLang="en-US" dirty="0" smtClean="0"/>
-              <a:t>图（事件） </a:t>
-            </a:r>
-            <a:r>
-              <a:rPr lang="en-US" altLang="zh-CN" dirty="0" smtClean="0"/>
-              <a:t>OBS</a:t>
-            </a:r>
-            <a:endParaRPr lang="en-US" altLang="zh-CN" dirty="0" smtClean="0"/>
-          </a:p>
-          <a:p>
-            <a:r>
-              <a:rPr lang="zh-CN" altLang="en-US" dirty="0" smtClean="0"/>
-              <a:t>徐：实施计划，支持条件，人力资源，沟通管理计划</a:t>
-            </a:r>
-            <a:endParaRPr lang="en-US" altLang="zh-CN" dirty="0" smtClean="0"/>
-          </a:p>
-          <a:p>
-            <a:r>
-              <a:rPr lang="zh-CN" altLang="en-US" dirty="0" smtClean="0"/>
-              <a:t>陈：配置管理，配置管理计划 人员配备管理计划</a:t>
-            </a:r>
-            <a:endParaRPr lang="en-US" altLang="zh-CN" dirty="0" smtClean="0"/>
-          </a:p>
-          <a:p>
-            <a:r>
-              <a:rPr lang="zh-CN" altLang="en-US" dirty="0" smtClean="0"/>
-              <a:t>何</a:t>
-            </a:r>
-            <a:r>
-              <a:rPr lang="zh-CN" altLang="en-US" baseline="0" dirty="0" smtClean="0"/>
-              <a:t> </a:t>
-            </a:r>
-            <a:r>
-              <a:rPr lang="en-US" altLang="zh-CN" baseline="0" dirty="0" err="1" smtClean="0"/>
-              <a:t>wbs</a:t>
-            </a:r>
-            <a:r>
-              <a:rPr lang="en-US" altLang="zh-CN" baseline="0" dirty="0" smtClean="0"/>
-              <a:t>(</a:t>
-            </a:r>
-            <a:r>
-              <a:rPr lang="zh-CN" altLang="en-US" baseline="0" dirty="0" smtClean="0"/>
-              <a:t>需求</a:t>
-            </a:r>
-            <a:r>
-              <a:rPr lang="en-US" altLang="zh-CN" baseline="0" dirty="0" smtClean="0"/>
-              <a:t>+</a:t>
-            </a:r>
-            <a:r>
-              <a:rPr lang="zh-CN" altLang="en-US" baseline="0" dirty="0" smtClean="0"/>
-              <a:t>总体）（</a:t>
-            </a:r>
-            <a:r>
-              <a:rPr lang="en-US" altLang="zh-CN" baseline="0" dirty="0" err="1" smtClean="0"/>
-              <a:t>wbs</a:t>
-            </a:r>
-            <a:r>
-              <a:rPr lang="zh-CN" altLang="en-US" baseline="0" dirty="0" smtClean="0"/>
-              <a:t>表）</a:t>
-            </a:r>
-            <a:endParaRPr lang="en-US" altLang="zh-CN" baseline="0" dirty="0" smtClean="0"/>
-          </a:p>
-          <a:p>
-            <a:r>
-              <a:rPr lang="zh-CN" altLang="en-US" baseline="0" dirty="0" smtClean="0"/>
-              <a:t>胡：</a:t>
-            </a:r>
-            <a:r>
-              <a:rPr lang="en-US" altLang="zh-CN" baseline="0" dirty="0" smtClean="0"/>
-              <a:t>GANT</a:t>
-            </a:r>
-            <a:r>
-              <a:rPr lang="zh-CN" altLang="en-US" baseline="0" dirty="0" smtClean="0"/>
-              <a:t>人员时间，关系。模版寻找，小组资料输入，小组人员管理</a:t>
-            </a:r>
             <a:endParaRPr lang="zh-CN" altLang="en-US" dirty="0"/>
           </a:p>
         </p:txBody>
@@ -5501,7 +5416,7 @@
         <p:spPr>
           <a:xfrm>
             <a:off x="1369716" y="1013213"/>
-            <a:ext cx="1107996" cy="507831"/>
+            <a:ext cx="2031325" cy="507831"/>
           </a:xfrm>
           <a:prstGeom prst="rect">
             <a:avLst/>
@@ -5527,7 +5442,7 @@
                 <a:ea typeface="微软雅黑" panose="020B0503020204020204" pitchFamily="34" charset="-122"/>
                 <a:cs typeface="Times New Roman" panose="02020603050405020304" pitchFamily="18" charset="0"/>
               </a:rPr>
-              <a:t>风险计划</a:t>
+              <a:t>项目初步实施计划</a:t>
             </a:r>
             <a:endParaRPr lang="zh-CN" altLang="zh-CN" sz="1350" b="1" kern="100" dirty="0">
               <a:solidFill>
@@ -5654,7 +5569,7 @@
                 <a:latin typeface="微软雅黑" panose="020B0503020204020204" pitchFamily="34" charset="-122"/>
                 <a:ea typeface="微软雅黑" panose="020B0503020204020204" pitchFamily="34" charset="-122"/>
               </a:rPr>
-              <a:t>5</a:t>
+              <a:t>6</a:t>
             </a:r>
             <a:endParaRPr lang="zh-CN" altLang="en-US" sz="2100" dirty="0">
               <a:solidFill>
@@ -5668,67 +5583,45 @@
       </p:sp>
       <p:sp>
         <p:nvSpPr>
-          <p:cNvPr id="4" name="Rectangle 1"/>
-          <p:cNvSpPr>
-            <a:spLocks noChangeArrowheads="1"/>
-          </p:cNvSpPr>
+          <p:cNvPr id="3" name="文本框 2"/>
+          <p:cNvSpPr txBox="1"/>
           <p:nvPr/>
         </p:nvSpPr>
-        <p:spPr bwMode="auto">
+        <p:spPr>
           <a:xfrm>
-            <a:off x="4081463" y="1708150"/>
-            <a:ext cx="9144000" cy="457200"/>
+            <a:off x="4231508" y="1015862"/>
+            <a:ext cx="2288969" cy="369332"/>
           </a:xfrm>
           <a:prstGeom prst="rect">
             <a:avLst/>
           </a:prstGeom>
           <a:noFill/>
-          <a:ln>
-            <a:noFill/>
-          </a:ln>
-          <a:effectLst/>
-          <a:extLst>
-            <a:ext uri="{909E8E84-426E-40DD-AFC4-6F175D3DCCD1}">
-              <a14:hiddenFill xmlns:a14="http://schemas.microsoft.com/office/drawing/2010/main">
-                <a:solidFill>
-                  <a:schemeClr val="accent1"/>
-                </a:solidFill>
-              </a14:hiddenFill>
-            </a:ext>
-            <a:ext uri="{91240B29-F687-4F45-9708-019B960494DF}">
-              <a14:hiddenLine xmlns:a14="http://schemas.microsoft.com/office/drawing/2010/main" w="9525">
-                <a:solidFill>
-                  <a:schemeClr val="tx1"/>
-                </a:solidFill>
-                <a:miter lim="800000"/>
-                <a:headEnd/>
-                <a:tailEnd/>
-              </a14:hiddenLine>
-            </a:ext>
-            <a:ext uri="{AF507438-7753-43E0-B8FC-AC1667EBCBE1}">
-              <a14:hiddenEffects xmlns:a14="http://schemas.microsoft.com/office/drawing/2010/main">
-                <a:effectLst>
-                  <a:outerShdw dist="35921" dir="2700000" algn="ctr" rotWithShape="0">
-                    <a:schemeClr val="bg2"/>
-                  </a:outerShdw>
-                </a:effectLst>
-              </a14:hiddenEffects>
-            </a:ext>
-          </a:extLst>
         </p:spPr>
         <p:txBody>
-          <a:bodyPr vert="horz" wrap="none" lIns="91440" tIns="45720" rIns="91440" bIns="45720" numCol="1" anchor="ctr" anchorCtr="0" compatLnSpc="1">
+          <a:bodyPr vert="horz" wrap="square" rtlCol="0">
             <a:spAutoFit/>
           </a:bodyPr>
           <a:lstStyle/>
           <a:p>
-            <a:endParaRPr lang="zh-CN" altLang="en-US"/>
+            <a:r>
+              <a:rPr lang="zh-CN" altLang="en-US" b="1" dirty="0">
+                <a:solidFill>
+                  <a:srgbClr val="FF0000"/>
+                </a:solidFill>
+              </a:rPr>
+              <a:t>打开甘特图进行说明</a:t>
+            </a:r>
+            <a:endParaRPr lang="zh-CN" altLang="en-US" b="1" dirty="0">
+              <a:solidFill>
+                <a:srgbClr val="FF0000"/>
+              </a:solidFill>
+            </a:endParaRPr>
           </a:p>
         </p:txBody>
       </p:sp>
       <p:pic>
         <p:nvPicPr>
-          <p:cNvPr id="3" name="图片 2"/>
+          <p:cNvPr id="2" name="图片 1"/>
           <p:cNvPicPr>
             <a:picLocks noChangeAspect="1"/>
           </p:cNvPicPr>
@@ -5742,7 +5635,7 @@
         </p:blipFill>
         <p:spPr>
           <a:xfrm>
-            <a:off x="6059805" y="-2540"/>
+            <a:off x="6040120" y="-82550"/>
             <a:ext cx="3116580" cy="1131570"/>
           </a:xfrm>
           <a:prstGeom prst="rect">
@@ -5750,3032 +5643,11 @@
           </a:prstGeom>
         </p:spPr>
       </p:pic>
-      <p:graphicFrame>
-        <p:nvGraphicFramePr>
-          <p:cNvPr id="8" name="表格 7"/>
-          <p:cNvGraphicFramePr/>
-          <p:nvPr/>
-        </p:nvGraphicFramePr>
-        <p:xfrm>
-          <a:off x="834390" y="1601470"/>
-          <a:ext cx="7698105" cy="5212080"/>
-        </p:xfrm>
-        <a:graphic>
-          <a:graphicData uri="http://schemas.openxmlformats.org/drawingml/2006/table">
-            <a:tbl>
-              <a:tblPr firstRow="1" bandRow="1">
-                <a:tableStyleId>{5940675A-B579-460E-94D1-54222C63F5DA}</a:tableStyleId>
-              </a:tblPr>
-              <a:tblGrid>
-                <a:gridCol w="3956050"/>
-                <a:gridCol w="3742055"/>
-              </a:tblGrid>
-              <a:tr h="0">
-                <a:tc>
-                  <a:txBody>
-                    <a:bodyPr/>
-                    <a:p>
-                      <a:pPr indent="0" algn="ctr">
-                        <a:buNone/>
-                      </a:pPr>
-                      <a:r>
-                        <a:rPr lang="en-US" sz="600" b="0">
-                          <a:solidFill>
-                            <a:srgbClr val="000000"/>
-                          </a:solidFill>
-                          <a:latin typeface="宋体" panose="02010600030101010101" pitchFamily="2" charset="-122"/>
-                          <a:ea typeface="宋体" panose="02010600030101010101" pitchFamily="2" charset="-122"/>
-                          <a:cs typeface="宋体" panose="02010600030101010101" pitchFamily="2" charset="-122"/>
-                        </a:rPr>
-                        <a:t>风险</a:t>
-                      </a:r>
-                      <a:endParaRPr lang="en-US" altLang="en-US" sz="600" b="0">
-                        <a:solidFill>
-                          <a:srgbClr val="000000"/>
-                        </a:solidFill>
-                        <a:latin typeface="宋体" panose="02010600030101010101" pitchFamily="2" charset="-122"/>
-                        <a:ea typeface="宋体" panose="02010600030101010101" pitchFamily="2" charset="-122"/>
-                        <a:cs typeface="宋体" panose="02010600030101010101" pitchFamily="2" charset="-122"/>
-                      </a:endParaRPr>
-                    </a:p>
-                  </a:txBody>
-                  <a:tcPr marL="68580" marR="68580" marT="0" marB="0" vert="horz" anchor="ctr">
-                    <a:lnL w="12700" cap="flat" cmpd="sng">
-                      <a:solidFill>
-                        <a:srgbClr val="080000"/>
-                      </a:solidFill>
-                      <a:prstDash val="solid"/>
-                      <a:headEnd type="none" w="med" len="med"/>
-                      <a:tailEnd type="none" w="med" len="med"/>
-                    </a:lnL>
-                    <a:lnR w="12700" cap="flat" cmpd="sng">
-                      <a:solidFill>
-                        <a:srgbClr val="080000"/>
-                      </a:solidFill>
-                      <a:prstDash val="solid"/>
-                      <a:headEnd type="none" w="med" len="med"/>
-                      <a:tailEnd type="none" w="med" len="med"/>
-                    </a:lnR>
-                    <a:lnT w="12700" cap="flat" cmpd="sng">
-                      <a:solidFill>
-                        <a:srgbClr val="080000"/>
-                      </a:solidFill>
-                      <a:prstDash val="solid"/>
-                      <a:headEnd type="none" w="med" len="med"/>
-                      <a:tailEnd type="none" w="med" len="med"/>
-                    </a:lnT>
-                    <a:lnB w="12700" cap="flat" cmpd="sng">
-                      <a:solidFill>
-                        <a:srgbClr val="080000"/>
-                      </a:solidFill>
-                      <a:prstDash val="solid"/>
-                      <a:headEnd type="none" w="med" len="med"/>
-                      <a:tailEnd type="none" w="med" len="med"/>
-                    </a:lnB>
-                    <a:lnTlToBr>
-                      <a:noFill/>
-                    </a:lnTlToBr>
-                    <a:lnBlToTr>
-                      <a:noFill/>
-                    </a:lnBlToTr>
-                    <a:solidFill>
-                      <a:srgbClr val="BDD6EE"/>
-                    </a:solidFill>
-                  </a:tcPr>
-                </a:tc>
-                <a:tc>
-                  <a:txBody>
-                    <a:bodyPr/>
-                    <a:p>
-                      <a:pPr indent="0" algn="ctr">
-                        <a:buNone/>
-                      </a:pPr>
-                      <a:r>
-                        <a:rPr lang="en-US" sz="600" b="0">
-                          <a:solidFill>
-                            <a:srgbClr val="000000"/>
-                          </a:solidFill>
-                          <a:latin typeface="等线" panose="02010600030101010101" pitchFamily="2" charset="-122"/>
-                          <a:ea typeface="等线" panose="02010600030101010101" pitchFamily="2" charset="-122"/>
-                          <a:cs typeface="等线" panose="02010600030101010101" pitchFamily="2" charset="-122"/>
-                        </a:rPr>
-                        <a:t>控制手段</a:t>
-                      </a:r>
-                      <a:endParaRPr lang="en-US" altLang="en-US" sz="600" b="0">
-                        <a:solidFill>
-                          <a:srgbClr val="000000"/>
-                        </a:solidFill>
-                        <a:latin typeface="等线" panose="02010600030101010101" pitchFamily="2" charset="-122"/>
-                        <a:ea typeface="等线" panose="02010600030101010101" pitchFamily="2" charset="-122"/>
-                        <a:cs typeface="等线" panose="02010600030101010101" pitchFamily="2" charset="-122"/>
-                      </a:endParaRPr>
-                    </a:p>
-                  </a:txBody>
-                  <a:tcPr marL="68580" marR="68580" marT="0" marB="0" vert="horz" anchor="ctr">
-                    <a:lnL w="12700" cap="flat" cmpd="sng">
-                      <a:solidFill>
-                        <a:srgbClr val="080000"/>
-                      </a:solidFill>
-                      <a:prstDash val="solid"/>
-                      <a:headEnd type="none" w="med" len="med"/>
-                      <a:tailEnd type="none" w="med" len="med"/>
-                    </a:lnL>
-                    <a:lnR w="12700" cap="flat" cmpd="sng">
-                      <a:solidFill>
-                        <a:srgbClr val="080000"/>
-                      </a:solidFill>
-                      <a:prstDash val="solid"/>
-                      <a:headEnd type="none" w="med" len="med"/>
-                      <a:tailEnd type="none" w="med" len="med"/>
-                    </a:lnR>
-                    <a:lnT w="12700" cap="flat" cmpd="sng">
-                      <a:solidFill>
-                        <a:srgbClr val="080000"/>
-                      </a:solidFill>
-                      <a:prstDash val="solid"/>
-                      <a:headEnd type="none" w="med" len="med"/>
-                      <a:tailEnd type="none" w="med" len="med"/>
-                    </a:lnT>
-                    <a:lnB w="12700" cap="flat" cmpd="sng">
-                      <a:solidFill>
-                        <a:srgbClr val="080000"/>
-                      </a:solidFill>
-                      <a:prstDash val="solid"/>
-                      <a:headEnd type="none" w="med" len="med"/>
-                      <a:tailEnd type="none" w="med" len="med"/>
-                    </a:lnB>
-                    <a:lnTlToBr>
-                      <a:noFill/>
-                    </a:lnTlToBr>
-                    <a:lnBlToTr>
-                      <a:noFill/>
-                    </a:lnBlToTr>
-                    <a:solidFill>
-                      <a:srgbClr val="BDD6EE"/>
-                    </a:solidFill>
-                  </a:tcPr>
-                </a:tc>
-              </a:tr>
-              <a:tr h="567055">
-                <a:tc>
-                  <a:txBody>
-                    <a:bodyPr/>
-                    <a:p>
-                      <a:pPr indent="0">
-                        <a:buNone/>
-                      </a:pPr>
-                      <a:r>
-                        <a:rPr lang="en-US" sz="900" b="0">
-                          <a:solidFill>
-                            <a:srgbClr val="000000"/>
-                          </a:solidFill>
-                          <a:latin typeface="微软雅黑" panose="020B0503020204020204" pitchFamily="34" charset="-122"/>
-                          <a:ea typeface="微软雅黑" panose="020B0503020204020204" pitchFamily="34" charset="-122"/>
-                          <a:cs typeface="微软雅黑" panose="020B0503020204020204" pitchFamily="34" charset="-122"/>
-                        </a:rPr>
-                        <a:t>1. </a:t>
-                      </a:r>
-                      <a:r>
-                        <a:rPr lang="en-US" sz="900" b="0">
-                          <a:latin typeface="微软雅黑" panose="020B0503020204020204" pitchFamily="34" charset="-122"/>
-                          <a:ea typeface="微软雅黑" panose="020B0503020204020204" pitchFamily="34" charset="-122"/>
-                          <a:cs typeface="微软雅黑" panose="020B0503020204020204" pitchFamily="34" charset="-122"/>
-                        </a:rPr>
-                        <a:t>成员因故请假</a:t>
-                      </a:r>
-                      <a:endParaRPr lang="en-US" altLang="en-US" sz="900" b="0">
-                        <a:solidFill>
-                          <a:srgbClr val="000000"/>
-                        </a:solidFill>
-                        <a:latin typeface="微软雅黑" panose="020B0503020204020204" pitchFamily="34" charset="-122"/>
-                        <a:ea typeface="微软雅黑" panose="020B0503020204020204" pitchFamily="34" charset="-122"/>
-                        <a:cs typeface="微软雅黑" panose="020B0503020204020204" pitchFamily="34" charset="-122"/>
-                      </a:endParaRPr>
-                    </a:p>
-                  </a:txBody>
-                  <a:tcPr marL="68580" marR="68580" marT="0" marB="0" vert="horz" anchor="ctr">
-                    <a:lnL w="12700" cap="flat" cmpd="sng">
-                      <a:solidFill>
-                        <a:srgbClr val="080000"/>
-                      </a:solidFill>
-                      <a:prstDash val="solid"/>
-                      <a:headEnd type="none" w="med" len="med"/>
-                      <a:tailEnd type="none" w="med" len="med"/>
-                    </a:lnL>
-                    <a:lnR w="12700" cap="flat" cmpd="sng">
-                      <a:solidFill>
-                        <a:srgbClr val="080000"/>
-                      </a:solidFill>
-                      <a:prstDash val="solid"/>
-                      <a:headEnd type="none" w="med" len="med"/>
-                      <a:tailEnd type="none" w="med" len="med"/>
-                    </a:lnR>
-                    <a:lnT w="12700" cap="flat" cmpd="sng">
-                      <a:solidFill>
-                        <a:srgbClr val="080000"/>
-                      </a:solidFill>
-                      <a:prstDash val="solid"/>
-                      <a:headEnd type="none" w="med" len="med"/>
-                      <a:tailEnd type="none" w="med" len="med"/>
-                    </a:lnT>
-                    <a:lnB w="12700" cap="flat" cmpd="sng">
-                      <a:solidFill>
-                        <a:srgbClr val="080000"/>
-                      </a:solidFill>
-                      <a:prstDash val="solid"/>
-                      <a:headEnd type="none" w="med" len="med"/>
-                      <a:tailEnd type="none" w="med" len="med"/>
-                    </a:lnB>
-                    <a:lnTlToBr>
-                      <a:noFill/>
-                    </a:lnTlToBr>
-                    <a:lnBlToTr>
-                      <a:noFill/>
-                    </a:lnBlToTr>
-                    <a:noFill/>
-                  </a:tcPr>
-                </a:tc>
-                <a:tc>
-                  <a:txBody>
-                    <a:bodyPr/>
-                    <a:p>
-                      <a:pPr indent="0">
-                        <a:buNone/>
-                      </a:pPr>
-                      <a:r>
-                        <a:rPr lang="en-US" sz="900" b="0">
-                          <a:solidFill>
-                            <a:srgbClr val="000000"/>
-                          </a:solidFill>
-                          <a:latin typeface="微软雅黑" panose="020B0503020204020204" pitchFamily="34" charset="-122"/>
-                          <a:ea typeface="微软雅黑" panose="020B0503020204020204" pitchFamily="34" charset="-122"/>
-                          <a:cs typeface="微软雅黑" panose="020B0503020204020204" pitchFamily="34" charset="-122"/>
-                        </a:rPr>
-                        <a:t>1.</a:t>
-                      </a:r>
-                      <a:r>
-                        <a:rPr lang="en-US" sz="900" b="0">
-                          <a:latin typeface="微软雅黑" panose="020B0503020204020204" pitchFamily="34" charset="-122"/>
-                          <a:ea typeface="微软雅黑" panose="020B0503020204020204" pitchFamily="34" charset="-122"/>
-                          <a:cs typeface="微软雅黑" panose="020B0503020204020204" pitchFamily="34" charset="-122"/>
-                        </a:rPr>
-                        <a:t> 提前改变任务的分配，他人顶上（由组长安排，并且请假人于下次任务中会适当增加分担协助者的部分任务）</a:t>
-                      </a:r>
-                      <a:endParaRPr lang="en-US" altLang="en-US" sz="900" b="0">
-                        <a:solidFill>
-                          <a:srgbClr val="000000"/>
-                        </a:solidFill>
-                        <a:latin typeface="微软雅黑" panose="020B0503020204020204" pitchFamily="34" charset="-122"/>
-                        <a:ea typeface="微软雅黑" panose="020B0503020204020204" pitchFamily="34" charset="-122"/>
-                        <a:cs typeface="微软雅黑" panose="020B0503020204020204" pitchFamily="34" charset="-122"/>
-                      </a:endParaRPr>
-                    </a:p>
-                  </a:txBody>
-                  <a:tcPr marL="68580" marR="68580" marT="0" marB="0" vert="horz" anchor="ctr">
-                    <a:lnL w="12700" cap="flat" cmpd="sng">
-                      <a:solidFill>
-                        <a:srgbClr val="080000"/>
-                      </a:solidFill>
-                      <a:prstDash val="solid"/>
-                      <a:headEnd type="none" w="med" len="med"/>
-                      <a:tailEnd type="none" w="med" len="med"/>
-                    </a:lnL>
-                    <a:lnR w="12700" cap="flat" cmpd="sng">
-                      <a:solidFill>
-                        <a:srgbClr val="080000"/>
-                      </a:solidFill>
-                      <a:prstDash val="solid"/>
-                      <a:headEnd type="none" w="med" len="med"/>
-                      <a:tailEnd type="none" w="med" len="med"/>
-                    </a:lnR>
-                    <a:lnT w="12700" cap="flat" cmpd="sng">
-                      <a:solidFill>
-                        <a:srgbClr val="080000"/>
-                      </a:solidFill>
-                      <a:prstDash val="solid"/>
-                      <a:headEnd type="none" w="med" len="med"/>
-                      <a:tailEnd type="none" w="med" len="med"/>
-                    </a:lnT>
-                    <a:lnB w="12700" cap="flat" cmpd="sng">
-                      <a:solidFill>
-                        <a:srgbClr val="080000"/>
-                      </a:solidFill>
-                      <a:prstDash val="solid"/>
-                      <a:headEnd type="none" w="med" len="med"/>
-                      <a:tailEnd type="none" w="med" len="med"/>
-                    </a:lnB>
-                    <a:lnTlToBr>
-                      <a:noFill/>
-                    </a:lnTlToBr>
-                    <a:lnBlToTr>
-                      <a:noFill/>
-                    </a:lnBlToTr>
-                    <a:noFill/>
-                  </a:tcPr>
-                </a:tc>
-              </a:tr>
-              <a:tr h="193675">
-                <a:tc>
-                  <a:txBody>
-                    <a:bodyPr/>
-                    <a:p>
-                      <a:pPr indent="0">
-                        <a:buNone/>
-                      </a:pPr>
-                      <a:r>
-                        <a:rPr lang="en-US" sz="900" b="0">
-                          <a:solidFill>
-                            <a:srgbClr val="000000"/>
-                          </a:solidFill>
-                          <a:latin typeface="微软雅黑" panose="020B0503020204020204" pitchFamily="34" charset="-122"/>
-                          <a:ea typeface="微软雅黑" panose="020B0503020204020204" pitchFamily="34" charset="-122"/>
-                          <a:cs typeface="微软雅黑" panose="020B0503020204020204" pitchFamily="34" charset="-122"/>
-                        </a:rPr>
-                        <a:t>2.</a:t>
-                      </a:r>
-                      <a:r>
-                        <a:rPr lang="en-US" sz="900" b="0">
-                          <a:latin typeface="微软雅黑" panose="020B0503020204020204" pitchFamily="34" charset="-122"/>
-                          <a:ea typeface="微软雅黑" panose="020B0503020204020204" pitchFamily="34" charset="-122"/>
-                          <a:cs typeface="微软雅黑" panose="020B0503020204020204" pitchFamily="34" charset="-122"/>
-                        </a:rPr>
-                        <a:t> 项目成员不能实现项目</a:t>
-                      </a:r>
-                      <a:endParaRPr lang="en-US" altLang="en-US" sz="900" b="0">
-                        <a:solidFill>
-                          <a:srgbClr val="000000"/>
-                        </a:solidFill>
-                        <a:latin typeface="微软雅黑" panose="020B0503020204020204" pitchFamily="34" charset="-122"/>
-                        <a:ea typeface="微软雅黑" panose="020B0503020204020204" pitchFamily="34" charset="-122"/>
-                        <a:cs typeface="微软雅黑" panose="020B0503020204020204" pitchFamily="34" charset="-122"/>
-                      </a:endParaRPr>
-                    </a:p>
-                  </a:txBody>
-                  <a:tcPr marL="68580" marR="68580" marT="0" marB="0" vert="horz" anchor="ctr">
-                    <a:lnL w="12700" cap="flat" cmpd="sng">
-                      <a:solidFill>
-                        <a:srgbClr val="080000"/>
-                      </a:solidFill>
-                      <a:prstDash val="solid"/>
-                      <a:headEnd type="none" w="med" len="med"/>
-                      <a:tailEnd type="none" w="med" len="med"/>
-                    </a:lnL>
-                    <a:lnR w="12700" cap="flat" cmpd="sng">
-                      <a:solidFill>
-                        <a:srgbClr val="080000"/>
-                      </a:solidFill>
-                      <a:prstDash val="solid"/>
-                      <a:headEnd type="none" w="med" len="med"/>
-                      <a:tailEnd type="none" w="med" len="med"/>
-                    </a:lnR>
-                    <a:lnT w="12700" cap="flat" cmpd="sng">
-                      <a:solidFill>
-                        <a:srgbClr val="080000"/>
-                      </a:solidFill>
-                      <a:prstDash val="solid"/>
-                      <a:headEnd type="none" w="med" len="med"/>
-                      <a:tailEnd type="none" w="med" len="med"/>
-                    </a:lnT>
-                    <a:lnB w="12700" cap="flat" cmpd="sng">
-                      <a:solidFill>
-                        <a:srgbClr val="080000"/>
-                      </a:solidFill>
-                      <a:prstDash val="solid"/>
-                      <a:headEnd type="none" w="med" len="med"/>
-                      <a:tailEnd type="none" w="med" len="med"/>
-                    </a:lnB>
-                    <a:lnTlToBr>
-                      <a:noFill/>
-                    </a:lnTlToBr>
-                    <a:lnBlToTr>
-                      <a:noFill/>
-                    </a:lnBlToTr>
-                    <a:noFill/>
-                  </a:tcPr>
-                </a:tc>
-                <a:tc>
-                  <a:txBody>
-                    <a:bodyPr/>
-                    <a:p>
-                      <a:pPr indent="0">
-                        <a:buNone/>
-                      </a:pPr>
-                      <a:r>
-                        <a:rPr lang="en-US" sz="900" b="0">
-                          <a:solidFill>
-                            <a:srgbClr val="000000"/>
-                          </a:solidFill>
-                          <a:latin typeface="微软雅黑" panose="020B0503020204020204" pitchFamily="34" charset="-122"/>
-                          <a:ea typeface="微软雅黑" panose="020B0503020204020204" pitchFamily="34" charset="-122"/>
-                          <a:cs typeface="微软雅黑" panose="020B0503020204020204" pitchFamily="34" charset="-122"/>
-                        </a:rPr>
-                        <a:t>2.</a:t>
-                      </a:r>
-                      <a:r>
-                        <a:rPr lang="en-US" sz="900" b="0">
-                          <a:latin typeface="微软雅黑" panose="020B0503020204020204" pitchFamily="34" charset="-122"/>
-                          <a:ea typeface="微软雅黑" panose="020B0503020204020204" pitchFamily="34" charset="-122"/>
-                          <a:cs typeface="微软雅黑" panose="020B0503020204020204" pitchFamily="34" charset="-122"/>
-                        </a:rPr>
-                        <a:t> 制定培训计划</a:t>
-                      </a:r>
-                      <a:endParaRPr lang="en-US" altLang="en-US" sz="900" b="0">
-                        <a:solidFill>
-                          <a:srgbClr val="000000"/>
-                        </a:solidFill>
-                        <a:latin typeface="微软雅黑" panose="020B0503020204020204" pitchFamily="34" charset="-122"/>
-                        <a:ea typeface="微软雅黑" panose="020B0503020204020204" pitchFamily="34" charset="-122"/>
-                        <a:cs typeface="微软雅黑" panose="020B0503020204020204" pitchFamily="34" charset="-122"/>
-                      </a:endParaRPr>
-                    </a:p>
-                  </a:txBody>
-                  <a:tcPr marL="68580" marR="68580" marT="0" marB="0" vert="horz" anchor="ctr">
-                    <a:lnL w="12700" cap="flat" cmpd="sng">
-                      <a:solidFill>
-                        <a:srgbClr val="080000"/>
-                      </a:solidFill>
-                      <a:prstDash val="solid"/>
-                      <a:headEnd type="none" w="med" len="med"/>
-                      <a:tailEnd type="none" w="med" len="med"/>
-                    </a:lnL>
-                    <a:lnR w="12700" cap="flat" cmpd="sng">
-                      <a:solidFill>
-                        <a:srgbClr val="080000"/>
-                      </a:solidFill>
-                      <a:prstDash val="solid"/>
-                      <a:headEnd type="none" w="med" len="med"/>
-                      <a:tailEnd type="none" w="med" len="med"/>
-                    </a:lnR>
-                    <a:lnT w="12700" cap="flat" cmpd="sng">
-                      <a:solidFill>
-                        <a:srgbClr val="080000"/>
-                      </a:solidFill>
-                      <a:prstDash val="solid"/>
-                      <a:headEnd type="none" w="med" len="med"/>
-                      <a:tailEnd type="none" w="med" len="med"/>
-                    </a:lnT>
-                    <a:lnB w="12700" cap="flat" cmpd="sng">
-                      <a:solidFill>
-                        <a:srgbClr val="080000"/>
-                      </a:solidFill>
-                      <a:prstDash val="solid"/>
-                      <a:headEnd type="none" w="med" len="med"/>
-                      <a:tailEnd type="none" w="med" len="med"/>
-                    </a:lnB>
-                    <a:lnTlToBr>
-                      <a:noFill/>
-                    </a:lnTlToBr>
-                    <a:lnBlToTr>
-                      <a:noFill/>
-                    </a:lnBlToTr>
-                    <a:noFill/>
-                  </a:tcPr>
-                </a:tc>
-              </a:tr>
-              <a:tr h="193675">
-                <a:tc>
-                  <a:txBody>
-                    <a:bodyPr/>
-                    <a:p>
-                      <a:pPr indent="0">
-                        <a:buNone/>
-                      </a:pPr>
-                      <a:r>
-                        <a:rPr lang="en-US" sz="900" b="0">
-                          <a:solidFill>
-                            <a:srgbClr val="000000"/>
-                          </a:solidFill>
-                          <a:latin typeface="微软雅黑" panose="020B0503020204020204" pitchFamily="34" charset="-122"/>
-                          <a:ea typeface="微软雅黑" panose="020B0503020204020204" pitchFamily="34" charset="-122"/>
-                          <a:cs typeface="微软雅黑" panose="020B0503020204020204" pitchFamily="34" charset="-122"/>
-                        </a:rPr>
-                        <a:t>3.</a:t>
-                      </a:r>
-                      <a:r>
-                        <a:rPr lang="en-US" sz="900" b="0">
-                          <a:latin typeface="微软雅黑" panose="020B0503020204020204" pitchFamily="34" charset="-122"/>
-                          <a:ea typeface="微软雅黑" panose="020B0503020204020204" pitchFamily="34" charset="-122"/>
-                          <a:cs typeface="微软雅黑" panose="020B0503020204020204" pitchFamily="34" charset="-122"/>
-                        </a:rPr>
-                        <a:t> Git远端仓库崩溃</a:t>
-                      </a:r>
-                      <a:endParaRPr lang="en-US" altLang="en-US" sz="900" b="0">
-                        <a:solidFill>
-                          <a:srgbClr val="000000"/>
-                        </a:solidFill>
-                        <a:latin typeface="微软雅黑" panose="020B0503020204020204" pitchFamily="34" charset="-122"/>
-                        <a:ea typeface="微软雅黑" panose="020B0503020204020204" pitchFamily="34" charset="-122"/>
-                        <a:cs typeface="微软雅黑" panose="020B0503020204020204" pitchFamily="34" charset="-122"/>
-                      </a:endParaRPr>
-                    </a:p>
-                  </a:txBody>
-                  <a:tcPr marL="68580" marR="68580" marT="0" marB="0" vert="horz" anchor="ctr">
-                    <a:lnL w="12700" cap="flat" cmpd="sng">
-                      <a:solidFill>
-                        <a:srgbClr val="080000"/>
-                      </a:solidFill>
-                      <a:prstDash val="solid"/>
-                      <a:headEnd type="none" w="med" len="med"/>
-                      <a:tailEnd type="none" w="med" len="med"/>
-                    </a:lnL>
-                    <a:lnR w="12700" cap="flat" cmpd="sng">
-                      <a:solidFill>
-                        <a:srgbClr val="080000"/>
-                      </a:solidFill>
-                      <a:prstDash val="solid"/>
-                      <a:headEnd type="none" w="med" len="med"/>
-                      <a:tailEnd type="none" w="med" len="med"/>
-                    </a:lnR>
-                    <a:lnT w="12700" cap="flat" cmpd="sng">
-                      <a:solidFill>
-                        <a:srgbClr val="080000"/>
-                      </a:solidFill>
-                      <a:prstDash val="solid"/>
-                      <a:headEnd type="none" w="med" len="med"/>
-                      <a:tailEnd type="none" w="med" len="med"/>
-                    </a:lnT>
-                    <a:lnB w="12700" cap="flat" cmpd="sng">
-                      <a:solidFill>
-                        <a:srgbClr val="080000"/>
-                      </a:solidFill>
-                      <a:prstDash val="solid"/>
-                      <a:headEnd type="none" w="med" len="med"/>
-                      <a:tailEnd type="none" w="med" len="med"/>
-                    </a:lnB>
-                    <a:lnTlToBr>
-                      <a:noFill/>
-                    </a:lnTlToBr>
-                    <a:lnBlToTr>
-                      <a:noFill/>
-                    </a:lnBlToTr>
-                    <a:noFill/>
-                  </a:tcPr>
-                </a:tc>
-                <a:tc>
-                  <a:txBody>
-                    <a:bodyPr/>
-                    <a:p>
-                      <a:pPr indent="0">
-                        <a:buNone/>
-                      </a:pPr>
-                      <a:r>
-                        <a:rPr lang="en-US" sz="900" b="0">
-                          <a:solidFill>
-                            <a:srgbClr val="000000"/>
-                          </a:solidFill>
-                          <a:latin typeface="微软雅黑" panose="020B0503020204020204" pitchFamily="34" charset="-122"/>
-                          <a:ea typeface="微软雅黑" panose="020B0503020204020204" pitchFamily="34" charset="-122"/>
-                          <a:cs typeface="微软雅黑" panose="020B0503020204020204" pitchFamily="34" charset="-122"/>
-                        </a:rPr>
-                        <a:t>3.</a:t>
-                      </a:r>
-                      <a:r>
-                        <a:rPr lang="en-US" sz="900" b="0">
-                          <a:latin typeface="微软雅黑" panose="020B0503020204020204" pitchFamily="34" charset="-122"/>
-                          <a:ea typeface="微软雅黑" panose="020B0503020204020204" pitchFamily="34" charset="-122"/>
-                          <a:cs typeface="微软雅黑" panose="020B0503020204020204" pitchFamily="34" charset="-122"/>
-                        </a:rPr>
-                        <a:t> 及时发现，用本地版本去创建新的远端仓库</a:t>
-                      </a:r>
-                      <a:endParaRPr lang="en-US" altLang="en-US" sz="900" b="0">
-                        <a:solidFill>
-                          <a:srgbClr val="000000"/>
-                        </a:solidFill>
-                        <a:latin typeface="微软雅黑" panose="020B0503020204020204" pitchFamily="34" charset="-122"/>
-                        <a:ea typeface="微软雅黑" panose="020B0503020204020204" pitchFamily="34" charset="-122"/>
-                        <a:cs typeface="微软雅黑" panose="020B0503020204020204" pitchFamily="34" charset="-122"/>
-                      </a:endParaRPr>
-                    </a:p>
-                  </a:txBody>
-                  <a:tcPr marL="68580" marR="68580" marT="0" marB="0" vert="horz" anchor="ctr">
-                    <a:lnL w="12700" cap="flat" cmpd="sng">
-                      <a:solidFill>
-                        <a:srgbClr val="080000"/>
-                      </a:solidFill>
-                      <a:prstDash val="solid"/>
-                      <a:headEnd type="none" w="med" len="med"/>
-                      <a:tailEnd type="none" w="med" len="med"/>
-                    </a:lnL>
-                    <a:lnR w="12700" cap="flat" cmpd="sng">
-                      <a:solidFill>
-                        <a:srgbClr val="080000"/>
-                      </a:solidFill>
-                      <a:prstDash val="solid"/>
-                      <a:headEnd type="none" w="med" len="med"/>
-                      <a:tailEnd type="none" w="med" len="med"/>
-                    </a:lnR>
-                    <a:lnT w="12700" cap="flat" cmpd="sng">
-                      <a:solidFill>
-                        <a:srgbClr val="080000"/>
-                      </a:solidFill>
-                      <a:prstDash val="solid"/>
-                      <a:headEnd type="none" w="med" len="med"/>
-                      <a:tailEnd type="none" w="med" len="med"/>
-                    </a:lnT>
-                    <a:lnB w="12700" cap="flat" cmpd="sng">
-                      <a:solidFill>
-                        <a:srgbClr val="080000"/>
-                      </a:solidFill>
-                      <a:prstDash val="solid"/>
-                      <a:headEnd type="none" w="med" len="med"/>
-                      <a:tailEnd type="none" w="med" len="med"/>
-                    </a:lnB>
-                    <a:lnTlToBr>
-                      <a:noFill/>
-                    </a:lnTlToBr>
-                    <a:lnBlToTr>
-                      <a:noFill/>
-                    </a:lnBlToTr>
-                    <a:noFill/>
-                  </a:tcPr>
-                </a:tc>
-              </a:tr>
-              <a:tr h="395605">
-                <a:tc>
-                  <a:txBody>
-                    <a:bodyPr/>
-                    <a:p>
-                      <a:pPr indent="0">
-                        <a:buNone/>
-                      </a:pPr>
-                      <a:r>
-                        <a:rPr lang="en-US" sz="900" b="0">
-                          <a:solidFill>
-                            <a:srgbClr val="000000"/>
-                          </a:solidFill>
-                          <a:latin typeface="微软雅黑" panose="020B0503020204020204" pitchFamily="34" charset="-122"/>
-                          <a:ea typeface="微软雅黑" panose="020B0503020204020204" pitchFamily="34" charset="-122"/>
-                          <a:cs typeface="微软雅黑" panose="020B0503020204020204" pitchFamily="34" charset="-122"/>
-                        </a:rPr>
-                        <a:t>4.</a:t>
-                      </a:r>
-                      <a:r>
-                        <a:rPr lang="en-US" sz="900" b="0">
-                          <a:latin typeface="微软雅黑" panose="020B0503020204020204" pitchFamily="34" charset="-122"/>
-                          <a:ea typeface="微软雅黑" panose="020B0503020204020204" pitchFamily="34" charset="-122"/>
-                          <a:cs typeface="微软雅黑" panose="020B0503020204020204" pitchFamily="34" charset="-122"/>
-                        </a:rPr>
-                        <a:t> 与干系人联系邮件发送内容、格式错误</a:t>
-                      </a:r>
-                      <a:endParaRPr lang="en-US" altLang="en-US" sz="900" b="0">
-                        <a:solidFill>
-                          <a:srgbClr val="000000"/>
-                        </a:solidFill>
-                        <a:latin typeface="微软雅黑" panose="020B0503020204020204" pitchFamily="34" charset="-122"/>
-                        <a:ea typeface="微软雅黑" panose="020B0503020204020204" pitchFamily="34" charset="-122"/>
-                        <a:cs typeface="微软雅黑" panose="020B0503020204020204" pitchFamily="34" charset="-122"/>
-                      </a:endParaRPr>
-                    </a:p>
-                  </a:txBody>
-                  <a:tcPr marL="68580" marR="68580" marT="0" marB="0" vert="horz" anchor="ctr">
-                    <a:lnL w="12700" cap="flat" cmpd="sng">
-                      <a:solidFill>
-                        <a:srgbClr val="080000"/>
-                      </a:solidFill>
-                      <a:prstDash val="solid"/>
-                      <a:headEnd type="none" w="med" len="med"/>
-                      <a:tailEnd type="none" w="med" len="med"/>
-                    </a:lnL>
-                    <a:lnR w="12700" cap="flat" cmpd="sng">
-                      <a:solidFill>
-                        <a:srgbClr val="080000"/>
-                      </a:solidFill>
-                      <a:prstDash val="solid"/>
-                      <a:headEnd type="none" w="med" len="med"/>
-                      <a:tailEnd type="none" w="med" len="med"/>
-                    </a:lnR>
-                    <a:lnT w="12700" cap="flat" cmpd="sng">
-                      <a:solidFill>
-                        <a:srgbClr val="080000"/>
-                      </a:solidFill>
-                      <a:prstDash val="solid"/>
-                      <a:headEnd type="none" w="med" len="med"/>
-                      <a:tailEnd type="none" w="med" len="med"/>
-                    </a:lnT>
-                    <a:lnB w="12700" cap="flat" cmpd="sng">
-                      <a:solidFill>
-                        <a:srgbClr val="080000"/>
-                      </a:solidFill>
-                      <a:prstDash val="solid"/>
-                      <a:headEnd type="none" w="med" len="med"/>
-                      <a:tailEnd type="none" w="med" len="med"/>
-                    </a:lnB>
-                    <a:lnTlToBr>
-                      <a:noFill/>
-                    </a:lnTlToBr>
-                    <a:lnBlToTr>
-                      <a:noFill/>
-                    </a:lnBlToTr>
-                    <a:noFill/>
-                  </a:tcPr>
-                </a:tc>
-                <a:tc>
-                  <a:txBody>
-                    <a:bodyPr/>
-                    <a:p>
-                      <a:pPr indent="0">
-                        <a:buNone/>
-                      </a:pPr>
-                      <a:r>
-                        <a:rPr lang="en-US" sz="900" b="0">
-                          <a:solidFill>
-                            <a:srgbClr val="000000"/>
-                          </a:solidFill>
-                          <a:latin typeface="微软雅黑" panose="020B0503020204020204" pitchFamily="34" charset="-122"/>
-                          <a:ea typeface="微软雅黑" panose="020B0503020204020204" pitchFamily="34" charset="-122"/>
-                          <a:cs typeface="微软雅黑" panose="020B0503020204020204" pitchFamily="34" charset="-122"/>
-                        </a:rPr>
-                        <a:t>4.</a:t>
-                      </a:r>
-                      <a:r>
-                        <a:rPr lang="en-US" sz="900" b="0">
-                          <a:latin typeface="微软雅黑" panose="020B0503020204020204" pitchFamily="34" charset="-122"/>
-                          <a:ea typeface="微软雅黑" panose="020B0503020204020204" pitchFamily="34" charset="-122"/>
-                          <a:cs typeface="微软雅黑" panose="020B0503020204020204" pitchFamily="34" charset="-122"/>
-                        </a:rPr>
-                        <a:t> 提前Deadline发邮件，抄送组员，即使发现错误并修正</a:t>
-                      </a:r>
-                      <a:endParaRPr lang="en-US" altLang="en-US" sz="900" b="0">
-                        <a:solidFill>
-                          <a:srgbClr val="000000"/>
-                        </a:solidFill>
-                        <a:latin typeface="微软雅黑" panose="020B0503020204020204" pitchFamily="34" charset="-122"/>
-                        <a:ea typeface="微软雅黑" panose="020B0503020204020204" pitchFamily="34" charset="-122"/>
-                        <a:cs typeface="微软雅黑" panose="020B0503020204020204" pitchFamily="34" charset="-122"/>
-                      </a:endParaRPr>
-                    </a:p>
-                  </a:txBody>
-                  <a:tcPr marL="68580" marR="68580" marT="0" marB="0" vert="horz" anchor="ctr">
-                    <a:lnL w="12700" cap="flat" cmpd="sng">
-                      <a:solidFill>
-                        <a:srgbClr val="080000"/>
-                      </a:solidFill>
-                      <a:prstDash val="solid"/>
-                      <a:headEnd type="none" w="med" len="med"/>
-                      <a:tailEnd type="none" w="med" len="med"/>
-                    </a:lnL>
-                    <a:lnR w="12700" cap="flat" cmpd="sng">
-                      <a:solidFill>
-                        <a:srgbClr val="080000"/>
-                      </a:solidFill>
-                      <a:prstDash val="solid"/>
-                      <a:headEnd type="none" w="med" len="med"/>
-                      <a:tailEnd type="none" w="med" len="med"/>
-                    </a:lnR>
-                    <a:lnT w="12700" cap="flat" cmpd="sng">
-                      <a:solidFill>
-                        <a:srgbClr val="080000"/>
-                      </a:solidFill>
-                      <a:prstDash val="solid"/>
-                      <a:headEnd type="none" w="med" len="med"/>
-                      <a:tailEnd type="none" w="med" len="med"/>
-                    </a:lnT>
-                    <a:lnB w="12700" cap="flat" cmpd="sng">
-                      <a:solidFill>
-                        <a:srgbClr val="080000"/>
-                      </a:solidFill>
-                      <a:prstDash val="solid"/>
-                      <a:headEnd type="none" w="med" len="med"/>
-                      <a:tailEnd type="none" w="med" len="med"/>
-                    </a:lnB>
-                    <a:lnTlToBr>
-                      <a:noFill/>
-                    </a:lnTlToBr>
-                    <a:lnBlToTr>
-                      <a:noFill/>
-                    </a:lnBlToTr>
-                    <a:noFill/>
-                  </a:tcPr>
-                </a:tc>
-              </a:tr>
-              <a:tr h="295275">
-                <a:tc>
-                  <a:txBody>
-                    <a:bodyPr/>
-                    <a:p>
-                      <a:pPr indent="0">
-                        <a:buNone/>
-                      </a:pPr>
-                      <a:r>
-                        <a:rPr lang="en-US" sz="900" b="0">
-                          <a:solidFill>
-                            <a:srgbClr val="000000"/>
-                          </a:solidFill>
-                          <a:latin typeface="微软雅黑" panose="020B0503020204020204" pitchFamily="34" charset="-122"/>
-                          <a:ea typeface="微软雅黑" panose="020B0503020204020204" pitchFamily="34" charset="-122"/>
-                          <a:cs typeface="微软雅黑" panose="020B0503020204020204" pitchFamily="34" charset="-122"/>
-                        </a:rPr>
-                        <a:t>5.</a:t>
-                      </a:r>
-                      <a:r>
-                        <a:rPr lang="en-US" sz="900" b="0">
-                          <a:latin typeface="微软雅黑" panose="020B0503020204020204" pitchFamily="34" charset="-122"/>
-                          <a:ea typeface="微软雅黑" panose="020B0503020204020204" pitchFamily="34" charset="-122"/>
-                          <a:cs typeface="微软雅黑" panose="020B0503020204020204" pitchFamily="34" charset="-122"/>
-                        </a:rPr>
-                        <a:t> 项目文件结构不符合要求</a:t>
-                      </a:r>
-                      <a:endParaRPr lang="en-US" altLang="en-US" sz="900" b="0">
-                        <a:solidFill>
-                          <a:srgbClr val="000000"/>
-                        </a:solidFill>
-                        <a:latin typeface="微软雅黑" panose="020B0503020204020204" pitchFamily="34" charset="-122"/>
-                        <a:ea typeface="微软雅黑" panose="020B0503020204020204" pitchFamily="34" charset="-122"/>
-                        <a:cs typeface="微软雅黑" panose="020B0503020204020204" pitchFamily="34" charset="-122"/>
-                      </a:endParaRPr>
-                    </a:p>
-                  </a:txBody>
-                  <a:tcPr marL="68580" marR="68580" marT="0" marB="0" vert="horz" anchor="ctr">
-                    <a:lnL w="12700" cap="flat" cmpd="sng">
-                      <a:solidFill>
-                        <a:srgbClr val="080000"/>
-                      </a:solidFill>
-                      <a:prstDash val="solid"/>
-                      <a:headEnd type="none" w="med" len="med"/>
-                      <a:tailEnd type="none" w="med" len="med"/>
-                    </a:lnL>
-                    <a:lnR w="12700" cap="flat" cmpd="sng">
-                      <a:solidFill>
-                        <a:srgbClr val="080000"/>
-                      </a:solidFill>
-                      <a:prstDash val="solid"/>
-                      <a:headEnd type="none" w="med" len="med"/>
-                      <a:tailEnd type="none" w="med" len="med"/>
-                    </a:lnR>
-                    <a:lnT w="12700" cap="flat" cmpd="sng">
-                      <a:solidFill>
-                        <a:srgbClr val="080000"/>
-                      </a:solidFill>
-                      <a:prstDash val="solid"/>
-                      <a:headEnd type="none" w="med" len="med"/>
-                      <a:tailEnd type="none" w="med" len="med"/>
-                    </a:lnT>
-                    <a:lnB w="12700" cap="flat" cmpd="sng">
-                      <a:solidFill>
-                        <a:srgbClr val="080000"/>
-                      </a:solidFill>
-                      <a:prstDash val="solid"/>
-                      <a:headEnd type="none" w="med" len="med"/>
-                      <a:tailEnd type="none" w="med" len="med"/>
-                    </a:lnB>
-                    <a:lnTlToBr>
-                      <a:noFill/>
-                    </a:lnTlToBr>
-                    <a:lnBlToTr>
-                      <a:noFill/>
-                    </a:lnBlToTr>
-                    <a:noFill/>
-                  </a:tcPr>
-                </a:tc>
-                <a:tc>
-                  <a:txBody>
-                    <a:bodyPr/>
-                    <a:p>
-                      <a:pPr indent="0">
-                        <a:buNone/>
-                      </a:pPr>
-                      <a:r>
-                        <a:rPr lang="en-US" sz="900" b="0">
-                          <a:solidFill>
-                            <a:srgbClr val="000000"/>
-                          </a:solidFill>
-                          <a:latin typeface="微软雅黑" panose="020B0503020204020204" pitchFamily="34" charset="-122"/>
-                          <a:ea typeface="微软雅黑" panose="020B0503020204020204" pitchFamily="34" charset="-122"/>
-                          <a:cs typeface="微软雅黑" panose="020B0503020204020204" pitchFamily="34" charset="-122"/>
-                        </a:rPr>
-                        <a:t>5.</a:t>
-                      </a:r>
-                      <a:r>
-                        <a:rPr lang="en-US" sz="900" b="0">
-                          <a:latin typeface="微软雅黑" panose="020B0503020204020204" pitchFamily="34" charset="-122"/>
-                          <a:ea typeface="微软雅黑" panose="020B0503020204020204" pitchFamily="34" charset="-122"/>
-                          <a:cs typeface="微软雅黑" panose="020B0503020204020204" pitchFamily="34" charset="-122"/>
-                        </a:rPr>
-                        <a:t> 配置管理员修改文件结构</a:t>
-                      </a:r>
-                      <a:endParaRPr lang="en-US" altLang="en-US" sz="900" b="0">
-                        <a:solidFill>
-                          <a:srgbClr val="000000"/>
-                        </a:solidFill>
-                        <a:latin typeface="微软雅黑" panose="020B0503020204020204" pitchFamily="34" charset="-122"/>
-                        <a:ea typeface="微软雅黑" panose="020B0503020204020204" pitchFamily="34" charset="-122"/>
-                        <a:cs typeface="微软雅黑" panose="020B0503020204020204" pitchFamily="34" charset="-122"/>
-                      </a:endParaRPr>
-                    </a:p>
-                  </a:txBody>
-                  <a:tcPr marL="68580" marR="68580" marT="0" marB="0" vert="horz" anchor="ctr">
-                    <a:lnL w="12700" cap="flat" cmpd="sng">
-                      <a:solidFill>
-                        <a:srgbClr val="080000"/>
-                      </a:solidFill>
-                      <a:prstDash val="solid"/>
-                      <a:headEnd type="none" w="med" len="med"/>
-                      <a:tailEnd type="none" w="med" len="med"/>
-                    </a:lnL>
-                    <a:lnR w="12700" cap="flat" cmpd="sng">
-                      <a:solidFill>
-                        <a:srgbClr val="080000"/>
-                      </a:solidFill>
-                      <a:prstDash val="solid"/>
-                      <a:headEnd type="none" w="med" len="med"/>
-                      <a:tailEnd type="none" w="med" len="med"/>
-                    </a:lnR>
-                    <a:lnT w="12700" cap="flat" cmpd="sng">
-                      <a:solidFill>
-                        <a:srgbClr val="080000"/>
-                      </a:solidFill>
-                      <a:prstDash val="solid"/>
-                      <a:headEnd type="none" w="med" len="med"/>
-                      <a:tailEnd type="none" w="med" len="med"/>
-                    </a:lnT>
-                    <a:lnB w="12700" cap="flat" cmpd="sng">
-                      <a:solidFill>
-                        <a:srgbClr val="080000"/>
-                      </a:solidFill>
-                      <a:prstDash val="solid"/>
-                      <a:headEnd type="none" w="med" len="med"/>
-                      <a:tailEnd type="none" w="med" len="med"/>
-                    </a:lnB>
-                    <a:lnTlToBr>
-                      <a:noFill/>
-                    </a:lnTlToBr>
-                    <a:lnBlToTr>
-                      <a:noFill/>
-                    </a:lnBlToTr>
-                    <a:noFill/>
-                  </a:tcPr>
-                </a:tc>
-              </a:tr>
-              <a:tr h="292735">
-                <a:tc>
-                  <a:txBody>
-                    <a:bodyPr/>
-                    <a:p>
-                      <a:pPr indent="0">
-                        <a:buNone/>
-                      </a:pPr>
-                      <a:r>
-                        <a:rPr lang="en-US" sz="900" b="0">
-                          <a:solidFill>
-                            <a:srgbClr val="000000"/>
-                          </a:solidFill>
-                          <a:latin typeface="微软雅黑" panose="020B0503020204020204" pitchFamily="34" charset="-122"/>
-                          <a:ea typeface="微软雅黑" panose="020B0503020204020204" pitchFamily="34" charset="-122"/>
-                          <a:cs typeface="微软雅黑" panose="020B0503020204020204" pitchFamily="34" charset="-122"/>
-                        </a:rPr>
-                        <a:t>6.</a:t>
-                      </a:r>
-                      <a:r>
-                        <a:rPr lang="en-US" sz="900" b="0">
-                          <a:latin typeface="微软雅黑" panose="020B0503020204020204" pitchFamily="34" charset="-122"/>
-                          <a:ea typeface="微软雅黑" panose="020B0503020204020204" pitchFamily="34" charset="-122"/>
-                          <a:cs typeface="微软雅黑" panose="020B0503020204020204" pitchFamily="34" charset="-122"/>
-                        </a:rPr>
-                        <a:t> 对接下来的计划和任务定义不够充分明确</a:t>
-                      </a:r>
-                      <a:endParaRPr lang="en-US" altLang="en-US" sz="900" b="0">
-                        <a:solidFill>
-                          <a:srgbClr val="000000"/>
-                        </a:solidFill>
-                        <a:latin typeface="微软雅黑" panose="020B0503020204020204" pitchFamily="34" charset="-122"/>
-                        <a:ea typeface="微软雅黑" panose="020B0503020204020204" pitchFamily="34" charset="-122"/>
-                        <a:cs typeface="微软雅黑" panose="020B0503020204020204" pitchFamily="34" charset="-122"/>
-                      </a:endParaRPr>
-                    </a:p>
-                  </a:txBody>
-                  <a:tcPr marL="68580" marR="68580" marT="0" marB="0" vert="horz" anchor="ctr">
-                    <a:lnL w="12700" cap="flat" cmpd="sng">
-                      <a:solidFill>
-                        <a:srgbClr val="080000"/>
-                      </a:solidFill>
-                      <a:prstDash val="solid"/>
-                      <a:headEnd type="none" w="med" len="med"/>
-                      <a:tailEnd type="none" w="med" len="med"/>
-                    </a:lnL>
-                    <a:lnR w="12700" cap="flat" cmpd="sng">
-                      <a:solidFill>
-                        <a:srgbClr val="080000"/>
-                      </a:solidFill>
-                      <a:prstDash val="solid"/>
-                      <a:headEnd type="none" w="med" len="med"/>
-                      <a:tailEnd type="none" w="med" len="med"/>
-                    </a:lnR>
-                    <a:lnT w="12700" cap="flat" cmpd="sng">
-                      <a:solidFill>
-                        <a:srgbClr val="080000"/>
-                      </a:solidFill>
-                      <a:prstDash val="solid"/>
-                      <a:headEnd type="none" w="med" len="med"/>
-                      <a:tailEnd type="none" w="med" len="med"/>
-                    </a:lnT>
-                    <a:lnB w="12700" cap="flat" cmpd="sng">
-                      <a:solidFill>
-                        <a:srgbClr val="080000"/>
-                      </a:solidFill>
-                      <a:prstDash val="solid"/>
-                      <a:headEnd type="none" w="med" len="med"/>
-                      <a:tailEnd type="none" w="med" len="med"/>
-                    </a:lnB>
-                    <a:lnTlToBr>
-                      <a:noFill/>
-                    </a:lnTlToBr>
-                    <a:lnBlToTr>
-                      <a:noFill/>
-                    </a:lnBlToTr>
-                    <a:noFill/>
-                  </a:tcPr>
-                </a:tc>
-                <a:tc>
-                  <a:txBody>
-                    <a:bodyPr/>
-                    <a:p>
-                      <a:pPr indent="0">
-                        <a:buNone/>
-                      </a:pPr>
-                      <a:r>
-                        <a:rPr lang="en-US" sz="900" b="0">
-                          <a:solidFill>
-                            <a:srgbClr val="000000"/>
-                          </a:solidFill>
-                          <a:latin typeface="微软雅黑" panose="020B0503020204020204" pitchFamily="34" charset="-122"/>
-                          <a:ea typeface="微软雅黑" panose="020B0503020204020204" pitchFamily="34" charset="-122"/>
-                          <a:cs typeface="微软雅黑" panose="020B0503020204020204" pitchFamily="34" charset="-122"/>
-                        </a:rPr>
-                        <a:t>6.</a:t>
-                      </a:r>
-                      <a:r>
-                        <a:rPr lang="en-US" sz="900" b="0">
-                          <a:latin typeface="微软雅黑" panose="020B0503020204020204" pitchFamily="34" charset="-122"/>
-                          <a:ea typeface="微软雅黑" panose="020B0503020204020204" pitchFamily="34" charset="-122"/>
-                          <a:cs typeface="微软雅黑" panose="020B0503020204020204" pitchFamily="34" charset="-122"/>
-                        </a:rPr>
-                        <a:t> 找任务发布者（老师）明确任务，并制定一周的计划，每个组员都要有事可做</a:t>
-                      </a:r>
-                      <a:endParaRPr lang="en-US" altLang="en-US" sz="900" b="0">
-                        <a:solidFill>
-                          <a:srgbClr val="000000"/>
-                        </a:solidFill>
-                        <a:latin typeface="微软雅黑" panose="020B0503020204020204" pitchFamily="34" charset="-122"/>
-                        <a:ea typeface="微软雅黑" panose="020B0503020204020204" pitchFamily="34" charset="-122"/>
-                        <a:cs typeface="微软雅黑" panose="020B0503020204020204" pitchFamily="34" charset="-122"/>
-                      </a:endParaRPr>
-                    </a:p>
-                  </a:txBody>
-                  <a:tcPr marL="68580" marR="68580" marT="0" marB="0" vert="horz" anchor="ctr">
-                    <a:lnL w="12700" cap="flat" cmpd="sng">
-                      <a:solidFill>
-                        <a:srgbClr val="080000"/>
-                      </a:solidFill>
-                      <a:prstDash val="solid"/>
-                      <a:headEnd type="none" w="med" len="med"/>
-                      <a:tailEnd type="none" w="med" len="med"/>
-                    </a:lnL>
-                    <a:lnR w="12700" cap="flat" cmpd="sng">
-                      <a:solidFill>
-                        <a:srgbClr val="080000"/>
-                      </a:solidFill>
-                      <a:prstDash val="solid"/>
-                      <a:headEnd type="none" w="med" len="med"/>
-                      <a:tailEnd type="none" w="med" len="med"/>
-                    </a:lnR>
-                    <a:lnT w="12700" cap="flat" cmpd="sng">
-                      <a:solidFill>
-                        <a:srgbClr val="080000"/>
-                      </a:solidFill>
-                      <a:prstDash val="solid"/>
-                      <a:headEnd type="none" w="med" len="med"/>
-                      <a:tailEnd type="none" w="med" len="med"/>
-                    </a:lnT>
-                    <a:lnB w="12700" cap="flat" cmpd="sng">
-                      <a:solidFill>
-                        <a:srgbClr val="080000"/>
-                      </a:solidFill>
-                      <a:prstDash val="solid"/>
-                      <a:headEnd type="none" w="med" len="med"/>
-                      <a:tailEnd type="none" w="med" len="med"/>
-                    </a:lnB>
-                    <a:lnTlToBr>
-                      <a:noFill/>
-                    </a:lnTlToBr>
-                    <a:lnBlToTr>
-                      <a:noFill/>
-                    </a:lnBlToTr>
-                    <a:noFill/>
-                  </a:tcPr>
-                </a:tc>
-              </a:tr>
-              <a:tr h="195580">
-                <a:tc>
-                  <a:txBody>
-                    <a:bodyPr/>
-                    <a:p>
-                      <a:pPr indent="0">
-                        <a:buNone/>
-                      </a:pPr>
-                      <a:r>
-                        <a:rPr lang="en-US" sz="900" b="0">
-                          <a:solidFill>
-                            <a:srgbClr val="000000"/>
-                          </a:solidFill>
-                          <a:latin typeface="微软雅黑" panose="020B0503020204020204" pitchFamily="34" charset="-122"/>
-                          <a:ea typeface="微软雅黑" panose="020B0503020204020204" pitchFamily="34" charset="-122"/>
-                          <a:cs typeface="微软雅黑" panose="020B0503020204020204" pitchFamily="34" charset="-122"/>
-                        </a:rPr>
-                        <a:t>7.</a:t>
-                      </a:r>
-                      <a:r>
-                        <a:rPr lang="en-US" sz="900" b="0">
-                          <a:latin typeface="微软雅黑" panose="020B0503020204020204" pitchFamily="34" charset="-122"/>
-                          <a:ea typeface="微软雅黑" panose="020B0503020204020204" pitchFamily="34" charset="-122"/>
-                          <a:cs typeface="微软雅黑" panose="020B0503020204020204" pitchFamily="34" charset="-122"/>
-                        </a:rPr>
-                        <a:t> 组内信息回复的实时性</a:t>
-                      </a:r>
-                      <a:endParaRPr lang="en-US" altLang="en-US" sz="900" b="0">
-                        <a:solidFill>
-                          <a:srgbClr val="000000"/>
-                        </a:solidFill>
-                        <a:latin typeface="微软雅黑" panose="020B0503020204020204" pitchFamily="34" charset="-122"/>
-                        <a:ea typeface="微软雅黑" panose="020B0503020204020204" pitchFamily="34" charset="-122"/>
-                        <a:cs typeface="微软雅黑" panose="020B0503020204020204" pitchFamily="34" charset="-122"/>
-                      </a:endParaRPr>
-                    </a:p>
-                  </a:txBody>
-                  <a:tcPr marL="68580" marR="68580" marT="0" marB="0" vert="horz" anchor="ctr">
-                    <a:lnL w="12700" cap="flat" cmpd="sng">
-                      <a:solidFill>
-                        <a:srgbClr val="080000"/>
-                      </a:solidFill>
-                      <a:prstDash val="solid"/>
-                      <a:headEnd type="none" w="med" len="med"/>
-                      <a:tailEnd type="none" w="med" len="med"/>
-                    </a:lnL>
-                    <a:lnR w="12700" cap="flat" cmpd="sng">
-                      <a:solidFill>
-                        <a:srgbClr val="080000"/>
-                      </a:solidFill>
-                      <a:prstDash val="solid"/>
-                      <a:headEnd type="none" w="med" len="med"/>
-                      <a:tailEnd type="none" w="med" len="med"/>
-                    </a:lnR>
-                    <a:lnT w="12700" cap="flat" cmpd="sng">
-                      <a:solidFill>
-                        <a:srgbClr val="080000"/>
-                      </a:solidFill>
-                      <a:prstDash val="solid"/>
-                      <a:headEnd type="none" w="med" len="med"/>
-                      <a:tailEnd type="none" w="med" len="med"/>
-                    </a:lnT>
-                    <a:lnB w="12700" cap="flat" cmpd="sng">
-                      <a:solidFill>
-                        <a:srgbClr val="080000"/>
-                      </a:solidFill>
-                      <a:prstDash val="solid"/>
-                      <a:headEnd type="none" w="med" len="med"/>
-                      <a:tailEnd type="none" w="med" len="med"/>
-                    </a:lnB>
-                    <a:lnTlToBr>
-                      <a:noFill/>
-                    </a:lnTlToBr>
-                    <a:lnBlToTr>
-                      <a:noFill/>
-                    </a:lnBlToTr>
-                    <a:noFill/>
-                  </a:tcPr>
-                </a:tc>
-                <a:tc>
-                  <a:txBody>
-                    <a:bodyPr/>
-                    <a:p>
-                      <a:pPr indent="0">
-                        <a:buNone/>
-                      </a:pPr>
-                      <a:r>
-                        <a:rPr lang="en-US" sz="900" b="0">
-                          <a:solidFill>
-                            <a:srgbClr val="000000"/>
-                          </a:solidFill>
-                          <a:latin typeface="微软雅黑" panose="020B0503020204020204" pitchFamily="34" charset="-122"/>
-                          <a:ea typeface="微软雅黑" panose="020B0503020204020204" pitchFamily="34" charset="-122"/>
-                          <a:cs typeface="微软雅黑" panose="020B0503020204020204" pitchFamily="34" charset="-122"/>
-                        </a:rPr>
-                        <a:t>7.</a:t>
-                      </a:r>
-                      <a:r>
-                        <a:rPr lang="en-US" sz="900" b="0">
-                          <a:latin typeface="微软雅黑" panose="020B0503020204020204" pitchFamily="34" charset="-122"/>
-                          <a:ea typeface="微软雅黑" panose="020B0503020204020204" pitchFamily="34" charset="-122"/>
-                          <a:cs typeface="微软雅黑" panose="020B0503020204020204" pitchFamily="34" charset="-122"/>
-                        </a:rPr>
-                        <a:t> 组内微信群的信息要经常看，也要记得回复</a:t>
-                      </a:r>
-                      <a:endParaRPr lang="en-US" altLang="en-US" sz="900" b="0">
-                        <a:solidFill>
-                          <a:srgbClr val="000000"/>
-                        </a:solidFill>
-                        <a:latin typeface="微软雅黑" panose="020B0503020204020204" pitchFamily="34" charset="-122"/>
-                        <a:ea typeface="微软雅黑" panose="020B0503020204020204" pitchFamily="34" charset="-122"/>
-                        <a:cs typeface="微软雅黑" panose="020B0503020204020204" pitchFamily="34" charset="-122"/>
-                      </a:endParaRPr>
-                    </a:p>
-                  </a:txBody>
-                  <a:tcPr marL="68580" marR="68580" marT="0" marB="0" vert="horz" anchor="ctr">
-                    <a:lnL w="12700" cap="flat" cmpd="sng">
-                      <a:solidFill>
-                        <a:srgbClr val="080000"/>
-                      </a:solidFill>
-                      <a:prstDash val="solid"/>
-                      <a:headEnd type="none" w="med" len="med"/>
-                      <a:tailEnd type="none" w="med" len="med"/>
-                    </a:lnL>
-                    <a:lnR w="12700" cap="flat" cmpd="sng">
-                      <a:solidFill>
-                        <a:srgbClr val="080000"/>
-                      </a:solidFill>
-                      <a:prstDash val="solid"/>
-                      <a:headEnd type="none" w="med" len="med"/>
-                      <a:tailEnd type="none" w="med" len="med"/>
-                    </a:lnR>
-                    <a:lnT w="12700" cap="flat" cmpd="sng">
-                      <a:solidFill>
-                        <a:srgbClr val="080000"/>
-                      </a:solidFill>
-                      <a:prstDash val="solid"/>
-                      <a:headEnd type="none" w="med" len="med"/>
-                      <a:tailEnd type="none" w="med" len="med"/>
-                    </a:lnT>
-                    <a:lnB w="12700" cap="flat" cmpd="sng">
-                      <a:solidFill>
-                        <a:srgbClr val="080000"/>
-                      </a:solidFill>
-                      <a:prstDash val="solid"/>
-                      <a:headEnd type="none" w="med" len="med"/>
-                      <a:tailEnd type="none" w="med" len="med"/>
-                    </a:lnB>
-                    <a:lnTlToBr>
-                      <a:noFill/>
-                    </a:lnTlToBr>
-                    <a:lnBlToTr>
-                      <a:noFill/>
-                    </a:lnBlToTr>
-                    <a:noFill/>
-                  </a:tcPr>
-                </a:tc>
-              </a:tr>
-              <a:tr h="193675">
-                <a:tc>
-                  <a:txBody>
-                    <a:bodyPr/>
-                    <a:p>
-                      <a:pPr indent="0">
-                        <a:buNone/>
-                      </a:pPr>
-                      <a:r>
-                        <a:rPr lang="en-US" sz="900" b="0">
-                          <a:solidFill>
-                            <a:srgbClr val="000000"/>
-                          </a:solidFill>
-                          <a:latin typeface="微软雅黑" panose="020B0503020204020204" pitchFamily="34" charset="-122"/>
-                          <a:ea typeface="微软雅黑" panose="020B0503020204020204" pitchFamily="34" charset="-122"/>
-                          <a:cs typeface="微软雅黑" panose="020B0503020204020204" pitchFamily="34" charset="-122"/>
-                        </a:rPr>
-                        <a:t>8.</a:t>
-                      </a:r>
-                      <a:r>
-                        <a:rPr lang="en-US" sz="900" b="0">
-                          <a:latin typeface="微软雅黑" panose="020B0503020204020204" pitchFamily="34" charset="-122"/>
-                          <a:ea typeface="微软雅黑" panose="020B0503020204020204" pitchFamily="34" charset="-122"/>
-                          <a:cs typeface="微软雅黑" panose="020B0503020204020204" pitchFamily="34" charset="-122"/>
-                        </a:rPr>
-                        <a:t> 渔乐生活app开发经验不足</a:t>
-                      </a:r>
-                      <a:endParaRPr lang="en-US" altLang="en-US" sz="900" b="0">
-                        <a:solidFill>
-                          <a:srgbClr val="000000"/>
-                        </a:solidFill>
-                        <a:latin typeface="微软雅黑" panose="020B0503020204020204" pitchFamily="34" charset="-122"/>
-                        <a:ea typeface="微软雅黑" panose="020B0503020204020204" pitchFamily="34" charset="-122"/>
-                        <a:cs typeface="微软雅黑" panose="020B0503020204020204" pitchFamily="34" charset="-122"/>
-                      </a:endParaRPr>
-                    </a:p>
-                  </a:txBody>
-                  <a:tcPr marL="68580" marR="68580" marT="0" marB="0" vert="horz" anchor="ctr">
-                    <a:lnL w="12700" cap="flat" cmpd="sng">
-                      <a:solidFill>
-                        <a:srgbClr val="080000"/>
-                      </a:solidFill>
-                      <a:prstDash val="solid"/>
-                      <a:headEnd type="none" w="med" len="med"/>
-                      <a:tailEnd type="none" w="med" len="med"/>
-                    </a:lnL>
-                    <a:lnR w="12700" cap="flat" cmpd="sng">
-                      <a:solidFill>
-                        <a:srgbClr val="080000"/>
-                      </a:solidFill>
-                      <a:prstDash val="solid"/>
-                      <a:headEnd type="none" w="med" len="med"/>
-                      <a:tailEnd type="none" w="med" len="med"/>
-                    </a:lnR>
-                    <a:lnT w="12700" cap="flat" cmpd="sng">
-                      <a:solidFill>
-                        <a:srgbClr val="080000"/>
-                      </a:solidFill>
-                      <a:prstDash val="solid"/>
-                      <a:headEnd type="none" w="med" len="med"/>
-                      <a:tailEnd type="none" w="med" len="med"/>
-                    </a:lnT>
-                    <a:lnB w="12700" cap="flat" cmpd="sng">
-                      <a:solidFill>
-                        <a:srgbClr val="080000"/>
-                      </a:solidFill>
-                      <a:prstDash val="solid"/>
-                      <a:headEnd type="none" w="med" len="med"/>
-                      <a:tailEnd type="none" w="med" len="med"/>
-                    </a:lnB>
-                    <a:lnTlToBr>
-                      <a:noFill/>
-                    </a:lnTlToBr>
-                    <a:lnBlToTr>
-                      <a:noFill/>
-                    </a:lnBlToTr>
-                    <a:noFill/>
-                  </a:tcPr>
-                </a:tc>
-                <a:tc>
-                  <a:txBody>
-                    <a:bodyPr/>
-                    <a:p>
-                      <a:pPr indent="0">
-                        <a:buNone/>
-                      </a:pPr>
-                      <a:r>
-                        <a:rPr lang="en-US" sz="900" b="0">
-                          <a:solidFill>
-                            <a:srgbClr val="000000"/>
-                          </a:solidFill>
-                          <a:latin typeface="微软雅黑" panose="020B0503020204020204" pitchFamily="34" charset="-122"/>
-                          <a:ea typeface="微软雅黑" panose="020B0503020204020204" pitchFamily="34" charset="-122"/>
-                          <a:cs typeface="微软雅黑" panose="020B0503020204020204" pitchFamily="34" charset="-122"/>
-                        </a:rPr>
-                        <a:t>8.</a:t>
-                      </a:r>
-                      <a:r>
-                        <a:rPr lang="en-US" sz="900" b="0">
-                          <a:latin typeface="微软雅黑" panose="020B0503020204020204" pitchFamily="34" charset="-122"/>
-                          <a:ea typeface="微软雅黑" panose="020B0503020204020204" pitchFamily="34" charset="-122"/>
-                          <a:cs typeface="微软雅黑" panose="020B0503020204020204" pitchFamily="34" charset="-122"/>
-                        </a:rPr>
-                        <a:t> 去找标杆（暂定渔获）</a:t>
-                      </a:r>
-                      <a:endParaRPr lang="en-US" altLang="en-US" sz="900" b="0">
-                        <a:solidFill>
-                          <a:srgbClr val="000000"/>
-                        </a:solidFill>
-                        <a:latin typeface="微软雅黑" panose="020B0503020204020204" pitchFamily="34" charset="-122"/>
-                        <a:ea typeface="微软雅黑" panose="020B0503020204020204" pitchFamily="34" charset="-122"/>
-                        <a:cs typeface="微软雅黑" panose="020B0503020204020204" pitchFamily="34" charset="-122"/>
-                      </a:endParaRPr>
-                    </a:p>
-                  </a:txBody>
-                  <a:tcPr marL="68580" marR="68580" marT="0" marB="0" vert="horz" anchor="ctr">
-                    <a:lnL w="12700" cap="flat" cmpd="sng">
-                      <a:solidFill>
-                        <a:srgbClr val="080000"/>
-                      </a:solidFill>
-                      <a:prstDash val="solid"/>
-                      <a:headEnd type="none" w="med" len="med"/>
-                      <a:tailEnd type="none" w="med" len="med"/>
-                    </a:lnL>
-                    <a:lnR w="12700" cap="flat" cmpd="sng">
-                      <a:solidFill>
-                        <a:srgbClr val="080000"/>
-                      </a:solidFill>
-                      <a:prstDash val="solid"/>
-                      <a:headEnd type="none" w="med" len="med"/>
-                      <a:tailEnd type="none" w="med" len="med"/>
-                    </a:lnR>
-                    <a:lnT w="12700" cap="flat" cmpd="sng">
-                      <a:solidFill>
-                        <a:srgbClr val="080000"/>
-                      </a:solidFill>
-                      <a:prstDash val="solid"/>
-                      <a:headEnd type="none" w="med" len="med"/>
-                      <a:tailEnd type="none" w="med" len="med"/>
-                    </a:lnT>
-                    <a:lnB w="12700" cap="flat" cmpd="sng">
-                      <a:solidFill>
-                        <a:srgbClr val="080000"/>
-                      </a:solidFill>
-                      <a:prstDash val="solid"/>
-                      <a:headEnd type="none" w="med" len="med"/>
-                      <a:tailEnd type="none" w="med" len="med"/>
-                    </a:lnB>
-                    <a:lnTlToBr>
-                      <a:noFill/>
-                    </a:lnTlToBr>
-                    <a:lnBlToTr>
-                      <a:noFill/>
-                    </a:lnBlToTr>
-                    <a:noFill/>
-                  </a:tcPr>
-                </a:tc>
-              </a:tr>
-              <a:tr h="193675">
-                <a:tc>
-                  <a:txBody>
-                    <a:bodyPr/>
-                    <a:p>
-                      <a:pPr indent="0">
-                        <a:buNone/>
-                      </a:pPr>
-                      <a:r>
-                        <a:rPr lang="en-US" sz="900" b="0">
-                          <a:solidFill>
-                            <a:srgbClr val="000000"/>
-                          </a:solidFill>
-                          <a:latin typeface="微软雅黑" panose="020B0503020204020204" pitchFamily="34" charset="-122"/>
-                          <a:ea typeface="微软雅黑" panose="020B0503020204020204" pitchFamily="34" charset="-122"/>
-                          <a:cs typeface="微软雅黑" panose="020B0503020204020204" pitchFamily="34" charset="-122"/>
-                        </a:rPr>
-                        <a:t>9.</a:t>
-                      </a:r>
-                      <a:r>
-                        <a:rPr lang="en-US" sz="900" b="0">
-                          <a:latin typeface="微软雅黑" panose="020B0503020204020204" pitchFamily="34" charset="-122"/>
-                          <a:ea typeface="微软雅黑" panose="020B0503020204020204" pitchFamily="34" charset="-122"/>
-                          <a:cs typeface="微软雅黑" panose="020B0503020204020204" pitchFamily="34" charset="-122"/>
-                        </a:rPr>
-                        <a:t> 成员空余时间有不确定性</a:t>
-                      </a:r>
-                      <a:endParaRPr lang="en-US" altLang="en-US" sz="900" b="0">
-                        <a:solidFill>
-                          <a:srgbClr val="000000"/>
-                        </a:solidFill>
-                        <a:latin typeface="微软雅黑" panose="020B0503020204020204" pitchFamily="34" charset="-122"/>
-                        <a:ea typeface="微软雅黑" panose="020B0503020204020204" pitchFamily="34" charset="-122"/>
-                        <a:cs typeface="微软雅黑" panose="020B0503020204020204" pitchFamily="34" charset="-122"/>
-                      </a:endParaRPr>
-                    </a:p>
-                  </a:txBody>
-                  <a:tcPr marL="68580" marR="68580" marT="0" marB="0" vert="horz" anchor="ctr">
-                    <a:lnL w="12700" cap="flat" cmpd="sng">
-                      <a:solidFill>
-                        <a:srgbClr val="080000"/>
-                      </a:solidFill>
-                      <a:prstDash val="solid"/>
-                      <a:headEnd type="none" w="med" len="med"/>
-                      <a:tailEnd type="none" w="med" len="med"/>
-                    </a:lnL>
-                    <a:lnR w="12700" cap="flat" cmpd="sng">
-                      <a:solidFill>
-                        <a:srgbClr val="080000"/>
-                      </a:solidFill>
-                      <a:prstDash val="solid"/>
-                      <a:headEnd type="none" w="med" len="med"/>
-                      <a:tailEnd type="none" w="med" len="med"/>
-                    </a:lnR>
-                    <a:lnT w="12700" cap="flat" cmpd="sng">
-                      <a:solidFill>
-                        <a:srgbClr val="080000"/>
-                      </a:solidFill>
-                      <a:prstDash val="solid"/>
-                      <a:headEnd type="none" w="med" len="med"/>
-                      <a:tailEnd type="none" w="med" len="med"/>
-                    </a:lnT>
-                    <a:lnB w="12700" cap="flat" cmpd="sng">
-                      <a:solidFill>
-                        <a:srgbClr val="080000"/>
-                      </a:solidFill>
-                      <a:prstDash val="solid"/>
-                      <a:headEnd type="none" w="med" len="med"/>
-                      <a:tailEnd type="none" w="med" len="med"/>
-                    </a:lnB>
-                    <a:lnTlToBr>
-                      <a:noFill/>
-                    </a:lnTlToBr>
-                    <a:lnBlToTr>
-                      <a:noFill/>
-                    </a:lnBlToTr>
-                    <a:noFill/>
-                  </a:tcPr>
-                </a:tc>
-                <a:tc>
-                  <a:txBody>
-                    <a:bodyPr/>
-                    <a:p>
-                      <a:pPr indent="0">
-                        <a:buNone/>
-                      </a:pPr>
-                      <a:r>
-                        <a:rPr lang="en-US" sz="900" b="0">
-                          <a:solidFill>
-                            <a:srgbClr val="000000"/>
-                          </a:solidFill>
-                          <a:latin typeface="微软雅黑" panose="020B0503020204020204" pitchFamily="34" charset="-122"/>
-                          <a:ea typeface="微软雅黑" panose="020B0503020204020204" pitchFamily="34" charset="-122"/>
-                          <a:cs typeface="微软雅黑" panose="020B0503020204020204" pitchFamily="34" charset="-122"/>
-                        </a:rPr>
-                        <a:t>9.</a:t>
-                      </a:r>
-                      <a:r>
-                        <a:rPr lang="en-US" sz="900" b="0">
-                          <a:latin typeface="微软雅黑" panose="020B0503020204020204" pitchFamily="34" charset="-122"/>
-                          <a:ea typeface="微软雅黑" panose="020B0503020204020204" pitchFamily="34" charset="-122"/>
-                          <a:cs typeface="微软雅黑" panose="020B0503020204020204" pitchFamily="34" charset="-122"/>
-                        </a:rPr>
-                        <a:t> 在开会说明接下来一周的行程，提前请假，安排工作表</a:t>
-                      </a:r>
-                      <a:endParaRPr lang="en-US" altLang="en-US" sz="900" b="0">
-                        <a:solidFill>
-                          <a:srgbClr val="000000"/>
-                        </a:solidFill>
-                        <a:latin typeface="微软雅黑" panose="020B0503020204020204" pitchFamily="34" charset="-122"/>
-                        <a:ea typeface="微软雅黑" panose="020B0503020204020204" pitchFamily="34" charset="-122"/>
-                        <a:cs typeface="微软雅黑" panose="020B0503020204020204" pitchFamily="34" charset="-122"/>
-                      </a:endParaRPr>
-                    </a:p>
-                  </a:txBody>
-                  <a:tcPr marL="68580" marR="68580" marT="0" marB="0" vert="horz" anchor="ctr">
-                    <a:lnL w="12700" cap="flat" cmpd="sng">
-                      <a:solidFill>
-                        <a:srgbClr val="080000"/>
-                      </a:solidFill>
-                      <a:prstDash val="solid"/>
-                      <a:headEnd type="none" w="med" len="med"/>
-                      <a:tailEnd type="none" w="med" len="med"/>
-                    </a:lnL>
-                    <a:lnR w="12700" cap="flat" cmpd="sng">
-                      <a:solidFill>
-                        <a:srgbClr val="080000"/>
-                      </a:solidFill>
-                      <a:prstDash val="solid"/>
-                      <a:headEnd type="none" w="med" len="med"/>
-                      <a:tailEnd type="none" w="med" len="med"/>
-                    </a:lnR>
-                    <a:lnT w="12700" cap="flat" cmpd="sng">
-                      <a:solidFill>
-                        <a:srgbClr val="080000"/>
-                      </a:solidFill>
-                      <a:prstDash val="solid"/>
-                      <a:headEnd type="none" w="med" len="med"/>
-                      <a:tailEnd type="none" w="med" len="med"/>
-                    </a:lnT>
-                    <a:lnB w="12700" cap="flat" cmpd="sng">
-                      <a:solidFill>
-                        <a:srgbClr val="080000"/>
-                      </a:solidFill>
-                      <a:prstDash val="solid"/>
-                      <a:headEnd type="none" w="med" len="med"/>
-                      <a:tailEnd type="none" w="med" len="med"/>
-                    </a:lnB>
-                    <a:lnTlToBr>
-                      <a:noFill/>
-                    </a:lnTlToBr>
-                    <a:lnBlToTr>
-                      <a:noFill/>
-                    </a:lnBlToTr>
-                    <a:noFill/>
-                  </a:tcPr>
-                </a:tc>
-              </a:tr>
-              <a:tr h="287655">
-                <a:tc>
-                  <a:txBody>
-                    <a:bodyPr/>
-                    <a:p>
-                      <a:pPr indent="0">
-                        <a:buNone/>
-                      </a:pPr>
-                      <a:r>
-                        <a:rPr lang="en-US" sz="900" b="0">
-                          <a:solidFill>
-                            <a:srgbClr val="000000"/>
-                          </a:solidFill>
-                          <a:latin typeface="微软雅黑" panose="020B0503020204020204" pitchFamily="34" charset="-122"/>
-                          <a:ea typeface="微软雅黑" panose="020B0503020204020204" pitchFamily="34" charset="-122"/>
-                          <a:cs typeface="微软雅黑" panose="020B0503020204020204" pitchFamily="34" charset="-122"/>
-                        </a:rPr>
-                        <a:t>10.</a:t>
-                      </a:r>
-                      <a:r>
-                        <a:rPr lang="en-US" sz="900" b="0">
-                          <a:latin typeface="微软雅黑" panose="020B0503020204020204" pitchFamily="34" charset="-122"/>
-                          <a:ea typeface="微软雅黑" panose="020B0503020204020204" pitchFamily="34" charset="-122"/>
-                          <a:cs typeface="微软雅黑" panose="020B0503020204020204" pitchFamily="34" charset="-122"/>
-                        </a:rPr>
-                        <a:t> 团队成员的能力（包括业务能力和技术能力）和素质，对项目的进展、项目的质量具有很大的影响</a:t>
-                      </a:r>
-                      <a:endParaRPr lang="en-US" altLang="en-US" sz="900" b="0">
-                        <a:solidFill>
-                          <a:srgbClr val="000000"/>
-                        </a:solidFill>
-                        <a:latin typeface="微软雅黑" panose="020B0503020204020204" pitchFamily="34" charset="-122"/>
-                        <a:ea typeface="微软雅黑" panose="020B0503020204020204" pitchFamily="34" charset="-122"/>
-                        <a:cs typeface="微软雅黑" panose="020B0503020204020204" pitchFamily="34" charset="-122"/>
-                      </a:endParaRPr>
-                    </a:p>
-                  </a:txBody>
-                  <a:tcPr marL="68580" marR="68580" marT="0" marB="0" vert="horz" anchor="ctr">
-                    <a:lnL w="12700" cap="flat" cmpd="sng">
-                      <a:solidFill>
-                        <a:srgbClr val="080000"/>
-                      </a:solidFill>
-                      <a:prstDash val="solid"/>
-                      <a:headEnd type="none" w="med" len="med"/>
-                      <a:tailEnd type="none" w="med" len="med"/>
-                    </a:lnL>
-                    <a:lnR w="12700" cap="flat" cmpd="sng">
-                      <a:solidFill>
-                        <a:srgbClr val="080000"/>
-                      </a:solidFill>
-                      <a:prstDash val="solid"/>
-                      <a:headEnd type="none" w="med" len="med"/>
-                      <a:tailEnd type="none" w="med" len="med"/>
-                    </a:lnR>
-                    <a:lnT w="12700" cap="flat" cmpd="sng">
-                      <a:solidFill>
-                        <a:srgbClr val="080000"/>
-                      </a:solidFill>
-                      <a:prstDash val="solid"/>
-                      <a:headEnd type="none" w="med" len="med"/>
-                      <a:tailEnd type="none" w="med" len="med"/>
-                    </a:lnT>
-                    <a:lnB w="12700" cap="flat" cmpd="sng">
-                      <a:solidFill>
-                        <a:srgbClr val="080000"/>
-                      </a:solidFill>
-                      <a:prstDash val="solid"/>
-                      <a:headEnd type="none" w="med" len="med"/>
-                      <a:tailEnd type="none" w="med" len="med"/>
-                    </a:lnB>
-                    <a:lnTlToBr>
-                      <a:noFill/>
-                    </a:lnTlToBr>
-                    <a:lnBlToTr>
-                      <a:noFill/>
-                    </a:lnBlToTr>
-                    <a:noFill/>
-                  </a:tcPr>
-                </a:tc>
-                <a:tc>
-                  <a:txBody>
-                    <a:bodyPr/>
-                    <a:p>
-                      <a:pPr indent="0">
-                        <a:buNone/>
-                      </a:pPr>
-                      <a:r>
-                        <a:rPr lang="en-US" sz="900" b="0">
-                          <a:solidFill>
-                            <a:srgbClr val="000000"/>
-                          </a:solidFill>
-                          <a:latin typeface="微软雅黑" panose="020B0503020204020204" pitchFamily="34" charset="-122"/>
-                          <a:ea typeface="微软雅黑" panose="020B0503020204020204" pitchFamily="34" charset="-122"/>
-                          <a:cs typeface="微软雅黑" panose="020B0503020204020204" pitchFamily="34" charset="-122"/>
-                        </a:rPr>
-                        <a:t>10.</a:t>
-                      </a:r>
-                      <a:r>
-                        <a:rPr lang="en-US" sz="900" b="0">
-                          <a:latin typeface="微软雅黑" panose="020B0503020204020204" pitchFamily="34" charset="-122"/>
-                          <a:ea typeface="微软雅黑" panose="020B0503020204020204" pitchFamily="34" charset="-122"/>
-                          <a:cs typeface="微软雅黑" panose="020B0503020204020204" pitchFamily="34" charset="-122"/>
-                        </a:rPr>
-                        <a:t> 在用人之前先选对人、开展有针对性的培训、将合适的人安排到合适的岗位上</a:t>
-                      </a:r>
-                      <a:endParaRPr lang="en-US" altLang="en-US" sz="900" b="0">
-                        <a:solidFill>
-                          <a:srgbClr val="000000"/>
-                        </a:solidFill>
-                        <a:latin typeface="微软雅黑" panose="020B0503020204020204" pitchFamily="34" charset="-122"/>
-                        <a:ea typeface="微软雅黑" panose="020B0503020204020204" pitchFamily="34" charset="-122"/>
-                        <a:cs typeface="微软雅黑" panose="020B0503020204020204" pitchFamily="34" charset="-122"/>
-                      </a:endParaRPr>
-                    </a:p>
-                  </a:txBody>
-                  <a:tcPr marL="68580" marR="68580" marT="0" marB="0" vert="horz" anchor="ctr">
-                    <a:lnL w="12700" cap="flat" cmpd="sng">
-                      <a:solidFill>
-                        <a:srgbClr val="080000"/>
-                      </a:solidFill>
-                      <a:prstDash val="solid"/>
-                      <a:headEnd type="none" w="med" len="med"/>
-                      <a:tailEnd type="none" w="med" len="med"/>
-                    </a:lnL>
-                    <a:lnR w="12700" cap="flat" cmpd="sng">
-                      <a:solidFill>
-                        <a:srgbClr val="080000"/>
-                      </a:solidFill>
-                      <a:prstDash val="solid"/>
-                      <a:headEnd type="none" w="med" len="med"/>
-                      <a:tailEnd type="none" w="med" len="med"/>
-                    </a:lnR>
-                    <a:lnT w="12700" cap="flat" cmpd="sng">
-                      <a:solidFill>
-                        <a:srgbClr val="080000"/>
-                      </a:solidFill>
-                      <a:prstDash val="solid"/>
-                      <a:headEnd type="none" w="med" len="med"/>
-                      <a:tailEnd type="none" w="med" len="med"/>
-                    </a:lnT>
-                    <a:lnB w="12700" cap="flat" cmpd="sng">
-                      <a:solidFill>
-                        <a:srgbClr val="080000"/>
-                      </a:solidFill>
-                      <a:prstDash val="solid"/>
-                      <a:headEnd type="none" w="med" len="med"/>
-                      <a:tailEnd type="none" w="med" len="med"/>
-                    </a:lnB>
-                    <a:lnTlToBr>
-                      <a:noFill/>
-                    </a:lnTlToBr>
-                    <a:lnBlToTr>
-                      <a:noFill/>
-                    </a:lnBlToTr>
-                    <a:noFill/>
-                  </a:tcPr>
-                </a:tc>
-              </a:tr>
-              <a:tr h="279400">
-                <a:tc>
-                  <a:txBody>
-                    <a:bodyPr/>
-                    <a:p>
-                      <a:pPr indent="0">
-                        <a:buNone/>
-                      </a:pPr>
-                      <a:r>
-                        <a:rPr lang="en-US" sz="900" b="0">
-                          <a:solidFill>
-                            <a:srgbClr val="000000"/>
-                          </a:solidFill>
-                          <a:latin typeface="微软雅黑" panose="020B0503020204020204" pitchFamily="34" charset="-122"/>
-                          <a:ea typeface="微软雅黑" panose="020B0503020204020204" pitchFamily="34" charset="-122"/>
-                          <a:cs typeface="微软雅黑" panose="020B0503020204020204" pitchFamily="34" charset="-122"/>
-                        </a:rPr>
-                        <a:t>11.</a:t>
-                      </a:r>
-                      <a:r>
-                        <a:rPr lang="en-US" sz="900" b="0">
-                          <a:latin typeface="微软雅黑" panose="020B0503020204020204" pitchFamily="34" charset="-122"/>
-                          <a:ea typeface="微软雅黑" panose="020B0503020204020204" pitchFamily="34" charset="-122"/>
-                          <a:cs typeface="微软雅黑" panose="020B0503020204020204" pitchFamily="34" charset="-122"/>
-                        </a:rPr>
-                        <a:t> 团队成员是否能齐心协力为项目的共同目标服务</a:t>
-                      </a:r>
-                      <a:endParaRPr lang="en-US" altLang="en-US" sz="900" b="0">
-                        <a:solidFill>
-                          <a:srgbClr val="000000"/>
-                        </a:solidFill>
-                        <a:latin typeface="微软雅黑" panose="020B0503020204020204" pitchFamily="34" charset="-122"/>
-                        <a:ea typeface="微软雅黑" panose="020B0503020204020204" pitchFamily="34" charset="-122"/>
-                        <a:cs typeface="微软雅黑" panose="020B0503020204020204" pitchFamily="34" charset="-122"/>
-                      </a:endParaRPr>
-                    </a:p>
-                  </a:txBody>
-                  <a:tcPr marL="68580" marR="68580" marT="0" marB="0" vert="horz" anchor="ctr">
-                    <a:lnL w="12700" cap="flat" cmpd="sng">
-                      <a:solidFill>
-                        <a:srgbClr val="080000"/>
-                      </a:solidFill>
-                      <a:prstDash val="solid"/>
-                      <a:headEnd type="none" w="med" len="med"/>
-                      <a:tailEnd type="none" w="med" len="med"/>
-                    </a:lnL>
-                    <a:lnR w="12700" cap="flat" cmpd="sng">
-                      <a:solidFill>
-                        <a:srgbClr val="080000"/>
-                      </a:solidFill>
-                      <a:prstDash val="solid"/>
-                      <a:headEnd type="none" w="med" len="med"/>
-                      <a:tailEnd type="none" w="med" len="med"/>
-                    </a:lnR>
-                    <a:lnT w="12700" cap="flat" cmpd="sng">
-                      <a:solidFill>
-                        <a:srgbClr val="080000"/>
-                      </a:solidFill>
-                      <a:prstDash val="solid"/>
-                      <a:headEnd type="none" w="med" len="med"/>
-                      <a:tailEnd type="none" w="med" len="med"/>
-                    </a:lnT>
-                    <a:lnB w="12700" cap="flat" cmpd="sng">
-                      <a:solidFill>
-                        <a:srgbClr val="080000"/>
-                      </a:solidFill>
-                      <a:prstDash val="solid"/>
-                      <a:headEnd type="none" w="med" len="med"/>
-                      <a:tailEnd type="none" w="med" len="med"/>
-                    </a:lnB>
-                    <a:lnTlToBr>
-                      <a:noFill/>
-                    </a:lnTlToBr>
-                    <a:lnBlToTr>
-                      <a:noFill/>
-                    </a:lnBlToTr>
-                    <a:noFill/>
-                  </a:tcPr>
-                </a:tc>
-                <a:tc>
-                  <a:txBody>
-                    <a:bodyPr/>
-                    <a:p>
-                      <a:pPr indent="0">
-                        <a:buNone/>
-                      </a:pPr>
-                      <a:r>
-                        <a:rPr lang="en-US" sz="900" b="0">
-                          <a:solidFill>
-                            <a:srgbClr val="000000"/>
-                          </a:solidFill>
-                          <a:latin typeface="微软雅黑" panose="020B0503020204020204" pitchFamily="34" charset="-122"/>
-                          <a:ea typeface="微软雅黑" panose="020B0503020204020204" pitchFamily="34" charset="-122"/>
-                          <a:cs typeface="微软雅黑" panose="020B0503020204020204" pitchFamily="34" charset="-122"/>
-                        </a:rPr>
-                        <a:t>11.</a:t>
-                      </a:r>
-                      <a:r>
-                        <a:rPr lang="en-US" sz="900" b="0">
-                          <a:latin typeface="微软雅黑" panose="020B0503020204020204" pitchFamily="34" charset="-122"/>
-                          <a:ea typeface="微软雅黑" panose="020B0503020204020204" pitchFamily="34" charset="-122"/>
-                          <a:cs typeface="微软雅黑" panose="020B0503020204020204" pitchFamily="34" charset="-122"/>
-                        </a:rPr>
-                        <a:t> 项目在建设之初项目经理就需要将项目目标、工作任务等和项目成员沟通清楚，采用公平、公正、公开的绩效考评制度</a:t>
-                      </a:r>
-                      <a:endParaRPr lang="en-US" altLang="en-US" sz="900" b="0">
-                        <a:solidFill>
-                          <a:srgbClr val="000000"/>
-                        </a:solidFill>
-                        <a:latin typeface="微软雅黑" panose="020B0503020204020204" pitchFamily="34" charset="-122"/>
-                        <a:ea typeface="微软雅黑" panose="020B0503020204020204" pitchFamily="34" charset="-122"/>
-                        <a:cs typeface="微软雅黑" panose="020B0503020204020204" pitchFamily="34" charset="-122"/>
-                      </a:endParaRPr>
-                    </a:p>
-                  </a:txBody>
-                  <a:tcPr marL="68580" marR="68580" marT="0" marB="0" vert="horz" anchor="ctr">
-                    <a:lnL w="12700" cap="flat" cmpd="sng">
-                      <a:solidFill>
-                        <a:srgbClr val="080000"/>
-                      </a:solidFill>
-                      <a:prstDash val="solid"/>
-                      <a:headEnd type="none" w="med" len="med"/>
-                      <a:tailEnd type="none" w="med" len="med"/>
-                    </a:lnL>
-                    <a:lnR w="12700" cap="flat" cmpd="sng">
-                      <a:solidFill>
-                        <a:srgbClr val="080000"/>
-                      </a:solidFill>
-                      <a:prstDash val="solid"/>
-                      <a:headEnd type="none" w="med" len="med"/>
-                      <a:tailEnd type="none" w="med" len="med"/>
-                    </a:lnR>
-                    <a:lnT w="12700" cap="flat" cmpd="sng">
-                      <a:solidFill>
-                        <a:srgbClr val="080000"/>
-                      </a:solidFill>
-                      <a:prstDash val="solid"/>
-                      <a:headEnd type="none" w="med" len="med"/>
-                      <a:tailEnd type="none" w="med" len="med"/>
-                    </a:lnT>
-                    <a:lnB w="12700" cap="flat" cmpd="sng">
-                      <a:solidFill>
-                        <a:srgbClr val="080000"/>
-                      </a:solidFill>
-                      <a:prstDash val="solid"/>
-                      <a:headEnd type="none" w="med" len="med"/>
-                      <a:tailEnd type="none" w="med" len="med"/>
-                    </a:lnB>
-                    <a:lnTlToBr>
-                      <a:noFill/>
-                    </a:lnTlToBr>
-                    <a:lnBlToTr>
-                      <a:noFill/>
-                    </a:lnBlToTr>
-                    <a:noFill/>
-                  </a:tcPr>
-                </a:tc>
-              </a:tr>
-              <a:tr h="372110">
-                <a:tc>
-                  <a:txBody>
-                    <a:bodyPr/>
-                    <a:p>
-                      <a:pPr indent="0">
-                        <a:buNone/>
-                      </a:pPr>
-                      <a:r>
-                        <a:rPr lang="en-US" sz="900" b="0">
-                          <a:solidFill>
-                            <a:srgbClr val="000000"/>
-                          </a:solidFill>
-                          <a:latin typeface="微软雅黑" panose="020B0503020204020204" pitchFamily="34" charset="-122"/>
-                          <a:ea typeface="微软雅黑" panose="020B0503020204020204" pitchFamily="34" charset="-122"/>
-                          <a:cs typeface="微软雅黑" panose="020B0503020204020204" pitchFamily="34" charset="-122"/>
-                        </a:rPr>
-                        <a:t>12.</a:t>
-                      </a:r>
-                      <a:r>
-                        <a:rPr lang="en-US" sz="900" b="0">
-                          <a:latin typeface="微软雅黑" panose="020B0503020204020204" pitchFamily="34" charset="-122"/>
-                          <a:ea typeface="微软雅黑" panose="020B0503020204020204" pitchFamily="34" charset="-122"/>
-                          <a:cs typeface="微软雅黑" panose="020B0503020204020204" pitchFamily="34" charset="-122"/>
-                        </a:rPr>
-                        <a:t> 管理工具、开发工具、测试工具等是否能及时到位、到位的工具版本是否符合项目要求</a:t>
-                      </a:r>
-                      <a:endParaRPr lang="en-US" altLang="en-US" sz="900" b="0">
-                        <a:solidFill>
-                          <a:srgbClr val="000000"/>
-                        </a:solidFill>
-                        <a:latin typeface="微软雅黑" panose="020B0503020204020204" pitchFamily="34" charset="-122"/>
-                        <a:ea typeface="微软雅黑" panose="020B0503020204020204" pitchFamily="34" charset="-122"/>
-                        <a:cs typeface="微软雅黑" panose="020B0503020204020204" pitchFamily="34" charset="-122"/>
-                      </a:endParaRPr>
-                    </a:p>
-                  </a:txBody>
-                  <a:tcPr marL="68580" marR="68580" marT="0" marB="0" vert="horz" anchor="ctr">
-                    <a:lnL w="12700" cap="flat" cmpd="sng">
-                      <a:solidFill>
-                        <a:srgbClr val="080000"/>
-                      </a:solidFill>
-                      <a:prstDash val="solid"/>
-                      <a:headEnd type="none" w="med" len="med"/>
-                      <a:tailEnd type="none" w="med" len="med"/>
-                    </a:lnL>
-                    <a:lnR w="12700" cap="flat" cmpd="sng">
-                      <a:solidFill>
-                        <a:srgbClr val="080000"/>
-                      </a:solidFill>
-                      <a:prstDash val="solid"/>
-                      <a:headEnd type="none" w="med" len="med"/>
-                      <a:tailEnd type="none" w="med" len="med"/>
-                    </a:lnR>
-                    <a:lnT w="12700" cap="flat" cmpd="sng">
-                      <a:solidFill>
-                        <a:srgbClr val="080000"/>
-                      </a:solidFill>
-                      <a:prstDash val="solid"/>
-                      <a:headEnd type="none" w="med" len="med"/>
-                      <a:tailEnd type="none" w="med" len="med"/>
-                    </a:lnT>
-                    <a:lnB w="12700" cap="flat" cmpd="sng">
-                      <a:solidFill>
-                        <a:srgbClr val="080000"/>
-                      </a:solidFill>
-                      <a:prstDash val="solid"/>
-                      <a:headEnd type="none" w="med" len="med"/>
-                      <a:tailEnd type="none" w="med" len="med"/>
-                    </a:lnB>
-                    <a:lnTlToBr>
-                      <a:noFill/>
-                    </a:lnTlToBr>
-                    <a:lnBlToTr>
-                      <a:noFill/>
-                    </a:lnBlToTr>
-                    <a:noFill/>
-                  </a:tcPr>
-                </a:tc>
-                <a:tc>
-                  <a:txBody>
-                    <a:bodyPr/>
-                    <a:p>
-                      <a:pPr indent="0">
-                        <a:buNone/>
-                      </a:pPr>
-                      <a:r>
-                        <a:rPr lang="en-US" sz="900" b="0">
-                          <a:solidFill>
-                            <a:srgbClr val="000000"/>
-                          </a:solidFill>
-                          <a:latin typeface="微软雅黑" panose="020B0503020204020204" pitchFamily="34" charset="-122"/>
-                          <a:ea typeface="微软雅黑" panose="020B0503020204020204" pitchFamily="34" charset="-122"/>
-                          <a:cs typeface="微软雅黑" panose="020B0503020204020204" pitchFamily="34" charset="-122"/>
-                        </a:rPr>
-                        <a:t>12.</a:t>
-                      </a:r>
-                      <a:r>
-                        <a:rPr lang="en-US" sz="900" b="0">
-                          <a:latin typeface="微软雅黑" panose="020B0503020204020204" pitchFamily="34" charset="-122"/>
-                          <a:ea typeface="微软雅黑" panose="020B0503020204020204" pitchFamily="34" charset="-122"/>
-                          <a:cs typeface="微软雅黑" panose="020B0503020204020204" pitchFamily="34" charset="-122"/>
-                        </a:rPr>
-                        <a:t> 在项目的启动阶段就落实好各项工具的来源或可能的替代工具，在这些工具需要使用之前（一般需要提前一个月左右）跟踪并落实工具的到位事宜</a:t>
-                      </a:r>
-                      <a:endParaRPr lang="en-US" altLang="en-US" sz="900" b="0">
-                        <a:solidFill>
-                          <a:srgbClr val="000000"/>
-                        </a:solidFill>
-                        <a:latin typeface="微软雅黑" panose="020B0503020204020204" pitchFamily="34" charset="-122"/>
-                        <a:ea typeface="微软雅黑" panose="020B0503020204020204" pitchFamily="34" charset="-122"/>
-                        <a:cs typeface="微软雅黑" panose="020B0503020204020204" pitchFamily="34" charset="-122"/>
-                      </a:endParaRPr>
-                    </a:p>
-                  </a:txBody>
-                  <a:tcPr marL="68580" marR="68580" marT="0" marB="0" vert="horz" anchor="ctr">
-                    <a:lnL w="12700" cap="flat" cmpd="sng">
-                      <a:solidFill>
-                        <a:srgbClr val="080000"/>
-                      </a:solidFill>
-                      <a:prstDash val="solid"/>
-                      <a:headEnd type="none" w="med" len="med"/>
-                      <a:tailEnd type="none" w="med" len="med"/>
-                    </a:lnL>
-                    <a:lnR w="12700" cap="flat" cmpd="sng">
-                      <a:solidFill>
-                        <a:srgbClr val="080000"/>
-                      </a:solidFill>
-                      <a:prstDash val="solid"/>
-                      <a:headEnd type="none" w="med" len="med"/>
-                      <a:tailEnd type="none" w="med" len="med"/>
-                    </a:lnR>
-                    <a:lnT w="12700" cap="flat" cmpd="sng">
-                      <a:solidFill>
-                        <a:srgbClr val="080000"/>
-                      </a:solidFill>
-                      <a:prstDash val="solid"/>
-                      <a:headEnd type="none" w="med" len="med"/>
-                      <a:tailEnd type="none" w="med" len="med"/>
-                    </a:lnT>
-                    <a:lnB w="12700" cap="flat" cmpd="sng">
-                      <a:solidFill>
-                        <a:srgbClr val="080000"/>
-                      </a:solidFill>
-                      <a:prstDash val="solid"/>
-                      <a:headEnd type="none" w="med" len="med"/>
-                      <a:tailEnd type="none" w="med" len="med"/>
-                    </a:lnB>
-                    <a:lnTlToBr>
-                      <a:noFill/>
-                    </a:lnTlToBr>
-                    <a:lnBlToTr>
-                      <a:noFill/>
-                    </a:lnBlToTr>
-                    <a:noFill/>
-                  </a:tcPr>
-                </a:tc>
-              </a:tr>
-              <a:tr h="372110">
-                <a:tc>
-                  <a:txBody>
-                    <a:bodyPr/>
-                    <a:p>
-                      <a:pPr indent="0">
-                        <a:buNone/>
-                      </a:pPr>
-                      <a:r>
-                        <a:rPr lang="en-US" sz="900" b="0">
-                          <a:solidFill>
-                            <a:srgbClr val="000000"/>
-                          </a:solidFill>
-                          <a:latin typeface="微软雅黑" panose="020B0503020204020204" pitchFamily="34" charset="-122"/>
-                          <a:ea typeface="微软雅黑" panose="020B0503020204020204" pitchFamily="34" charset="-122"/>
-                          <a:cs typeface="微软雅黑" panose="020B0503020204020204" pitchFamily="34" charset="-122"/>
-                        </a:rPr>
-                        <a:t>13.</a:t>
-                      </a:r>
-                      <a:r>
-                        <a:rPr lang="en-US" sz="900" b="0">
-                          <a:latin typeface="微软雅黑" panose="020B0503020204020204" pitchFamily="34" charset="-122"/>
-                          <a:ea typeface="微软雅黑" panose="020B0503020204020204" pitchFamily="34" charset="-122"/>
-                          <a:cs typeface="微软雅黑" panose="020B0503020204020204" pitchFamily="34" charset="-122"/>
-                        </a:rPr>
-                        <a:t> 对方法、工具和技术理解的不够</a:t>
-                      </a:r>
-                      <a:endParaRPr lang="en-US" altLang="en-US" sz="900" b="0">
-                        <a:solidFill>
-                          <a:srgbClr val="000000"/>
-                        </a:solidFill>
-                        <a:latin typeface="微软雅黑" panose="020B0503020204020204" pitchFamily="34" charset="-122"/>
-                        <a:ea typeface="微软雅黑" panose="020B0503020204020204" pitchFamily="34" charset="-122"/>
-                        <a:cs typeface="微软雅黑" panose="020B0503020204020204" pitchFamily="34" charset="-122"/>
-                      </a:endParaRPr>
-                    </a:p>
-                  </a:txBody>
-                  <a:tcPr marL="68580" marR="68580" marT="0" marB="0" vert="horz" anchor="ctr">
-                    <a:lnL w="12700" cap="flat" cmpd="sng">
-                      <a:solidFill>
-                        <a:srgbClr val="080000"/>
-                      </a:solidFill>
-                      <a:prstDash val="solid"/>
-                      <a:headEnd type="none" w="med" len="med"/>
-                      <a:tailEnd type="none" w="med" len="med"/>
-                    </a:lnL>
-                    <a:lnR w="12700" cap="flat" cmpd="sng">
-                      <a:solidFill>
-                        <a:srgbClr val="080000"/>
-                      </a:solidFill>
-                      <a:prstDash val="solid"/>
-                      <a:headEnd type="none" w="med" len="med"/>
-                      <a:tailEnd type="none" w="med" len="med"/>
-                    </a:lnR>
-                    <a:lnT w="12700" cap="flat" cmpd="sng">
-                      <a:solidFill>
-                        <a:srgbClr val="080000"/>
-                      </a:solidFill>
-                      <a:prstDash val="solid"/>
-                      <a:headEnd type="none" w="med" len="med"/>
-                      <a:tailEnd type="none" w="med" len="med"/>
-                    </a:lnT>
-                    <a:lnB w="12700" cap="flat" cmpd="sng">
-                      <a:solidFill>
-                        <a:srgbClr val="080000"/>
-                      </a:solidFill>
-                      <a:prstDash val="solid"/>
-                      <a:headEnd type="none" w="med" len="med"/>
-                      <a:tailEnd type="none" w="med" len="med"/>
-                    </a:lnB>
-                    <a:lnTlToBr>
-                      <a:noFill/>
-                    </a:lnTlToBr>
-                    <a:lnBlToTr>
-                      <a:noFill/>
-                    </a:lnBlToTr>
-                    <a:noFill/>
-                  </a:tcPr>
-                </a:tc>
-                <a:tc>
-                  <a:txBody>
-                    <a:bodyPr/>
-                    <a:p>
-                      <a:pPr indent="0">
-                        <a:buNone/>
-                      </a:pPr>
-                      <a:r>
-                        <a:rPr lang="en-US" sz="900" b="0">
-                          <a:solidFill>
-                            <a:srgbClr val="000000"/>
-                          </a:solidFill>
-                          <a:latin typeface="微软雅黑" panose="020B0503020204020204" pitchFamily="34" charset="-122"/>
-                          <a:ea typeface="微软雅黑" panose="020B0503020204020204" pitchFamily="34" charset="-122"/>
-                          <a:cs typeface="微软雅黑" panose="020B0503020204020204" pitchFamily="34" charset="-122"/>
-                        </a:rPr>
-                        <a:t>13.</a:t>
-                      </a:r>
-                      <a:r>
-                        <a:rPr lang="en-US" sz="900" b="0">
-                          <a:latin typeface="微软雅黑" panose="020B0503020204020204" pitchFamily="34" charset="-122"/>
-                          <a:ea typeface="微软雅黑" panose="020B0503020204020204" pitchFamily="34" charset="-122"/>
-                          <a:cs typeface="微软雅黑" panose="020B0503020204020204" pitchFamily="34" charset="-122"/>
-                        </a:rPr>
-                        <a:t> 每个人熟悉一种工具（①林：project的熟悉与教学；②刘： 熟悉需求管理工具与教学；③张： 熟悉Axure rp ；④陈： 熟悉UML建模工具与教学；⑤赵：（git）</a:t>
-                      </a:r>
-                      <a:endParaRPr lang="en-US" altLang="en-US" sz="900" b="0">
-                        <a:solidFill>
-                          <a:srgbClr val="000000"/>
-                        </a:solidFill>
-                        <a:latin typeface="微软雅黑" panose="020B0503020204020204" pitchFamily="34" charset="-122"/>
-                        <a:ea typeface="微软雅黑" panose="020B0503020204020204" pitchFamily="34" charset="-122"/>
-                        <a:cs typeface="微软雅黑" panose="020B0503020204020204" pitchFamily="34" charset="-122"/>
-                      </a:endParaRPr>
-                    </a:p>
-                  </a:txBody>
-                  <a:tcPr marL="68580" marR="68580" marT="0" marB="0" vert="horz" anchor="ctr">
-                    <a:lnL w="12700" cap="flat" cmpd="sng">
-                      <a:solidFill>
-                        <a:srgbClr val="080000"/>
-                      </a:solidFill>
-                      <a:prstDash val="solid"/>
-                      <a:headEnd type="none" w="med" len="med"/>
-                      <a:tailEnd type="none" w="med" len="med"/>
-                    </a:lnL>
-                    <a:lnR w="12700" cap="flat" cmpd="sng">
-                      <a:solidFill>
-                        <a:srgbClr val="080000"/>
-                      </a:solidFill>
-                      <a:prstDash val="solid"/>
-                      <a:headEnd type="none" w="med" len="med"/>
-                      <a:tailEnd type="none" w="med" len="med"/>
-                    </a:lnR>
-                    <a:lnT w="12700" cap="flat" cmpd="sng">
-                      <a:solidFill>
-                        <a:srgbClr val="080000"/>
-                      </a:solidFill>
-                      <a:prstDash val="solid"/>
-                      <a:headEnd type="none" w="med" len="med"/>
-                      <a:tailEnd type="none" w="med" len="med"/>
-                    </a:lnT>
-                    <a:lnB w="12700" cap="flat" cmpd="sng">
-                      <a:solidFill>
-                        <a:srgbClr val="080000"/>
-                      </a:solidFill>
-                      <a:prstDash val="solid"/>
-                      <a:headEnd type="none" w="med" len="med"/>
-                      <a:tailEnd type="none" w="med" len="med"/>
-                    </a:lnB>
-                    <a:lnTlToBr>
-                      <a:noFill/>
-                    </a:lnTlToBr>
-                    <a:lnBlToTr>
-                      <a:noFill/>
-                    </a:lnBlToTr>
-                    <a:noFill/>
-                  </a:tcPr>
-                </a:tc>
-              </a:tr>
-              <a:tr h="193675">
-                <a:tc>
-                  <a:txBody>
-                    <a:bodyPr/>
-                    <a:p>
-                      <a:pPr indent="0">
-                        <a:buNone/>
-                      </a:pPr>
-                      <a:r>
-                        <a:rPr lang="en-US" sz="900" b="0">
-                          <a:solidFill>
-                            <a:srgbClr val="000000"/>
-                          </a:solidFill>
-                          <a:latin typeface="微软雅黑" panose="020B0503020204020204" pitchFamily="34" charset="-122"/>
-                          <a:ea typeface="微软雅黑" panose="020B0503020204020204" pitchFamily="34" charset="-122"/>
-                          <a:cs typeface="微软雅黑" panose="020B0503020204020204" pitchFamily="34" charset="-122"/>
-                        </a:rPr>
-                        <a:t>14.</a:t>
-                      </a:r>
-                      <a:r>
-                        <a:rPr lang="en-US" sz="900" b="0">
-                          <a:latin typeface="微软雅黑" panose="020B0503020204020204" pitchFamily="34" charset="-122"/>
-                          <a:ea typeface="微软雅黑" panose="020B0503020204020204" pitchFamily="34" charset="-122"/>
-                          <a:cs typeface="微软雅黑" panose="020B0503020204020204" pitchFamily="34" charset="-122"/>
-                        </a:rPr>
-                        <a:t> 界面原型不被用户认可</a:t>
-                      </a:r>
-                      <a:endParaRPr lang="en-US" altLang="en-US" sz="900" b="0">
-                        <a:solidFill>
-                          <a:srgbClr val="000000"/>
-                        </a:solidFill>
-                        <a:latin typeface="微软雅黑" panose="020B0503020204020204" pitchFamily="34" charset="-122"/>
-                        <a:ea typeface="微软雅黑" panose="020B0503020204020204" pitchFamily="34" charset="-122"/>
-                        <a:cs typeface="微软雅黑" panose="020B0503020204020204" pitchFamily="34" charset="-122"/>
-                      </a:endParaRPr>
-                    </a:p>
-                  </a:txBody>
-                  <a:tcPr marL="68580" marR="68580" marT="0" marB="0" vert="horz" anchor="ctr">
-                    <a:lnL w="12700" cap="flat" cmpd="sng">
-                      <a:solidFill>
-                        <a:srgbClr val="080000"/>
-                      </a:solidFill>
-                      <a:prstDash val="solid"/>
-                      <a:headEnd type="none" w="med" len="med"/>
-                      <a:tailEnd type="none" w="med" len="med"/>
-                    </a:lnL>
-                    <a:lnR w="12700" cap="flat" cmpd="sng">
-                      <a:solidFill>
-                        <a:srgbClr val="080000"/>
-                      </a:solidFill>
-                      <a:prstDash val="solid"/>
-                      <a:headEnd type="none" w="med" len="med"/>
-                      <a:tailEnd type="none" w="med" len="med"/>
-                    </a:lnR>
-                    <a:lnT w="12700" cap="flat" cmpd="sng">
-                      <a:solidFill>
-                        <a:srgbClr val="080000"/>
-                      </a:solidFill>
-                      <a:prstDash val="solid"/>
-                      <a:headEnd type="none" w="med" len="med"/>
-                      <a:tailEnd type="none" w="med" len="med"/>
-                    </a:lnT>
-                    <a:lnB w="12700" cap="flat" cmpd="sng">
-                      <a:solidFill>
-                        <a:srgbClr val="080000"/>
-                      </a:solidFill>
-                      <a:prstDash val="solid"/>
-                      <a:headEnd type="none" w="med" len="med"/>
-                      <a:tailEnd type="none" w="med" len="med"/>
-                    </a:lnB>
-                    <a:lnTlToBr>
-                      <a:noFill/>
-                    </a:lnTlToBr>
-                    <a:lnBlToTr>
-                      <a:noFill/>
-                    </a:lnBlToTr>
-                    <a:noFill/>
-                  </a:tcPr>
-                </a:tc>
-                <a:tc>
-                  <a:txBody>
-                    <a:bodyPr/>
-                    <a:p>
-                      <a:pPr indent="0">
-                        <a:buNone/>
-                      </a:pPr>
-                      <a:r>
-                        <a:rPr lang="en-US" sz="900" b="0">
-                          <a:solidFill>
-                            <a:srgbClr val="000000"/>
-                          </a:solidFill>
-                          <a:latin typeface="微软雅黑" panose="020B0503020204020204" pitchFamily="34" charset="-122"/>
-                          <a:ea typeface="微软雅黑" panose="020B0503020204020204" pitchFamily="34" charset="-122"/>
-                          <a:cs typeface="微软雅黑" panose="020B0503020204020204" pitchFamily="34" charset="-122"/>
-                        </a:rPr>
-                        <a:t>14.</a:t>
-                      </a:r>
-                      <a:r>
-                        <a:rPr lang="en-US" sz="900" b="0">
-                          <a:latin typeface="微软雅黑" panose="020B0503020204020204" pitchFamily="34" charset="-122"/>
-                          <a:ea typeface="微软雅黑" panose="020B0503020204020204" pitchFamily="34" charset="-122"/>
-                          <a:cs typeface="微软雅黑" panose="020B0503020204020204" pitchFamily="34" charset="-122"/>
-                        </a:rPr>
-                        <a:t> 采用快速的手工画图，让用户确认并签字或录音</a:t>
-                      </a:r>
-                      <a:endParaRPr lang="en-US" altLang="en-US" sz="900" b="0">
-                        <a:solidFill>
-                          <a:srgbClr val="000000"/>
-                        </a:solidFill>
-                        <a:latin typeface="微软雅黑" panose="020B0503020204020204" pitchFamily="34" charset="-122"/>
-                        <a:ea typeface="微软雅黑" panose="020B0503020204020204" pitchFamily="34" charset="-122"/>
-                        <a:cs typeface="微软雅黑" panose="020B0503020204020204" pitchFamily="34" charset="-122"/>
-                      </a:endParaRPr>
-                    </a:p>
-                  </a:txBody>
-                  <a:tcPr marL="68580" marR="68580" marT="0" marB="0" vert="horz" anchor="ctr">
-                    <a:lnL w="12700" cap="flat" cmpd="sng">
-                      <a:solidFill>
-                        <a:srgbClr val="080000"/>
-                      </a:solidFill>
-                      <a:prstDash val="solid"/>
-                      <a:headEnd type="none" w="med" len="med"/>
-                      <a:tailEnd type="none" w="med" len="med"/>
-                    </a:lnL>
-                    <a:lnR w="12700" cap="flat" cmpd="sng">
-                      <a:solidFill>
-                        <a:srgbClr val="080000"/>
-                      </a:solidFill>
-                      <a:prstDash val="solid"/>
-                      <a:headEnd type="none" w="med" len="med"/>
-                      <a:tailEnd type="none" w="med" len="med"/>
-                    </a:lnR>
-                    <a:lnT w="12700" cap="flat" cmpd="sng">
-                      <a:solidFill>
-                        <a:srgbClr val="080000"/>
-                      </a:solidFill>
-                      <a:prstDash val="solid"/>
-                      <a:headEnd type="none" w="med" len="med"/>
-                      <a:tailEnd type="none" w="med" len="med"/>
-                    </a:lnT>
-                    <a:lnB w="12700" cap="flat" cmpd="sng">
-                      <a:solidFill>
-                        <a:srgbClr val="080000"/>
-                      </a:solidFill>
-                      <a:prstDash val="solid"/>
-                      <a:headEnd type="none" w="med" len="med"/>
-                      <a:tailEnd type="none" w="med" len="med"/>
-                    </a:lnB>
-                    <a:lnTlToBr>
-                      <a:noFill/>
-                    </a:lnTlToBr>
-                    <a:lnBlToTr>
-                      <a:noFill/>
-                    </a:lnBlToTr>
-                    <a:noFill/>
-                  </a:tcPr>
-                </a:tc>
-              </a:tr>
-              <a:tr h="193675">
-                <a:tc>
-                  <a:txBody>
-                    <a:bodyPr/>
-                    <a:p>
-                      <a:pPr indent="0">
-                        <a:buNone/>
-                      </a:pPr>
-                      <a:r>
-                        <a:rPr lang="en-US" sz="900" b="0">
-                          <a:solidFill>
-                            <a:srgbClr val="000000"/>
-                          </a:solidFill>
-                          <a:latin typeface="微软雅黑" panose="020B0503020204020204" pitchFamily="34" charset="-122"/>
-                          <a:ea typeface="微软雅黑" panose="020B0503020204020204" pitchFamily="34" charset="-122"/>
-                          <a:cs typeface="微软雅黑" panose="020B0503020204020204" pitchFamily="34" charset="-122"/>
-                        </a:rPr>
-                        <a:t>15.</a:t>
-                      </a:r>
-                      <a:r>
-                        <a:rPr lang="en-US" sz="900" b="0">
-                          <a:latin typeface="微软雅黑" panose="020B0503020204020204" pitchFamily="34" charset="-122"/>
-                          <a:ea typeface="微软雅黑" panose="020B0503020204020204" pitchFamily="34" charset="-122"/>
-                          <a:cs typeface="微软雅黑" panose="020B0503020204020204" pitchFamily="34" charset="-122"/>
-                        </a:rPr>
-                        <a:t> 组员生病请假或者其他方式离开工作岗位</a:t>
-                      </a:r>
-                      <a:endParaRPr lang="en-US" altLang="en-US" sz="900" b="0">
-                        <a:solidFill>
-                          <a:srgbClr val="000000"/>
-                        </a:solidFill>
-                        <a:latin typeface="微软雅黑" panose="020B0503020204020204" pitchFamily="34" charset="-122"/>
-                        <a:ea typeface="微软雅黑" panose="020B0503020204020204" pitchFamily="34" charset="-122"/>
-                        <a:cs typeface="微软雅黑" panose="020B0503020204020204" pitchFamily="34" charset="-122"/>
-                      </a:endParaRPr>
-                    </a:p>
-                  </a:txBody>
-                  <a:tcPr marL="68580" marR="68580" marT="0" marB="0" vert="horz" anchor="ctr">
-                    <a:lnL w="12700" cap="flat" cmpd="sng">
-                      <a:solidFill>
-                        <a:srgbClr val="080000"/>
-                      </a:solidFill>
-                      <a:prstDash val="solid"/>
-                      <a:headEnd type="none" w="med" len="med"/>
-                      <a:tailEnd type="none" w="med" len="med"/>
-                    </a:lnL>
-                    <a:lnR w="12700" cap="flat" cmpd="sng">
-                      <a:solidFill>
-                        <a:srgbClr val="080000"/>
-                      </a:solidFill>
-                      <a:prstDash val="solid"/>
-                      <a:headEnd type="none" w="med" len="med"/>
-                      <a:tailEnd type="none" w="med" len="med"/>
-                    </a:lnR>
-                    <a:lnT w="12700" cap="flat" cmpd="sng">
-                      <a:solidFill>
-                        <a:srgbClr val="080000"/>
-                      </a:solidFill>
-                      <a:prstDash val="solid"/>
-                      <a:headEnd type="none" w="med" len="med"/>
-                      <a:tailEnd type="none" w="med" len="med"/>
-                    </a:lnT>
-                    <a:lnB w="12700" cap="flat" cmpd="sng">
-                      <a:solidFill>
-                        <a:srgbClr val="080000"/>
-                      </a:solidFill>
-                      <a:prstDash val="solid"/>
-                      <a:headEnd type="none" w="med" len="med"/>
-                      <a:tailEnd type="none" w="med" len="med"/>
-                    </a:lnB>
-                    <a:lnTlToBr>
-                      <a:noFill/>
-                    </a:lnTlToBr>
-                    <a:lnBlToTr>
-                      <a:noFill/>
-                    </a:lnBlToTr>
-                    <a:noFill/>
-                  </a:tcPr>
-                </a:tc>
-                <a:tc>
-                  <a:txBody>
-                    <a:bodyPr/>
-                    <a:p>
-                      <a:pPr indent="0">
-                        <a:buNone/>
-                      </a:pPr>
-                      <a:r>
-                        <a:rPr lang="en-US" sz="900" b="0">
-                          <a:solidFill>
-                            <a:srgbClr val="000000"/>
-                          </a:solidFill>
-                          <a:latin typeface="微软雅黑" panose="020B0503020204020204" pitchFamily="34" charset="-122"/>
-                          <a:ea typeface="微软雅黑" panose="020B0503020204020204" pitchFamily="34" charset="-122"/>
-                          <a:cs typeface="微软雅黑" panose="020B0503020204020204" pitchFamily="34" charset="-122"/>
-                        </a:rPr>
-                        <a:t>15.</a:t>
-                      </a:r>
-                      <a:r>
-                        <a:rPr lang="en-US" sz="900" b="0">
-                          <a:latin typeface="微软雅黑" panose="020B0503020204020204" pitchFamily="34" charset="-122"/>
-                          <a:ea typeface="微软雅黑" panose="020B0503020204020204" pitchFamily="34" charset="-122"/>
-                          <a:cs typeface="微软雅黑" panose="020B0503020204020204" pitchFamily="34" charset="-122"/>
-                        </a:rPr>
-                        <a:t> 设置替补人员（原则上任务相对少的顶上）</a:t>
-                      </a:r>
-                      <a:endParaRPr lang="en-US" altLang="en-US" sz="900" b="0">
-                        <a:solidFill>
-                          <a:srgbClr val="000000"/>
-                        </a:solidFill>
-                        <a:latin typeface="微软雅黑" panose="020B0503020204020204" pitchFamily="34" charset="-122"/>
-                        <a:ea typeface="微软雅黑" panose="020B0503020204020204" pitchFamily="34" charset="-122"/>
-                        <a:cs typeface="微软雅黑" panose="020B0503020204020204" pitchFamily="34" charset="-122"/>
-                      </a:endParaRPr>
-                    </a:p>
-                  </a:txBody>
-                  <a:tcPr marL="68580" marR="68580" marT="0" marB="0" vert="horz" anchor="ctr">
-                    <a:lnL w="12700" cap="flat" cmpd="sng">
-                      <a:solidFill>
-                        <a:srgbClr val="080000"/>
-                      </a:solidFill>
-                      <a:prstDash val="solid"/>
-                      <a:headEnd type="none" w="med" len="med"/>
-                      <a:tailEnd type="none" w="med" len="med"/>
-                    </a:lnL>
-                    <a:lnR w="12700" cap="flat" cmpd="sng">
-                      <a:solidFill>
-                        <a:srgbClr val="080000"/>
-                      </a:solidFill>
-                      <a:prstDash val="solid"/>
-                      <a:headEnd type="none" w="med" len="med"/>
-                      <a:tailEnd type="none" w="med" len="med"/>
-                    </a:lnR>
-                    <a:lnT w="12700" cap="flat" cmpd="sng">
-                      <a:solidFill>
-                        <a:srgbClr val="080000"/>
-                      </a:solidFill>
-                      <a:prstDash val="solid"/>
-                      <a:headEnd type="none" w="med" len="med"/>
-                      <a:tailEnd type="none" w="med" len="med"/>
-                    </a:lnT>
-                    <a:lnB w="12700" cap="flat" cmpd="sng">
-                      <a:solidFill>
-                        <a:srgbClr val="080000"/>
-                      </a:solidFill>
-                      <a:prstDash val="solid"/>
-                      <a:headEnd type="none" w="med" len="med"/>
-                      <a:tailEnd type="none" w="med" len="med"/>
-                    </a:lnB>
-                    <a:lnTlToBr>
-                      <a:noFill/>
-                    </a:lnTlToBr>
-                    <a:lnBlToTr>
-                      <a:noFill/>
-                    </a:lnBlToTr>
-                    <a:noFill/>
-                  </a:tcPr>
-                </a:tc>
-              </a:tr>
-              <a:tr h="295275">
-                <a:tc>
-                  <a:txBody>
-                    <a:bodyPr/>
-                    <a:p>
-                      <a:pPr indent="0">
-                        <a:buNone/>
-                      </a:pPr>
-                      <a:r>
-                        <a:rPr lang="en-US" sz="900" b="0">
-                          <a:solidFill>
-                            <a:srgbClr val="000000"/>
-                          </a:solidFill>
-                          <a:latin typeface="微软雅黑" panose="020B0503020204020204" pitchFamily="34" charset="-122"/>
-                          <a:ea typeface="微软雅黑" panose="020B0503020204020204" pitchFamily="34" charset="-122"/>
-                          <a:cs typeface="微软雅黑" panose="020B0503020204020204" pitchFamily="34" charset="-122"/>
-                        </a:rPr>
-                        <a:t>16.</a:t>
-                      </a:r>
-                      <a:r>
-                        <a:rPr lang="en-US" sz="900" b="0">
-                          <a:latin typeface="微软雅黑" panose="020B0503020204020204" pitchFamily="34" charset="-122"/>
-                          <a:ea typeface="微软雅黑" panose="020B0503020204020204" pitchFamily="34" charset="-122"/>
-                          <a:cs typeface="微软雅黑" panose="020B0503020204020204" pitchFamily="34" charset="-122"/>
-                        </a:rPr>
-                        <a:t> 电脑硬件不稳定造成文档丢失</a:t>
-                      </a:r>
-                      <a:endParaRPr lang="en-US" altLang="en-US" sz="900" b="0">
-                        <a:solidFill>
-                          <a:srgbClr val="000000"/>
-                        </a:solidFill>
-                        <a:latin typeface="微软雅黑" panose="020B0503020204020204" pitchFamily="34" charset="-122"/>
-                        <a:ea typeface="微软雅黑" panose="020B0503020204020204" pitchFamily="34" charset="-122"/>
-                        <a:cs typeface="微软雅黑" panose="020B0503020204020204" pitchFamily="34" charset="-122"/>
-                      </a:endParaRPr>
-                    </a:p>
-                  </a:txBody>
-                  <a:tcPr marL="68580" marR="68580" marT="0" marB="0" vert="horz" anchor="ctr">
-                    <a:lnL w="12700" cap="flat" cmpd="sng">
-                      <a:solidFill>
-                        <a:srgbClr val="080000"/>
-                      </a:solidFill>
-                      <a:prstDash val="solid"/>
-                      <a:headEnd type="none" w="med" len="med"/>
-                      <a:tailEnd type="none" w="med" len="med"/>
-                    </a:lnL>
-                    <a:lnR w="12700" cap="flat" cmpd="sng">
-                      <a:solidFill>
-                        <a:srgbClr val="080000"/>
-                      </a:solidFill>
-                      <a:prstDash val="solid"/>
-                      <a:headEnd type="none" w="med" len="med"/>
-                      <a:tailEnd type="none" w="med" len="med"/>
-                    </a:lnR>
-                    <a:lnT w="12700" cap="flat" cmpd="sng">
-                      <a:solidFill>
-                        <a:srgbClr val="080000"/>
-                      </a:solidFill>
-                      <a:prstDash val="solid"/>
-                      <a:headEnd type="none" w="med" len="med"/>
-                      <a:tailEnd type="none" w="med" len="med"/>
-                    </a:lnT>
-                    <a:lnB w="12700" cap="flat" cmpd="sng">
-                      <a:solidFill>
-                        <a:srgbClr val="080000"/>
-                      </a:solidFill>
-                      <a:prstDash val="solid"/>
-                      <a:headEnd type="none" w="med" len="med"/>
-                      <a:tailEnd type="none" w="med" len="med"/>
-                    </a:lnB>
-                    <a:lnTlToBr>
-                      <a:noFill/>
-                    </a:lnTlToBr>
-                    <a:lnBlToTr>
-                      <a:noFill/>
-                    </a:lnBlToTr>
-                    <a:noFill/>
-                  </a:tcPr>
-                </a:tc>
-                <a:tc>
-                  <a:txBody>
-                    <a:bodyPr/>
-                    <a:p>
-                      <a:pPr indent="0">
-                        <a:buNone/>
-                      </a:pPr>
-                      <a:r>
-                        <a:rPr lang="en-US" sz="900" b="0">
-                          <a:solidFill>
-                            <a:srgbClr val="000000"/>
-                          </a:solidFill>
-                          <a:latin typeface="微软雅黑" panose="020B0503020204020204" pitchFamily="34" charset="-122"/>
-                          <a:ea typeface="微软雅黑" panose="020B0503020204020204" pitchFamily="34" charset="-122"/>
-                          <a:cs typeface="微软雅黑" panose="020B0503020204020204" pitchFamily="34" charset="-122"/>
-                        </a:rPr>
-                        <a:t>16.</a:t>
-                      </a:r>
-                      <a:r>
-                        <a:rPr lang="en-US" sz="900" b="0">
-                          <a:latin typeface="微软雅黑" panose="020B0503020204020204" pitchFamily="34" charset="-122"/>
-                          <a:ea typeface="微软雅黑" panose="020B0503020204020204" pitchFamily="34" charset="-122"/>
-                          <a:cs typeface="微软雅黑" panose="020B0503020204020204" pitchFamily="34" charset="-122"/>
-                        </a:rPr>
-                        <a:t> 巧用GITHUB，qq,微信，百度网盘等工具</a:t>
-                      </a:r>
-                      <a:endParaRPr lang="en-US" altLang="en-US" sz="900" b="0">
-                        <a:solidFill>
-                          <a:srgbClr val="000000"/>
-                        </a:solidFill>
-                        <a:latin typeface="微软雅黑" panose="020B0503020204020204" pitchFamily="34" charset="-122"/>
-                        <a:ea typeface="微软雅黑" panose="020B0503020204020204" pitchFamily="34" charset="-122"/>
-                        <a:cs typeface="微软雅黑" panose="020B0503020204020204" pitchFamily="34" charset="-122"/>
-                      </a:endParaRPr>
-                    </a:p>
-                  </a:txBody>
-                  <a:tcPr marL="68580" marR="68580" marT="0" marB="0" vert="horz" anchor="ctr">
-                    <a:lnL w="12700" cap="flat" cmpd="sng">
-                      <a:solidFill>
-                        <a:srgbClr val="080000"/>
-                      </a:solidFill>
-                      <a:prstDash val="solid"/>
-                      <a:headEnd type="none" w="med" len="med"/>
-                      <a:tailEnd type="none" w="med" len="med"/>
-                    </a:lnL>
-                    <a:lnR w="12700" cap="flat" cmpd="sng">
-                      <a:solidFill>
-                        <a:srgbClr val="080000"/>
-                      </a:solidFill>
-                      <a:prstDash val="solid"/>
-                      <a:headEnd type="none" w="med" len="med"/>
-                      <a:tailEnd type="none" w="med" len="med"/>
-                    </a:lnR>
-                    <a:lnT w="12700" cap="flat" cmpd="sng">
-                      <a:solidFill>
-                        <a:srgbClr val="080000"/>
-                      </a:solidFill>
-                      <a:prstDash val="solid"/>
-                      <a:headEnd type="none" w="med" len="med"/>
-                      <a:tailEnd type="none" w="med" len="med"/>
-                    </a:lnT>
-                    <a:lnB w="12700" cap="flat" cmpd="sng">
-                      <a:solidFill>
-                        <a:srgbClr val="080000"/>
-                      </a:solidFill>
-                      <a:prstDash val="solid"/>
-                      <a:headEnd type="none" w="med" len="med"/>
-                      <a:tailEnd type="none" w="med" len="med"/>
-                    </a:lnB>
-                    <a:lnTlToBr>
-                      <a:noFill/>
-                    </a:lnTlToBr>
-                    <a:lnBlToTr>
-                      <a:noFill/>
-                    </a:lnBlToTr>
-                    <a:noFill/>
-                  </a:tcPr>
-                </a:tc>
-              </a:tr>
-              <a:tr h="294005">
-                <a:tc>
-                  <a:txBody>
-                    <a:bodyPr/>
-                    <a:p>
-                      <a:pPr indent="0">
-                        <a:buNone/>
-                      </a:pPr>
-                      <a:r>
-                        <a:rPr lang="en-US" sz="900" b="0">
-                          <a:solidFill>
-                            <a:srgbClr val="000000"/>
-                          </a:solidFill>
-                          <a:latin typeface="微软雅黑" panose="020B0503020204020204" pitchFamily="34" charset="-122"/>
-                          <a:ea typeface="微软雅黑" panose="020B0503020204020204" pitchFamily="34" charset="-122"/>
-                          <a:cs typeface="微软雅黑" panose="020B0503020204020204" pitchFamily="34" charset="-122"/>
-                        </a:rPr>
-                        <a:t>17.</a:t>
-                      </a:r>
-                      <a:r>
-                        <a:rPr lang="en-US" sz="900" b="0">
-                          <a:latin typeface="微软雅黑" panose="020B0503020204020204" pitchFamily="34" charset="-122"/>
-                          <a:ea typeface="微软雅黑" panose="020B0503020204020204" pitchFamily="34" charset="-122"/>
-                          <a:cs typeface="微软雅黑" panose="020B0503020204020204" pitchFamily="34" charset="-122"/>
-                        </a:rPr>
-                        <a:t> 组员考评不公平造成内部矛盾</a:t>
-                      </a:r>
-                      <a:endParaRPr lang="en-US" altLang="en-US" sz="900" b="0">
-                        <a:solidFill>
-                          <a:srgbClr val="000000"/>
-                        </a:solidFill>
-                        <a:latin typeface="微软雅黑" panose="020B0503020204020204" pitchFamily="34" charset="-122"/>
-                        <a:ea typeface="微软雅黑" panose="020B0503020204020204" pitchFamily="34" charset="-122"/>
-                        <a:cs typeface="微软雅黑" panose="020B0503020204020204" pitchFamily="34" charset="-122"/>
-                      </a:endParaRPr>
-                    </a:p>
-                  </a:txBody>
-                  <a:tcPr marL="68580" marR="68580" marT="0" marB="0" vert="horz" anchor="ctr">
-                    <a:lnL w="12700" cap="flat" cmpd="sng">
-                      <a:solidFill>
-                        <a:srgbClr val="080000"/>
-                      </a:solidFill>
-                      <a:prstDash val="solid"/>
-                      <a:headEnd type="none" w="med" len="med"/>
-                      <a:tailEnd type="none" w="med" len="med"/>
-                    </a:lnL>
-                    <a:lnR w="12700" cap="flat" cmpd="sng">
-                      <a:solidFill>
-                        <a:srgbClr val="080000"/>
-                      </a:solidFill>
-                      <a:prstDash val="solid"/>
-                      <a:headEnd type="none" w="med" len="med"/>
-                      <a:tailEnd type="none" w="med" len="med"/>
-                    </a:lnR>
-                    <a:lnT w="12700" cap="flat" cmpd="sng">
-                      <a:solidFill>
-                        <a:srgbClr val="080000"/>
-                      </a:solidFill>
-                      <a:prstDash val="solid"/>
-                      <a:headEnd type="none" w="med" len="med"/>
-                      <a:tailEnd type="none" w="med" len="med"/>
-                    </a:lnT>
-                    <a:lnB w="12700" cap="flat" cmpd="sng">
-                      <a:solidFill>
-                        <a:srgbClr val="080000"/>
-                      </a:solidFill>
-                      <a:prstDash val="solid"/>
-                      <a:headEnd type="none" w="med" len="med"/>
-                      <a:tailEnd type="none" w="med" len="med"/>
-                    </a:lnB>
-                    <a:lnTlToBr>
-                      <a:noFill/>
-                    </a:lnTlToBr>
-                    <a:lnBlToTr>
-                      <a:noFill/>
-                    </a:lnBlToTr>
-                    <a:noFill/>
-                  </a:tcPr>
-                </a:tc>
-                <a:tc>
-                  <a:txBody>
-                    <a:bodyPr/>
-                    <a:p>
-                      <a:pPr indent="0">
-                        <a:buNone/>
-                      </a:pPr>
-                      <a:r>
-                        <a:rPr lang="en-US" sz="900" b="0">
-                          <a:solidFill>
-                            <a:srgbClr val="000000"/>
-                          </a:solidFill>
-                          <a:latin typeface="微软雅黑" panose="020B0503020204020204" pitchFamily="34" charset="-122"/>
-                          <a:ea typeface="微软雅黑" panose="020B0503020204020204" pitchFamily="34" charset="-122"/>
-                          <a:cs typeface="微软雅黑" panose="020B0503020204020204" pitchFamily="34" charset="-122"/>
-                        </a:rPr>
-                        <a:t>17.</a:t>
-                      </a:r>
-                      <a:r>
-                        <a:rPr lang="en-US" sz="900" b="0">
-                          <a:latin typeface="微软雅黑" panose="020B0503020204020204" pitchFamily="34" charset="-122"/>
-                          <a:ea typeface="微软雅黑" panose="020B0503020204020204" pitchFamily="34" charset="-122"/>
-                          <a:cs typeface="微软雅黑" panose="020B0503020204020204" pitchFamily="34" charset="-122"/>
-                        </a:rPr>
-                        <a:t> 加强共同，完善考评制度，以项目经理为中心（项目经理全权负责）</a:t>
-                      </a:r>
-                      <a:endParaRPr lang="en-US" altLang="en-US" sz="900" b="0">
-                        <a:solidFill>
-                          <a:srgbClr val="000000"/>
-                        </a:solidFill>
-                        <a:latin typeface="微软雅黑" panose="020B0503020204020204" pitchFamily="34" charset="-122"/>
-                        <a:ea typeface="微软雅黑" panose="020B0503020204020204" pitchFamily="34" charset="-122"/>
-                        <a:cs typeface="微软雅黑" panose="020B0503020204020204" pitchFamily="34" charset="-122"/>
-                      </a:endParaRPr>
-                    </a:p>
-                  </a:txBody>
-                  <a:tcPr marL="68580" marR="68580" marT="0" marB="0" vert="horz" anchor="ctr">
-                    <a:lnL w="12700" cap="flat" cmpd="sng">
-                      <a:solidFill>
-                        <a:srgbClr val="080000"/>
-                      </a:solidFill>
-                      <a:prstDash val="solid"/>
-                      <a:headEnd type="none" w="med" len="med"/>
-                      <a:tailEnd type="none" w="med" len="med"/>
-                    </a:lnL>
-                    <a:lnR w="12700" cap="flat" cmpd="sng">
-                      <a:solidFill>
-                        <a:srgbClr val="080000"/>
-                      </a:solidFill>
-                      <a:prstDash val="solid"/>
-                      <a:headEnd type="none" w="med" len="med"/>
-                      <a:tailEnd type="none" w="med" len="med"/>
-                    </a:lnR>
-                    <a:lnT w="12700" cap="flat" cmpd="sng">
-                      <a:solidFill>
-                        <a:srgbClr val="080000"/>
-                      </a:solidFill>
-                      <a:prstDash val="solid"/>
-                      <a:headEnd type="none" w="med" len="med"/>
-                      <a:tailEnd type="none" w="med" len="med"/>
-                    </a:lnT>
-                    <a:lnB w="12700" cap="flat" cmpd="sng">
-                      <a:solidFill>
-                        <a:srgbClr val="080000"/>
-                      </a:solidFill>
-                      <a:prstDash val="solid"/>
-                      <a:headEnd type="none" w="med" len="med"/>
-                      <a:tailEnd type="none" w="med" len="med"/>
-                    </a:lnB>
-                    <a:lnTlToBr>
-                      <a:noFill/>
-                    </a:lnTlToBr>
-                    <a:lnBlToTr>
-                      <a:noFill/>
-                    </a:lnBlToTr>
-                    <a:noFill/>
-                  </a:tcPr>
-                </a:tc>
-              </a:tr>
-              <a:tr h="295275">
-                <a:tc>
-                  <a:txBody>
-                    <a:bodyPr/>
-                    <a:p>
-                      <a:pPr indent="0">
-                        <a:buNone/>
-                      </a:pPr>
-                      <a:r>
-                        <a:rPr lang="en-US" sz="900" b="0">
-                          <a:solidFill>
-                            <a:srgbClr val="000000"/>
-                          </a:solidFill>
-                          <a:latin typeface="微软雅黑" panose="020B0503020204020204" pitchFamily="34" charset="-122"/>
-                          <a:ea typeface="微软雅黑" panose="020B0503020204020204" pitchFamily="34" charset="-122"/>
-                          <a:cs typeface="微软雅黑" panose="020B0503020204020204" pitchFamily="34" charset="-122"/>
-                        </a:rPr>
-                        <a:t>18.</a:t>
-                      </a:r>
-                      <a:r>
-                        <a:rPr lang="en-US" sz="900" b="0">
-                          <a:latin typeface="微软雅黑" panose="020B0503020204020204" pitchFamily="34" charset="-122"/>
-                          <a:ea typeface="微软雅黑" panose="020B0503020204020204" pitchFamily="34" charset="-122"/>
-                          <a:cs typeface="微软雅黑" panose="020B0503020204020204" pitchFamily="34" charset="-122"/>
-                        </a:rPr>
-                        <a:t> 用户对界面原型有了天马行空的全新的提议</a:t>
-                      </a:r>
-                      <a:endParaRPr lang="en-US" altLang="en-US" sz="900" b="0">
-                        <a:solidFill>
-                          <a:srgbClr val="000000"/>
-                        </a:solidFill>
-                        <a:latin typeface="微软雅黑" panose="020B0503020204020204" pitchFamily="34" charset="-122"/>
-                        <a:ea typeface="微软雅黑" panose="020B0503020204020204" pitchFamily="34" charset="-122"/>
-                        <a:cs typeface="微软雅黑" panose="020B0503020204020204" pitchFamily="34" charset="-122"/>
-                      </a:endParaRPr>
-                    </a:p>
-                  </a:txBody>
-                  <a:tcPr marL="68580" marR="68580" marT="0" marB="0" vert="horz" anchor="ctr">
-                    <a:lnL w="12700" cap="flat" cmpd="sng">
-                      <a:solidFill>
-                        <a:srgbClr val="080000"/>
-                      </a:solidFill>
-                      <a:prstDash val="solid"/>
-                      <a:headEnd type="none" w="med" len="med"/>
-                      <a:tailEnd type="none" w="med" len="med"/>
-                    </a:lnL>
-                    <a:lnR w="12700" cap="flat" cmpd="sng">
-                      <a:solidFill>
-                        <a:srgbClr val="080000"/>
-                      </a:solidFill>
-                      <a:prstDash val="solid"/>
-                      <a:headEnd type="none" w="med" len="med"/>
-                      <a:tailEnd type="none" w="med" len="med"/>
-                    </a:lnR>
-                    <a:lnT w="12700" cap="flat" cmpd="sng">
-                      <a:solidFill>
-                        <a:srgbClr val="080000"/>
-                      </a:solidFill>
-                      <a:prstDash val="solid"/>
-                      <a:headEnd type="none" w="med" len="med"/>
-                      <a:tailEnd type="none" w="med" len="med"/>
-                    </a:lnT>
-                    <a:lnB w="12700" cap="flat" cmpd="sng">
-                      <a:solidFill>
-                        <a:srgbClr val="080000"/>
-                      </a:solidFill>
-                      <a:prstDash val="solid"/>
-                      <a:headEnd type="none" w="med" len="med"/>
-                      <a:tailEnd type="none" w="med" len="med"/>
-                    </a:lnB>
-                    <a:lnTlToBr>
-                      <a:noFill/>
-                    </a:lnTlToBr>
-                    <a:lnBlToTr>
-                      <a:noFill/>
-                    </a:lnBlToTr>
-                    <a:noFill/>
-                  </a:tcPr>
-                </a:tc>
-                <a:tc>
-                  <a:txBody>
-                    <a:bodyPr/>
-                    <a:p>
-                      <a:pPr indent="0">
-                        <a:buNone/>
-                      </a:pPr>
-                      <a:r>
-                        <a:rPr lang="en-US" sz="900" b="0">
-                          <a:solidFill>
-                            <a:srgbClr val="000000"/>
-                          </a:solidFill>
-                          <a:latin typeface="微软雅黑" panose="020B0503020204020204" pitchFamily="34" charset="-122"/>
-                          <a:ea typeface="微软雅黑" panose="020B0503020204020204" pitchFamily="34" charset="-122"/>
-                          <a:cs typeface="微软雅黑" panose="020B0503020204020204" pitchFamily="34" charset="-122"/>
-                        </a:rPr>
-                        <a:t>18.</a:t>
-                      </a:r>
-                      <a:r>
-                        <a:rPr lang="en-US" sz="900" b="0">
-                          <a:latin typeface="微软雅黑" panose="020B0503020204020204" pitchFamily="34" charset="-122"/>
-                          <a:ea typeface="微软雅黑" panose="020B0503020204020204" pitchFamily="34" charset="-122"/>
-                          <a:cs typeface="微软雅黑" panose="020B0503020204020204" pitchFamily="34" charset="-122"/>
-                        </a:rPr>
-                        <a:t> 加强与技术人员的同步沟通，确认工作量与可行性</a:t>
-                      </a:r>
-                      <a:endParaRPr lang="en-US" altLang="en-US" sz="900" b="0">
-                        <a:solidFill>
-                          <a:srgbClr val="000000"/>
-                        </a:solidFill>
-                        <a:latin typeface="微软雅黑" panose="020B0503020204020204" pitchFamily="34" charset="-122"/>
-                        <a:ea typeface="微软雅黑" panose="020B0503020204020204" pitchFamily="34" charset="-122"/>
-                        <a:cs typeface="微软雅黑" panose="020B0503020204020204" pitchFamily="34" charset="-122"/>
-                      </a:endParaRPr>
-                    </a:p>
-                  </a:txBody>
-                  <a:tcPr marL="68580" marR="68580" marT="0" marB="0" vert="horz" anchor="ctr">
-                    <a:lnL w="12700" cap="flat" cmpd="sng">
-                      <a:solidFill>
-                        <a:srgbClr val="080000"/>
-                      </a:solidFill>
-                      <a:prstDash val="solid"/>
-                      <a:headEnd type="none" w="med" len="med"/>
-                      <a:tailEnd type="none" w="med" len="med"/>
-                    </a:lnL>
-                    <a:lnR w="12700" cap="flat" cmpd="sng">
-                      <a:solidFill>
-                        <a:srgbClr val="080000"/>
-                      </a:solidFill>
-                      <a:prstDash val="solid"/>
-                      <a:headEnd type="none" w="med" len="med"/>
-                      <a:tailEnd type="none" w="med" len="med"/>
-                    </a:lnR>
-                    <a:lnT w="12700" cap="flat" cmpd="sng">
-                      <a:solidFill>
-                        <a:srgbClr val="080000"/>
-                      </a:solidFill>
-                      <a:prstDash val="solid"/>
-                      <a:headEnd type="none" w="med" len="med"/>
-                      <a:tailEnd type="none" w="med" len="med"/>
-                    </a:lnT>
-                    <a:lnB w="12700" cap="flat" cmpd="sng">
-                      <a:solidFill>
-                        <a:srgbClr val="080000"/>
-                      </a:solidFill>
-                      <a:prstDash val="solid"/>
-                      <a:headEnd type="none" w="med" len="med"/>
-                      <a:tailEnd type="none" w="med" len="med"/>
-                    </a:lnB>
-                    <a:lnTlToBr>
-                      <a:noFill/>
-                    </a:lnTlToBr>
-                    <a:lnBlToTr>
-                      <a:noFill/>
-                    </a:lnBlToTr>
-                    <a:noFill/>
-                  </a:tcPr>
-                </a:tc>
-              </a:tr>
-            </a:tbl>
-          </a:graphicData>
-        </a:graphic>
-      </p:graphicFrame>
     </p:spTree>
   </p:cSld>
   <p:clrMapOvr>
     <a:masterClrMapping/>
   </p:clrMapOvr>
-  <p:timing>
-    <p:tnLst>
-      <p:par>
-        <p:cTn id="1" dur="indefinite" restart="never" nodeType="tmRoot"/>
-      </p:par>
-    </p:tnLst>
-  </p:timing>
 </p:sld>
 </file>
 
@@ -8805,7 +5677,7 @@
         <p:spPr>
           <a:xfrm>
             <a:off x="1369716" y="1013213"/>
-            <a:ext cx="2031325" cy="507831"/>
+            <a:ext cx="1800493" cy="507831"/>
           </a:xfrm>
           <a:prstGeom prst="rect">
             <a:avLst/>
@@ -8831,7 +5703,7 @@
                 <a:ea typeface="微软雅黑" panose="020B0503020204020204" pitchFamily="34" charset="-122"/>
                 <a:cs typeface="Times New Roman" panose="02020603050405020304" pitchFamily="18" charset="0"/>
               </a:rPr>
-              <a:t>项目初步实施计划</a:t>
+              <a:t>绩效及参考资料</a:t>
             </a:r>
             <a:endParaRPr lang="zh-CN" altLang="zh-CN" sz="1350" b="1" kern="100" dirty="0">
               <a:solidFill>
@@ -8929,267 +5801,6 @@
       </p:sp>
       <p:sp>
         <p:nvSpPr>
-          <p:cNvPr id="42" name="文本框 41"/>
-          <p:cNvSpPr txBox="1"/>
-          <p:nvPr/>
-        </p:nvSpPr>
-        <p:spPr>
-          <a:xfrm>
-            <a:off x="278016" y="1077771"/>
-            <a:ext cx="765470" cy="415498"/>
-          </a:xfrm>
-          <a:prstGeom prst="rect">
-            <a:avLst/>
-          </a:prstGeom>
-          <a:noFill/>
-        </p:spPr>
-        <p:txBody>
-          <a:bodyPr wrap="square" rtlCol="0">
-            <a:spAutoFit/>
-          </a:bodyPr>
-          <a:lstStyle/>
-          <a:p>
-            <a:pPr algn="ctr"/>
-            <a:r>
-              <a:rPr lang="en-US" altLang="zh-CN" sz="2100" dirty="0">
-                <a:solidFill>
-                  <a:schemeClr val="bg1"/>
-                </a:solidFill>
-                <a:latin typeface="微软雅黑" panose="020B0503020204020204" pitchFamily="34" charset="-122"/>
-                <a:ea typeface="微软雅黑" panose="020B0503020204020204" pitchFamily="34" charset="-122"/>
-              </a:rPr>
-              <a:t>6</a:t>
-            </a:r>
-            <a:endParaRPr lang="zh-CN" altLang="en-US" sz="2100" dirty="0">
-              <a:solidFill>
-                <a:schemeClr val="bg1"/>
-              </a:solidFill>
-              <a:latin typeface="微软雅黑" panose="020B0503020204020204" pitchFamily="34" charset="-122"/>
-              <a:ea typeface="微软雅黑" panose="020B0503020204020204" pitchFamily="34" charset="-122"/>
-            </a:endParaRPr>
-          </a:p>
-        </p:txBody>
-      </p:sp>
-      <p:sp>
-        <p:nvSpPr>
-          <p:cNvPr id="3" name="文本框 2"/>
-          <p:cNvSpPr txBox="1"/>
-          <p:nvPr/>
-        </p:nvSpPr>
-        <p:spPr>
-          <a:xfrm>
-            <a:off x="4231508" y="1015862"/>
-            <a:ext cx="2288969" cy="369332"/>
-          </a:xfrm>
-          <a:prstGeom prst="rect">
-            <a:avLst/>
-          </a:prstGeom>
-          <a:noFill/>
-        </p:spPr>
-        <p:txBody>
-          <a:bodyPr vert="horz" wrap="square" rtlCol="0">
-            <a:spAutoFit/>
-          </a:bodyPr>
-          <a:lstStyle/>
-          <a:p>
-            <a:r>
-              <a:rPr lang="zh-CN" altLang="en-US" b="1" dirty="0">
-                <a:solidFill>
-                  <a:srgbClr val="FF0000"/>
-                </a:solidFill>
-              </a:rPr>
-              <a:t>打开甘特图进行说明</a:t>
-            </a:r>
-            <a:endParaRPr lang="zh-CN" altLang="en-US" b="1" dirty="0">
-              <a:solidFill>
-                <a:srgbClr val="FF0000"/>
-              </a:solidFill>
-            </a:endParaRPr>
-          </a:p>
-        </p:txBody>
-      </p:sp>
-      <p:pic>
-        <p:nvPicPr>
-          <p:cNvPr id="2" name="图片 1"/>
-          <p:cNvPicPr>
-            <a:picLocks noChangeAspect="1"/>
-          </p:cNvPicPr>
-          <p:nvPr/>
-        </p:nvPicPr>
-        <p:blipFill>
-          <a:blip r:embed="rId1"/>
-          <a:stretch>
-            <a:fillRect/>
-          </a:stretch>
-        </p:blipFill>
-        <p:spPr>
-          <a:xfrm>
-            <a:off x="6040120" y="-82550"/>
-            <a:ext cx="3116580" cy="1131570"/>
-          </a:xfrm>
-          <a:prstGeom prst="rect">
-            <a:avLst/>
-          </a:prstGeom>
-        </p:spPr>
-      </p:pic>
-    </p:spTree>
-  </p:cSld>
-  <p:clrMapOvr>
-    <a:masterClrMapping/>
-  </p:clrMapOvr>
-</p:sld>
-</file>
-
-<file path=ppt/slides/slide12.xml><?xml version="1.0" encoding="utf-8"?>
-<p:sld xmlns:a="http://schemas.openxmlformats.org/drawingml/2006/main" xmlns:r="http://schemas.openxmlformats.org/officeDocument/2006/relationships" xmlns:p="http://schemas.openxmlformats.org/presentationml/2006/main">
-  <p:cSld>
-    <p:spTree>
-      <p:nvGrpSpPr>
-        <p:cNvPr id="1" name=""/>
-        <p:cNvGrpSpPr/>
-        <p:nvPr/>
-      </p:nvGrpSpPr>
-      <p:grpSpPr>
-        <a:xfrm>
-          <a:off x="0" y="0"/>
-          <a:ext cx="0" cy="0"/>
-          <a:chOff x="0" y="0"/>
-          <a:chExt cx="0" cy="0"/>
-        </a:xfrm>
-      </p:grpSpPr>
-      <p:sp>
-        <p:nvSpPr>
-          <p:cNvPr id="40" name="矩形 39"/>
-          <p:cNvSpPr/>
-          <p:nvPr/>
-        </p:nvSpPr>
-        <p:spPr>
-          <a:xfrm>
-            <a:off x="1369716" y="1013213"/>
-            <a:ext cx="1800493" cy="507831"/>
-          </a:xfrm>
-          <a:prstGeom prst="rect">
-            <a:avLst/>
-          </a:prstGeom>
-        </p:spPr>
-        <p:txBody>
-          <a:bodyPr wrap="none">
-            <a:spAutoFit/>
-          </a:bodyPr>
-          <a:lstStyle/>
-          <a:p>
-            <a:pPr lvl="0">
-              <a:lnSpc>
-                <a:spcPct val="150000"/>
-              </a:lnSpc>
-            </a:pPr>
-            <a:r>
-              <a:rPr lang="zh-CN" altLang="en-US" b="1" kern="0" dirty="0">
-                <a:solidFill>
-                  <a:srgbClr val="346182"/>
-                </a:solidFill>
-                <a:latin typeface="微软雅黑" panose="020B0503020204020204" pitchFamily="34" charset="-122"/>
-                <a:ea typeface="微软雅黑" panose="020B0503020204020204" pitchFamily="34" charset="-122"/>
-                <a:cs typeface="Times New Roman" panose="02020603050405020304" pitchFamily="18" charset="0"/>
-              </a:rPr>
-              <a:t>绩效及参考资料</a:t>
-            </a:r>
-            <a:endParaRPr lang="zh-CN" altLang="zh-CN" sz="1350" b="1" kern="100" dirty="0">
-              <a:solidFill>
-                <a:srgbClr val="346182"/>
-              </a:solidFill>
-              <a:latin typeface="微软雅黑" panose="020B0503020204020204" pitchFamily="34" charset="-122"/>
-              <a:ea typeface="微软雅黑" panose="020B0503020204020204" pitchFamily="34" charset="-122"/>
-              <a:cs typeface="Times New Roman" panose="02020603050405020304" pitchFamily="18" charset="0"/>
-            </a:endParaRPr>
-          </a:p>
-        </p:txBody>
-      </p:sp>
-      <p:cxnSp>
-        <p:nvCxnSpPr>
-          <p:cNvPr id="39" name="直接连接符 38"/>
-          <p:cNvCxnSpPr/>
-          <p:nvPr/>
-        </p:nvCxnSpPr>
-        <p:spPr>
-          <a:xfrm>
-            <a:off x="597429" y="1439930"/>
-            <a:ext cx="5923048" cy="0"/>
-          </a:xfrm>
-          <a:prstGeom prst="line">
-            <a:avLst/>
-          </a:prstGeom>
-          <a:ln>
-            <a:solidFill>
-              <a:schemeClr val="bg1">
-                <a:lumMod val="65000"/>
-              </a:schemeClr>
-            </a:solidFill>
-          </a:ln>
-        </p:spPr>
-        <p:style>
-          <a:lnRef idx="1">
-            <a:schemeClr val="accent1"/>
-          </a:lnRef>
-          <a:fillRef idx="0">
-            <a:schemeClr val="accent1"/>
-          </a:fillRef>
-          <a:effectRef idx="0">
-            <a:schemeClr val="accent1"/>
-          </a:effectRef>
-          <a:fontRef idx="minor">
-            <a:schemeClr val="tx1"/>
-          </a:fontRef>
-        </p:style>
-      </p:cxnSp>
-      <p:sp>
-        <p:nvSpPr>
-          <p:cNvPr id="41" name="平行四边形 40"/>
-          <p:cNvSpPr/>
-          <p:nvPr/>
-        </p:nvSpPr>
-        <p:spPr>
-          <a:xfrm>
-            <a:off x="271197" y="1094292"/>
-            <a:ext cx="779108" cy="359374"/>
-          </a:xfrm>
-          <a:prstGeom prst="parallelogram">
-            <a:avLst/>
-          </a:prstGeom>
-          <a:solidFill>
-            <a:srgbClr val="346182"/>
-          </a:solidFill>
-          <a:ln>
-            <a:noFill/>
-          </a:ln>
-        </p:spPr>
-        <p:style>
-          <a:lnRef idx="2">
-            <a:schemeClr val="accent1">
-              <a:shade val="50000"/>
-            </a:schemeClr>
-          </a:lnRef>
-          <a:fillRef idx="1">
-            <a:schemeClr val="accent1"/>
-          </a:fillRef>
-          <a:effectRef idx="0">
-            <a:schemeClr val="accent1"/>
-          </a:effectRef>
-          <a:fontRef idx="minor">
-            <a:schemeClr val="lt1"/>
-          </a:fontRef>
-        </p:style>
-        <p:txBody>
-          <a:bodyPr rtlCol="0" anchor="ctr"/>
-          <a:lstStyle/>
-          <a:p>
-            <a:pPr algn="ctr"/>
-            <a:endParaRPr lang="zh-CN" altLang="en-US" sz="1350"/>
-          </a:p>
-        </p:txBody>
-      </p:sp>
-      <p:sp>
-        <p:nvSpPr>
           <p:cNvPr id="4" name="Rectangle 1"/>
           <p:cNvSpPr>
             <a:spLocks noChangeArrowheads="1"/>
@@ -9434,7 +6045,7 @@
 </p:sld>
 </file>
 
-<file path=ppt/slides/slide13.xml><?xml version="1.0" encoding="utf-8"?>
+<file path=ppt/slides/slide12.xml><?xml version="1.0" encoding="utf-8"?>
 <p:sld xmlns:a="http://schemas.openxmlformats.org/drawingml/2006/main" xmlns:r="http://schemas.openxmlformats.org/officeDocument/2006/relationships" xmlns:p="http://schemas.openxmlformats.org/presentationml/2006/main">
   <p:cSld>
     <p:spTree>
@@ -13481,11 +10092,7 @@
             <a:pPr algn="l"/>
             <a:r>
               <a:rPr lang="zh-CN" altLang="en-US" sz="2400" dirty="0"/>
-              <a:t>的软件来给</a:t>
-            </a:r>
-            <a:r>
-              <a:rPr lang="zh-CN" altLang="en-US" sz="2400" dirty="0"/>
-              <a:t>他们提供信息。</a:t>
+              <a:t>的软件来给他们提供信息。</a:t>
             </a:r>
             <a:endParaRPr lang="zh-CN" altLang="en-US" sz="2400" dirty="0"/>
           </a:p>
@@ -13509,11 +10116,7 @@
             <a:pPr algn="l"/>
             <a:r>
               <a:rPr lang="zh-CN" altLang="en-US" sz="2400" dirty="0"/>
-              <a:t>朋友们在自己的圈子里拥有</a:t>
-            </a:r>
-            <a:r>
-              <a:rPr lang="zh-CN" altLang="en-US" sz="2400" dirty="0"/>
-              <a:t>一种能够便利交流、</a:t>
+              <a:t>朋友们在自己的圈子里拥有一种能够便利交流、</a:t>
             </a:r>
             <a:endParaRPr lang="zh-CN" altLang="en-US" sz="2400" dirty="0"/>
           </a:p>
@@ -13948,11 +10551,7 @@
             </a:r>
             <a:r>
               <a:rPr lang="zh-CN" altLang="en-US" sz="2400" dirty="0"/>
-              <a:t>并且</a:t>
-            </a:r>
-            <a:r>
-              <a:rPr lang="zh-CN" altLang="en-US" sz="2400" dirty="0"/>
-              <a:t>评论等</a:t>
+              <a:t>并且评论等</a:t>
             </a:r>
             <a:endParaRPr lang="zh-CN" altLang="en-US" sz="2400" dirty="0"/>
           </a:p>
@@ -14321,11 +10920,7 @@
             <a:pPr algn="l"/>
             <a:r>
               <a:rPr lang="zh-CN" altLang="en-US" sz="2400" dirty="0"/>
-              <a:t>约认识的钓友一起</a:t>
-            </a:r>
-            <a:r>
-              <a:rPr lang="zh-CN" altLang="en-US" sz="2400" dirty="0"/>
-              <a:t>钓鱼</a:t>
+              <a:t>约认识的钓友一起钓鱼</a:t>
             </a:r>
             <a:endParaRPr lang="zh-CN" altLang="en-US" sz="2400" dirty="0"/>
           </a:p>
@@ -14421,427 +11016,6 @@
 </file>
 
 <file path=ppt/slides/slide6.xml><?xml version="1.0" encoding="utf-8"?>
-<p:sld xmlns:a="http://schemas.openxmlformats.org/drawingml/2006/main" xmlns:r="http://schemas.openxmlformats.org/officeDocument/2006/relationships" xmlns:p="http://schemas.openxmlformats.org/presentationml/2006/main">
-  <p:cSld>
-    <p:spTree>
-      <p:nvGrpSpPr>
-        <p:cNvPr id="1" name=""/>
-        <p:cNvGrpSpPr/>
-        <p:nvPr/>
-      </p:nvGrpSpPr>
-      <p:grpSpPr>
-        <a:xfrm>
-          <a:off x="0" y="0"/>
-          <a:ext cx="0" cy="0"/>
-          <a:chOff x="0" y="0"/>
-          <a:chExt cx="0" cy="0"/>
-        </a:xfrm>
-      </p:grpSpPr>
-      <p:cxnSp>
-        <p:nvCxnSpPr>
-          <p:cNvPr id="39" name="直接连接符 38"/>
-          <p:cNvCxnSpPr/>
-          <p:nvPr/>
-        </p:nvCxnSpPr>
-        <p:spPr>
-          <a:xfrm>
-            <a:off x="597429" y="1448038"/>
-            <a:ext cx="5923048" cy="0"/>
-          </a:xfrm>
-          <a:prstGeom prst="line">
-            <a:avLst/>
-          </a:prstGeom>
-          <a:ln>
-            <a:solidFill>
-              <a:schemeClr val="bg1">
-                <a:lumMod val="65000"/>
-              </a:schemeClr>
-            </a:solidFill>
-          </a:ln>
-        </p:spPr>
-        <p:style>
-          <a:lnRef idx="1">
-            <a:schemeClr val="accent1"/>
-          </a:lnRef>
-          <a:fillRef idx="0">
-            <a:schemeClr val="accent1"/>
-          </a:fillRef>
-          <a:effectRef idx="0">
-            <a:schemeClr val="accent1"/>
-          </a:effectRef>
-          <a:fontRef idx="minor">
-            <a:schemeClr val="tx1"/>
-          </a:fontRef>
-        </p:style>
-      </p:cxnSp>
-      <p:sp>
-        <p:nvSpPr>
-          <p:cNvPr id="41" name="平行四边形 40"/>
-          <p:cNvSpPr/>
-          <p:nvPr/>
-        </p:nvSpPr>
-        <p:spPr>
-          <a:xfrm>
-            <a:off x="271197" y="1094292"/>
-            <a:ext cx="779108" cy="359374"/>
-          </a:xfrm>
-          <a:prstGeom prst="parallelogram">
-            <a:avLst/>
-          </a:prstGeom>
-          <a:solidFill>
-            <a:srgbClr val="346182"/>
-          </a:solidFill>
-          <a:ln>
-            <a:noFill/>
-          </a:ln>
-        </p:spPr>
-        <p:style>
-          <a:lnRef idx="2">
-            <a:schemeClr val="accent1">
-              <a:shade val="50000"/>
-            </a:schemeClr>
-          </a:lnRef>
-          <a:fillRef idx="1">
-            <a:schemeClr val="accent1"/>
-          </a:fillRef>
-          <a:effectRef idx="0">
-            <a:schemeClr val="accent1"/>
-          </a:effectRef>
-          <a:fontRef idx="minor">
-            <a:schemeClr val="lt1"/>
-          </a:fontRef>
-        </p:style>
-        <p:txBody>
-          <a:bodyPr rtlCol="0" anchor="ctr"/>
-          <a:lstStyle/>
-          <a:p>
-            <a:pPr algn="ctr"/>
-            <a:endParaRPr lang="zh-CN" altLang="en-US" sz="1350"/>
-          </a:p>
-        </p:txBody>
-      </p:sp>
-      <p:sp>
-        <p:nvSpPr>
-          <p:cNvPr id="42" name="文本框 41"/>
-          <p:cNvSpPr txBox="1"/>
-          <p:nvPr/>
-        </p:nvSpPr>
-        <p:spPr>
-          <a:xfrm>
-            <a:off x="278016" y="1077771"/>
-            <a:ext cx="765470" cy="414020"/>
-          </a:xfrm>
-          <a:prstGeom prst="rect">
-            <a:avLst/>
-          </a:prstGeom>
-          <a:noFill/>
-        </p:spPr>
-        <p:txBody>
-          <a:bodyPr wrap="square" rtlCol="0">
-            <a:spAutoFit/>
-          </a:bodyPr>
-          <a:lstStyle/>
-          <a:p>
-            <a:pPr algn="ctr"/>
-            <a:r>
-              <a:rPr lang="en-US" altLang="zh-CN" sz="2100" dirty="0">
-                <a:solidFill>
-                  <a:schemeClr val="bg1"/>
-                </a:solidFill>
-                <a:latin typeface="微软雅黑" panose="020B0503020204020204" pitchFamily="34" charset="-122"/>
-                <a:ea typeface="微软雅黑" panose="020B0503020204020204" pitchFamily="34" charset="-122"/>
-              </a:rPr>
-              <a:t>3</a:t>
-            </a:r>
-            <a:endParaRPr lang="en-US" altLang="zh-CN" sz="2100" dirty="0">
-              <a:solidFill>
-                <a:schemeClr val="bg1"/>
-              </a:solidFill>
-              <a:latin typeface="微软雅黑" panose="020B0503020204020204" pitchFamily="34" charset="-122"/>
-              <a:ea typeface="微软雅黑" panose="020B0503020204020204" pitchFamily="34" charset="-122"/>
-            </a:endParaRPr>
-          </a:p>
-        </p:txBody>
-      </p:sp>
-      <p:sp>
-        <p:nvSpPr>
-          <p:cNvPr id="10" name="矩形 9"/>
-          <p:cNvSpPr/>
-          <p:nvPr/>
-        </p:nvSpPr>
-        <p:spPr>
-          <a:xfrm>
-            <a:off x="278016" y="1391423"/>
-            <a:ext cx="4736850" cy="922020"/>
-          </a:xfrm>
-          <a:prstGeom prst="rect">
-            <a:avLst/>
-          </a:prstGeom>
-        </p:spPr>
-        <p:txBody>
-          <a:bodyPr wrap="square">
-            <a:spAutoFit/>
-          </a:bodyPr>
-          <a:lstStyle/>
-          <a:p>
-            <a:pPr algn="ctr" fontAlgn="ctr">
-              <a:lnSpc>
-                <a:spcPct val="300000"/>
-              </a:lnSpc>
-              <a:spcBef>
-                <a:spcPts val="7200"/>
-              </a:spcBef>
-            </a:pPr>
-            <a:r>
-              <a:rPr lang="zh-CN" altLang="en-US" b="1" dirty="0">
-                <a:solidFill>
-                  <a:srgbClr val="346182"/>
-                </a:solidFill>
-                <a:latin typeface="微软雅黑" panose="020B0503020204020204" pitchFamily="34" charset="-122"/>
-                <a:ea typeface="微软雅黑" panose="020B0503020204020204" pitchFamily="34" charset="-122"/>
-                <a:cs typeface="Times New Roman" panose="02020603050405020304" pitchFamily="18" charset="0"/>
-              </a:rPr>
-              <a:t>项目名称：渔</a:t>
-            </a:r>
-            <a:r>
-              <a:rPr lang="zh-CN" altLang="zh-CN" b="1" dirty="0">
-                <a:solidFill>
-                  <a:srgbClr val="346182"/>
-                </a:solidFill>
-                <a:latin typeface="微软雅黑" panose="020B0503020204020204" pitchFamily="34" charset="-122"/>
-                <a:ea typeface="微软雅黑" panose="020B0503020204020204" pitchFamily="34" charset="-122"/>
-                <a:cs typeface="Times New Roman" panose="02020603050405020304" pitchFamily="18" charset="0"/>
-              </a:rPr>
-              <a:t>乐生活</a:t>
-            </a:r>
-            <a:r>
-              <a:rPr lang="en-US" altLang="zh-CN" b="1" dirty="0">
-                <a:solidFill>
-                  <a:srgbClr val="346182"/>
-                </a:solidFill>
-                <a:latin typeface="微软雅黑" panose="020B0503020204020204" pitchFamily="34" charset="-122"/>
-                <a:ea typeface="微软雅黑" panose="020B0503020204020204" pitchFamily="34" charset="-122"/>
-                <a:cs typeface="Times New Roman" panose="02020603050405020304" pitchFamily="18" charset="0"/>
-              </a:rPr>
-              <a:t>app</a:t>
-            </a:r>
-            <a:endParaRPr lang="en-US" altLang="zh-CN" b="1" dirty="0">
-              <a:solidFill>
-                <a:srgbClr val="346182"/>
-              </a:solidFill>
-              <a:latin typeface="微软雅黑" panose="020B0503020204020204" pitchFamily="34" charset="-122"/>
-              <a:ea typeface="微软雅黑" panose="020B0503020204020204" pitchFamily="34" charset="-122"/>
-              <a:cs typeface="Times New Roman" panose="02020603050405020304" pitchFamily="18" charset="0"/>
-            </a:endParaRPr>
-          </a:p>
-        </p:txBody>
-      </p:sp>
-      <p:sp>
-        <p:nvSpPr>
-          <p:cNvPr id="11" name="矩形 10"/>
-          <p:cNvSpPr/>
-          <p:nvPr/>
-        </p:nvSpPr>
-        <p:spPr>
-          <a:xfrm>
-            <a:off x="439449" y="2221561"/>
-            <a:ext cx="7485351" cy="4242013"/>
-          </a:xfrm>
-          <a:prstGeom prst="rect">
-            <a:avLst/>
-          </a:prstGeom>
-          <a:noFill/>
-          <a:ln w="12700">
-            <a:solidFill>
-              <a:srgbClr val="346182"/>
-            </a:solidFill>
-          </a:ln>
-        </p:spPr>
-        <p:style>
-          <a:lnRef idx="2">
-            <a:schemeClr val="accent1">
-              <a:shade val="50000"/>
-            </a:schemeClr>
-          </a:lnRef>
-          <a:fillRef idx="1">
-            <a:schemeClr val="accent1"/>
-          </a:fillRef>
-          <a:effectRef idx="0">
-            <a:schemeClr val="accent1"/>
-          </a:effectRef>
-          <a:fontRef idx="minor">
-            <a:schemeClr val="lt1"/>
-          </a:fontRef>
-        </p:style>
-        <p:txBody>
-          <a:bodyPr rtlCol="0" anchor="ctr"/>
-          <a:lstStyle/>
-          <a:p>
-            <a:pPr algn="ctr"/>
-            <a:endParaRPr lang="zh-CN" altLang="en-US" sz="1350"/>
-          </a:p>
-        </p:txBody>
-      </p:sp>
-      <p:sp>
-        <p:nvSpPr>
-          <p:cNvPr id="13" name="文本框 12"/>
-          <p:cNvSpPr txBox="1"/>
-          <p:nvPr/>
-        </p:nvSpPr>
-        <p:spPr>
-          <a:xfrm>
-            <a:off x="768681" y="2599683"/>
-            <a:ext cx="6888480" cy="2368550"/>
-          </a:xfrm>
-          <a:prstGeom prst="rect">
-            <a:avLst/>
-          </a:prstGeom>
-          <a:noFill/>
-        </p:spPr>
-        <p:txBody>
-          <a:bodyPr wrap="none" rtlCol="0">
-            <a:spAutoFit/>
-          </a:bodyPr>
-          <a:lstStyle/>
-          <a:p>
-            <a:pPr algn="l"/>
-            <a:r>
-              <a:rPr lang="zh-CN" altLang="en-US" sz="2800" b="1" dirty="0"/>
-              <a:t>业务基本目标：</a:t>
-            </a:r>
-            <a:endParaRPr lang="en-US" altLang="zh-CN" sz="2400" dirty="0"/>
-          </a:p>
-          <a:p>
-            <a:pPr algn="l"/>
-            <a:r>
-              <a:rPr lang="en-US" altLang="zh-CN" sz="2400" dirty="0"/>
-              <a:t>1</a:t>
-            </a:r>
-            <a:r>
-              <a:rPr lang="zh-CN" altLang="en-US" sz="2400" dirty="0"/>
-              <a:t>、设计出一款能让渔友使用的app，他们能通过</a:t>
-            </a:r>
-            <a:endParaRPr lang="zh-CN" altLang="en-US" sz="2400" dirty="0"/>
-          </a:p>
-          <a:p>
-            <a:pPr algn="l"/>
-            <a:r>
-              <a:rPr lang="zh-CN" altLang="en-US" sz="2400" dirty="0"/>
-              <a:t>查看地图来获取或者分享钓点，也能通过交友模块</a:t>
-            </a:r>
-            <a:endParaRPr lang="zh-CN" altLang="en-US" sz="2400" dirty="0"/>
-          </a:p>
-          <a:p>
-            <a:pPr algn="l"/>
-            <a:r>
-              <a:rPr lang="zh-CN" altLang="en-US" sz="2400" dirty="0"/>
-              <a:t>约认识的钓友一起钓鱼</a:t>
-            </a:r>
-            <a:endParaRPr lang="zh-CN" altLang="en-US" sz="2400" dirty="0"/>
-          </a:p>
-          <a:p>
-            <a:pPr algn="l"/>
-            <a:r>
-              <a:rPr lang="en-US" altLang="zh-CN" sz="2400" dirty="0"/>
-              <a:t>2</a:t>
-            </a:r>
-            <a:r>
-              <a:rPr lang="zh-CN" altLang="en-US" sz="2400" dirty="0"/>
-              <a:t>、能通过加好友来进行聊天，然后在渔友圈进行</a:t>
-            </a:r>
-            <a:endParaRPr lang="zh-CN" altLang="en-US" sz="2400" dirty="0"/>
-          </a:p>
-          <a:p>
-            <a:pPr algn="l"/>
-            <a:r>
-              <a:rPr lang="zh-CN" altLang="en-US" sz="2400" dirty="0"/>
-              <a:t>分享自己的动态，包括钓点、收获等。</a:t>
-            </a:r>
-            <a:endParaRPr lang="zh-CN" altLang="en-US" sz="2400" dirty="0"/>
-          </a:p>
-        </p:txBody>
-      </p:sp>
-      <p:pic>
-        <p:nvPicPr>
-          <p:cNvPr id="2" name="图片 1"/>
-          <p:cNvPicPr>
-            <a:picLocks noChangeAspect="1"/>
-          </p:cNvPicPr>
-          <p:nvPr/>
-        </p:nvPicPr>
-        <p:blipFill>
-          <a:blip r:embed="rId1"/>
-          <a:stretch>
-            <a:fillRect/>
-          </a:stretch>
-        </p:blipFill>
-        <p:spPr>
-          <a:xfrm>
-            <a:off x="6033770" y="259715"/>
-            <a:ext cx="3116580" cy="1131570"/>
-          </a:xfrm>
-          <a:prstGeom prst="rect">
-            <a:avLst/>
-          </a:prstGeom>
-        </p:spPr>
-      </p:pic>
-      <p:sp>
-        <p:nvSpPr>
-          <p:cNvPr id="3" name="文本框 2"/>
-          <p:cNvSpPr txBox="1"/>
-          <p:nvPr/>
-        </p:nvSpPr>
-        <p:spPr>
-          <a:xfrm>
-            <a:off x="1323975" y="1085215"/>
-            <a:ext cx="1783080" cy="645160"/>
-          </a:xfrm>
-          <a:prstGeom prst="rect">
-            <a:avLst/>
-          </a:prstGeom>
-          <a:noFill/>
-        </p:spPr>
-        <p:txBody>
-          <a:bodyPr wrap="none" rtlCol="0" anchor="t">
-            <a:spAutoFit/>
-          </a:bodyPr>
-          <a:p>
-            <a:pPr algn="l"/>
-            <a:r>
-              <a:rPr lang="zh-CN" altLang="en-US" b="1" kern="0" dirty="0">
-                <a:solidFill>
-                  <a:srgbClr val="346182"/>
-                </a:solidFill>
-                <a:latin typeface="微软雅黑" panose="020B0503020204020204" pitchFamily="34" charset="-122"/>
-                <a:ea typeface="微软雅黑" panose="020B0503020204020204" pitchFamily="34" charset="-122"/>
-                <a:cs typeface="Times New Roman" panose="02020603050405020304" pitchFamily="18" charset="0"/>
-                <a:sym typeface="+mn-ea"/>
-              </a:rPr>
-              <a:t>项目产品和活动</a:t>
-            </a:r>
-            <a:endParaRPr lang="zh-CN" altLang="zh-CN" b="1" kern="100" dirty="0">
-              <a:solidFill>
-                <a:srgbClr val="346182"/>
-              </a:solidFill>
-              <a:latin typeface="微软雅黑" panose="020B0503020204020204" pitchFamily="34" charset="-122"/>
-              <a:ea typeface="微软雅黑" panose="020B0503020204020204" pitchFamily="34" charset="-122"/>
-              <a:cs typeface="Times New Roman" panose="02020603050405020304" pitchFamily="18" charset="0"/>
-            </a:endParaRPr>
-          </a:p>
-          <a:p>
-            <a:endParaRPr lang="zh-CN" altLang="en-US"/>
-          </a:p>
-        </p:txBody>
-      </p:sp>
-    </p:spTree>
-  </p:cSld>
-  <p:clrMapOvr>
-    <a:masterClrMapping/>
-  </p:clrMapOvr>
-</p:sld>
-</file>
-
-<file path=ppt/slides/slide7.xml><?xml version="1.0" encoding="utf-8"?>
 <p:sld xmlns:a="http://schemas.openxmlformats.org/drawingml/2006/main" xmlns:r="http://schemas.openxmlformats.org/officeDocument/2006/relationships" xmlns:p="http://schemas.openxmlformats.org/presentationml/2006/main">
   <p:cSld>
     <p:spTree>
@@ -17358,7 +13532,7 @@
 </p:sld>
 </file>
 
-<file path=ppt/slides/slide8.xml><?xml version="1.0" encoding="utf-8"?>
+<file path=ppt/slides/slide7.xml><?xml version="1.0" encoding="utf-8"?>
 <p:sld xmlns:a="http://schemas.openxmlformats.org/drawingml/2006/main" xmlns:r="http://schemas.openxmlformats.org/officeDocument/2006/relationships" xmlns:p="http://schemas.openxmlformats.org/presentationml/2006/main">
   <p:cSld>
     <p:spTree>
@@ -17940,7 +14114,7 @@
 </p:sld>
 </file>
 
-<file path=ppt/slides/slide9.xml><?xml version="1.0" encoding="utf-8"?>
+<file path=ppt/slides/slide8.xml><?xml version="1.0" encoding="utf-8"?>
 <p:sld xmlns:a="http://schemas.openxmlformats.org/drawingml/2006/main" xmlns:r="http://schemas.openxmlformats.org/officeDocument/2006/relationships" xmlns:p="http://schemas.openxmlformats.org/presentationml/2006/main">
   <p:cSld>
     <p:spTree>
@@ -23202,6 +19376,3310 @@
                         <a:latin typeface="等线" panose="02010600030101010101" pitchFamily="2" charset="-122"/>
                         <a:ea typeface="等线" panose="02010600030101010101" pitchFamily="2" charset="-122"/>
                         <a:cs typeface="等线" panose="02010600030101010101" pitchFamily="2" charset="-122"/>
+                      </a:endParaRPr>
+                    </a:p>
+                  </a:txBody>
+                  <a:tcPr marL="68580" marR="68580" marT="0" marB="0" vert="horz" anchor="ctr">
+                    <a:lnL w="12700" cap="flat" cmpd="sng">
+                      <a:solidFill>
+                        <a:srgbClr val="080000"/>
+                      </a:solidFill>
+                      <a:prstDash val="solid"/>
+                      <a:headEnd type="none" w="med" len="med"/>
+                      <a:tailEnd type="none" w="med" len="med"/>
+                    </a:lnL>
+                    <a:lnR w="12700" cap="flat" cmpd="sng">
+                      <a:solidFill>
+                        <a:srgbClr val="080000"/>
+                      </a:solidFill>
+                      <a:prstDash val="solid"/>
+                      <a:headEnd type="none" w="med" len="med"/>
+                      <a:tailEnd type="none" w="med" len="med"/>
+                    </a:lnR>
+                    <a:lnT w="12700" cap="flat" cmpd="sng">
+                      <a:solidFill>
+                        <a:srgbClr val="080000"/>
+                      </a:solidFill>
+                      <a:prstDash val="solid"/>
+                      <a:headEnd type="none" w="med" len="med"/>
+                      <a:tailEnd type="none" w="med" len="med"/>
+                    </a:lnT>
+                    <a:lnB w="12700" cap="flat" cmpd="sng">
+                      <a:solidFill>
+                        <a:srgbClr val="080000"/>
+                      </a:solidFill>
+                      <a:prstDash val="solid"/>
+                      <a:headEnd type="none" w="med" len="med"/>
+                      <a:tailEnd type="none" w="med" len="med"/>
+                    </a:lnB>
+                    <a:lnTlToBr>
+                      <a:noFill/>
+                    </a:lnTlToBr>
+                    <a:lnBlToTr>
+                      <a:noFill/>
+                    </a:lnBlToTr>
+                    <a:noFill/>
+                  </a:tcPr>
+                </a:tc>
+              </a:tr>
+            </a:tbl>
+          </a:graphicData>
+        </a:graphic>
+      </p:graphicFrame>
+    </p:spTree>
+  </p:cSld>
+  <p:clrMapOvr>
+    <a:masterClrMapping/>
+  </p:clrMapOvr>
+  <p:timing>
+    <p:tnLst>
+      <p:par>
+        <p:cTn id="1" dur="indefinite" restart="never" nodeType="tmRoot"/>
+      </p:par>
+    </p:tnLst>
+  </p:timing>
+</p:sld>
+</file>
+
+<file path=ppt/slides/slide9.xml><?xml version="1.0" encoding="utf-8"?>
+<p:sld xmlns:a="http://schemas.openxmlformats.org/drawingml/2006/main" xmlns:r="http://schemas.openxmlformats.org/officeDocument/2006/relationships" xmlns:p="http://schemas.openxmlformats.org/presentationml/2006/main">
+  <p:cSld>
+    <p:spTree>
+      <p:nvGrpSpPr>
+        <p:cNvPr id="1" name=""/>
+        <p:cNvGrpSpPr/>
+        <p:nvPr/>
+      </p:nvGrpSpPr>
+      <p:grpSpPr>
+        <a:xfrm>
+          <a:off x="0" y="0"/>
+          <a:ext cx="0" cy="0"/>
+          <a:chOff x="0" y="0"/>
+          <a:chExt cx="0" cy="0"/>
+        </a:xfrm>
+      </p:grpSpPr>
+      <p:sp>
+        <p:nvSpPr>
+          <p:cNvPr id="40" name="矩形 39"/>
+          <p:cNvSpPr/>
+          <p:nvPr/>
+        </p:nvSpPr>
+        <p:spPr>
+          <a:xfrm>
+            <a:off x="1369716" y="1013213"/>
+            <a:ext cx="1107996" cy="507831"/>
+          </a:xfrm>
+          <a:prstGeom prst="rect">
+            <a:avLst/>
+          </a:prstGeom>
+        </p:spPr>
+        <p:txBody>
+          <a:bodyPr wrap="none">
+            <a:spAutoFit/>
+          </a:bodyPr>
+          <a:lstStyle/>
+          <a:p>
+            <a:pPr lvl="0">
+              <a:lnSpc>
+                <a:spcPct val="150000"/>
+              </a:lnSpc>
+            </a:pPr>
+            <a:r>
+              <a:rPr lang="zh-CN" altLang="en-US" b="1" kern="0" dirty="0">
+                <a:solidFill>
+                  <a:srgbClr val="346182"/>
+                </a:solidFill>
+                <a:latin typeface="微软雅黑" panose="020B0503020204020204" pitchFamily="34" charset="-122"/>
+                <a:ea typeface="微软雅黑" panose="020B0503020204020204" pitchFamily="34" charset="-122"/>
+                <a:cs typeface="Times New Roman" panose="02020603050405020304" pitchFamily="18" charset="0"/>
+              </a:rPr>
+              <a:t>风险计划</a:t>
+            </a:r>
+            <a:endParaRPr lang="zh-CN" altLang="zh-CN" sz="1350" b="1" kern="100" dirty="0">
+              <a:solidFill>
+                <a:srgbClr val="346182"/>
+              </a:solidFill>
+              <a:latin typeface="微软雅黑" panose="020B0503020204020204" pitchFamily="34" charset="-122"/>
+              <a:ea typeface="微软雅黑" panose="020B0503020204020204" pitchFamily="34" charset="-122"/>
+              <a:cs typeface="Times New Roman" panose="02020603050405020304" pitchFamily="18" charset="0"/>
+            </a:endParaRPr>
+          </a:p>
+        </p:txBody>
+      </p:sp>
+      <p:cxnSp>
+        <p:nvCxnSpPr>
+          <p:cNvPr id="39" name="直接连接符 38"/>
+          <p:cNvCxnSpPr/>
+          <p:nvPr/>
+        </p:nvCxnSpPr>
+        <p:spPr>
+          <a:xfrm>
+            <a:off x="597429" y="1439930"/>
+            <a:ext cx="5923048" cy="0"/>
+          </a:xfrm>
+          <a:prstGeom prst="line">
+            <a:avLst/>
+          </a:prstGeom>
+          <a:ln>
+            <a:solidFill>
+              <a:schemeClr val="bg1">
+                <a:lumMod val="65000"/>
+              </a:schemeClr>
+            </a:solidFill>
+          </a:ln>
+        </p:spPr>
+        <p:style>
+          <a:lnRef idx="1">
+            <a:schemeClr val="accent1"/>
+          </a:lnRef>
+          <a:fillRef idx="0">
+            <a:schemeClr val="accent1"/>
+          </a:fillRef>
+          <a:effectRef idx="0">
+            <a:schemeClr val="accent1"/>
+          </a:effectRef>
+          <a:fontRef idx="minor">
+            <a:schemeClr val="tx1"/>
+          </a:fontRef>
+        </p:style>
+      </p:cxnSp>
+      <p:sp>
+        <p:nvSpPr>
+          <p:cNvPr id="41" name="平行四边形 40"/>
+          <p:cNvSpPr/>
+          <p:nvPr/>
+        </p:nvSpPr>
+        <p:spPr>
+          <a:xfrm>
+            <a:off x="271197" y="1094292"/>
+            <a:ext cx="779108" cy="359374"/>
+          </a:xfrm>
+          <a:prstGeom prst="parallelogram">
+            <a:avLst/>
+          </a:prstGeom>
+          <a:solidFill>
+            <a:srgbClr val="346182"/>
+          </a:solidFill>
+          <a:ln>
+            <a:noFill/>
+          </a:ln>
+        </p:spPr>
+        <p:style>
+          <a:lnRef idx="2">
+            <a:schemeClr val="accent1">
+              <a:shade val="50000"/>
+            </a:schemeClr>
+          </a:lnRef>
+          <a:fillRef idx="1">
+            <a:schemeClr val="accent1"/>
+          </a:fillRef>
+          <a:effectRef idx="0">
+            <a:schemeClr val="accent1"/>
+          </a:effectRef>
+          <a:fontRef idx="minor">
+            <a:schemeClr val="lt1"/>
+          </a:fontRef>
+        </p:style>
+        <p:txBody>
+          <a:bodyPr rtlCol="0" anchor="ctr"/>
+          <a:lstStyle/>
+          <a:p>
+            <a:pPr algn="ctr"/>
+            <a:endParaRPr lang="zh-CN" altLang="en-US" sz="1350"/>
+          </a:p>
+        </p:txBody>
+      </p:sp>
+      <p:sp>
+        <p:nvSpPr>
+          <p:cNvPr id="42" name="文本框 41"/>
+          <p:cNvSpPr txBox="1"/>
+          <p:nvPr/>
+        </p:nvSpPr>
+        <p:spPr>
+          <a:xfrm>
+            <a:off x="278016" y="1077771"/>
+            <a:ext cx="765470" cy="415498"/>
+          </a:xfrm>
+          <a:prstGeom prst="rect">
+            <a:avLst/>
+          </a:prstGeom>
+          <a:noFill/>
+        </p:spPr>
+        <p:txBody>
+          <a:bodyPr wrap="square" rtlCol="0">
+            <a:spAutoFit/>
+          </a:bodyPr>
+          <a:lstStyle/>
+          <a:p>
+            <a:pPr algn="ctr"/>
+            <a:r>
+              <a:rPr lang="en-US" altLang="zh-CN" sz="2100" dirty="0">
+                <a:solidFill>
+                  <a:schemeClr val="bg1"/>
+                </a:solidFill>
+                <a:latin typeface="微软雅黑" panose="020B0503020204020204" pitchFamily="34" charset="-122"/>
+                <a:ea typeface="微软雅黑" panose="020B0503020204020204" pitchFamily="34" charset="-122"/>
+              </a:rPr>
+              <a:t>5</a:t>
+            </a:r>
+            <a:endParaRPr lang="zh-CN" altLang="en-US" sz="2100" dirty="0">
+              <a:solidFill>
+                <a:schemeClr val="bg1"/>
+              </a:solidFill>
+              <a:latin typeface="微软雅黑" panose="020B0503020204020204" pitchFamily="34" charset="-122"/>
+              <a:ea typeface="微软雅黑" panose="020B0503020204020204" pitchFamily="34" charset="-122"/>
+            </a:endParaRPr>
+          </a:p>
+        </p:txBody>
+      </p:sp>
+      <p:sp>
+        <p:nvSpPr>
+          <p:cNvPr id="4" name="Rectangle 1"/>
+          <p:cNvSpPr>
+            <a:spLocks noChangeArrowheads="1"/>
+          </p:cNvSpPr>
+          <p:nvPr/>
+        </p:nvSpPr>
+        <p:spPr bwMode="auto">
+          <a:xfrm>
+            <a:off x="4081463" y="1708150"/>
+            <a:ext cx="9144000" cy="457200"/>
+          </a:xfrm>
+          <a:prstGeom prst="rect">
+            <a:avLst/>
+          </a:prstGeom>
+          <a:noFill/>
+          <a:ln>
+            <a:noFill/>
+          </a:ln>
+          <a:effectLst/>
+          <a:extLst>
+            <a:ext uri="{909E8E84-426E-40DD-AFC4-6F175D3DCCD1}">
+              <a14:hiddenFill xmlns:a14="http://schemas.microsoft.com/office/drawing/2010/main">
+                <a:solidFill>
+                  <a:schemeClr val="accent1"/>
+                </a:solidFill>
+              </a14:hiddenFill>
+            </a:ext>
+            <a:ext uri="{91240B29-F687-4F45-9708-019B960494DF}">
+              <a14:hiddenLine xmlns:a14="http://schemas.microsoft.com/office/drawing/2010/main" w="9525">
+                <a:solidFill>
+                  <a:schemeClr val="tx1"/>
+                </a:solidFill>
+                <a:miter lim="800000"/>
+                <a:headEnd/>
+                <a:tailEnd/>
+              </a14:hiddenLine>
+            </a:ext>
+            <a:ext uri="{AF507438-7753-43E0-B8FC-AC1667EBCBE1}">
+              <a14:hiddenEffects xmlns:a14="http://schemas.microsoft.com/office/drawing/2010/main">
+                <a:effectLst>
+                  <a:outerShdw dist="35921" dir="2700000" algn="ctr" rotWithShape="0">
+                    <a:schemeClr val="bg2"/>
+                  </a:outerShdw>
+                </a:effectLst>
+              </a14:hiddenEffects>
+            </a:ext>
+          </a:extLst>
+        </p:spPr>
+        <p:txBody>
+          <a:bodyPr vert="horz" wrap="none" lIns="91440" tIns="45720" rIns="91440" bIns="45720" numCol="1" anchor="ctr" anchorCtr="0" compatLnSpc="1">
+            <a:spAutoFit/>
+          </a:bodyPr>
+          <a:lstStyle/>
+          <a:p>
+            <a:endParaRPr lang="zh-CN" altLang="en-US"/>
+          </a:p>
+        </p:txBody>
+      </p:sp>
+      <p:pic>
+        <p:nvPicPr>
+          <p:cNvPr id="3" name="图片 2"/>
+          <p:cNvPicPr>
+            <a:picLocks noChangeAspect="1"/>
+          </p:cNvPicPr>
+          <p:nvPr/>
+        </p:nvPicPr>
+        <p:blipFill>
+          <a:blip r:embed="rId1"/>
+          <a:stretch>
+            <a:fillRect/>
+          </a:stretch>
+        </p:blipFill>
+        <p:spPr>
+          <a:xfrm>
+            <a:off x="6059805" y="-2540"/>
+            <a:ext cx="3116580" cy="1131570"/>
+          </a:xfrm>
+          <a:prstGeom prst="rect">
+            <a:avLst/>
+          </a:prstGeom>
+        </p:spPr>
+      </p:pic>
+      <p:graphicFrame>
+        <p:nvGraphicFramePr>
+          <p:cNvPr id="8" name="表格 7"/>
+          <p:cNvGraphicFramePr/>
+          <p:nvPr/>
+        </p:nvGraphicFramePr>
+        <p:xfrm>
+          <a:off x="834390" y="1601470"/>
+          <a:ext cx="7698105" cy="5212080"/>
+        </p:xfrm>
+        <a:graphic>
+          <a:graphicData uri="http://schemas.openxmlformats.org/drawingml/2006/table">
+            <a:tbl>
+              <a:tblPr firstRow="1" bandRow="1">
+                <a:tableStyleId>{5940675A-B579-460E-94D1-54222C63F5DA}</a:tableStyleId>
+              </a:tblPr>
+              <a:tblGrid>
+                <a:gridCol w="3956050"/>
+                <a:gridCol w="3742055"/>
+              </a:tblGrid>
+              <a:tr h="0">
+                <a:tc>
+                  <a:txBody>
+                    <a:bodyPr/>
+                    <a:p>
+                      <a:pPr indent="0" algn="ctr">
+                        <a:buNone/>
+                      </a:pPr>
+                      <a:r>
+                        <a:rPr lang="en-US" sz="600" b="0">
+                          <a:solidFill>
+                            <a:srgbClr val="000000"/>
+                          </a:solidFill>
+                          <a:latin typeface="宋体" panose="02010600030101010101" pitchFamily="2" charset="-122"/>
+                          <a:ea typeface="宋体" panose="02010600030101010101" pitchFamily="2" charset="-122"/>
+                          <a:cs typeface="宋体" panose="02010600030101010101" pitchFamily="2" charset="-122"/>
+                        </a:rPr>
+                        <a:t>风险</a:t>
+                      </a:r>
+                      <a:endParaRPr lang="en-US" altLang="en-US" sz="600" b="0">
+                        <a:solidFill>
+                          <a:srgbClr val="000000"/>
+                        </a:solidFill>
+                        <a:latin typeface="宋体" panose="02010600030101010101" pitchFamily="2" charset="-122"/>
+                        <a:ea typeface="宋体" panose="02010600030101010101" pitchFamily="2" charset="-122"/>
+                        <a:cs typeface="宋体" panose="02010600030101010101" pitchFamily="2" charset="-122"/>
+                      </a:endParaRPr>
+                    </a:p>
+                  </a:txBody>
+                  <a:tcPr marL="68580" marR="68580" marT="0" marB="0" vert="horz" anchor="ctr">
+                    <a:lnL w="12700" cap="flat" cmpd="sng">
+                      <a:solidFill>
+                        <a:srgbClr val="080000"/>
+                      </a:solidFill>
+                      <a:prstDash val="solid"/>
+                      <a:headEnd type="none" w="med" len="med"/>
+                      <a:tailEnd type="none" w="med" len="med"/>
+                    </a:lnL>
+                    <a:lnR w="12700" cap="flat" cmpd="sng">
+                      <a:solidFill>
+                        <a:srgbClr val="080000"/>
+                      </a:solidFill>
+                      <a:prstDash val="solid"/>
+                      <a:headEnd type="none" w="med" len="med"/>
+                      <a:tailEnd type="none" w="med" len="med"/>
+                    </a:lnR>
+                    <a:lnT w="12700" cap="flat" cmpd="sng">
+                      <a:solidFill>
+                        <a:srgbClr val="080000"/>
+                      </a:solidFill>
+                      <a:prstDash val="solid"/>
+                      <a:headEnd type="none" w="med" len="med"/>
+                      <a:tailEnd type="none" w="med" len="med"/>
+                    </a:lnT>
+                    <a:lnB w="12700" cap="flat" cmpd="sng">
+                      <a:solidFill>
+                        <a:srgbClr val="080000"/>
+                      </a:solidFill>
+                      <a:prstDash val="solid"/>
+                      <a:headEnd type="none" w="med" len="med"/>
+                      <a:tailEnd type="none" w="med" len="med"/>
+                    </a:lnB>
+                    <a:lnTlToBr>
+                      <a:noFill/>
+                    </a:lnTlToBr>
+                    <a:lnBlToTr>
+                      <a:noFill/>
+                    </a:lnBlToTr>
+                    <a:solidFill>
+                      <a:srgbClr val="BDD6EE"/>
+                    </a:solidFill>
+                  </a:tcPr>
+                </a:tc>
+                <a:tc>
+                  <a:txBody>
+                    <a:bodyPr/>
+                    <a:p>
+                      <a:pPr indent="0" algn="ctr">
+                        <a:buNone/>
+                      </a:pPr>
+                      <a:r>
+                        <a:rPr lang="en-US" sz="600" b="0">
+                          <a:solidFill>
+                            <a:srgbClr val="000000"/>
+                          </a:solidFill>
+                          <a:latin typeface="等线" panose="02010600030101010101" pitchFamily="2" charset="-122"/>
+                          <a:ea typeface="等线" panose="02010600030101010101" pitchFamily="2" charset="-122"/>
+                          <a:cs typeface="等线" panose="02010600030101010101" pitchFamily="2" charset="-122"/>
+                        </a:rPr>
+                        <a:t>控制手段</a:t>
+                      </a:r>
+                      <a:endParaRPr lang="en-US" altLang="en-US" sz="600" b="0">
+                        <a:solidFill>
+                          <a:srgbClr val="000000"/>
+                        </a:solidFill>
+                        <a:latin typeface="等线" panose="02010600030101010101" pitchFamily="2" charset="-122"/>
+                        <a:ea typeface="等线" panose="02010600030101010101" pitchFamily="2" charset="-122"/>
+                        <a:cs typeface="等线" panose="02010600030101010101" pitchFamily="2" charset="-122"/>
+                      </a:endParaRPr>
+                    </a:p>
+                  </a:txBody>
+                  <a:tcPr marL="68580" marR="68580" marT="0" marB="0" vert="horz" anchor="ctr">
+                    <a:lnL w="12700" cap="flat" cmpd="sng">
+                      <a:solidFill>
+                        <a:srgbClr val="080000"/>
+                      </a:solidFill>
+                      <a:prstDash val="solid"/>
+                      <a:headEnd type="none" w="med" len="med"/>
+                      <a:tailEnd type="none" w="med" len="med"/>
+                    </a:lnL>
+                    <a:lnR w="12700" cap="flat" cmpd="sng">
+                      <a:solidFill>
+                        <a:srgbClr val="080000"/>
+                      </a:solidFill>
+                      <a:prstDash val="solid"/>
+                      <a:headEnd type="none" w="med" len="med"/>
+                      <a:tailEnd type="none" w="med" len="med"/>
+                    </a:lnR>
+                    <a:lnT w="12700" cap="flat" cmpd="sng">
+                      <a:solidFill>
+                        <a:srgbClr val="080000"/>
+                      </a:solidFill>
+                      <a:prstDash val="solid"/>
+                      <a:headEnd type="none" w="med" len="med"/>
+                      <a:tailEnd type="none" w="med" len="med"/>
+                    </a:lnT>
+                    <a:lnB w="12700" cap="flat" cmpd="sng">
+                      <a:solidFill>
+                        <a:srgbClr val="080000"/>
+                      </a:solidFill>
+                      <a:prstDash val="solid"/>
+                      <a:headEnd type="none" w="med" len="med"/>
+                      <a:tailEnd type="none" w="med" len="med"/>
+                    </a:lnB>
+                    <a:lnTlToBr>
+                      <a:noFill/>
+                    </a:lnTlToBr>
+                    <a:lnBlToTr>
+                      <a:noFill/>
+                    </a:lnBlToTr>
+                    <a:solidFill>
+                      <a:srgbClr val="BDD6EE"/>
+                    </a:solidFill>
+                  </a:tcPr>
+                </a:tc>
+              </a:tr>
+              <a:tr h="567055">
+                <a:tc>
+                  <a:txBody>
+                    <a:bodyPr/>
+                    <a:p>
+                      <a:pPr indent="0">
+                        <a:buNone/>
+                      </a:pPr>
+                      <a:r>
+                        <a:rPr lang="en-US" sz="900" b="0">
+                          <a:solidFill>
+                            <a:srgbClr val="000000"/>
+                          </a:solidFill>
+                          <a:latin typeface="微软雅黑" panose="020B0503020204020204" pitchFamily="34" charset="-122"/>
+                          <a:ea typeface="微软雅黑" panose="020B0503020204020204" pitchFamily="34" charset="-122"/>
+                          <a:cs typeface="微软雅黑" panose="020B0503020204020204" pitchFamily="34" charset="-122"/>
+                        </a:rPr>
+                        <a:t>1. </a:t>
+                      </a:r>
+                      <a:r>
+                        <a:rPr lang="en-US" sz="900" b="0">
+                          <a:latin typeface="微软雅黑" panose="020B0503020204020204" pitchFamily="34" charset="-122"/>
+                          <a:ea typeface="微软雅黑" panose="020B0503020204020204" pitchFamily="34" charset="-122"/>
+                          <a:cs typeface="微软雅黑" panose="020B0503020204020204" pitchFamily="34" charset="-122"/>
+                        </a:rPr>
+                        <a:t>成员因故请假</a:t>
+                      </a:r>
+                      <a:endParaRPr lang="en-US" altLang="en-US" sz="900" b="0">
+                        <a:solidFill>
+                          <a:srgbClr val="000000"/>
+                        </a:solidFill>
+                        <a:latin typeface="微软雅黑" panose="020B0503020204020204" pitchFamily="34" charset="-122"/>
+                        <a:ea typeface="微软雅黑" panose="020B0503020204020204" pitchFamily="34" charset="-122"/>
+                        <a:cs typeface="微软雅黑" panose="020B0503020204020204" pitchFamily="34" charset="-122"/>
+                      </a:endParaRPr>
+                    </a:p>
+                  </a:txBody>
+                  <a:tcPr marL="68580" marR="68580" marT="0" marB="0" vert="horz" anchor="ctr">
+                    <a:lnL w="12700" cap="flat" cmpd="sng">
+                      <a:solidFill>
+                        <a:srgbClr val="080000"/>
+                      </a:solidFill>
+                      <a:prstDash val="solid"/>
+                      <a:headEnd type="none" w="med" len="med"/>
+                      <a:tailEnd type="none" w="med" len="med"/>
+                    </a:lnL>
+                    <a:lnR w="12700" cap="flat" cmpd="sng">
+                      <a:solidFill>
+                        <a:srgbClr val="080000"/>
+                      </a:solidFill>
+                      <a:prstDash val="solid"/>
+                      <a:headEnd type="none" w="med" len="med"/>
+                      <a:tailEnd type="none" w="med" len="med"/>
+                    </a:lnR>
+                    <a:lnT w="12700" cap="flat" cmpd="sng">
+                      <a:solidFill>
+                        <a:srgbClr val="080000"/>
+                      </a:solidFill>
+                      <a:prstDash val="solid"/>
+                      <a:headEnd type="none" w="med" len="med"/>
+                      <a:tailEnd type="none" w="med" len="med"/>
+                    </a:lnT>
+                    <a:lnB w="12700" cap="flat" cmpd="sng">
+                      <a:solidFill>
+                        <a:srgbClr val="080000"/>
+                      </a:solidFill>
+                      <a:prstDash val="solid"/>
+                      <a:headEnd type="none" w="med" len="med"/>
+                      <a:tailEnd type="none" w="med" len="med"/>
+                    </a:lnB>
+                    <a:lnTlToBr>
+                      <a:noFill/>
+                    </a:lnTlToBr>
+                    <a:lnBlToTr>
+                      <a:noFill/>
+                    </a:lnBlToTr>
+                    <a:noFill/>
+                  </a:tcPr>
+                </a:tc>
+                <a:tc>
+                  <a:txBody>
+                    <a:bodyPr/>
+                    <a:p>
+                      <a:pPr indent="0">
+                        <a:buNone/>
+                      </a:pPr>
+                      <a:r>
+                        <a:rPr lang="en-US" sz="900" b="0">
+                          <a:solidFill>
+                            <a:srgbClr val="000000"/>
+                          </a:solidFill>
+                          <a:latin typeface="微软雅黑" panose="020B0503020204020204" pitchFamily="34" charset="-122"/>
+                          <a:ea typeface="微软雅黑" panose="020B0503020204020204" pitchFamily="34" charset="-122"/>
+                          <a:cs typeface="微软雅黑" panose="020B0503020204020204" pitchFamily="34" charset="-122"/>
+                        </a:rPr>
+                        <a:t>1.</a:t>
+                      </a:r>
+                      <a:r>
+                        <a:rPr lang="en-US" sz="900" b="0">
+                          <a:latin typeface="微软雅黑" panose="020B0503020204020204" pitchFamily="34" charset="-122"/>
+                          <a:ea typeface="微软雅黑" panose="020B0503020204020204" pitchFamily="34" charset="-122"/>
+                          <a:cs typeface="微软雅黑" panose="020B0503020204020204" pitchFamily="34" charset="-122"/>
+                        </a:rPr>
+                        <a:t> 提前改变任务的分配，他人顶上（由组长安排，并且请假人于下次任务中会适当增加分担协助者的部分任务）</a:t>
+                      </a:r>
+                      <a:endParaRPr lang="en-US" altLang="en-US" sz="900" b="0">
+                        <a:solidFill>
+                          <a:srgbClr val="000000"/>
+                        </a:solidFill>
+                        <a:latin typeface="微软雅黑" panose="020B0503020204020204" pitchFamily="34" charset="-122"/>
+                        <a:ea typeface="微软雅黑" panose="020B0503020204020204" pitchFamily="34" charset="-122"/>
+                        <a:cs typeface="微软雅黑" panose="020B0503020204020204" pitchFamily="34" charset="-122"/>
+                      </a:endParaRPr>
+                    </a:p>
+                  </a:txBody>
+                  <a:tcPr marL="68580" marR="68580" marT="0" marB="0" vert="horz" anchor="ctr">
+                    <a:lnL w="12700" cap="flat" cmpd="sng">
+                      <a:solidFill>
+                        <a:srgbClr val="080000"/>
+                      </a:solidFill>
+                      <a:prstDash val="solid"/>
+                      <a:headEnd type="none" w="med" len="med"/>
+                      <a:tailEnd type="none" w="med" len="med"/>
+                    </a:lnL>
+                    <a:lnR w="12700" cap="flat" cmpd="sng">
+                      <a:solidFill>
+                        <a:srgbClr val="080000"/>
+                      </a:solidFill>
+                      <a:prstDash val="solid"/>
+                      <a:headEnd type="none" w="med" len="med"/>
+                      <a:tailEnd type="none" w="med" len="med"/>
+                    </a:lnR>
+                    <a:lnT w="12700" cap="flat" cmpd="sng">
+                      <a:solidFill>
+                        <a:srgbClr val="080000"/>
+                      </a:solidFill>
+                      <a:prstDash val="solid"/>
+                      <a:headEnd type="none" w="med" len="med"/>
+                      <a:tailEnd type="none" w="med" len="med"/>
+                    </a:lnT>
+                    <a:lnB w="12700" cap="flat" cmpd="sng">
+                      <a:solidFill>
+                        <a:srgbClr val="080000"/>
+                      </a:solidFill>
+                      <a:prstDash val="solid"/>
+                      <a:headEnd type="none" w="med" len="med"/>
+                      <a:tailEnd type="none" w="med" len="med"/>
+                    </a:lnB>
+                    <a:lnTlToBr>
+                      <a:noFill/>
+                    </a:lnTlToBr>
+                    <a:lnBlToTr>
+                      <a:noFill/>
+                    </a:lnBlToTr>
+                    <a:noFill/>
+                  </a:tcPr>
+                </a:tc>
+              </a:tr>
+              <a:tr h="193675">
+                <a:tc>
+                  <a:txBody>
+                    <a:bodyPr/>
+                    <a:p>
+                      <a:pPr indent="0">
+                        <a:buNone/>
+                      </a:pPr>
+                      <a:r>
+                        <a:rPr lang="en-US" sz="900" b="0">
+                          <a:solidFill>
+                            <a:srgbClr val="000000"/>
+                          </a:solidFill>
+                          <a:latin typeface="微软雅黑" panose="020B0503020204020204" pitchFamily="34" charset="-122"/>
+                          <a:ea typeface="微软雅黑" panose="020B0503020204020204" pitchFamily="34" charset="-122"/>
+                          <a:cs typeface="微软雅黑" panose="020B0503020204020204" pitchFamily="34" charset="-122"/>
+                        </a:rPr>
+                        <a:t>2.</a:t>
+                      </a:r>
+                      <a:r>
+                        <a:rPr lang="en-US" sz="900" b="0">
+                          <a:latin typeface="微软雅黑" panose="020B0503020204020204" pitchFamily="34" charset="-122"/>
+                          <a:ea typeface="微软雅黑" panose="020B0503020204020204" pitchFamily="34" charset="-122"/>
+                          <a:cs typeface="微软雅黑" panose="020B0503020204020204" pitchFamily="34" charset="-122"/>
+                        </a:rPr>
+                        <a:t> 项目成员不能实现项目</a:t>
+                      </a:r>
+                      <a:endParaRPr lang="en-US" altLang="en-US" sz="900" b="0">
+                        <a:solidFill>
+                          <a:srgbClr val="000000"/>
+                        </a:solidFill>
+                        <a:latin typeface="微软雅黑" panose="020B0503020204020204" pitchFamily="34" charset="-122"/>
+                        <a:ea typeface="微软雅黑" panose="020B0503020204020204" pitchFamily="34" charset="-122"/>
+                        <a:cs typeface="微软雅黑" panose="020B0503020204020204" pitchFamily="34" charset="-122"/>
+                      </a:endParaRPr>
+                    </a:p>
+                  </a:txBody>
+                  <a:tcPr marL="68580" marR="68580" marT="0" marB="0" vert="horz" anchor="ctr">
+                    <a:lnL w="12700" cap="flat" cmpd="sng">
+                      <a:solidFill>
+                        <a:srgbClr val="080000"/>
+                      </a:solidFill>
+                      <a:prstDash val="solid"/>
+                      <a:headEnd type="none" w="med" len="med"/>
+                      <a:tailEnd type="none" w="med" len="med"/>
+                    </a:lnL>
+                    <a:lnR w="12700" cap="flat" cmpd="sng">
+                      <a:solidFill>
+                        <a:srgbClr val="080000"/>
+                      </a:solidFill>
+                      <a:prstDash val="solid"/>
+                      <a:headEnd type="none" w="med" len="med"/>
+                      <a:tailEnd type="none" w="med" len="med"/>
+                    </a:lnR>
+                    <a:lnT w="12700" cap="flat" cmpd="sng">
+                      <a:solidFill>
+                        <a:srgbClr val="080000"/>
+                      </a:solidFill>
+                      <a:prstDash val="solid"/>
+                      <a:headEnd type="none" w="med" len="med"/>
+                      <a:tailEnd type="none" w="med" len="med"/>
+                    </a:lnT>
+                    <a:lnB w="12700" cap="flat" cmpd="sng">
+                      <a:solidFill>
+                        <a:srgbClr val="080000"/>
+                      </a:solidFill>
+                      <a:prstDash val="solid"/>
+                      <a:headEnd type="none" w="med" len="med"/>
+                      <a:tailEnd type="none" w="med" len="med"/>
+                    </a:lnB>
+                    <a:lnTlToBr>
+                      <a:noFill/>
+                    </a:lnTlToBr>
+                    <a:lnBlToTr>
+                      <a:noFill/>
+                    </a:lnBlToTr>
+                    <a:noFill/>
+                  </a:tcPr>
+                </a:tc>
+                <a:tc>
+                  <a:txBody>
+                    <a:bodyPr/>
+                    <a:p>
+                      <a:pPr indent="0">
+                        <a:buNone/>
+                      </a:pPr>
+                      <a:r>
+                        <a:rPr lang="en-US" sz="900" b="0">
+                          <a:solidFill>
+                            <a:srgbClr val="000000"/>
+                          </a:solidFill>
+                          <a:latin typeface="微软雅黑" panose="020B0503020204020204" pitchFamily="34" charset="-122"/>
+                          <a:ea typeface="微软雅黑" panose="020B0503020204020204" pitchFamily="34" charset="-122"/>
+                          <a:cs typeface="微软雅黑" panose="020B0503020204020204" pitchFamily="34" charset="-122"/>
+                        </a:rPr>
+                        <a:t>2.</a:t>
+                      </a:r>
+                      <a:r>
+                        <a:rPr lang="en-US" sz="900" b="0">
+                          <a:latin typeface="微软雅黑" panose="020B0503020204020204" pitchFamily="34" charset="-122"/>
+                          <a:ea typeface="微软雅黑" panose="020B0503020204020204" pitchFamily="34" charset="-122"/>
+                          <a:cs typeface="微软雅黑" panose="020B0503020204020204" pitchFamily="34" charset="-122"/>
+                        </a:rPr>
+                        <a:t> 制定培训计划</a:t>
+                      </a:r>
+                      <a:endParaRPr lang="en-US" altLang="en-US" sz="900" b="0">
+                        <a:solidFill>
+                          <a:srgbClr val="000000"/>
+                        </a:solidFill>
+                        <a:latin typeface="微软雅黑" panose="020B0503020204020204" pitchFamily="34" charset="-122"/>
+                        <a:ea typeface="微软雅黑" panose="020B0503020204020204" pitchFamily="34" charset="-122"/>
+                        <a:cs typeface="微软雅黑" panose="020B0503020204020204" pitchFamily="34" charset="-122"/>
+                      </a:endParaRPr>
+                    </a:p>
+                  </a:txBody>
+                  <a:tcPr marL="68580" marR="68580" marT="0" marB="0" vert="horz" anchor="ctr">
+                    <a:lnL w="12700" cap="flat" cmpd="sng">
+                      <a:solidFill>
+                        <a:srgbClr val="080000"/>
+                      </a:solidFill>
+                      <a:prstDash val="solid"/>
+                      <a:headEnd type="none" w="med" len="med"/>
+                      <a:tailEnd type="none" w="med" len="med"/>
+                    </a:lnL>
+                    <a:lnR w="12700" cap="flat" cmpd="sng">
+                      <a:solidFill>
+                        <a:srgbClr val="080000"/>
+                      </a:solidFill>
+                      <a:prstDash val="solid"/>
+                      <a:headEnd type="none" w="med" len="med"/>
+                      <a:tailEnd type="none" w="med" len="med"/>
+                    </a:lnR>
+                    <a:lnT w="12700" cap="flat" cmpd="sng">
+                      <a:solidFill>
+                        <a:srgbClr val="080000"/>
+                      </a:solidFill>
+                      <a:prstDash val="solid"/>
+                      <a:headEnd type="none" w="med" len="med"/>
+                      <a:tailEnd type="none" w="med" len="med"/>
+                    </a:lnT>
+                    <a:lnB w="12700" cap="flat" cmpd="sng">
+                      <a:solidFill>
+                        <a:srgbClr val="080000"/>
+                      </a:solidFill>
+                      <a:prstDash val="solid"/>
+                      <a:headEnd type="none" w="med" len="med"/>
+                      <a:tailEnd type="none" w="med" len="med"/>
+                    </a:lnB>
+                    <a:lnTlToBr>
+                      <a:noFill/>
+                    </a:lnTlToBr>
+                    <a:lnBlToTr>
+                      <a:noFill/>
+                    </a:lnBlToTr>
+                    <a:noFill/>
+                  </a:tcPr>
+                </a:tc>
+              </a:tr>
+              <a:tr h="193675">
+                <a:tc>
+                  <a:txBody>
+                    <a:bodyPr/>
+                    <a:p>
+                      <a:pPr indent="0">
+                        <a:buNone/>
+                      </a:pPr>
+                      <a:r>
+                        <a:rPr lang="en-US" sz="900" b="0">
+                          <a:solidFill>
+                            <a:srgbClr val="000000"/>
+                          </a:solidFill>
+                          <a:latin typeface="微软雅黑" panose="020B0503020204020204" pitchFamily="34" charset="-122"/>
+                          <a:ea typeface="微软雅黑" panose="020B0503020204020204" pitchFamily="34" charset="-122"/>
+                          <a:cs typeface="微软雅黑" panose="020B0503020204020204" pitchFamily="34" charset="-122"/>
+                        </a:rPr>
+                        <a:t>3.</a:t>
+                      </a:r>
+                      <a:r>
+                        <a:rPr lang="en-US" sz="900" b="0">
+                          <a:latin typeface="微软雅黑" panose="020B0503020204020204" pitchFamily="34" charset="-122"/>
+                          <a:ea typeface="微软雅黑" panose="020B0503020204020204" pitchFamily="34" charset="-122"/>
+                          <a:cs typeface="微软雅黑" panose="020B0503020204020204" pitchFamily="34" charset="-122"/>
+                        </a:rPr>
+                        <a:t> Git远端仓库崩溃</a:t>
+                      </a:r>
+                      <a:endParaRPr lang="en-US" altLang="en-US" sz="900" b="0">
+                        <a:solidFill>
+                          <a:srgbClr val="000000"/>
+                        </a:solidFill>
+                        <a:latin typeface="微软雅黑" panose="020B0503020204020204" pitchFamily="34" charset="-122"/>
+                        <a:ea typeface="微软雅黑" panose="020B0503020204020204" pitchFamily="34" charset="-122"/>
+                        <a:cs typeface="微软雅黑" panose="020B0503020204020204" pitchFamily="34" charset="-122"/>
+                      </a:endParaRPr>
+                    </a:p>
+                  </a:txBody>
+                  <a:tcPr marL="68580" marR="68580" marT="0" marB="0" vert="horz" anchor="ctr">
+                    <a:lnL w="12700" cap="flat" cmpd="sng">
+                      <a:solidFill>
+                        <a:srgbClr val="080000"/>
+                      </a:solidFill>
+                      <a:prstDash val="solid"/>
+                      <a:headEnd type="none" w="med" len="med"/>
+                      <a:tailEnd type="none" w="med" len="med"/>
+                    </a:lnL>
+                    <a:lnR w="12700" cap="flat" cmpd="sng">
+                      <a:solidFill>
+                        <a:srgbClr val="080000"/>
+                      </a:solidFill>
+                      <a:prstDash val="solid"/>
+                      <a:headEnd type="none" w="med" len="med"/>
+                      <a:tailEnd type="none" w="med" len="med"/>
+                    </a:lnR>
+                    <a:lnT w="12700" cap="flat" cmpd="sng">
+                      <a:solidFill>
+                        <a:srgbClr val="080000"/>
+                      </a:solidFill>
+                      <a:prstDash val="solid"/>
+                      <a:headEnd type="none" w="med" len="med"/>
+                      <a:tailEnd type="none" w="med" len="med"/>
+                    </a:lnT>
+                    <a:lnB w="12700" cap="flat" cmpd="sng">
+                      <a:solidFill>
+                        <a:srgbClr val="080000"/>
+                      </a:solidFill>
+                      <a:prstDash val="solid"/>
+                      <a:headEnd type="none" w="med" len="med"/>
+                      <a:tailEnd type="none" w="med" len="med"/>
+                    </a:lnB>
+                    <a:lnTlToBr>
+                      <a:noFill/>
+                    </a:lnTlToBr>
+                    <a:lnBlToTr>
+                      <a:noFill/>
+                    </a:lnBlToTr>
+                    <a:noFill/>
+                  </a:tcPr>
+                </a:tc>
+                <a:tc>
+                  <a:txBody>
+                    <a:bodyPr/>
+                    <a:p>
+                      <a:pPr indent="0">
+                        <a:buNone/>
+                      </a:pPr>
+                      <a:r>
+                        <a:rPr lang="en-US" sz="900" b="0">
+                          <a:solidFill>
+                            <a:srgbClr val="000000"/>
+                          </a:solidFill>
+                          <a:latin typeface="微软雅黑" panose="020B0503020204020204" pitchFamily="34" charset="-122"/>
+                          <a:ea typeface="微软雅黑" panose="020B0503020204020204" pitchFamily="34" charset="-122"/>
+                          <a:cs typeface="微软雅黑" panose="020B0503020204020204" pitchFamily="34" charset="-122"/>
+                        </a:rPr>
+                        <a:t>3.</a:t>
+                      </a:r>
+                      <a:r>
+                        <a:rPr lang="en-US" sz="900" b="0">
+                          <a:latin typeface="微软雅黑" panose="020B0503020204020204" pitchFamily="34" charset="-122"/>
+                          <a:ea typeface="微软雅黑" panose="020B0503020204020204" pitchFamily="34" charset="-122"/>
+                          <a:cs typeface="微软雅黑" panose="020B0503020204020204" pitchFamily="34" charset="-122"/>
+                        </a:rPr>
+                        <a:t> 及时发现，用本地版本去创建新的远端仓库</a:t>
+                      </a:r>
+                      <a:endParaRPr lang="en-US" altLang="en-US" sz="900" b="0">
+                        <a:solidFill>
+                          <a:srgbClr val="000000"/>
+                        </a:solidFill>
+                        <a:latin typeface="微软雅黑" panose="020B0503020204020204" pitchFamily="34" charset="-122"/>
+                        <a:ea typeface="微软雅黑" panose="020B0503020204020204" pitchFamily="34" charset="-122"/>
+                        <a:cs typeface="微软雅黑" panose="020B0503020204020204" pitchFamily="34" charset="-122"/>
+                      </a:endParaRPr>
+                    </a:p>
+                  </a:txBody>
+                  <a:tcPr marL="68580" marR="68580" marT="0" marB="0" vert="horz" anchor="ctr">
+                    <a:lnL w="12700" cap="flat" cmpd="sng">
+                      <a:solidFill>
+                        <a:srgbClr val="080000"/>
+                      </a:solidFill>
+                      <a:prstDash val="solid"/>
+                      <a:headEnd type="none" w="med" len="med"/>
+                      <a:tailEnd type="none" w="med" len="med"/>
+                    </a:lnL>
+                    <a:lnR w="12700" cap="flat" cmpd="sng">
+                      <a:solidFill>
+                        <a:srgbClr val="080000"/>
+                      </a:solidFill>
+                      <a:prstDash val="solid"/>
+                      <a:headEnd type="none" w="med" len="med"/>
+                      <a:tailEnd type="none" w="med" len="med"/>
+                    </a:lnR>
+                    <a:lnT w="12700" cap="flat" cmpd="sng">
+                      <a:solidFill>
+                        <a:srgbClr val="080000"/>
+                      </a:solidFill>
+                      <a:prstDash val="solid"/>
+                      <a:headEnd type="none" w="med" len="med"/>
+                      <a:tailEnd type="none" w="med" len="med"/>
+                    </a:lnT>
+                    <a:lnB w="12700" cap="flat" cmpd="sng">
+                      <a:solidFill>
+                        <a:srgbClr val="080000"/>
+                      </a:solidFill>
+                      <a:prstDash val="solid"/>
+                      <a:headEnd type="none" w="med" len="med"/>
+                      <a:tailEnd type="none" w="med" len="med"/>
+                    </a:lnB>
+                    <a:lnTlToBr>
+                      <a:noFill/>
+                    </a:lnTlToBr>
+                    <a:lnBlToTr>
+                      <a:noFill/>
+                    </a:lnBlToTr>
+                    <a:noFill/>
+                  </a:tcPr>
+                </a:tc>
+              </a:tr>
+              <a:tr h="395605">
+                <a:tc>
+                  <a:txBody>
+                    <a:bodyPr/>
+                    <a:p>
+                      <a:pPr indent="0">
+                        <a:buNone/>
+                      </a:pPr>
+                      <a:r>
+                        <a:rPr lang="en-US" sz="900" b="0">
+                          <a:solidFill>
+                            <a:srgbClr val="000000"/>
+                          </a:solidFill>
+                          <a:latin typeface="微软雅黑" panose="020B0503020204020204" pitchFamily="34" charset="-122"/>
+                          <a:ea typeface="微软雅黑" panose="020B0503020204020204" pitchFamily="34" charset="-122"/>
+                          <a:cs typeface="微软雅黑" panose="020B0503020204020204" pitchFamily="34" charset="-122"/>
+                        </a:rPr>
+                        <a:t>4.</a:t>
+                      </a:r>
+                      <a:r>
+                        <a:rPr lang="en-US" sz="900" b="0">
+                          <a:latin typeface="微软雅黑" panose="020B0503020204020204" pitchFamily="34" charset="-122"/>
+                          <a:ea typeface="微软雅黑" panose="020B0503020204020204" pitchFamily="34" charset="-122"/>
+                          <a:cs typeface="微软雅黑" panose="020B0503020204020204" pitchFamily="34" charset="-122"/>
+                        </a:rPr>
+                        <a:t> 与干系人联系邮件发送内容、格式错误</a:t>
+                      </a:r>
+                      <a:endParaRPr lang="en-US" altLang="en-US" sz="900" b="0">
+                        <a:solidFill>
+                          <a:srgbClr val="000000"/>
+                        </a:solidFill>
+                        <a:latin typeface="微软雅黑" panose="020B0503020204020204" pitchFamily="34" charset="-122"/>
+                        <a:ea typeface="微软雅黑" panose="020B0503020204020204" pitchFamily="34" charset="-122"/>
+                        <a:cs typeface="微软雅黑" panose="020B0503020204020204" pitchFamily="34" charset="-122"/>
+                      </a:endParaRPr>
+                    </a:p>
+                  </a:txBody>
+                  <a:tcPr marL="68580" marR="68580" marT="0" marB="0" vert="horz" anchor="ctr">
+                    <a:lnL w="12700" cap="flat" cmpd="sng">
+                      <a:solidFill>
+                        <a:srgbClr val="080000"/>
+                      </a:solidFill>
+                      <a:prstDash val="solid"/>
+                      <a:headEnd type="none" w="med" len="med"/>
+                      <a:tailEnd type="none" w="med" len="med"/>
+                    </a:lnL>
+                    <a:lnR w="12700" cap="flat" cmpd="sng">
+                      <a:solidFill>
+                        <a:srgbClr val="080000"/>
+                      </a:solidFill>
+                      <a:prstDash val="solid"/>
+                      <a:headEnd type="none" w="med" len="med"/>
+                      <a:tailEnd type="none" w="med" len="med"/>
+                    </a:lnR>
+                    <a:lnT w="12700" cap="flat" cmpd="sng">
+                      <a:solidFill>
+                        <a:srgbClr val="080000"/>
+                      </a:solidFill>
+                      <a:prstDash val="solid"/>
+                      <a:headEnd type="none" w="med" len="med"/>
+                      <a:tailEnd type="none" w="med" len="med"/>
+                    </a:lnT>
+                    <a:lnB w="12700" cap="flat" cmpd="sng">
+                      <a:solidFill>
+                        <a:srgbClr val="080000"/>
+                      </a:solidFill>
+                      <a:prstDash val="solid"/>
+                      <a:headEnd type="none" w="med" len="med"/>
+                      <a:tailEnd type="none" w="med" len="med"/>
+                    </a:lnB>
+                    <a:lnTlToBr>
+                      <a:noFill/>
+                    </a:lnTlToBr>
+                    <a:lnBlToTr>
+                      <a:noFill/>
+                    </a:lnBlToTr>
+                    <a:noFill/>
+                  </a:tcPr>
+                </a:tc>
+                <a:tc>
+                  <a:txBody>
+                    <a:bodyPr/>
+                    <a:p>
+                      <a:pPr indent="0">
+                        <a:buNone/>
+                      </a:pPr>
+                      <a:r>
+                        <a:rPr lang="en-US" sz="900" b="0">
+                          <a:solidFill>
+                            <a:srgbClr val="000000"/>
+                          </a:solidFill>
+                          <a:latin typeface="微软雅黑" panose="020B0503020204020204" pitchFamily="34" charset="-122"/>
+                          <a:ea typeface="微软雅黑" panose="020B0503020204020204" pitchFamily="34" charset="-122"/>
+                          <a:cs typeface="微软雅黑" panose="020B0503020204020204" pitchFamily="34" charset="-122"/>
+                        </a:rPr>
+                        <a:t>4.</a:t>
+                      </a:r>
+                      <a:r>
+                        <a:rPr lang="en-US" sz="900" b="0">
+                          <a:latin typeface="微软雅黑" panose="020B0503020204020204" pitchFamily="34" charset="-122"/>
+                          <a:ea typeface="微软雅黑" panose="020B0503020204020204" pitchFamily="34" charset="-122"/>
+                          <a:cs typeface="微软雅黑" panose="020B0503020204020204" pitchFamily="34" charset="-122"/>
+                        </a:rPr>
+                        <a:t> 提前Deadline发邮件，抄送组员，即使发现错误并修正</a:t>
+                      </a:r>
+                      <a:endParaRPr lang="en-US" altLang="en-US" sz="900" b="0">
+                        <a:solidFill>
+                          <a:srgbClr val="000000"/>
+                        </a:solidFill>
+                        <a:latin typeface="微软雅黑" panose="020B0503020204020204" pitchFamily="34" charset="-122"/>
+                        <a:ea typeface="微软雅黑" panose="020B0503020204020204" pitchFamily="34" charset="-122"/>
+                        <a:cs typeface="微软雅黑" panose="020B0503020204020204" pitchFamily="34" charset="-122"/>
+                      </a:endParaRPr>
+                    </a:p>
+                  </a:txBody>
+                  <a:tcPr marL="68580" marR="68580" marT="0" marB="0" vert="horz" anchor="ctr">
+                    <a:lnL w="12700" cap="flat" cmpd="sng">
+                      <a:solidFill>
+                        <a:srgbClr val="080000"/>
+                      </a:solidFill>
+                      <a:prstDash val="solid"/>
+                      <a:headEnd type="none" w="med" len="med"/>
+                      <a:tailEnd type="none" w="med" len="med"/>
+                    </a:lnL>
+                    <a:lnR w="12700" cap="flat" cmpd="sng">
+                      <a:solidFill>
+                        <a:srgbClr val="080000"/>
+                      </a:solidFill>
+                      <a:prstDash val="solid"/>
+                      <a:headEnd type="none" w="med" len="med"/>
+                      <a:tailEnd type="none" w="med" len="med"/>
+                    </a:lnR>
+                    <a:lnT w="12700" cap="flat" cmpd="sng">
+                      <a:solidFill>
+                        <a:srgbClr val="080000"/>
+                      </a:solidFill>
+                      <a:prstDash val="solid"/>
+                      <a:headEnd type="none" w="med" len="med"/>
+                      <a:tailEnd type="none" w="med" len="med"/>
+                    </a:lnT>
+                    <a:lnB w="12700" cap="flat" cmpd="sng">
+                      <a:solidFill>
+                        <a:srgbClr val="080000"/>
+                      </a:solidFill>
+                      <a:prstDash val="solid"/>
+                      <a:headEnd type="none" w="med" len="med"/>
+                      <a:tailEnd type="none" w="med" len="med"/>
+                    </a:lnB>
+                    <a:lnTlToBr>
+                      <a:noFill/>
+                    </a:lnTlToBr>
+                    <a:lnBlToTr>
+                      <a:noFill/>
+                    </a:lnBlToTr>
+                    <a:noFill/>
+                  </a:tcPr>
+                </a:tc>
+              </a:tr>
+              <a:tr h="295275">
+                <a:tc>
+                  <a:txBody>
+                    <a:bodyPr/>
+                    <a:p>
+                      <a:pPr indent="0">
+                        <a:buNone/>
+                      </a:pPr>
+                      <a:r>
+                        <a:rPr lang="en-US" sz="900" b="0">
+                          <a:solidFill>
+                            <a:srgbClr val="000000"/>
+                          </a:solidFill>
+                          <a:latin typeface="微软雅黑" panose="020B0503020204020204" pitchFamily="34" charset="-122"/>
+                          <a:ea typeface="微软雅黑" panose="020B0503020204020204" pitchFamily="34" charset="-122"/>
+                          <a:cs typeface="微软雅黑" panose="020B0503020204020204" pitchFamily="34" charset="-122"/>
+                        </a:rPr>
+                        <a:t>5.</a:t>
+                      </a:r>
+                      <a:r>
+                        <a:rPr lang="en-US" sz="900" b="0">
+                          <a:latin typeface="微软雅黑" panose="020B0503020204020204" pitchFamily="34" charset="-122"/>
+                          <a:ea typeface="微软雅黑" panose="020B0503020204020204" pitchFamily="34" charset="-122"/>
+                          <a:cs typeface="微软雅黑" panose="020B0503020204020204" pitchFamily="34" charset="-122"/>
+                        </a:rPr>
+                        <a:t> 项目文件结构不符合要求</a:t>
+                      </a:r>
+                      <a:endParaRPr lang="en-US" altLang="en-US" sz="900" b="0">
+                        <a:solidFill>
+                          <a:srgbClr val="000000"/>
+                        </a:solidFill>
+                        <a:latin typeface="微软雅黑" panose="020B0503020204020204" pitchFamily="34" charset="-122"/>
+                        <a:ea typeface="微软雅黑" panose="020B0503020204020204" pitchFamily="34" charset="-122"/>
+                        <a:cs typeface="微软雅黑" panose="020B0503020204020204" pitchFamily="34" charset="-122"/>
+                      </a:endParaRPr>
+                    </a:p>
+                  </a:txBody>
+                  <a:tcPr marL="68580" marR="68580" marT="0" marB="0" vert="horz" anchor="ctr">
+                    <a:lnL w="12700" cap="flat" cmpd="sng">
+                      <a:solidFill>
+                        <a:srgbClr val="080000"/>
+                      </a:solidFill>
+                      <a:prstDash val="solid"/>
+                      <a:headEnd type="none" w="med" len="med"/>
+                      <a:tailEnd type="none" w="med" len="med"/>
+                    </a:lnL>
+                    <a:lnR w="12700" cap="flat" cmpd="sng">
+                      <a:solidFill>
+                        <a:srgbClr val="080000"/>
+                      </a:solidFill>
+                      <a:prstDash val="solid"/>
+                      <a:headEnd type="none" w="med" len="med"/>
+                      <a:tailEnd type="none" w="med" len="med"/>
+                    </a:lnR>
+                    <a:lnT w="12700" cap="flat" cmpd="sng">
+                      <a:solidFill>
+                        <a:srgbClr val="080000"/>
+                      </a:solidFill>
+                      <a:prstDash val="solid"/>
+                      <a:headEnd type="none" w="med" len="med"/>
+                      <a:tailEnd type="none" w="med" len="med"/>
+                    </a:lnT>
+                    <a:lnB w="12700" cap="flat" cmpd="sng">
+                      <a:solidFill>
+                        <a:srgbClr val="080000"/>
+                      </a:solidFill>
+                      <a:prstDash val="solid"/>
+                      <a:headEnd type="none" w="med" len="med"/>
+                      <a:tailEnd type="none" w="med" len="med"/>
+                    </a:lnB>
+                    <a:lnTlToBr>
+                      <a:noFill/>
+                    </a:lnTlToBr>
+                    <a:lnBlToTr>
+                      <a:noFill/>
+                    </a:lnBlToTr>
+                    <a:noFill/>
+                  </a:tcPr>
+                </a:tc>
+                <a:tc>
+                  <a:txBody>
+                    <a:bodyPr/>
+                    <a:p>
+                      <a:pPr indent="0">
+                        <a:buNone/>
+                      </a:pPr>
+                      <a:r>
+                        <a:rPr lang="en-US" sz="900" b="0">
+                          <a:solidFill>
+                            <a:srgbClr val="000000"/>
+                          </a:solidFill>
+                          <a:latin typeface="微软雅黑" panose="020B0503020204020204" pitchFamily="34" charset="-122"/>
+                          <a:ea typeface="微软雅黑" panose="020B0503020204020204" pitchFamily="34" charset="-122"/>
+                          <a:cs typeface="微软雅黑" panose="020B0503020204020204" pitchFamily="34" charset="-122"/>
+                        </a:rPr>
+                        <a:t>5.</a:t>
+                      </a:r>
+                      <a:r>
+                        <a:rPr lang="en-US" sz="900" b="0">
+                          <a:latin typeface="微软雅黑" panose="020B0503020204020204" pitchFamily="34" charset="-122"/>
+                          <a:ea typeface="微软雅黑" panose="020B0503020204020204" pitchFamily="34" charset="-122"/>
+                          <a:cs typeface="微软雅黑" panose="020B0503020204020204" pitchFamily="34" charset="-122"/>
+                        </a:rPr>
+                        <a:t> 配置管理员修改文件结构</a:t>
+                      </a:r>
+                      <a:endParaRPr lang="en-US" altLang="en-US" sz="900" b="0">
+                        <a:solidFill>
+                          <a:srgbClr val="000000"/>
+                        </a:solidFill>
+                        <a:latin typeface="微软雅黑" panose="020B0503020204020204" pitchFamily="34" charset="-122"/>
+                        <a:ea typeface="微软雅黑" panose="020B0503020204020204" pitchFamily="34" charset="-122"/>
+                        <a:cs typeface="微软雅黑" panose="020B0503020204020204" pitchFamily="34" charset="-122"/>
+                      </a:endParaRPr>
+                    </a:p>
+                  </a:txBody>
+                  <a:tcPr marL="68580" marR="68580" marT="0" marB="0" vert="horz" anchor="ctr">
+                    <a:lnL w="12700" cap="flat" cmpd="sng">
+                      <a:solidFill>
+                        <a:srgbClr val="080000"/>
+                      </a:solidFill>
+                      <a:prstDash val="solid"/>
+                      <a:headEnd type="none" w="med" len="med"/>
+                      <a:tailEnd type="none" w="med" len="med"/>
+                    </a:lnL>
+                    <a:lnR w="12700" cap="flat" cmpd="sng">
+                      <a:solidFill>
+                        <a:srgbClr val="080000"/>
+                      </a:solidFill>
+                      <a:prstDash val="solid"/>
+                      <a:headEnd type="none" w="med" len="med"/>
+                      <a:tailEnd type="none" w="med" len="med"/>
+                    </a:lnR>
+                    <a:lnT w="12700" cap="flat" cmpd="sng">
+                      <a:solidFill>
+                        <a:srgbClr val="080000"/>
+                      </a:solidFill>
+                      <a:prstDash val="solid"/>
+                      <a:headEnd type="none" w="med" len="med"/>
+                      <a:tailEnd type="none" w="med" len="med"/>
+                    </a:lnT>
+                    <a:lnB w="12700" cap="flat" cmpd="sng">
+                      <a:solidFill>
+                        <a:srgbClr val="080000"/>
+                      </a:solidFill>
+                      <a:prstDash val="solid"/>
+                      <a:headEnd type="none" w="med" len="med"/>
+                      <a:tailEnd type="none" w="med" len="med"/>
+                    </a:lnB>
+                    <a:lnTlToBr>
+                      <a:noFill/>
+                    </a:lnTlToBr>
+                    <a:lnBlToTr>
+                      <a:noFill/>
+                    </a:lnBlToTr>
+                    <a:noFill/>
+                  </a:tcPr>
+                </a:tc>
+              </a:tr>
+              <a:tr h="292735">
+                <a:tc>
+                  <a:txBody>
+                    <a:bodyPr/>
+                    <a:p>
+                      <a:pPr indent="0">
+                        <a:buNone/>
+                      </a:pPr>
+                      <a:r>
+                        <a:rPr lang="en-US" sz="900" b="0">
+                          <a:solidFill>
+                            <a:srgbClr val="000000"/>
+                          </a:solidFill>
+                          <a:latin typeface="微软雅黑" panose="020B0503020204020204" pitchFamily="34" charset="-122"/>
+                          <a:ea typeface="微软雅黑" panose="020B0503020204020204" pitchFamily="34" charset="-122"/>
+                          <a:cs typeface="微软雅黑" panose="020B0503020204020204" pitchFamily="34" charset="-122"/>
+                        </a:rPr>
+                        <a:t>6.</a:t>
+                      </a:r>
+                      <a:r>
+                        <a:rPr lang="en-US" sz="900" b="0">
+                          <a:latin typeface="微软雅黑" panose="020B0503020204020204" pitchFamily="34" charset="-122"/>
+                          <a:ea typeface="微软雅黑" panose="020B0503020204020204" pitchFamily="34" charset="-122"/>
+                          <a:cs typeface="微软雅黑" panose="020B0503020204020204" pitchFamily="34" charset="-122"/>
+                        </a:rPr>
+                        <a:t> 对接下来的计划和任务定义不够充分明确</a:t>
+                      </a:r>
+                      <a:endParaRPr lang="en-US" altLang="en-US" sz="900" b="0">
+                        <a:solidFill>
+                          <a:srgbClr val="000000"/>
+                        </a:solidFill>
+                        <a:latin typeface="微软雅黑" panose="020B0503020204020204" pitchFamily="34" charset="-122"/>
+                        <a:ea typeface="微软雅黑" panose="020B0503020204020204" pitchFamily="34" charset="-122"/>
+                        <a:cs typeface="微软雅黑" panose="020B0503020204020204" pitchFamily="34" charset="-122"/>
+                      </a:endParaRPr>
+                    </a:p>
+                  </a:txBody>
+                  <a:tcPr marL="68580" marR="68580" marT="0" marB="0" vert="horz" anchor="ctr">
+                    <a:lnL w="12700" cap="flat" cmpd="sng">
+                      <a:solidFill>
+                        <a:srgbClr val="080000"/>
+                      </a:solidFill>
+                      <a:prstDash val="solid"/>
+                      <a:headEnd type="none" w="med" len="med"/>
+                      <a:tailEnd type="none" w="med" len="med"/>
+                    </a:lnL>
+                    <a:lnR w="12700" cap="flat" cmpd="sng">
+                      <a:solidFill>
+                        <a:srgbClr val="080000"/>
+                      </a:solidFill>
+                      <a:prstDash val="solid"/>
+                      <a:headEnd type="none" w="med" len="med"/>
+                      <a:tailEnd type="none" w="med" len="med"/>
+                    </a:lnR>
+                    <a:lnT w="12700" cap="flat" cmpd="sng">
+                      <a:solidFill>
+                        <a:srgbClr val="080000"/>
+                      </a:solidFill>
+                      <a:prstDash val="solid"/>
+                      <a:headEnd type="none" w="med" len="med"/>
+                      <a:tailEnd type="none" w="med" len="med"/>
+                    </a:lnT>
+                    <a:lnB w="12700" cap="flat" cmpd="sng">
+                      <a:solidFill>
+                        <a:srgbClr val="080000"/>
+                      </a:solidFill>
+                      <a:prstDash val="solid"/>
+                      <a:headEnd type="none" w="med" len="med"/>
+                      <a:tailEnd type="none" w="med" len="med"/>
+                    </a:lnB>
+                    <a:lnTlToBr>
+                      <a:noFill/>
+                    </a:lnTlToBr>
+                    <a:lnBlToTr>
+                      <a:noFill/>
+                    </a:lnBlToTr>
+                    <a:noFill/>
+                  </a:tcPr>
+                </a:tc>
+                <a:tc>
+                  <a:txBody>
+                    <a:bodyPr/>
+                    <a:p>
+                      <a:pPr indent="0">
+                        <a:buNone/>
+                      </a:pPr>
+                      <a:r>
+                        <a:rPr lang="en-US" sz="900" b="0">
+                          <a:solidFill>
+                            <a:srgbClr val="000000"/>
+                          </a:solidFill>
+                          <a:latin typeface="微软雅黑" panose="020B0503020204020204" pitchFamily="34" charset="-122"/>
+                          <a:ea typeface="微软雅黑" panose="020B0503020204020204" pitchFamily="34" charset="-122"/>
+                          <a:cs typeface="微软雅黑" panose="020B0503020204020204" pitchFamily="34" charset="-122"/>
+                        </a:rPr>
+                        <a:t>6.</a:t>
+                      </a:r>
+                      <a:r>
+                        <a:rPr lang="en-US" sz="900" b="0">
+                          <a:latin typeface="微软雅黑" panose="020B0503020204020204" pitchFamily="34" charset="-122"/>
+                          <a:ea typeface="微软雅黑" panose="020B0503020204020204" pitchFamily="34" charset="-122"/>
+                          <a:cs typeface="微软雅黑" panose="020B0503020204020204" pitchFamily="34" charset="-122"/>
+                        </a:rPr>
+                        <a:t> 找任务发布者（老师）明确任务，并制定一周的计划，每个组员都要有事可做</a:t>
+                      </a:r>
+                      <a:endParaRPr lang="en-US" altLang="en-US" sz="900" b="0">
+                        <a:solidFill>
+                          <a:srgbClr val="000000"/>
+                        </a:solidFill>
+                        <a:latin typeface="微软雅黑" panose="020B0503020204020204" pitchFamily="34" charset="-122"/>
+                        <a:ea typeface="微软雅黑" panose="020B0503020204020204" pitchFamily="34" charset="-122"/>
+                        <a:cs typeface="微软雅黑" panose="020B0503020204020204" pitchFamily="34" charset="-122"/>
+                      </a:endParaRPr>
+                    </a:p>
+                  </a:txBody>
+                  <a:tcPr marL="68580" marR="68580" marT="0" marB="0" vert="horz" anchor="ctr">
+                    <a:lnL w="12700" cap="flat" cmpd="sng">
+                      <a:solidFill>
+                        <a:srgbClr val="080000"/>
+                      </a:solidFill>
+                      <a:prstDash val="solid"/>
+                      <a:headEnd type="none" w="med" len="med"/>
+                      <a:tailEnd type="none" w="med" len="med"/>
+                    </a:lnL>
+                    <a:lnR w="12700" cap="flat" cmpd="sng">
+                      <a:solidFill>
+                        <a:srgbClr val="080000"/>
+                      </a:solidFill>
+                      <a:prstDash val="solid"/>
+                      <a:headEnd type="none" w="med" len="med"/>
+                      <a:tailEnd type="none" w="med" len="med"/>
+                    </a:lnR>
+                    <a:lnT w="12700" cap="flat" cmpd="sng">
+                      <a:solidFill>
+                        <a:srgbClr val="080000"/>
+                      </a:solidFill>
+                      <a:prstDash val="solid"/>
+                      <a:headEnd type="none" w="med" len="med"/>
+                      <a:tailEnd type="none" w="med" len="med"/>
+                    </a:lnT>
+                    <a:lnB w="12700" cap="flat" cmpd="sng">
+                      <a:solidFill>
+                        <a:srgbClr val="080000"/>
+                      </a:solidFill>
+                      <a:prstDash val="solid"/>
+                      <a:headEnd type="none" w="med" len="med"/>
+                      <a:tailEnd type="none" w="med" len="med"/>
+                    </a:lnB>
+                    <a:lnTlToBr>
+                      <a:noFill/>
+                    </a:lnTlToBr>
+                    <a:lnBlToTr>
+                      <a:noFill/>
+                    </a:lnBlToTr>
+                    <a:noFill/>
+                  </a:tcPr>
+                </a:tc>
+              </a:tr>
+              <a:tr h="195580">
+                <a:tc>
+                  <a:txBody>
+                    <a:bodyPr/>
+                    <a:p>
+                      <a:pPr indent="0">
+                        <a:buNone/>
+                      </a:pPr>
+                      <a:r>
+                        <a:rPr lang="en-US" sz="900" b="0">
+                          <a:solidFill>
+                            <a:srgbClr val="000000"/>
+                          </a:solidFill>
+                          <a:latin typeface="微软雅黑" panose="020B0503020204020204" pitchFamily="34" charset="-122"/>
+                          <a:ea typeface="微软雅黑" panose="020B0503020204020204" pitchFamily="34" charset="-122"/>
+                          <a:cs typeface="微软雅黑" panose="020B0503020204020204" pitchFamily="34" charset="-122"/>
+                        </a:rPr>
+                        <a:t>7.</a:t>
+                      </a:r>
+                      <a:r>
+                        <a:rPr lang="en-US" sz="900" b="0">
+                          <a:latin typeface="微软雅黑" panose="020B0503020204020204" pitchFamily="34" charset="-122"/>
+                          <a:ea typeface="微软雅黑" panose="020B0503020204020204" pitchFamily="34" charset="-122"/>
+                          <a:cs typeface="微软雅黑" panose="020B0503020204020204" pitchFamily="34" charset="-122"/>
+                        </a:rPr>
+                        <a:t> 组内信息回复的实时性</a:t>
+                      </a:r>
+                      <a:endParaRPr lang="en-US" altLang="en-US" sz="900" b="0">
+                        <a:solidFill>
+                          <a:srgbClr val="000000"/>
+                        </a:solidFill>
+                        <a:latin typeface="微软雅黑" panose="020B0503020204020204" pitchFamily="34" charset="-122"/>
+                        <a:ea typeface="微软雅黑" panose="020B0503020204020204" pitchFamily="34" charset="-122"/>
+                        <a:cs typeface="微软雅黑" panose="020B0503020204020204" pitchFamily="34" charset="-122"/>
+                      </a:endParaRPr>
+                    </a:p>
+                  </a:txBody>
+                  <a:tcPr marL="68580" marR="68580" marT="0" marB="0" vert="horz" anchor="ctr">
+                    <a:lnL w="12700" cap="flat" cmpd="sng">
+                      <a:solidFill>
+                        <a:srgbClr val="080000"/>
+                      </a:solidFill>
+                      <a:prstDash val="solid"/>
+                      <a:headEnd type="none" w="med" len="med"/>
+                      <a:tailEnd type="none" w="med" len="med"/>
+                    </a:lnL>
+                    <a:lnR w="12700" cap="flat" cmpd="sng">
+                      <a:solidFill>
+                        <a:srgbClr val="080000"/>
+                      </a:solidFill>
+                      <a:prstDash val="solid"/>
+                      <a:headEnd type="none" w="med" len="med"/>
+                      <a:tailEnd type="none" w="med" len="med"/>
+                    </a:lnR>
+                    <a:lnT w="12700" cap="flat" cmpd="sng">
+                      <a:solidFill>
+                        <a:srgbClr val="080000"/>
+                      </a:solidFill>
+                      <a:prstDash val="solid"/>
+                      <a:headEnd type="none" w="med" len="med"/>
+                      <a:tailEnd type="none" w="med" len="med"/>
+                    </a:lnT>
+                    <a:lnB w="12700" cap="flat" cmpd="sng">
+                      <a:solidFill>
+                        <a:srgbClr val="080000"/>
+                      </a:solidFill>
+                      <a:prstDash val="solid"/>
+                      <a:headEnd type="none" w="med" len="med"/>
+                      <a:tailEnd type="none" w="med" len="med"/>
+                    </a:lnB>
+                    <a:lnTlToBr>
+                      <a:noFill/>
+                    </a:lnTlToBr>
+                    <a:lnBlToTr>
+                      <a:noFill/>
+                    </a:lnBlToTr>
+                    <a:noFill/>
+                  </a:tcPr>
+                </a:tc>
+                <a:tc>
+                  <a:txBody>
+                    <a:bodyPr/>
+                    <a:p>
+                      <a:pPr indent="0">
+                        <a:buNone/>
+                      </a:pPr>
+                      <a:r>
+                        <a:rPr lang="en-US" sz="900" b="0">
+                          <a:solidFill>
+                            <a:srgbClr val="000000"/>
+                          </a:solidFill>
+                          <a:latin typeface="微软雅黑" panose="020B0503020204020204" pitchFamily="34" charset="-122"/>
+                          <a:ea typeface="微软雅黑" panose="020B0503020204020204" pitchFamily="34" charset="-122"/>
+                          <a:cs typeface="微软雅黑" panose="020B0503020204020204" pitchFamily="34" charset="-122"/>
+                        </a:rPr>
+                        <a:t>7.</a:t>
+                      </a:r>
+                      <a:r>
+                        <a:rPr lang="en-US" sz="900" b="0">
+                          <a:latin typeface="微软雅黑" panose="020B0503020204020204" pitchFamily="34" charset="-122"/>
+                          <a:ea typeface="微软雅黑" panose="020B0503020204020204" pitchFamily="34" charset="-122"/>
+                          <a:cs typeface="微软雅黑" panose="020B0503020204020204" pitchFamily="34" charset="-122"/>
+                        </a:rPr>
+                        <a:t> 组内微信群的信息要经常看，也要记得回复</a:t>
+                      </a:r>
+                      <a:endParaRPr lang="en-US" altLang="en-US" sz="900" b="0">
+                        <a:solidFill>
+                          <a:srgbClr val="000000"/>
+                        </a:solidFill>
+                        <a:latin typeface="微软雅黑" panose="020B0503020204020204" pitchFamily="34" charset="-122"/>
+                        <a:ea typeface="微软雅黑" panose="020B0503020204020204" pitchFamily="34" charset="-122"/>
+                        <a:cs typeface="微软雅黑" panose="020B0503020204020204" pitchFamily="34" charset="-122"/>
+                      </a:endParaRPr>
+                    </a:p>
+                  </a:txBody>
+                  <a:tcPr marL="68580" marR="68580" marT="0" marB="0" vert="horz" anchor="ctr">
+                    <a:lnL w="12700" cap="flat" cmpd="sng">
+                      <a:solidFill>
+                        <a:srgbClr val="080000"/>
+                      </a:solidFill>
+                      <a:prstDash val="solid"/>
+                      <a:headEnd type="none" w="med" len="med"/>
+                      <a:tailEnd type="none" w="med" len="med"/>
+                    </a:lnL>
+                    <a:lnR w="12700" cap="flat" cmpd="sng">
+                      <a:solidFill>
+                        <a:srgbClr val="080000"/>
+                      </a:solidFill>
+                      <a:prstDash val="solid"/>
+                      <a:headEnd type="none" w="med" len="med"/>
+                      <a:tailEnd type="none" w="med" len="med"/>
+                    </a:lnR>
+                    <a:lnT w="12700" cap="flat" cmpd="sng">
+                      <a:solidFill>
+                        <a:srgbClr val="080000"/>
+                      </a:solidFill>
+                      <a:prstDash val="solid"/>
+                      <a:headEnd type="none" w="med" len="med"/>
+                      <a:tailEnd type="none" w="med" len="med"/>
+                    </a:lnT>
+                    <a:lnB w="12700" cap="flat" cmpd="sng">
+                      <a:solidFill>
+                        <a:srgbClr val="080000"/>
+                      </a:solidFill>
+                      <a:prstDash val="solid"/>
+                      <a:headEnd type="none" w="med" len="med"/>
+                      <a:tailEnd type="none" w="med" len="med"/>
+                    </a:lnB>
+                    <a:lnTlToBr>
+                      <a:noFill/>
+                    </a:lnTlToBr>
+                    <a:lnBlToTr>
+                      <a:noFill/>
+                    </a:lnBlToTr>
+                    <a:noFill/>
+                  </a:tcPr>
+                </a:tc>
+              </a:tr>
+              <a:tr h="193675">
+                <a:tc>
+                  <a:txBody>
+                    <a:bodyPr/>
+                    <a:p>
+                      <a:pPr indent="0">
+                        <a:buNone/>
+                      </a:pPr>
+                      <a:r>
+                        <a:rPr lang="en-US" sz="900" b="0">
+                          <a:solidFill>
+                            <a:srgbClr val="000000"/>
+                          </a:solidFill>
+                          <a:latin typeface="微软雅黑" panose="020B0503020204020204" pitchFamily="34" charset="-122"/>
+                          <a:ea typeface="微软雅黑" panose="020B0503020204020204" pitchFamily="34" charset="-122"/>
+                          <a:cs typeface="微软雅黑" panose="020B0503020204020204" pitchFamily="34" charset="-122"/>
+                        </a:rPr>
+                        <a:t>8.</a:t>
+                      </a:r>
+                      <a:r>
+                        <a:rPr lang="en-US" sz="900" b="0">
+                          <a:latin typeface="微软雅黑" panose="020B0503020204020204" pitchFamily="34" charset="-122"/>
+                          <a:ea typeface="微软雅黑" panose="020B0503020204020204" pitchFamily="34" charset="-122"/>
+                          <a:cs typeface="微软雅黑" panose="020B0503020204020204" pitchFamily="34" charset="-122"/>
+                        </a:rPr>
+                        <a:t> 渔乐生活app开发经验不足</a:t>
+                      </a:r>
+                      <a:endParaRPr lang="en-US" altLang="en-US" sz="900" b="0">
+                        <a:solidFill>
+                          <a:srgbClr val="000000"/>
+                        </a:solidFill>
+                        <a:latin typeface="微软雅黑" panose="020B0503020204020204" pitchFamily="34" charset="-122"/>
+                        <a:ea typeface="微软雅黑" panose="020B0503020204020204" pitchFamily="34" charset="-122"/>
+                        <a:cs typeface="微软雅黑" panose="020B0503020204020204" pitchFamily="34" charset="-122"/>
+                      </a:endParaRPr>
+                    </a:p>
+                  </a:txBody>
+                  <a:tcPr marL="68580" marR="68580" marT="0" marB="0" vert="horz" anchor="ctr">
+                    <a:lnL w="12700" cap="flat" cmpd="sng">
+                      <a:solidFill>
+                        <a:srgbClr val="080000"/>
+                      </a:solidFill>
+                      <a:prstDash val="solid"/>
+                      <a:headEnd type="none" w="med" len="med"/>
+                      <a:tailEnd type="none" w="med" len="med"/>
+                    </a:lnL>
+                    <a:lnR w="12700" cap="flat" cmpd="sng">
+                      <a:solidFill>
+                        <a:srgbClr val="080000"/>
+                      </a:solidFill>
+                      <a:prstDash val="solid"/>
+                      <a:headEnd type="none" w="med" len="med"/>
+                      <a:tailEnd type="none" w="med" len="med"/>
+                    </a:lnR>
+                    <a:lnT w="12700" cap="flat" cmpd="sng">
+                      <a:solidFill>
+                        <a:srgbClr val="080000"/>
+                      </a:solidFill>
+                      <a:prstDash val="solid"/>
+                      <a:headEnd type="none" w="med" len="med"/>
+                      <a:tailEnd type="none" w="med" len="med"/>
+                    </a:lnT>
+                    <a:lnB w="12700" cap="flat" cmpd="sng">
+                      <a:solidFill>
+                        <a:srgbClr val="080000"/>
+                      </a:solidFill>
+                      <a:prstDash val="solid"/>
+                      <a:headEnd type="none" w="med" len="med"/>
+                      <a:tailEnd type="none" w="med" len="med"/>
+                    </a:lnB>
+                    <a:lnTlToBr>
+                      <a:noFill/>
+                    </a:lnTlToBr>
+                    <a:lnBlToTr>
+                      <a:noFill/>
+                    </a:lnBlToTr>
+                    <a:noFill/>
+                  </a:tcPr>
+                </a:tc>
+                <a:tc>
+                  <a:txBody>
+                    <a:bodyPr/>
+                    <a:p>
+                      <a:pPr indent="0">
+                        <a:buNone/>
+                      </a:pPr>
+                      <a:r>
+                        <a:rPr lang="en-US" sz="900" b="0">
+                          <a:solidFill>
+                            <a:srgbClr val="000000"/>
+                          </a:solidFill>
+                          <a:latin typeface="微软雅黑" panose="020B0503020204020204" pitchFamily="34" charset="-122"/>
+                          <a:ea typeface="微软雅黑" panose="020B0503020204020204" pitchFamily="34" charset="-122"/>
+                          <a:cs typeface="微软雅黑" panose="020B0503020204020204" pitchFamily="34" charset="-122"/>
+                        </a:rPr>
+                        <a:t>8.</a:t>
+                      </a:r>
+                      <a:r>
+                        <a:rPr lang="en-US" sz="900" b="0">
+                          <a:latin typeface="微软雅黑" panose="020B0503020204020204" pitchFamily="34" charset="-122"/>
+                          <a:ea typeface="微软雅黑" panose="020B0503020204020204" pitchFamily="34" charset="-122"/>
+                          <a:cs typeface="微软雅黑" panose="020B0503020204020204" pitchFamily="34" charset="-122"/>
+                        </a:rPr>
+                        <a:t> 去找标杆（暂定渔获）</a:t>
+                      </a:r>
+                      <a:endParaRPr lang="en-US" altLang="en-US" sz="900" b="0">
+                        <a:solidFill>
+                          <a:srgbClr val="000000"/>
+                        </a:solidFill>
+                        <a:latin typeface="微软雅黑" panose="020B0503020204020204" pitchFamily="34" charset="-122"/>
+                        <a:ea typeface="微软雅黑" panose="020B0503020204020204" pitchFamily="34" charset="-122"/>
+                        <a:cs typeface="微软雅黑" panose="020B0503020204020204" pitchFamily="34" charset="-122"/>
+                      </a:endParaRPr>
+                    </a:p>
+                  </a:txBody>
+                  <a:tcPr marL="68580" marR="68580" marT="0" marB="0" vert="horz" anchor="ctr">
+                    <a:lnL w="12700" cap="flat" cmpd="sng">
+                      <a:solidFill>
+                        <a:srgbClr val="080000"/>
+                      </a:solidFill>
+                      <a:prstDash val="solid"/>
+                      <a:headEnd type="none" w="med" len="med"/>
+                      <a:tailEnd type="none" w="med" len="med"/>
+                    </a:lnL>
+                    <a:lnR w="12700" cap="flat" cmpd="sng">
+                      <a:solidFill>
+                        <a:srgbClr val="080000"/>
+                      </a:solidFill>
+                      <a:prstDash val="solid"/>
+                      <a:headEnd type="none" w="med" len="med"/>
+                      <a:tailEnd type="none" w="med" len="med"/>
+                    </a:lnR>
+                    <a:lnT w="12700" cap="flat" cmpd="sng">
+                      <a:solidFill>
+                        <a:srgbClr val="080000"/>
+                      </a:solidFill>
+                      <a:prstDash val="solid"/>
+                      <a:headEnd type="none" w="med" len="med"/>
+                      <a:tailEnd type="none" w="med" len="med"/>
+                    </a:lnT>
+                    <a:lnB w="12700" cap="flat" cmpd="sng">
+                      <a:solidFill>
+                        <a:srgbClr val="080000"/>
+                      </a:solidFill>
+                      <a:prstDash val="solid"/>
+                      <a:headEnd type="none" w="med" len="med"/>
+                      <a:tailEnd type="none" w="med" len="med"/>
+                    </a:lnB>
+                    <a:lnTlToBr>
+                      <a:noFill/>
+                    </a:lnTlToBr>
+                    <a:lnBlToTr>
+                      <a:noFill/>
+                    </a:lnBlToTr>
+                    <a:noFill/>
+                  </a:tcPr>
+                </a:tc>
+              </a:tr>
+              <a:tr h="193675">
+                <a:tc>
+                  <a:txBody>
+                    <a:bodyPr/>
+                    <a:p>
+                      <a:pPr indent="0">
+                        <a:buNone/>
+                      </a:pPr>
+                      <a:r>
+                        <a:rPr lang="en-US" sz="900" b="0">
+                          <a:solidFill>
+                            <a:srgbClr val="000000"/>
+                          </a:solidFill>
+                          <a:latin typeface="微软雅黑" panose="020B0503020204020204" pitchFamily="34" charset="-122"/>
+                          <a:ea typeface="微软雅黑" panose="020B0503020204020204" pitchFamily="34" charset="-122"/>
+                          <a:cs typeface="微软雅黑" panose="020B0503020204020204" pitchFamily="34" charset="-122"/>
+                        </a:rPr>
+                        <a:t>9.</a:t>
+                      </a:r>
+                      <a:r>
+                        <a:rPr lang="en-US" sz="900" b="0">
+                          <a:latin typeface="微软雅黑" panose="020B0503020204020204" pitchFamily="34" charset="-122"/>
+                          <a:ea typeface="微软雅黑" panose="020B0503020204020204" pitchFamily="34" charset="-122"/>
+                          <a:cs typeface="微软雅黑" panose="020B0503020204020204" pitchFamily="34" charset="-122"/>
+                        </a:rPr>
+                        <a:t> 成员空余时间有不确定性</a:t>
+                      </a:r>
+                      <a:endParaRPr lang="en-US" altLang="en-US" sz="900" b="0">
+                        <a:solidFill>
+                          <a:srgbClr val="000000"/>
+                        </a:solidFill>
+                        <a:latin typeface="微软雅黑" panose="020B0503020204020204" pitchFamily="34" charset="-122"/>
+                        <a:ea typeface="微软雅黑" panose="020B0503020204020204" pitchFamily="34" charset="-122"/>
+                        <a:cs typeface="微软雅黑" panose="020B0503020204020204" pitchFamily="34" charset="-122"/>
+                      </a:endParaRPr>
+                    </a:p>
+                  </a:txBody>
+                  <a:tcPr marL="68580" marR="68580" marT="0" marB="0" vert="horz" anchor="ctr">
+                    <a:lnL w="12700" cap="flat" cmpd="sng">
+                      <a:solidFill>
+                        <a:srgbClr val="080000"/>
+                      </a:solidFill>
+                      <a:prstDash val="solid"/>
+                      <a:headEnd type="none" w="med" len="med"/>
+                      <a:tailEnd type="none" w="med" len="med"/>
+                    </a:lnL>
+                    <a:lnR w="12700" cap="flat" cmpd="sng">
+                      <a:solidFill>
+                        <a:srgbClr val="080000"/>
+                      </a:solidFill>
+                      <a:prstDash val="solid"/>
+                      <a:headEnd type="none" w="med" len="med"/>
+                      <a:tailEnd type="none" w="med" len="med"/>
+                    </a:lnR>
+                    <a:lnT w="12700" cap="flat" cmpd="sng">
+                      <a:solidFill>
+                        <a:srgbClr val="080000"/>
+                      </a:solidFill>
+                      <a:prstDash val="solid"/>
+                      <a:headEnd type="none" w="med" len="med"/>
+                      <a:tailEnd type="none" w="med" len="med"/>
+                    </a:lnT>
+                    <a:lnB w="12700" cap="flat" cmpd="sng">
+                      <a:solidFill>
+                        <a:srgbClr val="080000"/>
+                      </a:solidFill>
+                      <a:prstDash val="solid"/>
+                      <a:headEnd type="none" w="med" len="med"/>
+                      <a:tailEnd type="none" w="med" len="med"/>
+                    </a:lnB>
+                    <a:lnTlToBr>
+                      <a:noFill/>
+                    </a:lnTlToBr>
+                    <a:lnBlToTr>
+                      <a:noFill/>
+                    </a:lnBlToTr>
+                    <a:noFill/>
+                  </a:tcPr>
+                </a:tc>
+                <a:tc>
+                  <a:txBody>
+                    <a:bodyPr/>
+                    <a:p>
+                      <a:pPr indent="0">
+                        <a:buNone/>
+                      </a:pPr>
+                      <a:r>
+                        <a:rPr lang="en-US" sz="900" b="0">
+                          <a:solidFill>
+                            <a:srgbClr val="000000"/>
+                          </a:solidFill>
+                          <a:latin typeface="微软雅黑" panose="020B0503020204020204" pitchFamily="34" charset="-122"/>
+                          <a:ea typeface="微软雅黑" panose="020B0503020204020204" pitchFamily="34" charset="-122"/>
+                          <a:cs typeface="微软雅黑" panose="020B0503020204020204" pitchFamily="34" charset="-122"/>
+                        </a:rPr>
+                        <a:t>9.</a:t>
+                      </a:r>
+                      <a:r>
+                        <a:rPr lang="en-US" sz="900" b="0">
+                          <a:latin typeface="微软雅黑" panose="020B0503020204020204" pitchFamily="34" charset="-122"/>
+                          <a:ea typeface="微软雅黑" panose="020B0503020204020204" pitchFamily="34" charset="-122"/>
+                          <a:cs typeface="微软雅黑" panose="020B0503020204020204" pitchFamily="34" charset="-122"/>
+                        </a:rPr>
+                        <a:t> 在开会说明接下来一周的行程，提前请假，安排工作表</a:t>
+                      </a:r>
+                      <a:endParaRPr lang="en-US" altLang="en-US" sz="900" b="0">
+                        <a:solidFill>
+                          <a:srgbClr val="000000"/>
+                        </a:solidFill>
+                        <a:latin typeface="微软雅黑" panose="020B0503020204020204" pitchFamily="34" charset="-122"/>
+                        <a:ea typeface="微软雅黑" panose="020B0503020204020204" pitchFamily="34" charset="-122"/>
+                        <a:cs typeface="微软雅黑" panose="020B0503020204020204" pitchFamily="34" charset="-122"/>
+                      </a:endParaRPr>
+                    </a:p>
+                  </a:txBody>
+                  <a:tcPr marL="68580" marR="68580" marT="0" marB="0" vert="horz" anchor="ctr">
+                    <a:lnL w="12700" cap="flat" cmpd="sng">
+                      <a:solidFill>
+                        <a:srgbClr val="080000"/>
+                      </a:solidFill>
+                      <a:prstDash val="solid"/>
+                      <a:headEnd type="none" w="med" len="med"/>
+                      <a:tailEnd type="none" w="med" len="med"/>
+                    </a:lnL>
+                    <a:lnR w="12700" cap="flat" cmpd="sng">
+                      <a:solidFill>
+                        <a:srgbClr val="080000"/>
+                      </a:solidFill>
+                      <a:prstDash val="solid"/>
+                      <a:headEnd type="none" w="med" len="med"/>
+                      <a:tailEnd type="none" w="med" len="med"/>
+                    </a:lnR>
+                    <a:lnT w="12700" cap="flat" cmpd="sng">
+                      <a:solidFill>
+                        <a:srgbClr val="080000"/>
+                      </a:solidFill>
+                      <a:prstDash val="solid"/>
+                      <a:headEnd type="none" w="med" len="med"/>
+                      <a:tailEnd type="none" w="med" len="med"/>
+                    </a:lnT>
+                    <a:lnB w="12700" cap="flat" cmpd="sng">
+                      <a:solidFill>
+                        <a:srgbClr val="080000"/>
+                      </a:solidFill>
+                      <a:prstDash val="solid"/>
+                      <a:headEnd type="none" w="med" len="med"/>
+                      <a:tailEnd type="none" w="med" len="med"/>
+                    </a:lnB>
+                    <a:lnTlToBr>
+                      <a:noFill/>
+                    </a:lnTlToBr>
+                    <a:lnBlToTr>
+                      <a:noFill/>
+                    </a:lnBlToTr>
+                    <a:noFill/>
+                  </a:tcPr>
+                </a:tc>
+              </a:tr>
+              <a:tr h="287655">
+                <a:tc>
+                  <a:txBody>
+                    <a:bodyPr/>
+                    <a:p>
+                      <a:pPr indent="0">
+                        <a:buNone/>
+                      </a:pPr>
+                      <a:r>
+                        <a:rPr lang="en-US" sz="900" b="0">
+                          <a:solidFill>
+                            <a:srgbClr val="000000"/>
+                          </a:solidFill>
+                          <a:latin typeface="微软雅黑" panose="020B0503020204020204" pitchFamily="34" charset="-122"/>
+                          <a:ea typeface="微软雅黑" panose="020B0503020204020204" pitchFamily="34" charset="-122"/>
+                          <a:cs typeface="微软雅黑" panose="020B0503020204020204" pitchFamily="34" charset="-122"/>
+                        </a:rPr>
+                        <a:t>10.</a:t>
+                      </a:r>
+                      <a:r>
+                        <a:rPr lang="en-US" sz="900" b="0">
+                          <a:latin typeface="微软雅黑" panose="020B0503020204020204" pitchFamily="34" charset="-122"/>
+                          <a:ea typeface="微软雅黑" panose="020B0503020204020204" pitchFamily="34" charset="-122"/>
+                          <a:cs typeface="微软雅黑" panose="020B0503020204020204" pitchFamily="34" charset="-122"/>
+                        </a:rPr>
+                        <a:t> 团队成员的能力（包括业务能力和技术能力）和素质，对项目的进展、项目的质量具有很大的影响</a:t>
+                      </a:r>
+                      <a:endParaRPr lang="en-US" altLang="en-US" sz="900" b="0">
+                        <a:solidFill>
+                          <a:srgbClr val="000000"/>
+                        </a:solidFill>
+                        <a:latin typeface="微软雅黑" panose="020B0503020204020204" pitchFamily="34" charset="-122"/>
+                        <a:ea typeface="微软雅黑" panose="020B0503020204020204" pitchFamily="34" charset="-122"/>
+                        <a:cs typeface="微软雅黑" panose="020B0503020204020204" pitchFamily="34" charset="-122"/>
+                      </a:endParaRPr>
+                    </a:p>
+                  </a:txBody>
+                  <a:tcPr marL="68580" marR="68580" marT="0" marB="0" vert="horz" anchor="ctr">
+                    <a:lnL w="12700" cap="flat" cmpd="sng">
+                      <a:solidFill>
+                        <a:srgbClr val="080000"/>
+                      </a:solidFill>
+                      <a:prstDash val="solid"/>
+                      <a:headEnd type="none" w="med" len="med"/>
+                      <a:tailEnd type="none" w="med" len="med"/>
+                    </a:lnL>
+                    <a:lnR w="12700" cap="flat" cmpd="sng">
+                      <a:solidFill>
+                        <a:srgbClr val="080000"/>
+                      </a:solidFill>
+                      <a:prstDash val="solid"/>
+                      <a:headEnd type="none" w="med" len="med"/>
+                      <a:tailEnd type="none" w="med" len="med"/>
+                    </a:lnR>
+                    <a:lnT w="12700" cap="flat" cmpd="sng">
+                      <a:solidFill>
+                        <a:srgbClr val="080000"/>
+                      </a:solidFill>
+                      <a:prstDash val="solid"/>
+                      <a:headEnd type="none" w="med" len="med"/>
+                      <a:tailEnd type="none" w="med" len="med"/>
+                    </a:lnT>
+                    <a:lnB w="12700" cap="flat" cmpd="sng">
+                      <a:solidFill>
+                        <a:srgbClr val="080000"/>
+                      </a:solidFill>
+                      <a:prstDash val="solid"/>
+                      <a:headEnd type="none" w="med" len="med"/>
+                      <a:tailEnd type="none" w="med" len="med"/>
+                    </a:lnB>
+                    <a:lnTlToBr>
+                      <a:noFill/>
+                    </a:lnTlToBr>
+                    <a:lnBlToTr>
+                      <a:noFill/>
+                    </a:lnBlToTr>
+                    <a:noFill/>
+                  </a:tcPr>
+                </a:tc>
+                <a:tc>
+                  <a:txBody>
+                    <a:bodyPr/>
+                    <a:p>
+                      <a:pPr indent="0">
+                        <a:buNone/>
+                      </a:pPr>
+                      <a:r>
+                        <a:rPr lang="en-US" sz="900" b="0">
+                          <a:solidFill>
+                            <a:srgbClr val="000000"/>
+                          </a:solidFill>
+                          <a:latin typeface="微软雅黑" panose="020B0503020204020204" pitchFamily="34" charset="-122"/>
+                          <a:ea typeface="微软雅黑" panose="020B0503020204020204" pitchFamily="34" charset="-122"/>
+                          <a:cs typeface="微软雅黑" panose="020B0503020204020204" pitchFamily="34" charset="-122"/>
+                        </a:rPr>
+                        <a:t>10.</a:t>
+                      </a:r>
+                      <a:r>
+                        <a:rPr lang="en-US" sz="900" b="0">
+                          <a:latin typeface="微软雅黑" panose="020B0503020204020204" pitchFamily="34" charset="-122"/>
+                          <a:ea typeface="微软雅黑" panose="020B0503020204020204" pitchFamily="34" charset="-122"/>
+                          <a:cs typeface="微软雅黑" panose="020B0503020204020204" pitchFamily="34" charset="-122"/>
+                        </a:rPr>
+                        <a:t> 在用人之前先选对人、开展有针对性的培训、将合适的人安排到合适的岗位上</a:t>
+                      </a:r>
+                      <a:endParaRPr lang="en-US" altLang="en-US" sz="900" b="0">
+                        <a:solidFill>
+                          <a:srgbClr val="000000"/>
+                        </a:solidFill>
+                        <a:latin typeface="微软雅黑" panose="020B0503020204020204" pitchFamily="34" charset="-122"/>
+                        <a:ea typeface="微软雅黑" panose="020B0503020204020204" pitchFamily="34" charset="-122"/>
+                        <a:cs typeface="微软雅黑" panose="020B0503020204020204" pitchFamily="34" charset="-122"/>
+                      </a:endParaRPr>
+                    </a:p>
+                  </a:txBody>
+                  <a:tcPr marL="68580" marR="68580" marT="0" marB="0" vert="horz" anchor="ctr">
+                    <a:lnL w="12700" cap="flat" cmpd="sng">
+                      <a:solidFill>
+                        <a:srgbClr val="080000"/>
+                      </a:solidFill>
+                      <a:prstDash val="solid"/>
+                      <a:headEnd type="none" w="med" len="med"/>
+                      <a:tailEnd type="none" w="med" len="med"/>
+                    </a:lnL>
+                    <a:lnR w="12700" cap="flat" cmpd="sng">
+                      <a:solidFill>
+                        <a:srgbClr val="080000"/>
+                      </a:solidFill>
+                      <a:prstDash val="solid"/>
+                      <a:headEnd type="none" w="med" len="med"/>
+                      <a:tailEnd type="none" w="med" len="med"/>
+                    </a:lnR>
+                    <a:lnT w="12700" cap="flat" cmpd="sng">
+                      <a:solidFill>
+                        <a:srgbClr val="080000"/>
+                      </a:solidFill>
+                      <a:prstDash val="solid"/>
+                      <a:headEnd type="none" w="med" len="med"/>
+                      <a:tailEnd type="none" w="med" len="med"/>
+                    </a:lnT>
+                    <a:lnB w="12700" cap="flat" cmpd="sng">
+                      <a:solidFill>
+                        <a:srgbClr val="080000"/>
+                      </a:solidFill>
+                      <a:prstDash val="solid"/>
+                      <a:headEnd type="none" w="med" len="med"/>
+                      <a:tailEnd type="none" w="med" len="med"/>
+                    </a:lnB>
+                    <a:lnTlToBr>
+                      <a:noFill/>
+                    </a:lnTlToBr>
+                    <a:lnBlToTr>
+                      <a:noFill/>
+                    </a:lnBlToTr>
+                    <a:noFill/>
+                  </a:tcPr>
+                </a:tc>
+              </a:tr>
+              <a:tr h="279400">
+                <a:tc>
+                  <a:txBody>
+                    <a:bodyPr/>
+                    <a:p>
+                      <a:pPr indent="0">
+                        <a:buNone/>
+                      </a:pPr>
+                      <a:r>
+                        <a:rPr lang="en-US" sz="900" b="0">
+                          <a:solidFill>
+                            <a:srgbClr val="000000"/>
+                          </a:solidFill>
+                          <a:latin typeface="微软雅黑" panose="020B0503020204020204" pitchFamily="34" charset="-122"/>
+                          <a:ea typeface="微软雅黑" panose="020B0503020204020204" pitchFamily="34" charset="-122"/>
+                          <a:cs typeface="微软雅黑" panose="020B0503020204020204" pitchFamily="34" charset="-122"/>
+                        </a:rPr>
+                        <a:t>11.</a:t>
+                      </a:r>
+                      <a:r>
+                        <a:rPr lang="en-US" sz="900" b="0">
+                          <a:latin typeface="微软雅黑" panose="020B0503020204020204" pitchFamily="34" charset="-122"/>
+                          <a:ea typeface="微软雅黑" panose="020B0503020204020204" pitchFamily="34" charset="-122"/>
+                          <a:cs typeface="微软雅黑" panose="020B0503020204020204" pitchFamily="34" charset="-122"/>
+                        </a:rPr>
+                        <a:t> 团队成员是否能齐心协力为项目的共同目标服务</a:t>
+                      </a:r>
+                      <a:endParaRPr lang="en-US" altLang="en-US" sz="900" b="0">
+                        <a:solidFill>
+                          <a:srgbClr val="000000"/>
+                        </a:solidFill>
+                        <a:latin typeface="微软雅黑" panose="020B0503020204020204" pitchFamily="34" charset="-122"/>
+                        <a:ea typeface="微软雅黑" panose="020B0503020204020204" pitchFamily="34" charset="-122"/>
+                        <a:cs typeface="微软雅黑" panose="020B0503020204020204" pitchFamily="34" charset="-122"/>
+                      </a:endParaRPr>
+                    </a:p>
+                  </a:txBody>
+                  <a:tcPr marL="68580" marR="68580" marT="0" marB="0" vert="horz" anchor="ctr">
+                    <a:lnL w="12700" cap="flat" cmpd="sng">
+                      <a:solidFill>
+                        <a:srgbClr val="080000"/>
+                      </a:solidFill>
+                      <a:prstDash val="solid"/>
+                      <a:headEnd type="none" w="med" len="med"/>
+                      <a:tailEnd type="none" w="med" len="med"/>
+                    </a:lnL>
+                    <a:lnR w="12700" cap="flat" cmpd="sng">
+                      <a:solidFill>
+                        <a:srgbClr val="080000"/>
+                      </a:solidFill>
+                      <a:prstDash val="solid"/>
+                      <a:headEnd type="none" w="med" len="med"/>
+                      <a:tailEnd type="none" w="med" len="med"/>
+                    </a:lnR>
+                    <a:lnT w="12700" cap="flat" cmpd="sng">
+                      <a:solidFill>
+                        <a:srgbClr val="080000"/>
+                      </a:solidFill>
+                      <a:prstDash val="solid"/>
+                      <a:headEnd type="none" w="med" len="med"/>
+                      <a:tailEnd type="none" w="med" len="med"/>
+                    </a:lnT>
+                    <a:lnB w="12700" cap="flat" cmpd="sng">
+                      <a:solidFill>
+                        <a:srgbClr val="080000"/>
+                      </a:solidFill>
+                      <a:prstDash val="solid"/>
+                      <a:headEnd type="none" w="med" len="med"/>
+                      <a:tailEnd type="none" w="med" len="med"/>
+                    </a:lnB>
+                    <a:lnTlToBr>
+                      <a:noFill/>
+                    </a:lnTlToBr>
+                    <a:lnBlToTr>
+                      <a:noFill/>
+                    </a:lnBlToTr>
+                    <a:noFill/>
+                  </a:tcPr>
+                </a:tc>
+                <a:tc>
+                  <a:txBody>
+                    <a:bodyPr/>
+                    <a:p>
+                      <a:pPr indent="0">
+                        <a:buNone/>
+                      </a:pPr>
+                      <a:r>
+                        <a:rPr lang="en-US" sz="900" b="0">
+                          <a:solidFill>
+                            <a:srgbClr val="000000"/>
+                          </a:solidFill>
+                          <a:latin typeface="微软雅黑" panose="020B0503020204020204" pitchFamily="34" charset="-122"/>
+                          <a:ea typeface="微软雅黑" panose="020B0503020204020204" pitchFamily="34" charset="-122"/>
+                          <a:cs typeface="微软雅黑" panose="020B0503020204020204" pitchFamily="34" charset="-122"/>
+                        </a:rPr>
+                        <a:t>11.</a:t>
+                      </a:r>
+                      <a:r>
+                        <a:rPr lang="en-US" sz="900" b="0">
+                          <a:latin typeface="微软雅黑" panose="020B0503020204020204" pitchFamily="34" charset="-122"/>
+                          <a:ea typeface="微软雅黑" panose="020B0503020204020204" pitchFamily="34" charset="-122"/>
+                          <a:cs typeface="微软雅黑" panose="020B0503020204020204" pitchFamily="34" charset="-122"/>
+                        </a:rPr>
+                        <a:t> 项目在建设之初项目经理就需要将项目目标、工作任务等和项目成员沟通清楚，采用公平、公正、公开的绩效考评制度</a:t>
+                      </a:r>
+                      <a:endParaRPr lang="en-US" altLang="en-US" sz="900" b="0">
+                        <a:solidFill>
+                          <a:srgbClr val="000000"/>
+                        </a:solidFill>
+                        <a:latin typeface="微软雅黑" panose="020B0503020204020204" pitchFamily="34" charset="-122"/>
+                        <a:ea typeface="微软雅黑" panose="020B0503020204020204" pitchFamily="34" charset="-122"/>
+                        <a:cs typeface="微软雅黑" panose="020B0503020204020204" pitchFamily="34" charset="-122"/>
+                      </a:endParaRPr>
+                    </a:p>
+                  </a:txBody>
+                  <a:tcPr marL="68580" marR="68580" marT="0" marB="0" vert="horz" anchor="ctr">
+                    <a:lnL w="12700" cap="flat" cmpd="sng">
+                      <a:solidFill>
+                        <a:srgbClr val="080000"/>
+                      </a:solidFill>
+                      <a:prstDash val="solid"/>
+                      <a:headEnd type="none" w="med" len="med"/>
+                      <a:tailEnd type="none" w="med" len="med"/>
+                    </a:lnL>
+                    <a:lnR w="12700" cap="flat" cmpd="sng">
+                      <a:solidFill>
+                        <a:srgbClr val="080000"/>
+                      </a:solidFill>
+                      <a:prstDash val="solid"/>
+                      <a:headEnd type="none" w="med" len="med"/>
+                      <a:tailEnd type="none" w="med" len="med"/>
+                    </a:lnR>
+                    <a:lnT w="12700" cap="flat" cmpd="sng">
+                      <a:solidFill>
+                        <a:srgbClr val="080000"/>
+                      </a:solidFill>
+                      <a:prstDash val="solid"/>
+                      <a:headEnd type="none" w="med" len="med"/>
+                      <a:tailEnd type="none" w="med" len="med"/>
+                    </a:lnT>
+                    <a:lnB w="12700" cap="flat" cmpd="sng">
+                      <a:solidFill>
+                        <a:srgbClr val="080000"/>
+                      </a:solidFill>
+                      <a:prstDash val="solid"/>
+                      <a:headEnd type="none" w="med" len="med"/>
+                      <a:tailEnd type="none" w="med" len="med"/>
+                    </a:lnB>
+                    <a:lnTlToBr>
+                      <a:noFill/>
+                    </a:lnTlToBr>
+                    <a:lnBlToTr>
+                      <a:noFill/>
+                    </a:lnBlToTr>
+                    <a:noFill/>
+                  </a:tcPr>
+                </a:tc>
+              </a:tr>
+              <a:tr h="372110">
+                <a:tc>
+                  <a:txBody>
+                    <a:bodyPr/>
+                    <a:p>
+                      <a:pPr indent="0">
+                        <a:buNone/>
+                      </a:pPr>
+                      <a:r>
+                        <a:rPr lang="en-US" sz="900" b="0">
+                          <a:solidFill>
+                            <a:srgbClr val="000000"/>
+                          </a:solidFill>
+                          <a:latin typeface="微软雅黑" panose="020B0503020204020204" pitchFamily="34" charset="-122"/>
+                          <a:ea typeface="微软雅黑" panose="020B0503020204020204" pitchFamily="34" charset="-122"/>
+                          <a:cs typeface="微软雅黑" panose="020B0503020204020204" pitchFamily="34" charset="-122"/>
+                        </a:rPr>
+                        <a:t>12.</a:t>
+                      </a:r>
+                      <a:r>
+                        <a:rPr lang="en-US" sz="900" b="0">
+                          <a:latin typeface="微软雅黑" panose="020B0503020204020204" pitchFamily="34" charset="-122"/>
+                          <a:ea typeface="微软雅黑" panose="020B0503020204020204" pitchFamily="34" charset="-122"/>
+                          <a:cs typeface="微软雅黑" panose="020B0503020204020204" pitchFamily="34" charset="-122"/>
+                        </a:rPr>
+                        <a:t> 管理工具、开发工具、测试工具等是否能及时到位、到位的工具版本是否符合项目要求</a:t>
+                      </a:r>
+                      <a:endParaRPr lang="en-US" altLang="en-US" sz="900" b="0">
+                        <a:solidFill>
+                          <a:srgbClr val="000000"/>
+                        </a:solidFill>
+                        <a:latin typeface="微软雅黑" panose="020B0503020204020204" pitchFamily="34" charset="-122"/>
+                        <a:ea typeface="微软雅黑" panose="020B0503020204020204" pitchFamily="34" charset="-122"/>
+                        <a:cs typeface="微软雅黑" panose="020B0503020204020204" pitchFamily="34" charset="-122"/>
+                      </a:endParaRPr>
+                    </a:p>
+                  </a:txBody>
+                  <a:tcPr marL="68580" marR="68580" marT="0" marB="0" vert="horz" anchor="ctr">
+                    <a:lnL w="12700" cap="flat" cmpd="sng">
+                      <a:solidFill>
+                        <a:srgbClr val="080000"/>
+                      </a:solidFill>
+                      <a:prstDash val="solid"/>
+                      <a:headEnd type="none" w="med" len="med"/>
+                      <a:tailEnd type="none" w="med" len="med"/>
+                    </a:lnL>
+                    <a:lnR w="12700" cap="flat" cmpd="sng">
+                      <a:solidFill>
+                        <a:srgbClr val="080000"/>
+                      </a:solidFill>
+                      <a:prstDash val="solid"/>
+                      <a:headEnd type="none" w="med" len="med"/>
+                      <a:tailEnd type="none" w="med" len="med"/>
+                    </a:lnR>
+                    <a:lnT w="12700" cap="flat" cmpd="sng">
+                      <a:solidFill>
+                        <a:srgbClr val="080000"/>
+                      </a:solidFill>
+                      <a:prstDash val="solid"/>
+                      <a:headEnd type="none" w="med" len="med"/>
+                      <a:tailEnd type="none" w="med" len="med"/>
+                    </a:lnT>
+                    <a:lnB w="12700" cap="flat" cmpd="sng">
+                      <a:solidFill>
+                        <a:srgbClr val="080000"/>
+                      </a:solidFill>
+                      <a:prstDash val="solid"/>
+                      <a:headEnd type="none" w="med" len="med"/>
+                      <a:tailEnd type="none" w="med" len="med"/>
+                    </a:lnB>
+                    <a:lnTlToBr>
+                      <a:noFill/>
+                    </a:lnTlToBr>
+                    <a:lnBlToTr>
+                      <a:noFill/>
+                    </a:lnBlToTr>
+                    <a:noFill/>
+                  </a:tcPr>
+                </a:tc>
+                <a:tc>
+                  <a:txBody>
+                    <a:bodyPr/>
+                    <a:p>
+                      <a:pPr indent="0">
+                        <a:buNone/>
+                      </a:pPr>
+                      <a:r>
+                        <a:rPr lang="en-US" sz="900" b="0">
+                          <a:solidFill>
+                            <a:srgbClr val="000000"/>
+                          </a:solidFill>
+                          <a:latin typeface="微软雅黑" panose="020B0503020204020204" pitchFamily="34" charset="-122"/>
+                          <a:ea typeface="微软雅黑" panose="020B0503020204020204" pitchFamily="34" charset="-122"/>
+                          <a:cs typeface="微软雅黑" panose="020B0503020204020204" pitchFamily="34" charset="-122"/>
+                        </a:rPr>
+                        <a:t>12.</a:t>
+                      </a:r>
+                      <a:r>
+                        <a:rPr lang="en-US" sz="900" b="0">
+                          <a:latin typeface="微软雅黑" panose="020B0503020204020204" pitchFamily="34" charset="-122"/>
+                          <a:ea typeface="微软雅黑" panose="020B0503020204020204" pitchFamily="34" charset="-122"/>
+                          <a:cs typeface="微软雅黑" panose="020B0503020204020204" pitchFamily="34" charset="-122"/>
+                        </a:rPr>
+                        <a:t> 在项目的启动阶段就落实好各项工具的来源或可能的替代工具，在这些工具需要使用之前（一般需要提前一个月左右）跟踪并落实工具的到位事宜</a:t>
+                      </a:r>
+                      <a:endParaRPr lang="en-US" altLang="en-US" sz="900" b="0">
+                        <a:solidFill>
+                          <a:srgbClr val="000000"/>
+                        </a:solidFill>
+                        <a:latin typeface="微软雅黑" panose="020B0503020204020204" pitchFamily="34" charset="-122"/>
+                        <a:ea typeface="微软雅黑" panose="020B0503020204020204" pitchFamily="34" charset="-122"/>
+                        <a:cs typeface="微软雅黑" panose="020B0503020204020204" pitchFamily="34" charset="-122"/>
+                      </a:endParaRPr>
+                    </a:p>
+                  </a:txBody>
+                  <a:tcPr marL="68580" marR="68580" marT="0" marB="0" vert="horz" anchor="ctr">
+                    <a:lnL w="12700" cap="flat" cmpd="sng">
+                      <a:solidFill>
+                        <a:srgbClr val="080000"/>
+                      </a:solidFill>
+                      <a:prstDash val="solid"/>
+                      <a:headEnd type="none" w="med" len="med"/>
+                      <a:tailEnd type="none" w="med" len="med"/>
+                    </a:lnL>
+                    <a:lnR w="12700" cap="flat" cmpd="sng">
+                      <a:solidFill>
+                        <a:srgbClr val="080000"/>
+                      </a:solidFill>
+                      <a:prstDash val="solid"/>
+                      <a:headEnd type="none" w="med" len="med"/>
+                      <a:tailEnd type="none" w="med" len="med"/>
+                    </a:lnR>
+                    <a:lnT w="12700" cap="flat" cmpd="sng">
+                      <a:solidFill>
+                        <a:srgbClr val="080000"/>
+                      </a:solidFill>
+                      <a:prstDash val="solid"/>
+                      <a:headEnd type="none" w="med" len="med"/>
+                      <a:tailEnd type="none" w="med" len="med"/>
+                    </a:lnT>
+                    <a:lnB w="12700" cap="flat" cmpd="sng">
+                      <a:solidFill>
+                        <a:srgbClr val="080000"/>
+                      </a:solidFill>
+                      <a:prstDash val="solid"/>
+                      <a:headEnd type="none" w="med" len="med"/>
+                      <a:tailEnd type="none" w="med" len="med"/>
+                    </a:lnB>
+                    <a:lnTlToBr>
+                      <a:noFill/>
+                    </a:lnTlToBr>
+                    <a:lnBlToTr>
+                      <a:noFill/>
+                    </a:lnBlToTr>
+                    <a:noFill/>
+                  </a:tcPr>
+                </a:tc>
+              </a:tr>
+              <a:tr h="372110">
+                <a:tc>
+                  <a:txBody>
+                    <a:bodyPr/>
+                    <a:p>
+                      <a:pPr indent="0">
+                        <a:buNone/>
+                      </a:pPr>
+                      <a:r>
+                        <a:rPr lang="en-US" sz="900" b="0">
+                          <a:solidFill>
+                            <a:srgbClr val="000000"/>
+                          </a:solidFill>
+                          <a:latin typeface="微软雅黑" panose="020B0503020204020204" pitchFamily="34" charset="-122"/>
+                          <a:ea typeface="微软雅黑" panose="020B0503020204020204" pitchFamily="34" charset="-122"/>
+                          <a:cs typeface="微软雅黑" panose="020B0503020204020204" pitchFamily="34" charset="-122"/>
+                        </a:rPr>
+                        <a:t>13.</a:t>
+                      </a:r>
+                      <a:r>
+                        <a:rPr lang="en-US" sz="900" b="0">
+                          <a:latin typeface="微软雅黑" panose="020B0503020204020204" pitchFamily="34" charset="-122"/>
+                          <a:ea typeface="微软雅黑" panose="020B0503020204020204" pitchFamily="34" charset="-122"/>
+                          <a:cs typeface="微软雅黑" panose="020B0503020204020204" pitchFamily="34" charset="-122"/>
+                        </a:rPr>
+                        <a:t> 对方法、工具和技术理解的不够</a:t>
+                      </a:r>
+                      <a:endParaRPr lang="en-US" altLang="en-US" sz="900" b="0">
+                        <a:solidFill>
+                          <a:srgbClr val="000000"/>
+                        </a:solidFill>
+                        <a:latin typeface="微软雅黑" panose="020B0503020204020204" pitchFamily="34" charset="-122"/>
+                        <a:ea typeface="微软雅黑" panose="020B0503020204020204" pitchFamily="34" charset="-122"/>
+                        <a:cs typeface="微软雅黑" panose="020B0503020204020204" pitchFamily="34" charset="-122"/>
+                      </a:endParaRPr>
+                    </a:p>
+                  </a:txBody>
+                  <a:tcPr marL="68580" marR="68580" marT="0" marB="0" vert="horz" anchor="ctr">
+                    <a:lnL w="12700" cap="flat" cmpd="sng">
+                      <a:solidFill>
+                        <a:srgbClr val="080000"/>
+                      </a:solidFill>
+                      <a:prstDash val="solid"/>
+                      <a:headEnd type="none" w="med" len="med"/>
+                      <a:tailEnd type="none" w="med" len="med"/>
+                    </a:lnL>
+                    <a:lnR w="12700" cap="flat" cmpd="sng">
+                      <a:solidFill>
+                        <a:srgbClr val="080000"/>
+                      </a:solidFill>
+                      <a:prstDash val="solid"/>
+                      <a:headEnd type="none" w="med" len="med"/>
+                      <a:tailEnd type="none" w="med" len="med"/>
+                    </a:lnR>
+                    <a:lnT w="12700" cap="flat" cmpd="sng">
+                      <a:solidFill>
+                        <a:srgbClr val="080000"/>
+                      </a:solidFill>
+                      <a:prstDash val="solid"/>
+                      <a:headEnd type="none" w="med" len="med"/>
+                      <a:tailEnd type="none" w="med" len="med"/>
+                    </a:lnT>
+                    <a:lnB w="12700" cap="flat" cmpd="sng">
+                      <a:solidFill>
+                        <a:srgbClr val="080000"/>
+                      </a:solidFill>
+                      <a:prstDash val="solid"/>
+                      <a:headEnd type="none" w="med" len="med"/>
+                      <a:tailEnd type="none" w="med" len="med"/>
+                    </a:lnB>
+                    <a:lnTlToBr>
+                      <a:noFill/>
+                    </a:lnTlToBr>
+                    <a:lnBlToTr>
+                      <a:noFill/>
+                    </a:lnBlToTr>
+                    <a:noFill/>
+                  </a:tcPr>
+                </a:tc>
+                <a:tc>
+                  <a:txBody>
+                    <a:bodyPr/>
+                    <a:p>
+                      <a:pPr indent="0">
+                        <a:buNone/>
+                      </a:pPr>
+                      <a:r>
+                        <a:rPr lang="en-US" sz="900" b="0">
+                          <a:solidFill>
+                            <a:srgbClr val="000000"/>
+                          </a:solidFill>
+                          <a:latin typeface="微软雅黑" panose="020B0503020204020204" pitchFamily="34" charset="-122"/>
+                          <a:ea typeface="微软雅黑" panose="020B0503020204020204" pitchFamily="34" charset="-122"/>
+                          <a:cs typeface="微软雅黑" panose="020B0503020204020204" pitchFamily="34" charset="-122"/>
+                        </a:rPr>
+                        <a:t>13.</a:t>
+                      </a:r>
+                      <a:r>
+                        <a:rPr lang="en-US" sz="900" b="0">
+                          <a:latin typeface="微软雅黑" panose="020B0503020204020204" pitchFamily="34" charset="-122"/>
+                          <a:ea typeface="微软雅黑" panose="020B0503020204020204" pitchFamily="34" charset="-122"/>
+                          <a:cs typeface="微软雅黑" panose="020B0503020204020204" pitchFamily="34" charset="-122"/>
+                        </a:rPr>
+                        <a:t> 每个人熟悉一种工具（①林：project的熟悉与教学；②刘： 熟悉需求管理工具与教学；③张： 熟悉Axure rp ；④陈： 熟悉UML建模工具与教学；⑤赵：（git）</a:t>
+                      </a:r>
+                      <a:endParaRPr lang="en-US" altLang="en-US" sz="900" b="0">
+                        <a:solidFill>
+                          <a:srgbClr val="000000"/>
+                        </a:solidFill>
+                        <a:latin typeface="微软雅黑" panose="020B0503020204020204" pitchFamily="34" charset="-122"/>
+                        <a:ea typeface="微软雅黑" panose="020B0503020204020204" pitchFamily="34" charset="-122"/>
+                        <a:cs typeface="微软雅黑" panose="020B0503020204020204" pitchFamily="34" charset="-122"/>
+                      </a:endParaRPr>
+                    </a:p>
+                  </a:txBody>
+                  <a:tcPr marL="68580" marR="68580" marT="0" marB="0" vert="horz" anchor="ctr">
+                    <a:lnL w="12700" cap="flat" cmpd="sng">
+                      <a:solidFill>
+                        <a:srgbClr val="080000"/>
+                      </a:solidFill>
+                      <a:prstDash val="solid"/>
+                      <a:headEnd type="none" w="med" len="med"/>
+                      <a:tailEnd type="none" w="med" len="med"/>
+                    </a:lnL>
+                    <a:lnR w="12700" cap="flat" cmpd="sng">
+                      <a:solidFill>
+                        <a:srgbClr val="080000"/>
+                      </a:solidFill>
+                      <a:prstDash val="solid"/>
+                      <a:headEnd type="none" w="med" len="med"/>
+                      <a:tailEnd type="none" w="med" len="med"/>
+                    </a:lnR>
+                    <a:lnT w="12700" cap="flat" cmpd="sng">
+                      <a:solidFill>
+                        <a:srgbClr val="080000"/>
+                      </a:solidFill>
+                      <a:prstDash val="solid"/>
+                      <a:headEnd type="none" w="med" len="med"/>
+                      <a:tailEnd type="none" w="med" len="med"/>
+                    </a:lnT>
+                    <a:lnB w="12700" cap="flat" cmpd="sng">
+                      <a:solidFill>
+                        <a:srgbClr val="080000"/>
+                      </a:solidFill>
+                      <a:prstDash val="solid"/>
+                      <a:headEnd type="none" w="med" len="med"/>
+                      <a:tailEnd type="none" w="med" len="med"/>
+                    </a:lnB>
+                    <a:lnTlToBr>
+                      <a:noFill/>
+                    </a:lnTlToBr>
+                    <a:lnBlToTr>
+                      <a:noFill/>
+                    </a:lnBlToTr>
+                    <a:noFill/>
+                  </a:tcPr>
+                </a:tc>
+              </a:tr>
+              <a:tr h="193675">
+                <a:tc>
+                  <a:txBody>
+                    <a:bodyPr/>
+                    <a:p>
+                      <a:pPr indent="0">
+                        <a:buNone/>
+                      </a:pPr>
+                      <a:r>
+                        <a:rPr lang="en-US" sz="900" b="0">
+                          <a:solidFill>
+                            <a:srgbClr val="000000"/>
+                          </a:solidFill>
+                          <a:latin typeface="微软雅黑" panose="020B0503020204020204" pitchFamily="34" charset="-122"/>
+                          <a:ea typeface="微软雅黑" panose="020B0503020204020204" pitchFamily="34" charset="-122"/>
+                          <a:cs typeface="微软雅黑" panose="020B0503020204020204" pitchFamily="34" charset="-122"/>
+                        </a:rPr>
+                        <a:t>14.</a:t>
+                      </a:r>
+                      <a:r>
+                        <a:rPr lang="en-US" sz="900" b="0">
+                          <a:latin typeface="微软雅黑" panose="020B0503020204020204" pitchFamily="34" charset="-122"/>
+                          <a:ea typeface="微软雅黑" panose="020B0503020204020204" pitchFamily="34" charset="-122"/>
+                          <a:cs typeface="微软雅黑" panose="020B0503020204020204" pitchFamily="34" charset="-122"/>
+                        </a:rPr>
+                        <a:t> 界面原型不被用户认可</a:t>
+                      </a:r>
+                      <a:endParaRPr lang="en-US" altLang="en-US" sz="900" b="0">
+                        <a:solidFill>
+                          <a:srgbClr val="000000"/>
+                        </a:solidFill>
+                        <a:latin typeface="微软雅黑" panose="020B0503020204020204" pitchFamily="34" charset="-122"/>
+                        <a:ea typeface="微软雅黑" panose="020B0503020204020204" pitchFamily="34" charset="-122"/>
+                        <a:cs typeface="微软雅黑" panose="020B0503020204020204" pitchFamily="34" charset="-122"/>
+                      </a:endParaRPr>
+                    </a:p>
+                  </a:txBody>
+                  <a:tcPr marL="68580" marR="68580" marT="0" marB="0" vert="horz" anchor="ctr">
+                    <a:lnL w="12700" cap="flat" cmpd="sng">
+                      <a:solidFill>
+                        <a:srgbClr val="080000"/>
+                      </a:solidFill>
+                      <a:prstDash val="solid"/>
+                      <a:headEnd type="none" w="med" len="med"/>
+                      <a:tailEnd type="none" w="med" len="med"/>
+                    </a:lnL>
+                    <a:lnR w="12700" cap="flat" cmpd="sng">
+                      <a:solidFill>
+                        <a:srgbClr val="080000"/>
+                      </a:solidFill>
+                      <a:prstDash val="solid"/>
+                      <a:headEnd type="none" w="med" len="med"/>
+                      <a:tailEnd type="none" w="med" len="med"/>
+                    </a:lnR>
+                    <a:lnT w="12700" cap="flat" cmpd="sng">
+                      <a:solidFill>
+                        <a:srgbClr val="080000"/>
+                      </a:solidFill>
+                      <a:prstDash val="solid"/>
+                      <a:headEnd type="none" w="med" len="med"/>
+                      <a:tailEnd type="none" w="med" len="med"/>
+                    </a:lnT>
+                    <a:lnB w="12700" cap="flat" cmpd="sng">
+                      <a:solidFill>
+                        <a:srgbClr val="080000"/>
+                      </a:solidFill>
+                      <a:prstDash val="solid"/>
+                      <a:headEnd type="none" w="med" len="med"/>
+                      <a:tailEnd type="none" w="med" len="med"/>
+                    </a:lnB>
+                    <a:lnTlToBr>
+                      <a:noFill/>
+                    </a:lnTlToBr>
+                    <a:lnBlToTr>
+                      <a:noFill/>
+                    </a:lnBlToTr>
+                    <a:noFill/>
+                  </a:tcPr>
+                </a:tc>
+                <a:tc>
+                  <a:txBody>
+                    <a:bodyPr/>
+                    <a:p>
+                      <a:pPr indent="0">
+                        <a:buNone/>
+                      </a:pPr>
+                      <a:r>
+                        <a:rPr lang="en-US" sz="900" b="0">
+                          <a:solidFill>
+                            <a:srgbClr val="000000"/>
+                          </a:solidFill>
+                          <a:latin typeface="微软雅黑" panose="020B0503020204020204" pitchFamily="34" charset="-122"/>
+                          <a:ea typeface="微软雅黑" panose="020B0503020204020204" pitchFamily="34" charset="-122"/>
+                          <a:cs typeface="微软雅黑" panose="020B0503020204020204" pitchFamily="34" charset="-122"/>
+                        </a:rPr>
+                        <a:t>14.</a:t>
+                      </a:r>
+                      <a:r>
+                        <a:rPr lang="en-US" sz="900" b="0">
+                          <a:latin typeface="微软雅黑" panose="020B0503020204020204" pitchFamily="34" charset="-122"/>
+                          <a:ea typeface="微软雅黑" panose="020B0503020204020204" pitchFamily="34" charset="-122"/>
+                          <a:cs typeface="微软雅黑" panose="020B0503020204020204" pitchFamily="34" charset="-122"/>
+                        </a:rPr>
+                        <a:t> 采用快速的手工画图，让用户确认并签字或录音</a:t>
+                      </a:r>
+                      <a:endParaRPr lang="en-US" altLang="en-US" sz="900" b="0">
+                        <a:solidFill>
+                          <a:srgbClr val="000000"/>
+                        </a:solidFill>
+                        <a:latin typeface="微软雅黑" panose="020B0503020204020204" pitchFamily="34" charset="-122"/>
+                        <a:ea typeface="微软雅黑" panose="020B0503020204020204" pitchFamily="34" charset="-122"/>
+                        <a:cs typeface="微软雅黑" panose="020B0503020204020204" pitchFamily="34" charset="-122"/>
+                      </a:endParaRPr>
+                    </a:p>
+                  </a:txBody>
+                  <a:tcPr marL="68580" marR="68580" marT="0" marB="0" vert="horz" anchor="ctr">
+                    <a:lnL w="12700" cap="flat" cmpd="sng">
+                      <a:solidFill>
+                        <a:srgbClr val="080000"/>
+                      </a:solidFill>
+                      <a:prstDash val="solid"/>
+                      <a:headEnd type="none" w="med" len="med"/>
+                      <a:tailEnd type="none" w="med" len="med"/>
+                    </a:lnL>
+                    <a:lnR w="12700" cap="flat" cmpd="sng">
+                      <a:solidFill>
+                        <a:srgbClr val="080000"/>
+                      </a:solidFill>
+                      <a:prstDash val="solid"/>
+                      <a:headEnd type="none" w="med" len="med"/>
+                      <a:tailEnd type="none" w="med" len="med"/>
+                    </a:lnR>
+                    <a:lnT w="12700" cap="flat" cmpd="sng">
+                      <a:solidFill>
+                        <a:srgbClr val="080000"/>
+                      </a:solidFill>
+                      <a:prstDash val="solid"/>
+                      <a:headEnd type="none" w="med" len="med"/>
+                      <a:tailEnd type="none" w="med" len="med"/>
+                    </a:lnT>
+                    <a:lnB w="12700" cap="flat" cmpd="sng">
+                      <a:solidFill>
+                        <a:srgbClr val="080000"/>
+                      </a:solidFill>
+                      <a:prstDash val="solid"/>
+                      <a:headEnd type="none" w="med" len="med"/>
+                      <a:tailEnd type="none" w="med" len="med"/>
+                    </a:lnB>
+                    <a:lnTlToBr>
+                      <a:noFill/>
+                    </a:lnTlToBr>
+                    <a:lnBlToTr>
+                      <a:noFill/>
+                    </a:lnBlToTr>
+                    <a:noFill/>
+                  </a:tcPr>
+                </a:tc>
+              </a:tr>
+              <a:tr h="193675">
+                <a:tc>
+                  <a:txBody>
+                    <a:bodyPr/>
+                    <a:p>
+                      <a:pPr indent="0">
+                        <a:buNone/>
+                      </a:pPr>
+                      <a:r>
+                        <a:rPr lang="en-US" sz="900" b="0">
+                          <a:solidFill>
+                            <a:srgbClr val="000000"/>
+                          </a:solidFill>
+                          <a:latin typeface="微软雅黑" panose="020B0503020204020204" pitchFamily="34" charset="-122"/>
+                          <a:ea typeface="微软雅黑" panose="020B0503020204020204" pitchFamily="34" charset="-122"/>
+                          <a:cs typeface="微软雅黑" panose="020B0503020204020204" pitchFamily="34" charset="-122"/>
+                        </a:rPr>
+                        <a:t>15.</a:t>
+                      </a:r>
+                      <a:r>
+                        <a:rPr lang="en-US" sz="900" b="0">
+                          <a:latin typeface="微软雅黑" panose="020B0503020204020204" pitchFamily="34" charset="-122"/>
+                          <a:ea typeface="微软雅黑" panose="020B0503020204020204" pitchFamily="34" charset="-122"/>
+                          <a:cs typeface="微软雅黑" panose="020B0503020204020204" pitchFamily="34" charset="-122"/>
+                        </a:rPr>
+                        <a:t> 组员生病请假或者其他方式离开工作岗位</a:t>
+                      </a:r>
+                      <a:endParaRPr lang="en-US" altLang="en-US" sz="900" b="0">
+                        <a:solidFill>
+                          <a:srgbClr val="000000"/>
+                        </a:solidFill>
+                        <a:latin typeface="微软雅黑" panose="020B0503020204020204" pitchFamily="34" charset="-122"/>
+                        <a:ea typeface="微软雅黑" panose="020B0503020204020204" pitchFamily="34" charset="-122"/>
+                        <a:cs typeface="微软雅黑" panose="020B0503020204020204" pitchFamily="34" charset="-122"/>
+                      </a:endParaRPr>
+                    </a:p>
+                  </a:txBody>
+                  <a:tcPr marL="68580" marR="68580" marT="0" marB="0" vert="horz" anchor="ctr">
+                    <a:lnL w="12700" cap="flat" cmpd="sng">
+                      <a:solidFill>
+                        <a:srgbClr val="080000"/>
+                      </a:solidFill>
+                      <a:prstDash val="solid"/>
+                      <a:headEnd type="none" w="med" len="med"/>
+                      <a:tailEnd type="none" w="med" len="med"/>
+                    </a:lnL>
+                    <a:lnR w="12700" cap="flat" cmpd="sng">
+                      <a:solidFill>
+                        <a:srgbClr val="080000"/>
+                      </a:solidFill>
+                      <a:prstDash val="solid"/>
+                      <a:headEnd type="none" w="med" len="med"/>
+                      <a:tailEnd type="none" w="med" len="med"/>
+                    </a:lnR>
+                    <a:lnT w="12700" cap="flat" cmpd="sng">
+                      <a:solidFill>
+                        <a:srgbClr val="080000"/>
+                      </a:solidFill>
+                      <a:prstDash val="solid"/>
+                      <a:headEnd type="none" w="med" len="med"/>
+                      <a:tailEnd type="none" w="med" len="med"/>
+                    </a:lnT>
+                    <a:lnB w="12700" cap="flat" cmpd="sng">
+                      <a:solidFill>
+                        <a:srgbClr val="080000"/>
+                      </a:solidFill>
+                      <a:prstDash val="solid"/>
+                      <a:headEnd type="none" w="med" len="med"/>
+                      <a:tailEnd type="none" w="med" len="med"/>
+                    </a:lnB>
+                    <a:lnTlToBr>
+                      <a:noFill/>
+                    </a:lnTlToBr>
+                    <a:lnBlToTr>
+                      <a:noFill/>
+                    </a:lnBlToTr>
+                    <a:noFill/>
+                  </a:tcPr>
+                </a:tc>
+                <a:tc>
+                  <a:txBody>
+                    <a:bodyPr/>
+                    <a:p>
+                      <a:pPr indent="0">
+                        <a:buNone/>
+                      </a:pPr>
+                      <a:r>
+                        <a:rPr lang="en-US" sz="900" b="0">
+                          <a:solidFill>
+                            <a:srgbClr val="000000"/>
+                          </a:solidFill>
+                          <a:latin typeface="微软雅黑" panose="020B0503020204020204" pitchFamily="34" charset="-122"/>
+                          <a:ea typeface="微软雅黑" panose="020B0503020204020204" pitchFamily="34" charset="-122"/>
+                          <a:cs typeface="微软雅黑" panose="020B0503020204020204" pitchFamily="34" charset="-122"/>
+                        </a:rPr>
+                        <a:t>15.</a:t>
+                      </a:r>
+                      <a:r>
+                        <a:rPr lang="en-US" sz="900" b="0">
+                          <a:latin typeface="微软雅黑" panose="020B0503020204020204" pitchFamily="34" charset="-122"/>
+                          <a:ea typeface="微软雅黑" panose="020B0503020204020204" pitchFamily="34" charset="-122"/>
+                          <a:cs typeface="微软雅黑" panose="020B0503020204020204" pitchFamily="34" charset="-122"/>
+                        </a:rPr>
+                        <a:t> 设置替补人员（原则上任务相对少的顶上）</a:t>
+                      </a:r>
+                      <a:endParaRPr lang="en-US" altLang="en-US" sz="900" b="0">
+                        <a:solidFill>
+                          <a:srgbClr val="000000"/>
+                        </a:solidFill>
+                        <a:latin typeface="微软雅黑" panose="020B0503020204020204" pitchFamily="34" charset="-122"/>
+                        <a:ea typeface="微软雅黑" panose="020B0503020204020204" pitchFamily="34" charset="-122"/>
+                        <a:cs typeface="微软雅黑" panose="020B0503020204020204" pitchFamily="34" charset="-122"/>
+                      </a:endParaRPr>
+                    </a:p>
+                  </a:txBody>
+                  <a:tcPr marL="68580" marR="68580" marT="0" marB="0" vert="horz" anchor="ctr">
+                    <a:lnL w="12700" cap="flat" cmpd="sng">
+                      <a:solidFill>
+                        <a:srgbClr val="080000"/>
+                      </a:solidFill>
+                      <a:prstDash val="solid"/>
+                      <a:headEnd type="none" w="med" len="med"/>
+                      <a:tailEnd type="none" w="med" len="med"/>
+                    </a:lnL>
+                    <a:lnR w="12700" cap="flat" cmpd="sng">
+                      <a:solidFill>
+                        <a:srgbClr val="080000"/>
+                      </a:solidFill>
+                      <a:prstDash val="solid"/>
+                      <a:headEnd type="none" w="med" len="med"/>
+                      <a:tailEnd type="none" w="med" len="med"/>
+                    </a:lnR>
+                    <a:lnT w="12700" cap="flat" cmpd="sng">
+                      <a:solidFill>
+                        <a:srgbClr val="080000"/>
+                      </a:solidFill>
+                      <a:prstDash val="solid"/>
+                      <a:headEnd type="none" w="med" len="med"/>
+                      <a:tailEnd type="none" w="med" len="med"/>
+                    </a:lnT>
+                    <a:lnB w="12700" cap="flat" cmpd="sng">
+                      <a:solidFill>
+                        <a:srgbClr val="080000"/>
+                      </a:solidFill>
+                      <a:prstDash val="solid"/>
+                      <a:headEnd type="none" w="med" len="med"/>
+                      <a:tailEnd type="none" w="med" len="med"/>
+                    </a:lnB>
+                    <a:lnTlToBr>
+                      <a:noFill/>
+                    </a:lnTlToBr>
+                    <a:lnBlToTr>
+                      <a:noFill/>
+                    </a:lnBlToTr>
+                    <a:noFill/>
+                  </a:tcPr>
+                </a:tc>
+              </a:tr>
+              <a:tr h="295275">
+                <a:tc>
+                  <a:txBody>
+                    <a:bodyPr/>
+                    <a:p>
+                      <a:pPr indent="0">
+                        <a:buNone/>
+                      </a:pPr>
+                      <a:r>
+                        <a:rPr lang="en-US" sz="900" b="0">
+                          <a:solidFill>
+                            <a:srgbClr val="000000"/>
+                          </a:solidFill>
+                          <a:latin typeface="微软雅黑" panose="020B0503020204020204" pitchFamily="34" charset="-122"/>
+                          <a:ea typeface="微软雅黑" panose="020B0503020204020204" pitchFamily="34" charset="-122"/>
+                          <a:cs typeface="微软雅黑" panose="020B0503020204020204" pitchFamily="34" charset="-122"/>
+                        </a:rPr>
+                        <a:t>16.</a:t>
+                      </a:r>
+                      <a:r>
+                        <a:rPr lang="en-US" sz="900" b="0">
+                          <a:latin typeface="微软雅黑" panose="020B0503020204020204" pitchFamily="34" charset="-122"/>
+                          <a:ea typeface="微软雅黑" panose="020B0503020204020204" pitchFamily="34" charset="-122"/>
+                          <a:cs typeface="微软雅黑" panose="020B0503020204020204" pitchFamily="34" charset="-122"/>
+                        </a:rPr>
+                        <a:t> 电脑硬件不稳定造成文档丢失</a:t>
+                      </a:r>
+                      <a:endParaRPr lang="en-US" altLang="en-US" sz="900" b="0">
+                        <a:solidFill>
+                          <a:srgbClr val="000000"/>
+                        </a:solidFill>
+                        <a:latin typeface="微软雅黑" panose="020B0503020204020204" pitchFamily="34" charset="-122"/>
+                        <a:ea typeface="微软雅黑" panose="020B0503020204020204" pitchFamily="34" charset="-122"/>
+                        <a:cs typeface="微软雅黑" panose="020B0503020204020204" pitchFamily="34" charset="-122"/>
+                      </a:endParaRPr>
+                    </a:p>
+                  </a:txBody>
+                  <a:tcPr marL="68580" marR="68580" marT="0" marB="0" vert="horz" anchor="ctr">
+                    <a:lnL w="12700" cap="flat" cmpd="sng">
+                      <a:solidFill>
+                        <a:srgbClr val="080000"/>
+                      </a:solidFill>
+                      <a:prstDash val="solid"/>
+                      <a:headEnd type="none" w="med" len="med"/>
+                      <a:tailEnd type="none" w="med" len="med"/>
+                    </a:lnL>
+                    <a:lnR w="12700" cap="flat" cmpd="sng">
+                      <a:solidFill>
+                        <a:srgbClr val="080000"/>
+                      </a:solidFill>
+                      <a:prstDash val="solid"/>
+                      <a:headEnd type="none" w="med" len="med"/>
+                      <a:tailEnd type="none" w="med" len="med"/>
+                    </a:lnR>
+                    <a:lnT w="12700" cap="flat" cmpd="sng">
+                      <a:solidFill>
+                        <a:srgbClr val="080000"/>
+                      </a:solidFill>
+                      <a:prstDash val="solid"/>
+                      <a:headEnd type="none" w="med" len="med"/>
+                      <a:tailEnd type="none" w="med" len="med"/>
+                    </a:lnT>
+                    <a:lnB w="12700" cap="flat" cmpd="sng">
+                      <a:solidFill>
+                        <a:srgbClr val="080000"/>
+                      </a:solidFill>
+                      <a:prstDash val="solid"/>
+                      <a:headEnd type="none" w="med" len="med"/>
+                      <a:tailEnd type="none" w="med" len="med"/>
+                    </a:lnB>
+                    <a:lnTlToBr>
+                      <a:noFill/>
+                    </a:lnTlToBr>
+                    <a:lnBlToTr>
+                      <a:noFill/>
+                    </a:lnBlToTr>
+                    <a:noFill/>
+                  </a:tcPr>
+                </a:tc>
+                <a:tc>
+                  <a:txBody>
+                    <a:bodyPr/>
+                    <a:p>
+                      <a:pPr indent="0">
+                        <a:buNone/>
+                      </a:pPr>
+                      <a:r>
+                        <a:rPr lang="en-US" sz="900" b="0">
+                          <a:solidFill>
+                            <a:srgbClr val="000000"/>
+                          </a:solidFill>
+                          <a:latin typeface="微软雅黑" panose="020B0503020204020204" pitchFamily="34" charset="-122"/>
+                          <a:ea typeface="微软雅黑" panose="020B0503020204020204" pitchFamily="34" charset="-122"/>
+                          <a:cs typeface="微软雅黑" panose="020B0503020204020204" pitchFamily="34" charset="-122"/>
+                        </a:rPr>
+                        <a:t>16.</a:t>
+                      </a:r>
+                      <a:r>
+                        <a:rPr lang="en-US" sz="900" b="0">
+                          <a:latin typeface="微软雅黑" panose="020B0503020204020204" pitchFamily="34" charset="-122"/>
+                          <a:ea typeface="微软雅黑" panose="020B0503020204020204" pitchFamily="34" charset="-122"/>
+                          <a:cs typeface="微软雅黑" panose="020B0503020204020204" pitchFamily="34" charset="-122"/>
+                        </a:rPr>
+                        <a:t> 巧用GITHUB，qq,微信，百度网盘等工具</a:t>
+                      </a:r>
+                      <a:endParaRPr lang="en-US" altLang="en-US" sz="900" b="0">
+                        <a:solidFill>
+                          <a:srgbClr val="000000"/>
+                        </a:solidFill>
+                        <a:latin typeface="微软雅黑" panose="020B0503020204020204" pitchFamily="34" charset="-122"/>
+                        <a:ea typeface="微软雅黑" panose="020B0503020204020204" pitchFamily="34" charset="-122"/>
+                        <a:cs typeface="微软雅黑" panose="020B0503020204020204" pitchFamily="34" charset="-122"/>
+                      </a:endParaRPr>
+                    </a:p>
+                  </a:txBody>
+                  <a:tcPr marL="68580" marR="68580" marT="0" marB="0" vert="horz" anchor="ctr">
+                    <a:lnL w="12700" cap="flat" cmpd="sng">
+                      <a:solidFill>
+                        <a:srgbClr val="080000"/>
+                      </a:solidFill>
+                      <a:prstDash val="solid"/>
+                      <a:headEnd type="none" w="med" len="med"/>
+                      <a:tailEnd type="none" w="med" len="med"/>
+                    </a:lnL>
+                    <a:lnR w="12700" cap="flat" cmpd="sng">
+                      <a:solidFill>
+                        <a:srgbClr val="080000"/>
+                      </a:solidFill>
+                      <a:prstDash val="solid"/>
+                      <a:headEnd type="none" w="med" len="med"/>
+                      <a:tailEnd type="none" w="med" len="med"/>
+                    </a:lnR>
+                    <a:lnT w="12700" cap="flat" cmpd="sng">
+                      <a:solidFill>
+                        <a:srgbClr val="080000"/>
+                      </a:solidFill>
+                      <a:prstDash val="solid"/>
+                      <a:headEnd type="none" w="med" len="med"/>
+                      <a:tailEnd type="none" w="med" len="med"/>
+                    </a:lnT>
+                    <a:lnB w="12700" cap="flat" cmpd="sng">
+                      <a:solidFill>
+                        <a:srgbClr val="080000"/>
+                      </a:solidFill>
+                      <a:prstDash val="solid"/>
+                      <a:headEnd type="none" w="med" len="med"/>
+                      <a:tailEnd type="none" w="med" len="med"/>
+                    </a:lnB>
+                    <a:lnTlToBr>
+                      <a:noFill/>
+                    </a:lnTlToBr>
+                    <a:lnBlToTr>
+                      <a:noFill/>
+                    </a:lnBlToTr>
+                    <a:noFill/>
+                  </a:tcPr>
+                </a:tc>
+              </a:tr>
+              <a:tr h="294005">
+                <a:tc>
+                  <a:txBody>
+                    <a:bodyPr/>
+                    <a:p>
+                      <a:pPr indent="0">
+                        <a:buNone/>
+                      </a:pPr>
+                      <a:r>
+                        <a:rPr lang="en-US" sz="900" b="0">
+                          <a:solidFill>
+                            <a:srgbClr val="000000"/>
+                          </a:solidFill>
+                          <a:latin typeface="微软雅黑" panose="020B0503020204020204" pitchFamily="34" charset="-122"/>
+                          <a:ea typeface="微软雅黑" panose="020B0503020204020204" pitchFamily="34" charset="-122"/>
+                          <a:cs typeface="微软雅黑" panose="020B0503020204020204" pitchFamily="34" charset="-122"/>
+                        </a:rPr>
+                        <a:t>17.</a:t>
+                      </a:r>
+                      <a:r>
+                        <a:rPr lang="en-US" sz="900" b="0">
+                          <a:latin typeface="微软雅黑" panose="020B0503020204020204" pitchFamily="34" charset="-122"/>
+                          <a:ea typeface="微软雅黑" panose="020B0503020204020204" pitchFamily="34" charset="-122"/>
+                          <a:cs typeface="微软雅黑" panose="020B0503020204020204" pitchFamily="34" charset="-122"/>
+                        </a:rPr>
+                        <a:t> 组员考评不公平造成内部矛盾</a:t>
+                      </a:r>
+                      <a:endParaRPr lang="en-US" altLang="en-US" sz="900" b="0">
+                        <a:solidFill>
+                          <a:srgbClr val="000000"/>
+                        </a:solidFill>
+                        <a:latin typeface="微软雅黑" panose="020B0503020204020204" pitchFamily="34" charset="-122"/>
+                        <a:ea typeface="微软雅黑" panose="020B0503020204020204" pitchFamily="34" charset="-122"/>
+                        <a:cs typeface="微软雅黑" panose="020B0503020204020204" pitchFamily="34" charset="-122"/>
+                      </a:endParaRPr>
+                    </a:p>
+                  </a:txBody>
+                  <a:tcPr marL="68580" marR="68580" marT="0" marB="0" vert="horz" anchor="ctr">
+                    <a:lnL w="12700" cap="flat" cmpd="sng">
+                      <a:solidFill>
+                        <a:srgbClr val="080000"/>
+                      </a:solidFill>
+                      <a:prstDash val="solid"/>
+                      <a:headEnd type="none" w="med" len="med"/>
+                      <a:tailEnd type="none" w="med" len="med"/>
+                    </a:lnL>
+                    <a:lnR w="12700" cap="flat" cmpd="sng">
+                      <a:solidFill>
+                        <a:srgbClr val="080000"/>
+                      </a:solidFill>
+                      <a:prstDash val="solid"/>
+                      <a:headEnd type="none" w="med" len="med"/>
+                      <a:tailEnd type="none" w="med" len="med"/>
+                    </a:lnR>
+                    <a:lnT w="12700" cap="flat" cmpd="sng">
+                      <a:solidFill>
+                        <a:srgbClr val="080000"/>
+                      </a:solidFill>
+                      <a:prstDash val="solid"/>
+                      <a:headEnd type="none" w="med" len="med"/>
+                      <a:tailEnd type="none" w="med" len="med"/>
+                    </a:lnT>
+                    <a:lnB w="12700" cap="flat" cmpd="sng">
+                      <a:solidFill>
+                        <a:srgbClr val="080000"/>
+                      </a:solidFill>
+                      <a:prstDash val="solid"/>
+                      <a:headEnd type="none" w="med" len="med"/>
+                      <a:tailEnd type="none" w="med" len="med"/>
+                    </a:lnB>
+                    <a:lnTlToBr>
+                      <a:noFill/>
+                    </a:lnTlToBr>
+                    <a:lnBlToTr>
+                      <a:noFill/>
+                    </a:lnBlToTr>
+                    <a:noFill/>
+                  </a:tcPr>
+                </a:tc>
+                <a:tc>
+                  <a:txBody>
+                    <a:bodyPr/>
+                    <a:p>
+                      <a:pPr indent="0">
+                        <a:buNone/>
+                      </a:pPr>
+                      <a:r>
+                        <a:rPr lang="en-US" sz="900" b="0">
+                          <a:solidFill>
+                            <a:srgbClr val="000000"/>
+                          </a:solidFill>
+                          <a:latin typeface="微软雅黑" panose="020B0503020204020204" pitchFamily="34" charset="-122"/>
+                          <a:ea typeface="微软雅黑" panose="020B0503020204020204" pitchFamily="34" charset="-122"/>
+                          <a:cs typeface="微软雅黑" panose="020B0503020204020204" pitchFamily="34" charset="-122"/>
+                        </a:rPr>
+                        <a:t>17.</a:t>
+                      </a:r>
+                      <a:r>
+                        <a:rPr lang="en-US" sz="900" b="0">
+                          <a:latin typeface="微软雅黑" panose="020B0503020204020204" pitchFamily="34" charset="-122"/>
+                          <a:ea typeface="微软雅黑" panose="020B0503020204020204" pitchFamily="34" charset="-122"/>
+                          <a:cs typeface="微软雅黑" panose="020B0503020204020204" pitchFamily="34" charset="-122"/>
+                        </a:rPr>
+                        <a:t> 加强共同，完善考评制度，以项目经理为中心（项目经理全权负责）</a:t>
+                      </a:r>
+                      <a:endParaRPr lang="en-US" altLang="en-US" sz="900" b="0">
+                        <a:solidFill>
+                          <a:srgbClr val="000000"/>
+                        </a:solidFill>
+                        <a:latin typeface="微软雅黑" panose="020B0503020204020204" pitchFamily="34" charset="-122"/>
+                        <a:ea typeface="微软雅黑" panose="020B0503020204020204" pitchFamily="34" charset="-122"/>
+                        <a:cs typeface="微软雅黑" panose="020B0503020204020204" pitchFamily="34" charset="-122"/>
+                      </a:endParaRPr>
+                    </a:p>
+                  </a:txBody>
+                  <a:tcPr marL="68580" marR="68580" marT="0" marB="0" vert="horz" anchor="ctr">
+                    <a:lnL w="12700" cap="flat" cmpd="sng">
+                      <a:solidFill>
+                        <a:srgbClr val="080000"/>
+                      </a:solidFill>
+                      <a:prstDash val="solid"/>
+                      <a:headEnd type="none" w="med" len="med"/>
+                      <a:tailEnd type="none" w="med" len="med"/>
+                    </a:lnL>
+                    <a:lnR w="12700" cap="flat" cmpd="sng">
+                      <a:solidFill>
+                        <a:srgbClr val="080000"/>
+                      </a:solidFill>
+                      <a:prstDash val="solid"/>
+                      <a:headEnd type="none" w="med" len="med"/>
+                      <a:tailEnd type="none" w="med" len="med"/>
+                    </a:lnR>
+                    <a:lnT w="12700" cap="flat" cmpd="sng">
+                      <a:solidFill>
+                        <a:srgbClr val="080000"/>
+                      </a:solidFill>
+                      <a:prstDash val="solid"/>
+                      <a:headEnd type="none" w="med" len="med"/>
+                      <a:tailEnd type="none" w="med" len="med"/>
+                    </a:lnT>
+                    <a:lnB w="12700" cap="flat" cmpd="sng">
+                      <a:solidFill>
+                        <a:srgbClr val="080000"/>
+                      </a:solidFill>
+                      <a:prstDash val="solid"/>
+                      <a:headEnd type="none" w="med" len="med"/>
+                      <a:tailEnd type="none" w="med" len="med"/>
+                    </a:lnB>
+                    <a:lnTlToBr>
+                      <a:noFill/>
+                    </a:lnTlToBr>
+                    <a:lnBlToTr>
+                      <a:noFill/>
+                    </a:lnBlToTr>
+                    <a:noFill/>
+                  </a:tcPr>
+                </a:tc>
+              </a:tr>
+              <a:tr h="295275">
+                <a:tc>
+                  <a:txBody>
+                    <a:bodyPr/>
+                    <a:p>
+                      <a:pPr indent="0">
+                        <a:buNone/>
+                      </a:pPr>
+                      <a:r>
+                        <a:rPr lang="en-US" sz="900" b="0">
+                          <a:solidFill>
+                            <a:srgbClr val="000000"/>
+                          </a:solidFill>
+                          <a:latin typeface="微软雅黑" panose="020B0503020204020204" pitchFamily="34" charset="-122"/>
+                          <a:ea typeface="微软雅黑" panose="020B0503020204020204" pitchFamily="34" charset="-122"/>
+                          <a:cs typeface="微软雅黑" panose="020B0503020204020204" pitchFamily="34" charset="-122"/>
+                        </a:rPr>
+                        <a:t>18.</a:t>
+                      </a:r>
+                      <a:r>
+                        <a:rPr lang="en-US" sz="900" b="0">
+                          <a:latin typeface="微软雅黑" panose="020B0503020204020204" pitchFamily="34" charset="-122"/>
+                          <a:ea typeface="微软雅黑" panose="020B0503020204020204" pitchFamily="34" charset="-122"/>
+                          <a:cs typeface="微软雅黑" panose="020B0503020204020204" pitchFamily="34" charset="-122"/>
+                        </a:rPr>
+                        <a:t> 用户对界面原型有了天马行空的全新的提议</a:t>
+                      </a:r>
+                      <a:endParaRPr lang="en-US" altLang="en-US" sz="900" b="0">
+                        <a:solidFill>
+                          <a:srgbClr val="000000"/>
+                        </a:solidFill>
+                        <a:latin typeface="微软雅黑" panose="020B0503020204020204" pitchFamily="34" charset="-122"/>
+                        <a:ea typeface="微软雅黑" panose="020B0503020204020204" pitchFamily="34" charset="-122"/>
+                        <a:cs typeface="微软雅黑" panose="020B0503020204020204" pitchFamily="34" charset="-122"/>
+                      </a:endParaRPr>
+                    </a:p>
+                  </a:txBody>
+                  <a:tcPr marL="68580" marR="68580" marT="0" marB="0" vert="horz" anchor="ctr">
+                    <a:lnL w="12700" cap="flat" cmpd="sng">
+                      <a:solidFill>
+                        <a:srgbClr val="080000"/>
+                      </a:solidFill>
+                      <a:prstDash val="solid"/>
+                      <a:headEnd type="none" w="med" len="med"/>
+                      <a:tailEnd type="none" w="med" len="med"/>
+                    </a:lnL>
+                    <a:lnR w="12700" cap="flat" cmpd="sng">
+                      <a:solidFill>
+                        <a:srgbClr val="080000"/>
+                      </a:solidFill>
+                      <a:prstDash val="solid"/>
+                      <a:headEnd type="none" w="med" len="med"/>
+                      <a:tailEnd type="none" w="med" len="med"/>
+                    </a:lnR>
+                    <a:lnT w="12700" cap="flat" cmpd="sng">
+                      <a:solidFill>
+                        <a:srgbClr val="080000"/>
+                      </a:solidFill>
+                      <a:prstDash val="solid"/>
+                      <a:headEnd type="none" w="med" len="med"/>
+                      <a:tailEnd type="none" w="med" len="med"/>
+                    </a:lnT>
+                    <a:lnB w="12700" cap="flat" cmpd="sng">
+                      <a:solidFill>
+                        <a:srgbClr val="080000"/>
+                      </a:solidFill>
+                      <a:prstDash val="solid"/>
+                      <a:headEnd type="none" w="med" len="med"/>
+                      <a:tailEnd type="none" w="med" len="med"/>
+                    </a:lnB>
+                    <a:lnTlToBr>
+                      <a:noFill/>
+                    </a:lnTlToBr>
+                    <a:lnBlToTr>
+                      <a:noFill/>
+                    </a:lnBlToTr>
+                    <a:noFill/>
+                  </a:tcPr>
+                </a:tc>
+                <a:tc>
+                  <a:txBody>
+                    <a:bodyPr/>
+                    <a:p>
+                      <a:pPr indent="0">
+                        <a:buNone/>
+                      </a:pPr>
+                      <a:r>
+                        <a:rPr lang="en-US" sz="900" b="0">
+                          <a:solidFill>
+                            <a:srgbClr val="000000"/>
+                          </a:solidFill>
+                          <a:latin typeface="微软雅黑" panose="020B0503020204020204" pitchFamily="34" charset="-122"/>
+                          <a:ea typeface="微软雅黑" panose="020B0503020204020204" pitchFamily="34" charset="-122"/>
+                          <a:cs typeface="微软雅黑" panose="020B0503020204020204" pitchFamily="34" charset="-122"/>
+                        </a:rPr>
+                        <a:t>18.</a:t>
+                      </a:r>
+                      <a:r>
+                        <a:rPr lang="en-US" sz="900" b="0">
+                          <a:latin typeface="微软雅黑" panose="020B0503020204020204" pitchFamily="34" charset="-122"/>
+                          <a:ea typeface="微软雅黑" panose="020B0503020204020204" pitchFamily="34" charset="-122"/>
+                          <a:cs typeface="微软雅黑" panose="020B0503020204020204" pitchFamily="34" charset="-122"/>
+                        </a:rPr>
+                        <a:t> 加强与技术人员的同步沟通，确认工作量与可行性</a:t>
+                      </a:r>
+                      <a:endParaRPr lang="en-US" altLang="en-US" sz="900" b="0">
+                        <a:solidFill>
+                          <a:srgbClr val="000000"/>
+                        </a:solidFill>
+                        <a:latin typeface="微软雅黑" panose="020B0503020204020204" pitchFamily="34" charset="-122"/>
+                        <a:ea typeface="微软雅黑" panose="020B0503020204020204" pitchFamily="34" charset="-122"/>
+                        <a:cs typeface="微软雅黑" panose="020B0503020204020204" pitchFamily="34" charset="-122"/>
                       </a:endParaRPr>
                     </a:p>
                   </a:txBody>

--- a/项目计划/PRD2018-G07-项目计划PPT.pptx
+++ b/项目计划/PRD2018-G07-项目计划PPT.pptx
@@ -5,21 +5,21 @@
     <p:sldMasterId id="2147483648" r:id="rId1"/>
   </p:sldMasterIdLst>
   <p:notesMasterIdLst>
-    <p:notesMasterId r:id="rId10"/>
+    <p:notesMasterId r:id="rId14"/>
   </p:notesMasterIdLst>
   <p:sldIdLst>
-    <p:sldId id="262" r:id="rId3"/>
-    <p:sldId id="265" r:id="rId4"/>
-    <p:sldId id="307" r:id="rId5"/>
-    <p:sldId id="267" r:id="rId6"/>
-    <p:sldId id="308" r:id="rId7"/>
-    <p:sldId id="288" r:id="rId8"/>
-    <p:sldId id="298" r:id="rId9"/>
-    <p:sldId id="285" r:id="rId11"/>
-    <p:sldId id="287" r:id="rId12"/>
-    <p:sldId id="295" r:id="rId13"/>
-    <p:sldId id="297" r:id="rId14"/>
-    <p:sldId id="283" r:id="rId15"/>
+    <p:sldId id="262" r:id="rId2"/>
+    <p:sldId id="265" r:id="rId3"/>
+    <p:sldId id="307" r:id="rId4"/>
+    <p:sldId id="267" r:id="rId5"/>
+    <p:sldId id="308" r:id="rId6"/>
+    <p:sldId id="288" r:id="rId7"/>
+    <p:sldId id="298" r:id="rId8"/>
+    <p:sldId id="285" r:id="rId9"/>
+    <p:sldId id="287" r:id="rId10"/>
+    <p:sldId id="295" r:id="rId11"/>
+    <p:sldId id="297" r:id="rId12"/>
+    <p:sldId id="283" r:id="rId13"/>
   </p:sldIdLst>
   <p:sldSz cx="9144000" cy="6858000" type="screen4x3"/>
   <p:notesSz cx="6858000" cy="9144000"/>
@@ -203,6 +203,7 @@
           <a:p>
             <a:fld id="{58DEABB2-7F21-4956-8261-0567CD8FAEBA}" type="datetimeFigureOut">
               <a:rPr lang="zh-CN" altLang="en-US" smtClean="0"/>
+              <a:t>2018/10/30</a:t>
             </a:fld>
             <a:endParaRPr lang="zh-CN" altLang="en-US"/>
           </a:p>
@@ -269,7 +270,6 @@
               <a:rPr lang="zh-CN" altLang="en-US"/>
               <a:t>编辑母版文本样式</a:t>
             </a:r>
-            <a:endParaRPr lang="zh-CN" altLang="en-US"/>
           </a:p>
           <a:p>
             <a:pPr lvl="1"/>
@@ -277,7 +277,6 @@
               <a:rPr lang="zh-CN" altLang="en-US"/>
               <a:t>第二级</a:t>
             </a:r>
-            <a:endParaRPr lang="zh-CN" altLang="en-US"/>
           </a:p>
           <a:p>
             <a:pPr lvl="2"/>
@@ -285,7 +284,6 @@
               <a:rPr lang="zh-CN" altLang="en-US"/>
               <a:t>第三级</a:t>
             </a:r>
-            <a:endParaRPr lang="zh-CN" altLang="en-US"/>
           </a:p>
           <a:p>
             <a:pPr lvl="3"/>
@@ -293,7 +291,6 @@
               <a:rPr lang="zh-CN" altLang="en-US"/>
               <a:t>第四级</a:t>
             </a:r>
-            <a:endParaRPr lang="zh-CN" altLang="en-US"/>
           </a:p>
           <a:p>
             <a:pPr lvl="4"/>
@@ -301,7 +298,6 @@
               <a:rPr lang="zh-CN" altLang="en-US"/>
               <a:t>第五级</a:t>
             </a:r>
-            <a:endParaRPr lang="zh-CN" altLang="en-US"/>
           </a:p>
         </p:txBody>
       </p:sp>
@@ -365,12 +361,18 @@
           <a:p>
             <a:fld id="{1583388D-148F-4A69-9717-8609F9280A8B}" type="slidenum">
               <a:rPr lang="zh-CN" altLang="en-US" smtClean="0"/>
+              <a:t>‹#›</a:t>
             </a:fld>
             <a:endParaRPr lang="zh-CN" altLang="en-US"/>
           </a:p>
         </p:txBody>
       </p:sp>
     </p:spTree>
+    <p:extLst>
+      <p:ext uri="{BB962C8B-B14F-4D97-AF65-F5344CB8AC3E}">
+        <p14:creationId xmlns:p14="http://schemas.microsoft.com/office/powerpoint/2010/main" val="3816409769"/>
+      </p:ext>
+    </p:extLst>
   </p:cSld>
   <p:clrMap bg1="lt1" tx1="dk1" bg2="lt2" tx2="dk2" accent1="accent1" accent2="accent2" accent3="accent3" accent4="accent4" accent5="accent5" accent6="accent6" hlink="hlink" folHlink="folHlink"/>
   <p:notesStyle>
@@ -543,15 +545,6 @@
               </a:rPr>
               <a:t>编写项目视图与范围</a:t>
             </a:r>
-            <a:endParaRPr lang="zh-CN" altLang="zh-CN" sz="1200" kern="1200" dirty="0">
-              <a:solidFill>
-                <a:schemeClr val="tx1"/>
-              </a:solidFill>
-              <a:effectLst/>
-              <a:latin typeface="+mn-lt"/>
-              <a:ea typeface="+mn-ea"/>
-              <a:cs typeface="+mn-cs"/>
-            </a:endParaRPr>
           </a:p>
           <a:p>
             <a:r>
@@ -566,15 +559,6 @@
               </a:rPr>
               <a:t>用户群分类</a:t>
             </a:r>
-            <a:endParaRPr lang="zh-CN" altLang="zh-CN" sz="1200" kern="1200" dirty="0">
-              <a:solidFill>
-                <a:schemeClr val="tx1"/>
-              </a:solidFill>
-              <a:effectLst/>
-              <a:latin typeface="+mn-lt"/>
-              <a:ea typeface="+mn-ea"/>
-              <a:cs typeface="+mn-cs"/>
-            </a:endParaRPr>
           </a:p>
           <a:p>
             <a:r>
@@ -589,15 +573,6 @@
               </a:rPr>
               <a:t>选择产品代表</a:t>
             </a:r>
-            <a:endParaRPr lang="zh-CN" altLang="zh-CN" sz="1200" kern="1200" dirty="0">
-              <a:solidFill>
-                <a:schemeClr val="tx1"/>
-              </a:solidFill>
-              <a:effectLst/>
-              <a:latin typeface="+mn-lt"/>
-              <a:ea typeface="+mn-ea"/>
-              <a:cs typeface="+mn-cs"/>
-            </a:endParaRPr>
           </a:p>
           <a:p>
             <a:r>
@@ -612,15 +587,6 @@
               </a:rPr>
               <a:t>确定使用实例</a:t>
             </a:r>
-            <a:endParaRPr lang="zh-CN" altLang="zh-CN" sz="1200" kern="1200" dirty="0">
-              <a:solidFill>
-                <a:schemeClr val="tx1"/>
-              </a:solidFill>
-              <a:effectLst/>
-              <a:latin typeface="+mn-lt"/>
-              <a:ea typeface="+mn-ea"/>
-              <a:cs typeface="+mn-cs"/>
-            </a:endParaRPr>
           </a:p>
           <a:p>
             <a:r>
@@ -635,15 +601,6 @@
               </a:rPr>
               <a:t>召开应用程序开发联系会议</a:t>
             </a:r>
-            <a:endParaRPr lang="zh-CN" altLang="zh-CN" sz="1200" kern="1200" dirty="0">
-              <a:solidFill>
-                <a:schemeClr val="tx1"/>
-              </a:solidFill>
-              <a:effectLst/>
-              <a:latin typeface="+mn-lt"/>
-              <a:ea typeface="+mn-ea"/>
-              <a:cs typeface="+mn-cs"/>
-            </a:endParaRPr>
           </a:p>
           <a:p>
             <a:r>
@@ -658,15 +615,6 @@
               </a:rPr>
               <a:t>需求访谈</a:t>
             </a:r>
-            <a:endParaRPr lang="zh-CN" altLang="zh-CN" sz="1200" kern="1200" dirty="0">
-              <a:solidFill>
-                <a:schemeClr val="tx1"/>
-              </a:solidFill>
-              <a:effectLst/>
-              <a:latin typeface="+mn-lt"/>
-              <a:ea typeface="+mn-ea"/>
-              <a:cs typeface="+mn-cs"/>
-            </a:endParaRPr>
           </a:p>
           <a:p>
             <a:r>
@@ -681,15 +629,6 @@
               </a:rPr>
               <a:t>分析用户工作流程</a:t>
             </a:r>
-            <a:endParaRPr lang="zh-CN" altLang="zh-CN" sz="1200" kern="1200" dirty="0">
-              <a:solidFill>
-                <a:schemeClr val="tx1"/>
-              </a:solidFill>
-              <a:effectLst/>
-              <a:latin typeface="+mn-lt"/>
-              <a:ea typeface="+mn-ea"/>
-              <a:cs typeface="+mn-cs"/>
-            </a:endParaRPr>
           </a:p>
           <a:p>
             <a:r>
@@ -704,15 +643,6 @@
               </a:rPr>
               <a:t>确定质量属性</a:t>
             </a:r>
-            <a:endParaRPr lang="zh-CN" altLang="zh-CN" sz="1200" kern="1200" dirty="0">
-              <a:solidFill>
-                <a:schemeClr val="tx1"/>
-              </a:solidFill>
-              <a:effectLst/>
-              <a:latin typeface="+mn-lt"/>
-              <a:ea typeface="+mn-ea"/>
-              <a:cs typeface="+mn-cs"/>
-            </a:endParaRPr>
           </a:p>
           <a:p>
             <a:r>
@@ -727,15 +657,6 @@
               </a:rPr>
               <a:t>检查问题报告</a:t>
             </a:r>
-            <a:endParaRPr lang="zh-CN" altLang="zh-CN" sz="1200" kern="1200" dirty="0">
-              <a:solidFill>
-                <a:schemeClr val="tx1"/>
-              </a:solidFill>
-              <a:effectLst/>
-              <a:latin typeface="+mn-lt"/>
-              <a:ea typeface="+mn-ea"/>
-              <a:cs typeface="+mn-cs"/>
-            </a:endParaRPr>
           </a:p>
           <a:p>
             <a:r>
@@ -750,15 +671,6 @@
               </a:rPr>
               <a:t>需求重用</a:t>
             </a:r>
-            <a:endParaRPr lang="zh-CN" altLang="zh-CN" sz="1200" kern="1200" dirty="0">
-              <a:solidFill>
-                <a:schemeClr val="tx1"/>
-              </a:solidFill>
-              <a:effectLst/>
-              <a:latin typeface="+mn-lt"/>
-              <a:ea typeface="+mn-ea"/>
-              <a:cs typeface="+mn-cs"/>
-            </a:endParaRPr>
           </a:p>
           <a:p>
             <a:r>
@@ -784,15 +696,6 @@
               </a:rPr>
               <a:t>绘制关联图</a:t>
             </a:r>
-            <a:endParaRPr lang="zh-CN" altLang="zh-CN" sz="1200" kern="1200" dirty="0">
-              <a:solidFill>
-                <a:schemeClr val="tx1"/>
-              </a:solidFill>
-              <a:effectLst/>
-              <a:latin typeface="+mn-lt"/>
-              <a:ea typeface="+mn-ea"/>
-              <a:cs typeface="+mn-cs"/>
-            </a:endParaRPr>
           </a:p>
           <a:p>
             <a:r>
@@ -807,15 +710,6 @@
               </a:rPr>
               <a:t>创建开发原型</a:t>
             </a:r>
-            <a:endParaRPr lang="zh-CN" altLang="zh-CN" sz="1200" kern="1200" dirty="0">
-              <a:solidFill>
-                <a:schemeClr val="tx1"/>
-              </a:solidFill>
-              <a:effectLst/>
-              <a:latin typeface="+mn-lt"/>
-              <a:ea typeface="+mn-ea"/>
-              <a:cs typeface="+mn-cs"/>
-            </a:endParaRPr>
           </a:p>
           <a:p>
             <a:r>
@@ -830,15 +724,6 @@
               </a:rPr>
               <a:t>分析可行性</a:t>
             </a:r>
-            <a:endParaRPr lang="zh-CN" altLang="zh-CN" sz="1200" kern="1200" dirty="0">
-              <a:solidFill>
-                <a:schemeClr val="tx1"/>
-              </a:solidFill>
-              <a:effectLst/>
-              <a:latin typeface="+mn-lt"/>
-              <a:ea typeface="+mn-ea"/>
-              <a:cs typeface="+mn-cs"/>
-            </a:endParaRPr>
           </a:p>
           <a:p>
             <a:r>
@@ -853,15 +738,6 @@
               </a:rPr>
               <a:t>确定需求优先级</a:t>
             </a:r>
-            <a:endParaRPr lang="zh-CN" altLang="zh-CN" sz="1200" kern="1200" dirty="0">
-              <a:solidFill>
-                <a:schemeClr val="tx1"/>
-              </a:solidFill>
-              <a:effectLst/>
-              <a:latin typeface="+mn-lt"/>
-              <a:ea typeface="+mn-ea"/>
-              <a:cs typeface="+mn-cs"/>
-            </a:endParaRPr>
           </a:p>
           <a:p>
             <a:r>
@@ -876,15 +752,6 @@
               </a:rPr>
               <a:t>为需求建立模型</a:t>
             </a:r>
-            <a:endParaRPr lang="zh-CN" altLang="zh-CN" sz="1200" kern="1200" dirty="0">
-              <a:solidFill>
-                <a:schemeClr val="tx1"/>
-              </a:solidFill>
-              <a:effectLst/>
-              <a:latin typeface="+mn-lt"/>
-              <a:ea typeface="+mn-ea"/>
-              <a:cs typeface="+mn-cs"/>
-            </a:endParaRPr>
           </a:p>
           <a:p>
             <a:r>
@@ -899,15 +766,6 @@
               </a:rPr>
               <a:t>编写数据字典</a:t>
             </a:r>
-            <a:endParaRPr lang="zh-CN" altLang="zh-CN" sz="1200" kern="1200" dirty="0">
-              <a:solidFill>
-                <a:schemeClr val="tx1"/>
-              </a:solidFill>
-              <a:effectLst/>
-              <a:latin typeface="+mn-lt"/>
-              <a:ea typeface="+mn-ea"/>
-              <a:cs typeface="+mn-cs"/>
-            </a:endParaRPr>
           </a:p>
           <a:p>
             <a:r>
@@ -922,15 +780,6 @@
               </a:rPr>
               <a:t>应用质量功能调配</a:t>
             </a:r>
-            <a:endParaRPr lang="zh-CN" altLang="zh-CN" sz="1200" kern="1200" dirty="0">
-              <a:solidFill>
-                <a:schemeClr val="tx1"/>
-              </a:solidFill>
-              <a:effectLst/>
-              <a:latin typeface="+mn-lt"/>
-              <a:ea typeface="+mn-ea"/>
-              <a:cs typeface="+mn-cs"/>
-            </a:endParaRPr>
           </a:p>
           <a:p>
             <a:r>
@@ -956,15 +805,6 @@
               </a:rPr>
               <a:t>采用软件需求规格说明模板</a:t>
             </a:r>
-            <a:endParaRPr lang="zh-CN" altLang="zh-CN" sz="1200" kern="1200" dirty="0">
-              <a:solidFill>
-                <a:schemeClr val="tx1"/>
-              </a:solidFill>
-              <a:effectLst/>
-              <a:latin typeface="+mn-lt"/>
-              <a:ea typeface="+mn-ea"/>
-              <a:cs typeface="+mn-cs"/>
-            </a:endParaRPr>
           </a:p>
           <a:p>
             <a:r>
@@ -979,15 +819,6 @@
               </a:rPr>
               <a:t>指明需求来源</a:t>
             </a:r>
-            <a:endParaRPr lang="zh-CN" altLang="zh-CN" sz="1200" kern="1200" dirty="0">
-              <a:solidFill>
-                <a:schemeClr val="tx1"/>
-              </a:solidFill>
-              <a:effectLst/>
-              <a:latin typeface="+mn-lt"/>
-              <a:ea typeface="+mn-ea"/>
-              <a:cs typeface="+mn-cs"/>
-            </a:endParaRPr>
           </a:p>
           <a:p>
             <a:r>
@@ -1002,15 +833,6 @@
               </a:rPr>
               <a:t>为每一项需求注上标号</a:t>
             </a:r>
-            <a:endParaRPr lang="zh-CN" altLang="zh-CN" sz="1200" kern="1200" dirty="0">
-              <a:solidFill>
-                <a:schemeClr val="tx1"/>
-              </a:solidFill>
-              <a:effectLst/>
-              <a:latin typeface="+mn-lt"/>
-              <a:ea typeface="+mn-ea"/>
-              <a:cs typeface="+mn-cs"/>
-            </a:endParaRPr>
           </a:p>
           <a:p>
             <a:r>
@@ -1025,15 +847,6 @@
               </a:rPr>
               <a:t>记录业务规范</a:t>
             </a:r>
-            <a:endParaRPr lang="zh-CN" altLang="zh-CN" sz="1200" kern="1200" dirty="0">
-              <a:solidFill>
-                <a:schemeClr val="tx1"/>
-              </a:solidFill>
-              <a:effectLst/>
-              <a:latin typeface="+mn-lt"/>
-              <a:ea typeface="+mn-ea"/>
-              <a:cs typeface="+mn-cs"/>
-            </a:endParaRPr>
           </a:p>
           <a:p>
             <a:r>
@@ -1048,15 +861,6 @@
               </a:rPr>
               <a:t>创建需求跟踪能力矩阵</a:t>
             </a:r>
-            <a:endParaRPr lang="zh-CN" altLang="zh-CN" sz="1200" kern="1200" dirty="0">
-              <a:solidFill>
-                <a:schemeClr val="tx1"/>
-              </a:solidFill>
-              <a:effectLst/>
-              <a:latin typeface="+mn-lt"/>
-              <a:ea typeface="+mn-ea"/>
-              <a:cs typeface="+mn-cs"/>
-            </a:endParaRPr>
           </a:p>
           <a:p>
             <a:r>
@@ -1078,15 +882,6 @@
               </a:rPr>
               <a:t>编写测试用例</a:t>
             </a:r>
-            <a:endParaRPr lang="zh-CN" altLang="zh-CN" sz="1200" kern="1200" dirty="0">
-              <a:solidFill>
-                <a:schemeClr val="tx1"/>
-              </a:solidFill>
-              <a:effectLst/>
-              <a:latin typeface="+mn-lt"/>
-              <a:ea typeface="+mn-ea"/>
-              <a:cs typeface="+mn-cs"/>
-            </a:endParaRPr>
           </a:p>
           <a:p>
             <a:r>
@@ -1101,15 +896,6 @@
               </a:rPr>
               <a:t>编写用户手册</a:t>
             </a:r>
-            <a:endParaRPr lang="zh-CN" altLang="zh-CN" sz="1200" kern="1200" dirty="0">
-              <a:solidFill>
-                <a:schemeClr val="tx1"/>
-              </a:solidFill>
-              <a:effectLst/>
-              <a:latin typeface="+mn-lt"/>
-              <a:ea typeface="+mn-ea"/>
-              <a:cs typeface="+mn-cs"/>
-            </a:endParaRPr>
           </a:p>
           <a:p>
             <a:r>
@@ -1124,15 +910,6 @@
               </a:rPr>
               <a:t>确定合格的标准</a:t>
             </a:r>
-            <a:endParaRPr lang="zh-CN" altLang="zh-CN" sz="1200" kern="1200" dirty="0">
-              <a:solidFill>
-                <a:schemeClr val="tx1"/>
-              </a:solidFill>
-              <a:effectLst/>
-              <a:latin typeface="+mn-lt"/>
-              <a:ea typeface="+mn-ea"/>
-              <a:cs typeface="+mn-cs"/>
-            </a:endParaRPr>
           </a:p>
           <a:p>
             <a:r>
@@ -1147,15 +924,6 @@
               </a:rPr>
               <a:t>审查需求文档</a:t>
             </a:r>
-            <a:endParaRPr lang="zh-CN" altLang="zh-CN" sz="1200" kern="1200" dirty="0">
-              <a:solidFill>
-                <a:schemeClr val="tx1"/>
-              </a:solidFill>
-              <a:effectLst/>
-              <a:latin typeface="+mn-lt"/>
-              <a:ea typeface="+mn-ea"/>
-              <a:cs typeface="+mn-cs"/>
-            </a:endParaRPr>
           </a:p>
           <a:p>
             <a:endParaRPr lang="zh-CN" altLang="en-US" dirty="0"/>
@@ -1179,6 +947,7 @@
           <a:p>
             <a:fld id="{397DF315-7D11-4545-BF08-570BC460E9A8}" type="slidenum">
               <a:rPr lang="zh-CN" altLang="en-US" smtClean="0"/>
+              <a:t>7</a:t>
             </a:fld>
             <a:endParaRPr lang="zh-CN" altLang="en-US"/>
           </a:p>
@@ -1300,7 +1069,6 @@
               <a:rPr lang="zh-CN" altLang="en-US" dirty="0"/>
               <a:t>干系人还把包括了助教，助教对我们的项目起到了监督的作用，并且把项目进展及时向项目发起人报告。</a:t>
             </a:r>
-            <a:endParaRPr lang="zh-CN" altLang="en-US" dirty="0"/>
           </a:p>
         </p:txBody>
       </p:sp>
@@ -1321,6 +1089,7 @@
           <a:p>
             <a:fld id="{1583388D-148F-4A69-9717-8609F9280A8B}" type="slidenum">
               <a:rPr lang="zh-CN" altLang="en-US" smtClean="0"/>
+              <a:t>8</a:t>
             </a:fld>
             <a:endParaRPr lang="zh-CN" altLang="en-US"/>
           </a:p>
@@ -1452,7 +1221,6 @@
               <a:rPr lang="zh-CN" altLang="en-US" sz="1200" dirty="0"/>
               <a:t>内容有限，所以暂时放风险起因和应对措施，在文档之中有详细版）</a:t>
             </a:r>
-            <a:endParaRPr lang="zh-CN" altLang="en-US" sz="1200" dirty="0"/>
           </a:p>
           <a:p>
             <a:endParaRPr lang="zh-CN" altLang="en-US" dirty="0"/>
@@ -1476,6 +1244,7 @@
           <a:p>
             <a:fld id="{1583388D-148F-4A69-9717-8609F9280A8B}" type="slidenum">
               <a:rPr lang="zh-CN" altLang="en-US" smtClean="0"/>
+              <a:t>9</a:t>
             </a:fld>
             <a:endParaRPr lang="zh-CN" altLang="en-US"/>
           </a:p>
@@ -1554,6 +1323,7 @@
           <a:p>
             <a:fld id="{1583388D-148F-4A69-9717-8609F9280A8B}" type="slidenum">
               <a:rPr lang="zh-CN" altLang="en-US" smtClean="0"/>
+              <a:t>10</a:t>
             </a:fld>
             <a:endParaRPr lang="zh-CN" altLang="en-US"/>
           </a:p>
@@ -1632,6 +1402,7 @@
           <a:p>
             <a:fld id="{1583388D-148F-4A69-9717-8609F9280A8B}" type="slidenum">
               <a:rPr lang="zh-CN" altLang="en-US" smtClean="0"/>
+              <a:t>11</a:t>
             </a:fld>
             <a:endParaRPr lang="zh-CN" altLang="en-US"/>
           </a:p>
@@ -1776,6 +1547,7 @@
           <a:p>
             <a:fld id="{D9E10778-D782-46AB-918C-02950C9E19C4}" type="datetimeFigureOut">
               <a:rPr lang="zh-CN" altLang="en-US" smtClean="0"/>
+              <a:t>2018/10/30</a:t>
             </a:fld>
             <a:endParaRPr lang="zh-CN" altLang="en-US"/>
           </a:p>
@@ -1817,6 +1589,7 @@
           <a:p>
             <a:fld id="{3663C713-0A25-4B27-8294-86EE1C308F4F}" type="slidenum">
               <a:rPr lang="zh-CN" altLang="en-US" smtClean="0"/>
+              <a:t>‹#›</a:t>
             </a:fld>
             <a:endParaRPr lang="zh-CN" altLang="en-US"/>
           </a:p>
@@ -1890,7 +1663,6 @@
               <a:rPr lang="zh-CN" altLang="en-US"/>
               <a:t>编辑母版文本样式</a:t>
             </a:r>
-            <a:endParaRPr lang="zh-CN" altLang="en-US"/>
           </a:p>
           <a:p>
             <a:pPr lvl="1"/>
@@ -1898,7 +1670,6 @@
               <a:rPr lang="zh-CN" altLang="en-US"/>
               <a:t>第二级</a:t>
             </a:r>
-            <a:endParaRPr lang="zh-CN" altLang="en-US"/>
           </a:p>
           <a:p>
             <a:pPr lvl="2"/>
@@ -1906,7 +1677,6 @@
               <a:rPr lang="zh-CN" altLang="en-US"/>
               <a:t>第三级</a:t>
             </a:r>
-            <a:endParaRPr lang="zh-CN" altLang="en-US"/>
           </a:p>
           <a:p>
             <a:pPr lvl="3"/>
@@ -1914,7 +1684,6 @@
               <a:rPr lang="zh-CN" altLang="en-US"/>
               <a:t>第四级</a:t>
             </a:r>
-            <a:endParaRPr lang="zh-CN" altLang="en-US"/>
           </a:p>
           <a:p>
             <a:pPr lvl="4"/>
@@ -1943,6 +1712,7 @@
           <a:p>
             <a:fld id="{D9E10778-D782-46AB-918C-02950C9E19C4}" type="datetimeFigureOut">
               <a:rPr lang="zh-CN" altLang="en-US" smtClean="0"/>
+              <a:t>2018/10/30</a:t>
             </a:fld>
             <a:endParaRPr lang="zh-CN" altLang="en-US"/>
           </a:p>
@@ -1984,6 +1754,7 @@
           <a:p>
             <a:fld id="{3663C713-0A25-4B27-8294-86EE1C308F4F}" type="slidenum">
               <a:rPr lang="zh-CN" altLang="en-US" smtClean="0"/>
+              <a:t>‹#›</a:t>
             </a:fld>
             <a:endParaRPr lang="zh-CN" altLang="en-US"/>
           </a:p>
@@ -2067,7 +1838,6 @@
               <a:rPr lang="zh-CN" altLang="en-US"/>
               <a:t>编辑母版文本样式</a:t>
             </a:r>
-            <a:endParaRPr lang="zh-CN" altLang="en-US"/>
           </a:p>
           <a:p>
             <a:pPr lvl="1"/>
@@ -2075,7 +1845,6 @@
               <a:rPr lang="zh-CN" altLang="en-US"/>
               <a:t>第二级</a:t>
             </a:r>
-            <a:endParaRPr lang="zh-CN" altLang="en-US"/>
           </a:p>
           <a:p>
             <a:pPr lvl="2"/>
@@ -2083,7 +1852,6 @@
               <a:rPr lang="zh-CN" altLang="en-US"/>
               <a:t>第三级</a:t>
             </a:r>
-            <a:endParaRPr lang="zh-CN" altLang="en-US"/>
           </a:p>
           <a:p>
             <a:pPr lvl="3"/>
@@ -2091,7 +1859,6 @@
               <a:rPr lang="zh-CN" altLang="en-US"/>
               <a:t>第四级</a:t>
             </a:r>
-            <a:endParaRPr lang="zh-CN" altLang="en-US"/>
           </a:p>
           <a:p>
             <a:pPr lvl="4"/>
@@ -2120,6 +1887,7 @@
           <a:p>
             <a:fld id="{D9E10778-D782-46AB-918C-02950C9E19C4}" type="datetimeFigureOut">
               <a:rPr lang="zh-CN" altLang="en-US" smtClean="0"/>
+              <a:t>2018/10/30</a:t>
             </a:fld>
             <a:endParaRPr lang="zh-CN" altLang="en-US"/>
           </a:p>
@@ -2161,6 +1929,7 @@
           <a:p>
             <a:fld id="{3663C713-0A25-4B27-8294-86EE1C308F4F}" type="slidenum">
               <a:rPr lang="zh-CN" altLang="en-US" smtClean="0"/>
+              <a:t>‹#›</a:t>
             </a:fld>
             <a:endParaRPr lang="zh-CN" altLang="en-US"/>
           </a:p>
@@ -2234,7 +2003,6 @@
               <a:rPr lang="zh-CN" altLang="en-US"/>
               <a:t>编辑母版文本样式</a:t>
             </a:r>
-            <a:endParaRPr lang="zh-CN" altLang="en-US"/>
           </a:p>
           <a:p>
             <a:pPr lvl="1"/>
@@ -2242,7 +2010,6 @@
               <a:rPr lang="zh-CN" altLang="en-US"/>
               <a:t>第二级</a:t>
             </a:r>
-            <a:endParaRPr lang="zh-CN" altLang="en-US"/>
           </a:p>
           <a:p>
             <a:pPr lvl="2"/>
@@ -2250,7 +2017,6 @@
               <a:rPr lang="zh-CN" altLang="en-US"/>
               <a:t>第三级</a:t>
             </a:r>
-            <a:endParaRPr lang="zh-CN" altLang="en-US"/>
           </a:p>
           <a:p>
             <a:pPr lvl="3"/>
@@ -2258,7 +2024,6 @@
               <a:rPr lang="zh-CN" altLang="en-US"/>
               <a:t>第四级</a:t>
             </a:r>
-            <a:endParaRPr lang="zh-CN" altLang="en-US"/>
           </a:p>
           <a:p>
             <a:pPr lvl="4"/>
@@ -2287,6 +2052,7 @@
           <a:p>
             <a:fld id="{D9E10778-D782-46AB-918C-02950C9E19C4}" type="datetimeFigureOut">
               <a:rPr lang="zh-CN" altLang="en-US" smtClean="0"/>
+              <a:t>2018/10/30</a:t>
             </a:fld>
             <a:endParaRPr lang="zh-CN" altLang="en-US"/>
           </a:p>
@@ -2328,6 +2094,7 @@
           <a:p>
             <a:fld id="{3663C713-0A25-4B27-8294-86EE1C308F4F}" type="slidenum">
               <a:rPr lang="zh-CN" altLang="en-US" smtClean="0"/>
+              <a:t>‹#›</a:t>
             </a:fld>
             <a:endParaRPr lang="zh-CN" altLang="en-US"/>
           </a:p>
@@ -2504,7 +2271,6 @@
               <a:rPr lang="zh-CN" altLang="en-US"/>
               <a:t>编辑母版文本样式</a:t>
             </a:r>
-            <a:endParaRPr lang="zh-CN" altLang="en-US"/>
           </a:p>
         </p:txBody>
       </p:sp>
@@ -2525,6 +2291,7 @@
           <a:p>
             <a:fld id="{D9E10778-D782-46AB-918C-02950C9E19C4}" type="datetimeFigureOut">
               <a:rPr lang="zh-CN" altLang="en-US" smtClean="0"/>
+              <a:t>2018/10/30</a:t>
             </a:fld>
             <a:endParaRPr lang="zh-CN" altLang="en-US"/>
           </a:p>
@@ -2566,6 +2333,7 @@
           <a:p>
             <a:fld id="{3663C713-0A25-4B27-8294-86EE1C308F4F}" type="slidenum">
               <a:rPr lang="zh-CN" altLang="en-US" smtClean="0"/>
+              <a:t>‹#›</a:t>
             </a:fld>
             <a:endParaRPr lang="zh-CN" altLang="en-US"/>
           </a:p>
@@ -2644,7 +2412,6 @@
               <a:rPr lang="zh-CN" altLang="en-US"/>
               <a:t>编辑母版文本样式</a:t>
             </a:r>
-            <a:endParaRPr lang="zh-CN" altLang="en-US"/>
           </a:p>
           <a:p>
             <a:pPr lvl="1"/>
@@ -2652,7 +2419,6 @@
               <a:rPr lang="zh-CN" altLang="en-US"/>
               <a:t>第二级</a:t>
             </a:r>
-            <a:endParaRPr lang="zh-CN" altLang="en-US"/>
           </a:p>
           <a:p>
             <a:pPr lvl="2"/>
@@ -2660,7 +2426,6 @@
               <a:rPr lang="zh-CN" altLang="en-US"/>
               <a:t>第三级</a:t>
             </a:r>
-            <a:endParaRPr lang="zh-CN" altLang="en-US"/>
           </a:p>
           <a:p>
             <a:pPr lvl="3"/>
@@ -2668,7 +2433,6 @@
               <a:rPr lang="zh-CN" altLang="en-US"/>
               <a:t>第四级</a:t>
             </a:r>
-            <a:endParaRPr lang="zh-CN" altLang="en-US"/>
           </a:p>
           <a:p>
             <a:pPr lvl="4"/>
@@ -2705,7 +2469,6 @@
               <a:rPr lang="zh-CN" altLang="en-US"/>
               <a:t>编辑母版文本样式</a:t>
             </a:r>
-            <a:endParaRPr lang="zh-CN" altLang="en-US"/>
           </a:p>
           <a:p>
             <a:pPr lvl="1"/>
@@ -2713,7 +2476,6 @@
               <a:rPr lang="zh-CN" altLang="en-US"/>
               <a:t>第二级</a:t>
             </a:r>
-            <a:endParaRPr lang="zh-CN" altLang="en-US"/>
           </a:p>
           <a:p>
             <a:pPr lvl="2"/>
@@ -2721,7 +2483,6 @@
               <a:rPr lang="zh-CN" altLang="en-US"/>
               <a:t>第三级</a:t>
             </a:r>
-            <a:endParaRPr lang="zh-CN" altLang="en-US"/>
           </a:p>
           <a:p>
             <a:pPr lvl="3"/>
@@ -2729,7 +2490,6 @@
               <a:rPr lang="zh-CN" altLang="en-US"/>
               <a:t>第四级</a:t>
             </a:r>
-            <a:endParaRPr lang="zh-CN" altLang="en-US"/>
           </a:p>
           <a:p>
             <a:pPr lvl="4"/>
@@ -2758,6 +2518,7 @@
           <a:p>
             <a:fld id="{D9E10778-D782-46AB-918C-02950C9E19C4}" type="datetimeFigureOut">
               <a:rPr lang="zh-CN" altLang="en-US" smtClean="0"/>
+              <a:t>2018/10/30</a:t>
             </a:fld>
             <a:endParaRPr lang="zh-CN" altLang="en-US"/>
           </a:p>
@@ -2799,6 +2560,7 @@
           <a:p>
             <a:fld id="{3663C713-0A25-4B27-8294-86EE1C308F4F}" type="slidenum">
               <a:rPr lang="zh-CN" altLang="en-US" smtClean="0"/>
+              <a:t>‹#›</a:t>
             </a:fld>
             <a:endParaRPr lang="zh-CN" altLang="en-US"/>
           </a:p>
@@ -2919,7 +2681,6 @@
               <a:rPr lang="zh-CN" altLang="en-US"/>
               <a:t>编辑母版文本样式</a:t>
             </a:r>
-            <a:endParaRPr lang="zh-CN" altLang="en-US"/>
           </a:p>
         </p:txBody>
       </p:sp>
@@ -2948,7 +2709,6 @@
               <a:rPr lang="zh-CN" altLang="en-US"/>
               <a:t>编辑母版文本样式</a:t>
             </a:r>
-            <a:endParaRPr lang="zh-CN" altLang="en-US"/>
           </a:p>
           <a:p>
             <a:pPr lvl="1"/>
@@ -2956,7 +2716,6 @@
               <a:rPr lang="zh-CN" altLang="en-US"/>
               <a:t>第二级</a:t>
             </a:r>
-            <a:endParaRPr lang="zh-CN" altLang="en-US"/>
           </a:p>
           <a:p>
             <a:pPr lvl="2"/>
@@ -2964,7 +2723,6 @@
               <a:rPr lang="zh-CN" altLang="en-US"/>
               <a:t>第三级</a:t>
             </a:r>
-            <a:endParaRPr lang="zh-CN" altLang="en-US"/>
           </a:p>
           <a:p>
             <a:pPr lvl="3"/>
@@ -2972,7 +2730,6 @@
               <a:rPr lang="zh-CN" altLang="en-US"/>
               <a:t>第四级</a:t>
             </a:r>
-            <a:endParaRPr lang="zh-CN" altLang="en-US"/>
           </a:p>
           <a:p>
             <a:pPr lvl="4"/>
@@ -3046,7 +2803,6 @@
               <a:rPr lang="zh-CN" altLang="en-US"/>
               <a:t>编辑母版文本样式</a:t>
             </a:r>
-            <a:endParaRPr lang="zh-CN" altLang="en-US"/>
           </a:p>
         </p:txBody>
       </p:sp>
@@ -3075,7 +2831,6 @@
               <a:rPr lang="zh-CN" altLang="en-US"/>
               <a:t>编辑母版文本样式</a:t>
             </a:r>
-            <a:endParaRPr lang="zh-CN" altLang="en-US"/>
           </a:p>
           <a:p>
             <a:pPr lvl="1"/>
@@ -3083,7 +2838,6 @@
               <a:rPr lang="zh-CN" altLang="en-US"/>
               <a:t>第二级</a:t>
             </a:r>
-            <a:endParaRPr lang="zh-CN" altLang="en-US"/>
           </a:p>
           <a:p>
             <a:pPr lvl="2"/>
@@ -3091,7 +2845,6 @@
               <a:rPr lang="zh-CN" altLang="en-US"/>
               <a:t>第三级</a:t>
             </a:r>
-            <a:endParaRPr lang="zh-CN" altLang="en-US"/>
           </a:p>
           <a:p>
             <a:pPr lvl="3"/>
@@ -3099,7 +2852,6 @@
               <a:rPr lang="zh-CN" altLang="en-US"/>
               <a:t>第四级</a:t>
             </a:r>
-            <a:endParaRPr lang="zh-CN" altLang="en-US"/>
           </a:p>
           <a:p>
             <a:pPr lvl="4"/>
@@ -3128,6 +2880,7 @@
           <a:p>
             <a:fld id="{D9E10778-D782-46AB-918C-02950C9E19C4}" type="datetimeFigureOut">
               <a:rPr lang="zh-CN" altLang="en-US" smtClean="0"/>
+              <a:t>2018/10/30</a:t>
             </a:fld>
             <a:endParaRPr lang="zh-CN" altLang="en-US"/>
           </a:p>
@@ -3169,6 +2922,7 @@
           <a:p>
             <a:fld id="{3663C713-0A25-4B27-8294-86EE1C308F4F}" type="slidenum">
               <a:rPr lang="zh-CN" altLang="en-US" smtClean="0"/>
+              <a:t>‹#›</a:t>
             </a:fld>
             <a:endParaRPr lang="zh-CN" altLang="en-US"/>
           </a:p>
@@ -3239,6 +2993,7 @@
           <a:p>
             <a:fld id="{D9E10778-D782-46AB-918C-02950C9E19C4}" type="datetimeFigureOut">
               <a:rPr lang="zh-CN" altLang="en-US" smtClean="0"/>
+              <a:t>2018/10/30</a:t>
             </a:fld>
             <a:endParaRPr lang="zh-CN" altLang="en-US"/>
           </a:p>
@@ -3280,6 +3035,7 @@
           <a:p>
             <a:fld id="{3663C713-0A25-4B27-8294-86EE1C308F4F}" type="slidenum">
               <a:rPr lang="zh-CN" altLang="en-US" smtClean="0"/>
+              <a:t>‹#›</a:t>
             </a:fld>
             <a:endParaRPr lang="zh-CN" altLang="en-US"/>
           </a:p>
@@ -3327,6 +3083,7 @@
           <a:p>
             <a:fld id="{D9E10778-D782-46AB-918C-02950C9E19C4}" type="datetimeFigureOut">
               <a:rPr lang="zh-CN" altLang="en-US" smtClean="0"/>
+              <a:t>2018/10/30</a:t>
             </a:fld>
             <a:endParaRPr lang="zh-CN" altLang="en-US"/>
           </a:p>
@@ -3368,6 +3125,7 @@
           <a:p>
             <a:fld id="{3663C713-0A25-4B27-8294-86EE1C308F4F}" type="slidenum">
               <a:rPr lang="zh-CN" altLang="en-US" smtClean="0"/>
+              <a:t>‹#›</a:t>
             </a:fld>
             <a:endParaRPr lang="zh-CN" altLang="en-US"/>
           </a:p>
@@ -3483,7 +3241,6 @@
               <a:rPr lang="zh-CN" altLang="en-US"/>
               <a:t>编辑母版文本样式</a:t>
             </a:r>
-            <a:endParaRPr lang="zh-CN" altLang="en-US"/>
           </a:p>
           <a:p>
             <a:pPr lvl="1"/>
@@ -3491,7 +3248,6 @@
               <a:rPr lang="zh-CN" altLang="en-US"/>
               <a:t>第二级</a:t>
             </a:r>
-            <a:endParaRPr lang="zh-CN" altLang="en-US"/>
           </a:p>
           <a:p>
             <a:pPr lvl="2"/>
@@ -3499,7 +3255,6 @@
               <a:rPr lang="zh-CN" altLang="en-US"/>
               <a:t>第三级</a:t>
             </a:r>
-            <a:endParaRPr lang="zh-CN" altLang="en-US"/>
           </a:p>
           <a:p>
             <a:pPr lvl="3"/>
@@ -3507,7 +3262,6 @@
               <a:rPr lang="zh-CN" altLang="en-US"/>
               <a:t>第四级</a:t>
             </a:r>
-            <a:endParaRPr lang="zh-CN" altLang="en-US"/>
           </a:p>
           <a:p>
             <a:pPr lvl="4"/>
@@ -3581,7 +3335,6 @@
               <a:rPr lang="zh-CN" altLang="en-US"/>
               <a:t>编辑母版文本样式</a:t>
             </a:r>
-            <a:endParaRPr lang="zh-CN" altLang="en-US"/>
           </a:p>
         </p:txBody>
       </p:sp>
@@ -3602,6 +3355,7 @@
           <a:p>
             <a:fld id="{D9E10778-D782-46AB-918C-02950C9E19C4}" type="datetimeFigureOut">
               <a:rPr lang="zh-CN" altLang="en-US" smtClean="0"/>
+              <a:t>2018/10/30</a:t>
             </a:fld>
             <a:endParaRPr lang="zh-CN" altLang="en-US"/>
           </a:p>
@@ -3643,6 +3397,7 @@
           <a:p>
             <a:fld id="{3663C713-0A25-4B27-8294-86EE1C308F4F}" type="slidenum">
               <a:rPr lang="zh-CN" altLang="en-US" smtClean="0"/>
+              <a:t>‹#›</a:t>
             </a:fld>
             <a:endParaRPr lang="zh-CN" altLang="en-US"/>
           </a:p>
@@ -3832,7 +3587,6 @@
               <a:rPr lang="zh-CN" altLang="en-US"/>
               <a:t>编辑母版文本样式</a:t>
             </a:r>
-            <a:endParaRPr lang="zh-CN" altLang="en-US"/>
           </a:p>
         </p:txBody>
       </p:sp>
@@ -3853,6 +3607,7 @@
           <a:p>
             <a:fld id="{D9E10778-D782-46AB-918C-02950C9E19C4}" type="datetimeFigureOut">
               <a:rPr lang="zh-CN" altLang="en-US" smtClean="0"/>
+              <a:t>2018/10/30</a:t>
             </a:fld>
             <a:endParaRPr lang="zh-CN" altLang="en-US"/>
           </a:p>
@@ -3894,6 +3649,7 @@
           <a:p>
             <a:fld id="{3663C713-0A25-4B27-8294-86EE1C308F4F}" type="slidenum">
               <a:rPr lang="zh-CN" altLang="en-US" smtClean="0"/>
+              <a:t>‹#›</a:t>
             </a:fld>
             <a:endParaRPr lang="zh-CN" altLang="en-US"/>
           </a:p>
@@ -3992,7 +3748,6 @@
               <a:rPr lang="zh-CN" altLang="en-US"/>
               <a:t>编辑母版文本样式</a:t>
             </a:r>
-            <a:endParaRPr lang="zh-CN" altLang="en-US"/>
           </a:p>
           <a:p>
             <a:pPr lvl="1"/>
@@ -4000,7 +3755,6 @@
               <a:rPr lang="zh-CN" altLang="en-US"/>
               <a:t>第二级</a:t>
             </a:r>
-            <a:endParaRPr lang="zh-CN" altLang="en-US"/>
           </a:p>
           <a:p>
             <a:pPr lvl="2"/>
@@ -4008,7 +3762,6 @@
               <a:rPr lang="zh-CN" altLang="en-US"/>
               <a:t>第三级</a:t>
             </a:r>
-            <a:endParaRPr lang="zh-CN" altLang="en-US"/>
           </a:p>
           <a:p>
             <a:pPr lvl="3"/>
@@ -4016,7 +3769,6 @@
               <a:rPr lang="zh-CN" altLang="en-US"/>
               <a:t>第四级</a:t>
             </a:r>
-            <a:endParaRPr lang="zh-CN" altLang="en-US"/>
           </a:p>
           <a:p>
             <a:pPr lvl="4"/>
@@ -4063,6 +3815,7 @@
           <a:p>
             <a:fld id="{D9E10778-D782-46AB-918C-02950C9E19C4}" type="datetimeFigureOut">
               <a:rPr lang="zh-CN" altLang="en-US" smtClean="0"/>
+              <a:t>2018/10/30</a:t>
             </a:fld>
             <a:endParaRPr lang="zh-CN" altLang="en-US"/>
           </a:p>
@@ -4140,6 +3893,7 @@
           <a:p>
             <a:fld id="{3663C713-0A25-4B27-8294-86EE1C308F4F}" type="slidenum">
               <a:rPr lang="zh-CN" altLang="en-US" smtClean="0"/>
+              <a:t>‹#›</a:t>
             </a:fld>
             <a:endParaRPr lang="zh-CN" altLang="en-US"/>
           </a:p>
@@ -4154,7 +3908,7 @@
           <p:nvPr userDrawn="1"/>
         </p:nvPicPr>
         <p:blipFill>
-          <a:blip r:embed="rId12" cstate="print">
+          <a:blip r:embed="rId13" cstate="print">
             <a:extLst>
               <a:ext uri="{28A0092B-C50C-407E-A947-70E740481C1C}">
                 <a14:useLocalDpi xmlns:a14="http://schemas.microsoft.com/office/drawing/2010/main" val="0"/>
@@ -4618,7 +4372,7 @@
           <p:nvPr/>
         </p:nvPicPr>
         <p:blipFill rotWithShape="1">
-          <a:blip r:embed="rId1" cstate="print">
+          <a:blip r:embed="rId2" cstate="print">
             <a:extLst>
               <a:ext uri="{28A0092B-C50C-407E-A947-70E740481C1C}">
                 <a14:useLocalDpi xmlns:a14="http://schemas.microsoft.com/office/drawing/2010/main" val="0"/>
@@ -4718,13 +4472,6 @@
               </a:rPr>
               <a:t>浙江大学城市学院</a:t>
             </a:r>
-            <a:endParaRPr lang="zh-CN" altLang="en-US" dirty="0">
-              <a:solidFill>
-                <a:srgbClr val="346182"/>
-              </a:solidFill>
-              <a:latin typeface="微软雅黑" panose="020B0503020204020204" pitchFamily="34" charset="-122"/>
-              <a:ea typeface="微软雅黑" panose="020B0503020204020204" pitchFamily="34" charset="-122"/>
-            </a:endParaRPr>
           </a:p>
         </p:txBody>
       </p:sp>
@@ -4928,13 +4675,6 @@
               </a:rPr>
               <a:t>          林翼力  刘浥</a:t>
             </a:r>
-            <a:endParaRPr lang="zh-CN" altLang="en-US" sz="2000" dirty="0">
-              <a:solidFill>
-                <a:srgbClr val="346182"/>
-              </a:solidFill>
-              <a:latin typeface="微软雅黑" panose="020B0503020204020204" pitchFamily="34" charset="-122"/>
-              <a:ea typeface="微软雅黑" panose="020B0503020204020204" pitchFamily="34" charset="-122"/>
-            </a:endParaRPr>
           </a:p>
         </p:txBody>
       </p:sp>
@@ -4947,7 +4687,7 @@
           <p:nvPr/>
         </p:nvPicPr>
         <p:blipFill>
-          <a:blip r:embed="rId2"/>
+          <a:blip r:embed="rId3"/>
           <a:stretch>
             <a:fillRect/>
           </a:stretch>
@@ -4967,8 +4707,8 @@
   <p:clrMapOvr>
     <a:masterClrMapping/>
   </p:clrMapOvr>
-  <mc:AlternateContent xmlns:mc="http://schemas.openxmlformats.org/markup-compatibility/2006">
-    <mc:Choice xmlns:p14="http://schemas.microsoft.com/office/powerpoint/2010/main" Requires="p14">
+  <mc:AlternateContent xmlns:mc="http://schemas.openxmlformats.org/markup-compatibility/2006" xmlns:p14="http://schemas.microsoft.com/office/powerpoint/2010/main">
+    <mc:Choice Requires="p14">
       <p:timing>
         <p:tnLst>
           <p:par>
@@ -5177,7 +4917,7 @@
         </p:bldLst>
       </p:timing>
     </mc:Choice>
-    <mc:Fallback>
+    <mc:Fallback xmlns="">
       <p:timing>
         <p:tnLst>
           <p:par>
@@ -5611,11 +5351,6 @@
               </a:rPr>
               <a:t>打开甘特图进行说明</a:t>
             </a:r>
-            <a:endParaRPr lang="zh-CN" altLang="en-US" b="1" dirty="0">
-              <a:solidFill>
-                <a:srgbClr val="FF0000"/>
-              </a:solidFill>
-            </a:endParaRPr>
           </a:p>
         </p:txBody>
       </p:sp>
@@ -5628,7 +5363,7 @@
           <p:nvPr/>
         </p:nvPicPr>
         <p:blipFill>
-          <a:blip r:embed="rId1"/>
+          <a:blip r:embed="rId3"/>
           <a:stretch>
             <a:fillRect/>
           </a:stretch>
@@ -5637,6 +5372,36 @@
           <a:xfrm>
             <a:off x="6040120" y="-82550"/>
             <a:ext cx="3116580" cy="1131570"/>
+          </a:xfrm>
+          <a:prstGeom prst="rect">
+            <a:avLst/>
+          </a:prstGeom>
+        </p:spPr>
+      </p:pic>
+      <p:pic>
+        <p:nvPicPr>
+          <p:cNvPr id="4" name="图片 3"/>
+          <p:cNvPicPr>
+            <a:picLocks noChangeAspect="1"/>
+          </p:cNvPicPr>
+          <p:nvPr/>
+        </p:nvPicPr>
+        <p:blipFill>
+          <a:blip r:embed="rId4">
+            <a:extLst>
+              <a:ext uri="{28A0092B-C50C-407E-A947-70E740481C1C}">
+                <a14:useLocalDpi xmlns:a14="http://schemas.microsoft.com/office/drawing/2010/main" val="0"/>
+              </a:ext>
+            </a:extLst>
+          </a:blip>
+          <a:stretch>
+            <a:fillRect/>
+          </a:stretch>
+        </p:blipFill>
+        <p:spPr>
+          <a:xfrm>
+            <a:off x="0" y="1707061"/>
+            <a:ext cx="9144000" cy="3929653"/>
           </a:xfrm>
           <a:prstGeom prst="rect">
             <a:avLst/>
@@ -5898,7 +5663,6 @@
               <a:rPr lang="en-US" altLang="zh-CN" sz="2400" dirty="0"/>
               <a:t>-2018</a:t>
             </a:r>
-            <a:endParaRPr lang="en-US" altLang="zh-CN" sz="2400" dirty="0"/>
           </a:p>
           <a:p>
             <a:pPr>
@@ -5930,7 +5694,6 @@
               <a:rPr lang="zh-CN" altLang="en-US" sz="2400" dirty="0"/>
               <a:t> </a:t>
             </a:r>
-            <a:endParaRPr lang="zh-CN" altLang="en-US" sz="2400" dirty="0"/>
           </a:p>
         </p:txBody>
       </p:sp>
@@ -5970,12 +5733,24 @@
               <a:t>：</a:t>
             </a:r>
             <a:r>
+              <a:rPr lang="en-US" altLang="zh-CN" sz="2400" dirty="0" smtClean="0"/>
+              <a:t>82</a:t>
+            </a:r>
+            <a:r>
               <a:rPr lang="en-US" altLang="zh-CN" sz="2400" dirty="0"/>
               <a:t>		</a:t>
             </a:r>
             <a:r>
               <a:rPr lang="zh-CN" altLang="en-US" sz="2400" dirty="0"/>
-              <a:t>赵伟宏：</a:t>
+              <a:t>赵伟宏</a:t>
+            </a:r>
+            <a:r>
+              <a:rPr lang="zh-CN" altLang="en-US" sz="2400" dirty="0" smtClean="0"/>
+              <a:t>：</a:t>
+            </a:r>
+            <a:r>
+              <a:rPr lang="en-US" altLang="zh-CN" sz="2400" dirty="0" smtClean="0"/>
+              <a:t>84</a:t>
             </a:r>
             <a:endParaRPr lang="en-US" altLang="zh-CN" sz="2400" dirty="0"/>
           </a:p>
@@ -5987,7 +5762,15 @@
             </a:pPr>
             <a:r>
               <a:rPr lang="zh-CN" altLang="en-US" sz="2400" dirty="0"/>
-              <a:t>林翼力：</a:t>
+              <a:t>林翼力</a:t>
+            </a:r>
+            <a:r>
+              <a:rPr lang="zh-CN" altLang="en-US" sz="2400" dirty="0" smtClean="0"/>
+              <a:t>：</a:t>
+            </a:r>
+            <a:r>
+              <a:rPr lang="en-US" altLang="zh-CN" sz="2400" dirty="0" smtClean="0"/>
+              <a:t>73</a:t>
             </a:r>
             <a:r>
               <a:rPr lang="en-US" altLang="zh-CN" sz="2400" dirty="0"/>
@@ -5995,7 +5778,15 @@
             </a:r>
             <a:r>
               <a:rPr lang="zh-CN" altLang="en-US" sz="2400" dirty="0"/>
-              <a:t>陈帆：</a:t>
+              <a:t>陈帆</a:t>
+            </a:r>
+            <a:r>
+              <a:rPr lang="zh-CN" altLang="en-US" sz="2400" dirty="0" smtClean="0"/>
+              <a:t>：</a:t>
+            </a:r>
+            <a:r>
+              <a:rPr lang="en-US" altLang="zh-CN" sz="2400" dirty="0" smtClean="0"/>
+              <a:t>74</a:t>
             </a:r>
             <a:endParaRPr lang="en-US" altLang="zh-CN" sz="2400" dirty="0"/>
           </a:p>
@@ -6007,7 +5798,15 @@
             </a:pPr>
             <a:r>
               <a:rPr lang="zh-CN" altLang="en-US" sz="2400" dirty="0"/>
-              <a:t>刘浥：</a:t>
+              <a:t>刘浥</a:t>
+            </a:r>
+            <a:r>
+              <a:rPr lang="zh-CN" altLang="en-US" sz="2400" dirty="0" smtClean="0"/>
+              <a:t>：</a:t>
+            </a:r>
+            <a:r>
+              <a:rPr lang="en-US" altLang="zh-CN" sz="2400" smtClean="0"/>
+              <a:t>75</a:t>
             </a:r>
             <a:endParaRPr lang="zh-CN" altLang="en-US" sz="2400" dirty="0"/>
           </a:p>
@@ -6022,7 +5821,7 @@
           <p:nvPr/>
         </p:nvPicPr>
         <p:blipFill>
-          <a:blip r:embed="rId1"/>
+          <a:blip r:embed="rId3"/>
           <a:stretch>
             <a:fillRect/>
           </a:stretch>
@@ -6189,7 +5988,7 @@
           <p:nvPr/>
         </p:nvPicPr>
         <p:blipFill rotWithShape="1">
-          <a:blip r:embed="rId1" cstate="print">
+          <a:blip r:embed="rId2" cstate="print">
             <a:extLst>
               <a:ext uri="{28A0092B-C50C-407E-A947-70E740481C1C}">
                 <a14:useLocalDpi xmlns:a14="http://schemas.microsoft.com/office/drawing/2010/main" val="0"/>
@@ -6389,13 +6188,6 @@
               </a:rPr>
               <a:t>小组全体成员</a:t>
             </a:r>
-            <a:endParaRPr lang="zh-CN" altLang="en-US" dirty="0">
-              <a:solidFill>
-                <a:srgbClr val="346182"/>
-              </a:solidFill>
-              <a:latin typeface="微软雅黑" panose="020B0503020204020204" pitchFamily="34" charset="-122"/>
-              <a:ea typeface="微软雅黑" panose="020B0503020204020204" pitchFamily="34" charset="-122"/>
-            </a:endParaRPr>
           </a:p>
         </p:txBody>
       </p:sp>
@@ -6431,13 +6223,6 @@
               </a:rPr>
               <a:t>浙江大学城市学院</a:t>
             </a:r>
-            <a:endParaRPr lang="zh-CN" altLang="en-US" dirty="0">
-              <a:solidFill>
-                <a:srgbClr val="346182"/>
-              </a:solidFill>
-              <a:latin typeface="微软雅黑" panose="020B0503020204020204" pitchFamily="34" charset="-122"/>
-              <a:ea typeface="微软雅黑" panose="020B0503020204020204" pitchFamily="34" charset="-122"/>
-            </a:endParaRPr>
           </a:p>
         </p:txBody>
       </p:sp>
@@ -6450,7 +6235,7 @@
           <p:nvPr/>
         </p:nvPicPr>
         <p:blipFill>
-          <a:blip r:embed="rId2"/>
+          <a:blip r:embed="rId3"/>
           <a:stretch>
             <a:fillRect/>
           </a:stretch>
@@ -6826,13 +6611,6 @@
               </a:rPr>
               <a:t>目 录</a:t>
             </a:r>
-            <a:endParaRPr lang="zh-CN" altLang="en-US" sz="3000" b="1" dirty="0">
-              <a:solidFill>
-                <a:srgbClr val="346182"/>
-              </a:solidFill>
-              <a:latin typeface="微软雅黑" panose="020B0503020204020204" pitchFamily="34" charset="-122"/>
-              <a:ea typeface="微软雅黑" panose="020B0503020204020204" pitchFamily="34" charset="-122"/>
-            </a:endParaRPr>
           </a:p>
         </p:txBody>
       </p:sp>
@@ -7581,13 +7359,6 @@
               </a:rPr>
               <a:t>项目范围和目标</a:t>
             </a:r>
-            <a:endParaRPr lang="zh-CN" altLang="en-US" b="1" dirty="0">
-              <a:solidFill>
-                <a:srgbClr val="346182"/>
-              </a:solidFill>
-              <a:latin typeface="微软雅黑" panose="020B0503020204020204" pitchFamily="34" charset="-122"/>
-              <a:ea typeface="微软雅黑" panose="020B0503020204020204" pitchFamily="34" charset="-122"/>
-            </a:endParaRPr>
           </a:p>
         </p:txBody>
       </p:sp>
@@ -7627,13 +7398,6 @@
               </a:rPr>
               <a:t>项目干系人和风险计划</a:t>
             </a:r>
-            <a:endParaRPr lang="zh-CN" altLang="en-US" b="1" dirty="0">
-              <a:solidFill>
-                <a:srgbClr val="346182"/>
-              </a:solidFill>
-              <a:latin typeface="微软雅黑" panose="020B0503020204020204" pitchFamily="34" charset="-122"/>
-              <a:ea typeface="微软雅黑" panose="020B0503020204020204" pitchFamily="34" charset="-122"/>
-            </a:endParaRPr>
           </a:p>
           <a:p>
             <a:pPr lvl="0">
@@ -7683,13 +7447,6 @@
               </a:rPr>
               <a:t>项目资源计划</a:t>
             </a:r>
-            <a:endParaRPr lang="zh-CN" altLang="en-US" b="1" dirty="0">
-              <a:solidFill>
-                <a:srgbClr val="346182"/>
-              </a:solidFill>
-              <a:latin typeface="微软雅黑" panose="020B0503020204020204" pitchFamily="34" charset="-122"/>
-              <a:ea typeface="微软雅黑" panose="020B0503020204020204" pitchFamily="34" charset="-122"/>
-            </a:endParaRPr>
           </a:p>
         </p:txBody>
       </p:sp>
@@ -7880,13 +7637,6 @@
               </a:rPr>
               <a:t>项目的产品和活动</a:t>
             </a:r>
-            <a:endParaRPr lang="zh-CN" altLang="en-US" b="1" dirty="0">
-              <a:solidFill>
-                <a:srgbClr val="346182"/>
-              </a:solidFill>
-              <a:latin typeface="微软雅黑" panose="020B0503020204020204" pitchFamily="34" charset="-122"/>
-              <a:ea typeface="微软雅黑" panose="020B0503020204020204" pitchFamily="34" charset="-122"/>
-            </a:endParaRPr>
           </a:p>
         </p:txBody>
       </p:sp>
@@ -8077,13 +7827,6 @@
               </a:rPr>
               <a:t>项目初步实施计划</a:t>
             </a:r>
-            <a:endParaRPr lang="zh-CN" altLang="en-US" b="1" dirty="0">
-              <a:solidFill>
-                <a:srgbClr val="346182"/>
-              </a:solidFill>
-              <a:latin typeface="微软雅黑" panose="020B0503020204020204" pitchFamily="34" charset="-122"/>
-              <a:ea typeface="微软雅黑" panose="020B0503020204020204" pitchFamily="34" charset="-122"/>
-            </a:endParaRPr>
           </a:p>
         </p:txBody>
       </p:sp>
@@ -8096,7 +7839,7 @@
           <p:nvPr/>
         </p:nvPicPr>
         <p:blipFill>
-          <a:blip r:embed="rId1"/>
+          <a:blip r:embed="rId2"/>
           <a:stretch>
             <a:fillRect/>
           </a:stretch>
@@ -8116,8 +7859,8 @@
   <p:clrMapOvr>
     <a:masterClrMapping/>
   </p:clrMapOvr>
-  <mc:AlternateContent xmlns:mc="http://schemas.openxmlformats.org/markup-compatibility/2006">
-    <mc:Choice xmlns:p14="http://schemas.microsoft.com/office/powerpoint/2010/main" Requires="p14">
+  <mc:AlternateContent xmlns:mc="http://schemas.openxmlformats.org/markup-compatibility/2006" xmlns:p14="http://schemas.microsoft.com/office/powerpoint/2010/main">
+    <mc:Choice Requires="p14">
       <p:timing>
         <p:tnLst>
           <p:par>
@@ -8922,7 +8665,7 @@
         </p:bldLst>
       </p:timing>
     </mc:Choice>
-    <mc:Fallback>
+    <mc:Fallback xmlns="">
       <p:timing>
         <p:tnLst>
           <p:par>
@@ -9978,14 +9721,6 @@
               </a:rPr>
               <a:t>app</a:t>
             </a:r>
-            <a:endParaRPr lang="en-US" altLang="zh-CN" b="1" dirty="0">
-              <a:solidFill>
-                <a:srgbClr val="346182"/>
-              </a:solidFill>
-              <a:latin typeface="微软雅黑" panose="020B0503020204020204" pitchFamily="34" charset="-122"/>
-              <a:ea typeface="微软雅黑" panose="020B0503020204020204" pitchFamily="34" charset="-122"/>
-              <a:cs typeface="Times New Roman" panose="02020603050405020304" pitchFamily="18" charset="0"/>
-            </a:endParaRPr>
           </a:p>
         </p:txBody>
       </p:sp>
@@ -10070,7 +9805,6 @@
               <a:rPr lang="zh-CN" altLang="en-US" sz="2400" dirty="0"/>
               <a:t>现在有越来越多的中老年人在闲暇的时刻进行钓</a:t>
             </a:r>
-            <a:endParaRPr lang="zh-CN" altLang="en-US" sz="2400" dirty="0"/>
           </a:p>
           <a:p>
             <a:pPr algn="l"/>
@@ -10078,7 +9812,6 @@
               <a:rPr lang="zh-CN" altLang="en-US" sz="2400" dirty="0"/>
               <a:t>鱼这一项休闲娱乐活动，但是他们没有一个能够</a:t>
             </a:r>
-            <a:endParaRPr lang="zh-CN" altLang="en-US" sz="2400" dirty="0"/>
           </a:p>
           <a:p>
             <a:pPr algn="l"/>
@@ -10086,7 +9819,6 @@
               <a:rPr lang="zh-CN" altLang="en-US" sz="2400" dirty="0"/>
               <a:t>分享、交流、定位、了解渔友的状态及钓鱼的地点</a:t>
             </a:r>
-            <a:endParaRPr lang="zh-CN" altLang="en-US" sz="2400" dirty="0"/>
           </a:p>
           <a:p>
             <a:pPr algn="l"/>
@@ -10094,7 +9826,6 @@
               <a:rPr lang="zh-CN" altLang="en-US" sz="2400" dirty="0"/>
               <a:t>的软件来给他们提供信息。</a:t>
             </a:r>
-            <a:endParaRPr lang="zh-CN" altLang="en-US" sz="2400" dirty="0"/>
           </a:p>
           <a:p>
             <a:pPr algn="l"/>
@@ -10110,7 +9841,6 @@
               <a:rPr lang="zh-CN" altLang="en-US" sz="2400" dirty="0"/>
               <a:t>能够让钓鱼的</a:t>
             </a:r>
-            <a:endParaRPr lang="zh-CN" altLang="en-US" sz="2400" dirty="0"/>
           </a:p>
           <a:p>
             <a:pPr algn="l"/>
@@ -10118,7 +9848,6 @@
               <a:rPr lang="zh-CN" altLang="en-US" sz="2400" dirty="0"/>
               <a:t>朋友们在自己的圈子里拥有一种能够便利交流、</a:t>
             </a:r>
-            <a:endParaRPr lang="zh-CN" altLang="en-US" sz="2400" dirty="0"/>
           </a:p>
           <a:p>
             <a:pPr algn="l"/>
@@ -10126,7 +9855,6 @@
               <a:rPr lang="zh-CN" altLang="en-US" sz="2400" dirty="0"/>
               <a:t>分享的app</a:t>
             </a:r>
-            <a:endParaRPr lang="zh-CN" altLang="en-US" sz="2400" dirty="0"/>
           </a:p>
         </p:txBody>
       </p:sp>
@@ -10139,7 +9867,7 @@
           <p:nvPr/>
         </p:nvPicPr>
         <p:blipFill>
-          <a:blip r:embed="rId1"/>
+          <a:blip r:embed="rId2"/>
           <a:stretch>
             <a:fillRect/>
           </a:stretch>
@@ -10409,14 +10137,6 @@
               </a:rPr>
               <a:t>app</a:t>
             </a:r>
-            <a:endParaRPr lang="en-US" altLang="zh-CN" b="1" dirty="0">
-              <a:solidFill>
-                <a:srgbClr val="346182"/>
-              </a:solidFill>
-              <a:latin typeface="微软雅黑" panose="020B0503020204020204" pitchFamily="34" charset="-122"/>
-              <a:ea typeface="微软雅黑" panose="020B0503020204020204" pitchFamily="34" charset="-122"/>
-              <a:cs typeface="Times New Roman" panose="02020603050405020304" pitchFamily="18" charset="0"/>
-            </a:endParaRPr>
           </a:p>
         </p:txBody>
       </p:sp>
@@ -10505,7 +10225,6 @@
               <a:rPr lang="zh-CN" altLang="en-US" sz="2400" dirty="0"/>
               <a:t>、在该APP中给出钓点发现</a:t>
             </a:r>
-            <a:endParaRPr lang="zh-CN" altLang="en-US" sz="2400" dirty="0"/>
           </a:p>
           <a:p>
             <a:pPr algn="l"/>
@@ -10517,7 +10236,6 @@
               <a:rPr lang="zh-CN" altLang="en-US" sz="2400" dirty="0"/>
               <a:t>、能够在地图中标记钓点</a:t>
             </a:r>
-            <a:endParaRPr lang="zh-CN" altLang="en-US" sz="2400" dirty="0"/>
           </a:p>
           <a:p>
             <a:pPr algn="l"/>
@@ -10529,7 +10247,6 @@
               <a:rPr lang="zh-CN" altLang="en-US" sz="2400" dirty="0"/>
               <a:t>、能在附近发现钓友</a:t>
             </a:r>
-            <a:endParaRPr lang="zh-CN" altLang="en-US" sz="2400" dirty="0"/>
           </a:p>
           <a:p>
             <a:pPr algn="l"/>
@@ -10541,7 +10258,6 @@
               <a:rPr lang="zh-CN" altLang="en-US" sz="2400" dirty="0"/>
               <a:t>、够在渔友圈中分享出这次的钓鱼地点，钓鱼收获，</a:t>
             </a:r>
-            <a:endParaRPr lang="zh-CN" altLang="en-US" sz="2400" dirty="0"/>
           </a:p>
           <a:p>
             <a:pPr algn="l"/>
@@ -10553,7 +10269,6 @@
               <a:rPr lang="zh-CN" altLang="en-US" sz="2400" dirty="0"/>
               <a:t>并且评论等</a:t>
             </a:r>
-            <a:endParaRPr lang="zh-CN" altLang="en-US" sz="2400" dirty="0"/>
           </a:p>
           <a:p>
             <a:pPr algn="l"/>
@@ -10582,7 +10297,7 @@
           <p:nvPr/>
         </p:nvPicPr>
         <p:blipFill>
-          <a:blip r:embed="rId1"/>
+          <a:blip r:embed="rId2"/>
           <a:stretch>
             <a:fillRect/>
           </a:stretch>
@@ -10738,13 +10453,6 @@
               </a:rPr>
               <a:t>2</a:t>
             </a:r>
-            <a:endParaRPr lang="en-US" altLang="zh-CN" sz="2100" dirty="0">
-              <a:solidFill>
-                <a:schemeClr val="bg1"/>
-              </a:solidFill>
-              <a:latin typeface="微软雅黑" panose="020B0503020204020204" pitchFamily="34" charset="-122"/>
-              <a:ea typeface="微软雅黑" panose="020B0503020204020204" pitchFamily="34" charset="-122"/>
-            </a:endParaRPr>
           </a:p>
         </p:txBody>
       </p:sp>
@@ -10810,14 +10518,6 @@
               </a:rPr>
               <a:t>app</a:t>
             </a:r>
-            <a:endParaRPr lang="en-US" altLang="zh-CN" b="1" dirty="0">
-              <a:solidFill>
-                <a:srgbClr val="346182"/>
-              </a:solidFill>
-              <a:latin typeface="微软雅黑" panose="020B0503020204020204" pitchFamily="34" charset="-122"/>
-              <a:ea typeface="微软雅黑" panose="020B0503020204020204" pitchFamily="34" charset="-122"/>
-              <a:cs typeface="Times New Roman" panose="02020603050405020304" pitchFamily="18" charset="0"/>
-            </a:endParaRPr>
           </a:p>
         </p:txBody>
       </p:sp>
@@ -10906,7 +10606,6 @@
               <a:rPr lang="zh-CN" altLang="en-US" sz="2400" dirty="0"/>
               <a:t>、设计出一款能让渔友使用的app，他们能通过</a:t>
             </a:r>
-            <a:endParaRPr lang="zh-CN" altLang="en-US" sz="2400" dirty="0"/>
           </a:p>
           <a:p>
             <a:pPr algn="l"/>
@@ -10914,7 +10613,6 @@
               <a:rPr lang="zh-CN" altLang="en-US" sz="2400" dirty="0"/>
               <a:t>查看地图来获取或者分享钓点，也能通过交友模块</a:t>
             </a:r>
-            <a:endParaRPr lang="zh-CN" altLang="en-US" sz="2400" dirty="0"/>
           </a:p>
           <a:p>
             <a:pPr algn="l"/>
@@ -10922,7 +10620,6 @@
               <a:rPr lang="zh-CN" altLang="en-US" sz="2400" dirty="0"/>
               <a:t>约认识的钓友一起钓鱼</a:t>
             </a:r>
-            <a:endParaRPr lang="zh-CN" altLang="en-US" sz="2400" dirty="0"/>
           </a:p>
           <a:p>
             <a:pPr algn="l"/>
@@ -10934,7 +10631,6 @@
               <a:rPr lang="zh-CN" altLang="en-US" sz="2400" dirty="0"/>
               <a:t>、能通过加好友来进行聊天，然后在渔友圈进行</a:t>
             </a:r>
-            <a:endParaRPr lang="zh-CN" altLang="en-US" sz="2400" dirty="0"/>
           </a:p>
           <a:p>
             <a:pPr algn="l"/>
@@ -10942,7 +10638,6 @@
               <a:rPr lang="zh-CN" altLang="en-US" sz="2400" dirty="0"/>
               <a:t>分享自己的动态，包括钓点、收获等。</a:t>
             </a:r>
-            <a:endParaRPr lang="zh-CN" altLang="en-US" sz="2400" dirty="0"/>
           </a:p>
         </p:txBody>
       </p:sp>
@@ -10955,7 +10650,7 @@
           <p:nvPr/>
         </p:nvPicPr>
         <p:blipFill>
-          <a:blip r:embed="rId1"/>
+          <a:blip r:embed="rId2"/>
           <a:stretch>
             <a:fillRect/>
           </a:stretch>
@@ -10990,6 +10685,7 @@
           <a:bodyPr wrap="none" rtlCol="0" anchor="t">
             <a:spAutoFit/>
           </a:bodyPr>
+          <a:lstStyle/>
           <a:p>
             <a:r>
               <a:rPr lang="zh-CN" altLang="en-US" b="1" dirty="0">
@@ -11215,7 +10911,7 @@
           <p:nvPr/>
         </p:nvPicPr>
         <p:blipFill>
-          <a:blip r:embed="rId1"/>
+          <a:blip r:embed="rId2"/>
           <a:stretch>
             <a:fillRect/>
           </a:stretch>
@@ -11256,6 +10952,7 @@
                 <a:tc>
                   <a:txBody>
                     <a:bodyPr/>
+                    <a:lstStyle/>
                     <a:p>
                       <a:pPr indent="0">
                         <a:buNone/>
@@ -11275,7 +10972,7 @@
                       </a:endParaRPr>
                     </a:p>
                   </a:txBody>
-                  <a:tcPr marL="68580" marR="68580" marT="0" marB="0" vert="horz" anchor="t">
+                  <a:tcPr marL="68580" marR="68580" marT="0" marB="0">
                     <a:lnL w="12700" cap="flat" cmpd="sng">
                       <a:solidFill>
                         <a:srgbClr val="000000"/>
@@ -11322,6 +11019,7 @@
                 <a:tc>
                   <a:txBody>
                     <a:bodyPr/>
+                    <a:lstStyle/>
                     <a:p>
                       <a:pPr indent="0">
                         <a:buNone/>
@@ -11341,7 +11039,7 @@
                       </a:endParaRPr>
                     </a:p>
                   </a:txBody>
-                  <a:tcPr marL="68580" marR="68580" marT="0" marB="0" vert="horz" anchor="t">
+                  <a:tcPr marL="68580" marR="68580" marT="0" marB="0">
                     <a:lnL w="12700" cap="flat" cmpd="sng">
                       <a:solidFill>
                         <a:srgbClr val="000000"/>
@@ -11388,6 +11086,7 @@
                 <a:tc>
                   <a:txBody>
                     <a:bodyPr/>
+                    <a:lstStyle/>
                     <a:p>
                       <a:pPr indent="0">
                         <a:buNone/>
@@ -11407,7 +11106,7 @@
                       </a:endParaRPr>
                     </a:p>
                   </a:txBody>
-                  <a:tcPr marL="68580" marR="68580" marT="0" marB="0" vert="horz" anchor="t">
+                  <a:tcPr marL="68580" marR="68580" marT="0" marB="0">
                     <a:lnL w="12700" cap="flat" cmpd="sng">
                       <a:solidFill>
                         <a:srgbClr val="000000"/>
@@ -11454,6 +11153,7 @@
                 <a:tc>
                   <a:txBody>
                     <a:bodyPr/>
+                    <a:lstStyle/>
                     <a:p>
                       <a:pPr indent="0">
                         <a:buNone/>
@@ -11473,7 +11173,7 @@
                       </a:endParaRPr>
                     </a:p>
                   </a:txBody>
-                  <a:tcPr marL="68580" marR="68580" marT="0" marB="0" vert="horz" anchor="t">
+                  <a:tcPr marL="68580" marR="68580" marT="0" marB="0">
                     <a:lnL w="12700" cap="flat" cmpd="sng">
                       <a:solidFill>
                         <a:srgbClr val="000000"/>
@@ -11522,6 +11222,7 @@
                 <a:tc>
                   <a:txBody>
                     <a:bodyPr/>
+                    <a:lstStyle/>
                     <a:p>
                       <a:pPr indent="0">
                         <a:buNone/>
@@ -11541,7 +11242,7 @@
                       </a:endParaRPr>
                     </a:p>
                   </a:txBody>
-                  <a:tcPr marL="68580" marR="68580" marT="0" marB="0" vert="horz" anchor="t">
+                  <a:tcPr marL="68580" marR="68580" marT="0" marB="0">
                     <a:lnL w="12700" cap="flat" cmpd="sng">
                       <a:solidFill>
                         <a:srgbClr val="000000"/>
@@ -11586,6 +11287,7 @@
                 <a:tc>
                   <a:txBody>
                     <a:bodyPr/>
+                    <a:lstStyle/>
                     <a:p>
                       <a:pPr indent="0">
                         <a:buNone/>
@@ -11605,7 +11307,7 @@
                       </a:endParaRPr>
                     </a:p>
                   </a:txBody>
-                  <a:tcPr marL="68580" marR="68580" marT="0" marB="0" vert="horz" anchor="t">
+                  <a:tcPr marL="68580" marR="68580" marT="0" marB="0">
                     <a:lnL w="12700" cap="flat" cmpd="sng">
                       <a:solidFill>
                         <a:srgbClr val="000000"/>
@@ -11650,6 +11352,7 @@
                 <a:tc>
                   <a:txBody>
                     <a:bodyPr/>
+                    <a:lstStyle/>
                     <a:p>
                       <a:pPr indent="0">
                         <a:buNone/>
@@ -11669,7 +11372,7 @@
                       </a:endParaRPr>
                     </a:p>
                   </a:txBody>
-                  <a:tcPr marL="68580" marR="68580" marT="0" marB="0" vert="horz" anchor="t">
+                  <a:tcPr marL="68580" marR="68580" marT="0" marB="0">
                     <a:lnL w="12700" cap="flat" cmpd="sng">
                       <a:solidFill>
                         <a:srgbClr val="000000"/>
@@ -11714,6 +11417,7 @@
                 <a:tc>
                   <a:txBody>
                     <a:bodyPr/>
+                    <a:lstStyle/>
                     <a:p>
                       <a:pPr indent="0">
                         <a:buNone/>
@@ -11733,7 +11437,7 @@
                       </a:endParaRPr>
                     </a:p>
                   </a:txBody>
-                  <a:tcPr marL="68580" marR="68580" marT="0" marB="0" vert="horz" anchor="t">
+                  <a:tcPr marL="68580" marR="68580" marT="0" marB="0">
                     <a:lnL w="12700" cap="flat" cmpd="sng">
                       <a:solidFill>
                         <a:srgbClr val="000000"/>
@@ -11780,6 +11484,7 @@
                 <a:tc>
                   <a:txBody>
                     <a:bodyPr/>
+                    <a:lstStyle/>
                     <a:p>
                       <a:pPr indent="0">
                         <a:buNone/>
@@ -11799,7 +11504,7 @@
                       </a:endParaRPr>
                     </a:p>
                   </a:txBody>
-                  <a:tcPr marL="68580" marR="68580" marT="0" marB="0" vert="horz" anchor="t">
+                  <a:tcPr marL="68580" marR="68580" marT="0" marB="0">
                     <a:lnL w="12700" cap="flat" cmpd="sng">
                       <a:solidFill>
                         <a:srgbClr val="000000"/>
@@ -11844,6 +11549,7 @@
                 <a:tc>
                   <a:txBody>
                     <a:bodyPr/>
+                    <a:lstStyle/>
                     <a:p>
                       <a:pPr indent="0">
                         <a:buNone/>
@@ -11863,7 +11569,7 @@
                       </a:endParaRPr>
                     </a:p>
                   </a:txBody>
-                  <a:tcPr marL="68580" marR="68580" marT="0" marB="0" vert="horz" anchor="t">
+                  <a:tcPr marL="68580" marR="68580" marT="0" marB="0">
                     <a:lnL w="12700" cap="flat" cmpd="sng">
                       <a:solidFill>
                         <a:srgbClr val="000000"/>
@@ -11908,6 +11614,7 @@
                 <a:tc>
                   <a:txBody>
                     <a:bodyPr/>
+                    <a:lstStyle/>
                     <a:p>
                       <a:pPr indent="0">
                         <a:buNone/>
@@ -11927,7 +11634,7 @@
                       </a:endParaRPr>
                     </a:p>
                   </a:txBody>
-                  <a:tcPr marL="68580" marR="68580" marT="0" marB="0" vert="horz" anchor="t">
+                  <a:tcPr marL="68580" marR="68580" marT="0" marB="0">
                     <a:lnL w="12700" cap="flat" cmpd="sng">
                       <a:solidFill>
                         <a:srgbClr val="000000"/>
@@ -11972,6 +11679,7 @@
                 <a:tc>
                   <a:txBody>
                     <a:bodyPr/>
+                    <a:lstStyle/>
                     <a:p>
                       <a:pPr indent="0">
                         <a:buNone/>
@@ -11991,7 +11699,7 @@
                       </a:endParaRPr>
                     </a:p>
                   </a:txBody>
-                  <a:tcPr marL="68580" marR="68580" marT="0" marB="0" vert="horz" anchor="t">
+                  <a:tcPr marL="68580" marR="68580" marT="0" marB="0">
                     <a:lnL w="12700" cap="flat" cmpd="sng">
                       <a:solidFill>
                         <a:srgbClr val="000000"/>
@@ -12038,6 +11746,7 @@
                 <a:tc>
                   <a:txBody>
                     <a:bodyPr/>
+                    <a:lstStyle/>
                     <a:p>
                       <a:pPr indent="0">
                         <a:buNone/>
@@ -12057,7 +11766,7 @@
                       </a:endParaRPr>
                     </a:p>
                   </a:txBody>
-                  <a:tcPr marL="68580" marR="68580" marT="0" marB="0" vert="horz" anchor="t">
+                  <a:tcPr marL="68580" marR="68580" marT="0" marB="0">
                     <a:lnL w="12700" cap="flat" cmpd="sng">
                       <a:solidFill>
                         <a:srgbClr val="000000"/>
@@ -12102,6 +11811,7 @@
                 <a:tc>
                   <a:txBody>
                     <a:bodyPr/>
+                    <a:lstStyle/>
                     <a:p>
                       <a:pPr indent="0">
                         <a:buNone/>
@@ -12121,7 +11831,7 @@
                       </a:endParaRPr>
                     </a:p>
                   </a:txBody>
-                  <a:tcPr marL="68580" marR="68580" marT="0" marB="0" vert="horz" anchor="t">
+                  <a:tcPr marL="68580" marR="68580" marT="0" marB="0">
                     <a:lnL w="12700" cap="flat" cmpd="sng">
                       <a:solidFill>
                         <a:srgbClr val="000000"/>
@@ -12166,6 +11876,7 @@
                 <a:tc>
                   <a:txBody>
                     <a:bodyPr/>
+                    <a:lstStyle/>
                     <a:p>
                       <a:pPr indent="0">
                         <a:buNone/>
@@ -12185,7 +11896,7 @@
                       </a:endParaRPr>
                     </a:p>
                   </a:txBody>
-                  <a:tcPr marL="68580" marR="68580" marT="0" marB="0" vert="horz" anchor="t">
+                  <a:tcPr marL="68580" marR="68580" marT="0" marB="0">
                     <a:lnL w="12700" cap="flat" cmpd="sng">
                       <a:solidFill>
                         <a:srgbClr val="000000"/>
@@ -12230,6 +11941,7 @@
                 <a:tc>
                   <a:txBody>
                     <a:bodyPr/>
+                    <a:lstStyle/>
                     <a:p>
                       <a:pPr indent="0">
                         <a:buNone/>
@@ -12249,7 +11961,7 @@
                       </a:endParaRPr>
                     </a:p>
                   </a:txBody>
-                  <a:tcPr marL="68580" marR="68580" marT="0" marB="0" vert="horz" anchor="t">
+                  <a:tcPr marL="68580" marR="68580" marT="0" marB="0">
                     <a:lnL w="12700" cap="flat" cmpd="sng">
                       <a:solidFill>
                         <a:srgbClr val="000000"/>
@@ -12296,6 +12008,7 @@
                 <a:tc>
                   <a:txBody>
                     <a:bodyPr/>
+                    <a:lstStyle/>
                     <a:p>
                       <a:pPr indent="0">
                         <a:buNone/>
@@ -12315,7 +12028,7 @@
                       </a:endParaRPr>
                     </a:p>
                   </a:txBody>
-                  <a:tcPr marL="68580" marR="68580" marT="0" marB="0" vert="horz" anchor="t">
+                  <a:tcPr marL="68580" marR="68580" marT="0" marB="0">
                     <a:lnL w="12700" cap="flat" cmpd="sng">
                       <a:solidFill>
                         <a:srgbClr val="000000"/>
@@ -12360,6 +12073,7 @@
                 <a:tc>
                   <a:txBody>
                     <a:bodyPr/>
+                    <a:lstStyle/>
                     <a:p>
                       <a:pPr indent="0">
                         <a:buNone/>
@@ -12379,7 +12093,7 @@
                       </a:endParaRPr>
                     </a:p>
                   </a:txBody>
-                  <a:tcPr marL="68580" marR="68580" marT="0" marB="0" vert="horz" anchor="t">
+                  <a:tcPr marL="68580" marR="68580" marT="0" marB="0">
                     <a:lnL w="12700" cap="flat" cmpd="sng">
                       <a:solidFill>
                         <a:srgbClr val="000000"/>
@@ -12424,6 +12138,7 @@
                 <a:tc>
                   <a:txBody>
                     <a:bodyPr/>
+                    <a:lstStyle/>
                     <a:p>
                       <a:pPr indent="0">
                         <a:buNone/>
@@ -12443,7 +12158,7 @@
                       </a:endParaRPr>
                     </a:p>
                   </a:txBody>
-                  <a:tcPr marL="68580" marR="68580" marT="0" marB="0" vert="horz" anchor="t">
+                  <a:tcPr marL="68580" marR="68580" marT="0" marB="0">
                     <a:lnL w="12700" cap="flat" cmpd="sng">
                       <a:solidFill>
                         <a:srgbClr val="000000"/>
@@ -12488,6 +12203,7 @@
                 <a:tc>
                   <a:txBody>
                     <a:bodyPr/>
+                    <a:lstStyle/>
                     <a:p>
                       <a:pPr indent="0">
                         <a:buNone/>
@@ -12499,7 +12215,7 @@
                       </a:endParaRPr>
                     </a:p>
                   </a:txBody>
-                  <a:tcPr marL="68580" marR="68580" marT="0" marB="0" vert="horz" anchor="t">
+                  <a:tcPr marL="68580" marR="68580" marT="0" marB="0">
                     <a:lnL w="12700" cap="flat" cmpd="sng">
                       <a:solidFill>
                         <a:srgbClr val="000000"/>
@@ -12569,6 +12285,7 @@
           <a:bodyPr>
             <a:spAutoFit/>
           </a:bodyPr>
+          <a:lstStyle/>
           <a:p>
             <a:pPr marL="629920" indent="-629920"/>
             <a:r>
@@ -12614,6 +12331,7 @@
                 <a:tc>
                   <a:txBody>
                     <a:bodyPr/>
+                    <a:lstStyle/>
                     <a:p>
                       <a:pPr indent="0" algn="ctr">
                         <a:buNone/>
@@ -12633,7 +12351,7 @@
                       </a:endParaRPr>
                     </a:p>
                   </a:txBody>
-                  <a:tcPr marL="68580" marR="68580" marT="0" marB="0" vert="horz" anchor="t">
+                  <a:tcPr marL="68580" marR="68580" marT="0" marB="0">
                     <a:lnL w="12700" cap="flat" cmpd="sng">
                       <a:solidFill>
                         <a:srgbClr val="000000"/>
@@ -12682,6 +12400,7 @@
                 <a:tc>
                   <a:txBody>
                     <a:bodyPr/>
+                    <a:lstStyle/>
                     <a:p>
                       <a:pPr indent="0">
                         <a:buNone/>
@@ -12701,7 +12420,7 @@
                       </a:endParaRPr>
                     </a:p>
                   </a:txBody>
-                  <a:tcPr marL="68580" marR="68580" marT="0" marB="0" vert="horz" anchor="t">
+                  <a:tcPr marL="68580" marR="68580" marT="0" marB="0">
                     <a:lnL w="12700" cap="flat" cmpd="sng">
                       <a:solidFill>
                         <a:srgbClr val="000000"/>
@@ -12748,6 +12467,7 @@
                 <a:tc>
                   <a:txBody>
                     <a:bodyPr/>
+                    <a:lstStyle/>
                     <a:p>
                       <a:pPr indent="0">
                         <a:buNone/>
@@ -12767,7 +12487,7 @@
                       </a:endParaRPr>
                     </a:p>
                   </a:txBody>
-                  <a:tcPr marL="68580" marR="68580" marT="0" marB="0" vert="horz" anchor="t">
+                  <a:tcPr marL="68580" marR="68580" marT="0" marB="0">
                     <a:lnL w="12700" cap="flat" cmpd="sng">
                       <a:solidFill>
                         <a:srgbClr val="000000"/>
@@ -12814,6 +12534,7 @@
                 <a:tc>
                   <a:txBody>
                     <a:bodyPr/>
+                    <a:lstStyle/>
                     <a:p>
                       <a:pPr indent="0">
                         <a:buNone/>
@@ -12833,7 +12554,7 @@
                       </a:endParaRPr>
                     </a:p>
                   </a:txBody>
-                  <a:tcPr marL="68580" marR="68580" marT="0" marB="0" vert="horz" anchor="t">
+                  <a:tcPr marL="68580" marR="68580" marT="0" marB="0">
                     <a:lnL w="12700" cap="flat" cmpd="sng">
                       <a:solidFill>
                         <a:srgbClr val="000000"/>
@@ -12880,6 +12601,7 @@
                 <a:tc>
                   <a:txBody>
                     <a:bodyPr/>
+                    <a:lstStyle/>
                     <a:p>
                       <a:pPr indent="0">
                         <a:buNone/>
@@ -12899,7 +12621,7 @@
                       </a:endParaRPr>
                     </a:p>
                   </a:txBody>
-                  <a:tcPr marL="68580" marR="68580" marT="0" marB="0" vert="horz" anchor="t">
+                  <a:tcPr marL="68580" marR="68580" marT="0" marB="0">
                     <a:lnL w="12700" cap="flat" cmpd="sng">
                       <a:solidFill>
                         <a:srgbClr val="000000"/>
@@ -12946,6 +12668,7 @@
                 <a:tc>
                   <a:txBody>
                     <a:bodyPr/>
+                    <a:lstStyle/>
                     <a:p>
                       <a:pPr indent="0">
                         <a:buNone/>
@@ -12965,7 +12688,7 @@
                       </a:endParaRPr>
                     </a:p>
                   </a:txBody>
-                  <a:tcPr marL="68580" marR="68580" marT="0" marB="0" vert="horz" anchor="t">
+                  <a:tcPr marL="68580" marR="68580" marT="0" marB="0">
                     <a:lnL w="12700" cap="flat" cmpd="sng">
                       <a:solidFill>
                         <a:srgbClr val="000000"/>
@@ -13012,6 +12735,7 @@
                 <a:tc>
                   <a:txBody>
                     <a:bodyPr/>
+                    <a:lstStyle/>
                     <a:p>
                       <a:pPr indent="0">
                         <a:buNone/>
@@ -13031,7 +12755,7 @@
                       </a:endParaRPr>
                     </a:p>
                   </a:txBody>
-                  <a:tcPr marL="68580" marR="68580" marT="0" marB="0" vert="horz" anchor="t">
+                  <a:tcPr marL="68580" marR="68580" marT="0" marB="0">
                     <a:lnL w="12700" cap="flat" cmpd="sng">
                       <a:solidFill>
                         <a:srgbClr val="000000"/>
@@ -13078,6 +12802,7 @@
                 <a:tc>
                   <a:txBody>
                     <a:bodyPr/>
+                    <a:lstStyle/>
                     <a:p>
                       <a:pPr indent="0">
                         <a:buNone/>
@@ -13097,7 +12822,7 @@
                       </a:endParaRPr>
                     </a:p>
                   </a:txBody>
-                  <a:tcPr marL="68580" marR="68580" marT="0" marB="0" vert="horz" anchor="t">
+                  <a:tcPr marL="68580" marR="68580" marT="0" marB="0">
                     <a:lnL w="12700" cap="flat" cmpd="sng">
                       <a:solidFill>
                         <a:srgbClr val="000000"/>
@@ -13144,6 +12869,7 @@
                 <a:tc>
                   <a:txBody>
                     <a:bodyPr/>
+                    <a:lstStyle/>
                     <a:p>
                       <a:pPr indent="0">
                         <a:buNone/>
@@ -13163,7 +12889,7 @@
                       </a:endParaRPr>
                     </a:p>
                   </a:txBody>
-                  <a:tcPr marL="68580" marR="68580" marT="0" marB="0" vert="horz" anchor="t">
+                  <a:tcPr marL="68580" marR="68580" marT="0" marB="0">
                     <a:lnL w="12700" cap="flat" cmpd="sng">
                       <a:solidFill>
                         <a:srgbClr val="000000"/>
@@ -13210,6 +12936,7 @@
                 <a:tc>
                   <a:txBody>
                     <a:bodyPr/>
+                    <a:lstStyle/>
                     <a:p>
                       <a:pPr indent="0">
                         <a:buNone/>
@@ -13229,7 +12956,7 @@
                       </a:endParaRPr>
                     </a:p>
                   </a:txBody>
-                  <a:tcPr marL="68580" marR="68580" marT="0" marB="0" vert="horz" anchor="t">
+                  <a:tcPr marL="68580" marR="68580" marT="0" marB="0">
                     <a:lnL w="12700" cap="flat" cmpd="sng">
                       <a:solidFill>
                         <a:srgbClr val="000000"/>
@@ -13276,6 +13003,7 @@
                 <a:tc>
                   <a:txBody>
                     <a:bodyPr/>
+                    <a:lstStyle/>
                     <a:p>
                       <a:pPr indent="0">
                         <a:buNone/>
@@ -13295,7 +13023,7 @@
                       </a:endParaRPr>
                     </a:p>
                   </a:txBody>
-                  <a:tcPr marL="68580" marR="68580" marT="0" marB="0" vert="horz" anchor="t">
+                  <a:tcPr marL="68580" marR="68580" marT="0" marB="0">
                     <a:lnL w="12700" cap="flat" cmpd="sng">
                       <a:solidFill>
                         <a:srgbClr val="000000"/>
@@ -13342,6 +13070,7 @@
                 <a:tc>
                   <a:txBody>
                     <a:bodyPr/>
+                    <a:lstStyle/>
                     <a:p>
                       <a:pPr indent="0">
                         <a:buNone/>
@@ -13361,7 +13090,7 @@
                       </a:endParaRPr>
                     </a:p>
                   </a:txBody>
-                  <a:tcPr marL="68580" marR="68580" marT="0" marB="0" vert="horz" anchor="t">
+                  <a:tcPr marL="68580" marR="68580" marT="0" marB="0">
                     <a:lnL w="12700" cap="flat" cmpd="sng">
                       <a:solidFill>
                         <a:srgbClr val="000000"/>
@@ -13408,6 +13137,7 @@
                 <a:tc>
                   <a:txBody>
                     <a:bodyPr/>
+                    <a:lstStyle/>
                     <a:p>
                       <a:pPr indent="0">
                         <a:buNone/>
@@ -13427,7 +13157,7 @@
                       </a:endParaRPr>
                     </a:p>
                   </a:txBody>
-                  <a:tcPr marL="68580" marR="68580" marT="0" marB="0" vert="horz" anchor="t">
+                  <a:tcPr marL="68580" marR="68580" marT="0" marB="0">
                     <a:lnL w="12700" cap="flat" cmpd="sng">
                       <a:solidFill>
                         <a:srgbClr val="000000"/>
@@ -13494,6 +13224,7 @@
           <a:bodyPr wrap="none" rtlCol="0" anchor="t">
             <a:spAutoFit/>
           </a:bodyPr>
+          <a:lstStyle/>
           <a:p>
             <a:r>
               <a:rPr lang="zh-CN" b="1">
@@ -13986,7 +13717,7 @@
           <p:nvPr/>
         </p:nvPicPr>
         <p:blipFill>
-          <a:blip r:embed="rId1"/>
+          <a:blip r:embed="rId3"/>
           <a:stretch>
             <a:fillRect/>
           </a:stretch>
@@ -14010,7 +13741,7 @@
           <p:nvPr/>
         </p:nvPicPr>
         <p:blipFill>
-          <a:blip r:embed="rId2"/>
+          <a:blip r:embed="rId4"/>
           <a:stretch>
             <a:fillRect/>
           </a:stretch>
@@ -14314,7 +14045,7 @@
           <p:nvPr/>
         </p:nvPicPr>
         <p:blipFill>
-          <a:blip r:embed="rId1"/>
+          <a:blip r:embed="rId3"/>
           <a:stretch>
             <a:fillRect/>
           </a:stretch>
@@ -14356,6 +14087,7 @@
                 <a:tc>
                   <a:txBody>
                     <a:bodyPr/>
+                    <a:lstStyle/>
                     <a:p>
                       <a:pPr indent="0">
                         <a:buNone/>
@@ -14381,7 +14113,7 @@
                       </a:endParaRPr>
                     </a:p>
                   </a:txBody>
-                  <a:tcPr marL="68580" marR="68580" marT="0" marB="0" vert="horz" anchor="ctr">
+                  <a:tcPr marL="68580" marR="68580" marT="0" marB="0" anchor="ctr">
                     <a:lnL w="12700" cap="flat" cmpd="sng">
                       <a:solidFill>
                         <a:srgbClr val="080000"/>
@@ -14428,6 +14160,7 @@
                 <a:tc>
                   <a:txBody>
                     <a:bodyPr/>
+                    <a:lstStyle/>
                     <a:p>
                       <a:pPr indent="0">
                         <a:buNone/>
@@ -14453,7 +14186,7 @@
                       </a:endParaRPr>
                     </a:p>
                   </a:txBody>
-                  <a:tcPr marL="68580" marR="68580" marT="0" marB="0" vert="horz" anchor="ctr">
+                  <a:tcPr marL="68580" marR="68580" marT="0" marB="0" anchor="ctr">
                     <a:lnL w="12700" cap="flat" cmpd="sng">
                       <a:solidFill>
                         <a:srgbClr val="080000"/>
@@ -14500,6 +14233,7 @@
                 <a:tc>
                   <a:txBody>
                     <a:bodyPr/>
+                    <a:lstStyle/>
                     <a:p>
                       <a:pPr indent="0">
                         <a:buNone/>
@@ -14525,7 +14259,7 @@
                       </a:endParaRPr>
                     </a:p>
                   </a:txBody>
-                  <a:tcPr marL="68580" marR="68580" marT="0" marB="0" vert="horz" anchor="ctr">
+                  <a:tcPr marL="68580" marR="68580" marT="0" marB="0" anchor="ctr">
                     <a:lnL w="12700" cap="flat" cmpd="sng">
                       <a:solidFill>
                         <a:srgbClr val="080000"/>
@@ -14572,6 +14306,7 @@
                 <a:tc>
                   <a:txBody>
                     <a:bodyPr/>
+                    <a:lstStyle/>
                     <a:p>
                       <a:pPr indent="0">
                         <a:buNone/>
@@ -14597,7 +14332,7 @@
                       </a:endParaRPr>
                     </a:p>
                   </a:txBody>
-                  <a:tcPr marL="68580" marR="68580" marT="0" marB="0" vert="horz" anchor="t">
+                  <a:tcPr marL="68580" marR="68580" marT="0" marB="0">
                     <a:lnL w="12700" cap="flat" cmpd="sng">
                       <a:solidFill>
                         <a:srgbClr val="080000"/>
@@ -14644,6 +14379,7 @@
                 <a:tc>
                   <a:txBody>
                     <a:bodyPr/>
+                    <a:lstStyle/>
                     <a:p>
                       <a:pPr indent="0">
                         <a:buNone/>
@@ -14669,7 +14405,7 @@
                       </a:endParaRPr>
                     </a:p>
                   </a:txBody>
-                  <a:tcPr marL="68580" marR="68580" marT="0" marB="0" vert="horz" anchor="ctr">
+                  <a:tcPr marL="68580" marR="68580" marT="0" marB="0" anchor="ctr">
                     <a:lnL w="12700" cap="flat" cmpd="sng">
                       <a:solidFill>
                         <a:srgbClr val="080000"/>
@@ -14718,6 +14454,7 @@
                 <a:tc>
                   <a:txBody>
                     <a:bodyPr/>
+                    <a:lstStyle/>
                     <a:p>
                       <a:pPr indent="0">
                         <a:buNone/>
@@ -14743,7 +14480,7 @@
                       </a:endParaRPr>
                     </a:p>
                   </a:txBody>
-                  <a:tcPr marL="68580" marR="68580" marT="0" marB="0" vert="horz" anchor="ctr">
+                  <a:tcPr marL="68580" marR="68580" marT="0" marB="0" anchor="ctr">
                     <a:lnL w="12700" cap="flat" cmpd="sng">
                       <a:solidFill>
                         <a:srgbClr val="080000"/>
@@ -14790,6 +14527,7 @@
                 <a:tc>
                   <a:txBody>
                     <a:bodyPr/>
+                    <a:lstStyle/>
                     <a:p>
                       <a:pPr indent="0">
                         <a:buNone/>
@@ -14815,7 +14553,7 @@
                       </a:endParaRPr>
                     </a:p>
                   </a:txBody>
-                  <a:tcPr marL="68580" marR="68580" marT="0" marB="0" vert="horz" anchor="ctr">
+                  <a:tcPr marL="68580" marR="68580" marT="0" marB="0" anchor="ctr">
                     <a:lnL w="12700" cap="flat" cmpd="sng">
                       <a:solidFill>
                         <a:srgbClr val="080000"/>
@@ -14862,6 +14600,7 @@
                 <a:tc>
                   <a:txBody>
                     <a:bodyPr/>
+                    <a:lstStyle/>
                     <a:p>
                       <a:pPr indent="0">
                         <a:buNone/>
@@ -14881,7 +14620,7 @@
                       </a:endParaRPr>
                     </a:p>
                   </a:txBody>
-                  <a:tcPr marL="68580" marR="68580" marT="0" marB="0" vert="horz" anchor="ctr">
+                  <a:tcPr marL="68580" marR="68580" marT="0" marB="0" anchor="ctr">
                     <a:lnL w="12700" cap="flat" cmpd="sng">
                       <a:solidFill>
                         <a:srgbClr val="080000"/>
@@ -14926,6 +14665,7 @@
                 <a:tc>
                   <a:txBody>
                     <a:bodyPr/>
+                    <a:lstStyle/>
                     <a:p>
                       <a:pPr indent="0">
                         <a:buNone/>
@@ -14945,7 +14685,7 @@
                       </a:endParaRPr>
                     </a:p>
                   </a:txBody>
-                  <a:tcPr marL="68580" marR="68580" marT="0" marB="0" vert="horz" anchor="t">
+                  <a:tcPr marL="68580" marR="68580" marT="0" marB="0">
                     <a:lnL w="12700" cap="flat" cmpd="sng">
                       <a:solidFill>
                         <a:srgbClr val="080000"/>
@@ -14990,6 +14730,7 @@
                 <a:tc>
                   <a:txBody>
                     <a:bodyPr/>
+                    <a:lstStyle/>
                     <a:p>
                       <a:pPr indent="0">
                         <a:buNone/>
@@ -15009,7 +14750,7 @@
                       </a:endParaRPr>
                     </a:p>
                   </a:txBody>
-                  <a:tcPr marL="68580" marR="68580" marT="0" marB="0" vert="horz" anchor="ctr">
+                  <a:tcPr marL="68580" marR="68580" marT="0" marB="0" anchor="ctr">
                     <a:lnL w="12700" cap="flat" cmpd="sng">
                       <a:solidFill>
                         <a:srgbClr val="080000"/>
@@ -15056,6 +14797,7 @@
                 <a:tc>
                   <a:txBody>
                     <a:bodyPr/>
+                    <a:lstStyle/>
                     <a:p>
                       <a:pPr indent="0">
                         <a:buNone/>
@@ -15081,7 +14823,7 @@
                       </a:endParaRPr>
                     </a:p>
                   </a:txBody>
-                  <a:tcPr marL="68580" marR="68580" marT="0" marB="0" vert="horz" anchor="ctr">
+                  <a:tcPr marL="68580" marR="68580" marT="0" marB="0" anchor="ctr">
                     <a:lnL w="12700" cap="flat" cmpd="sng">
                       <a:solidFill>
                         <a:srgbClr val="080000"/>
@@ -15128,6 +14870,7 @@
                 <a:tc>
                   <a:txBody>
                     <a:bodyPr/>
+                    <a:lstStyle/>
                     <a:p>
                       <a:pPr indent="0">
                         <a:buNone/>
@@ -15153,7 +14896,7 @@
                       </a:endParaRPr>
                     </a:p>
                   </a:txBody>
-                  <a:tcPr marL="68580" marR="68580" marT="0" marB="0" vert="horz" anchor="ctr">
+                  <a:tcPr marL="68580" marR="68580" marT="0" marB="0" anchor="ctr">
                     <a:lnL w="12700" cap="flat" cmpd="sng">
                       <a:solidFill>
                         <a:srgbClr val="080000"/>
@@ -15200,6 +14943,7 @@
                 <a:tc>
                   <a:txBody>
                     <a:bodyPr/>
+                    <a:lstStyle/>
                     <a:p>
                       <a:pPr indent="0">
                         <a:buNone/>
@@ -15219,7 +14963,7 @@
                       </a:endParaRPr>
                     </a:p>
                   </a:txBody>
-                  <a:tcPr marL="68580" marR="68580" marT="0" marB="0" vert="horz" anchor="ctr">
+                  <a:tcPr marL="68580" marR="68580" marT="0" marB="0" anchor="ctr">
                     <a:lnL w="12700" cap="flat" cmpd="sng">
                       <a:solidFill>
                         <a:srgbClr val="080000"/>
@@ -15264,6 +15008,7 @@
                 <a:tc>
                   <a:txBody>
                     <a:bodyPr/>
+                    <a:lstStyle/>
                     <a:p>
                       <a:pPr indent="0">
                         <a:buNone/>
@@ -15283,7 +15028,7 @@
                       </a:endParaRPr>
                     </a:p>
                   </a:txBody>
-                  <a:tcPr marL="68580" marR="68580" marT="0" marB="0" vert="horz" anchor="t">
+                  <a:tcPr marL="68580" marR="68580" marT="0" marB="0">
                     <a:lnL w="12700" cap="flat" cmpd="sng">
                       <a:solidFill>
                         <a:srgbClr val="080000"/>
@@ -15328,6 +15073,7 @@
                 <a:tc>
                   <a:txBody>
                     <a:bodyPr/>
+                    <a:lstStyle/>
                     <a:p>
                       <a:pPr indent="0">
                         <a:buNone/>
@@ -15347,7 +15093,7 @@
                       </a:endParaRPr>
                     </a:p>
                   </a:txBody>
-                  <a:tcPr marL="68580" marR="68580" marT="0" marB="0" vert="horz" anchor="ctr">
+                  <a:tcPr marL="68580" marR="68580" marT="0" marB="0" anchor="ctr">
                     <a:lnL w="12700" cap="flat" cmpd="sng">
                       <a:solidFill>
                         <a:srgbClr val="080000"/>
@@ -15394,6 +15140,7 @@
                 <a:tc>
                   <a:txBody>
                     <a:bodyPr/>
+                    <a:lstStyle/>
                     <a:p>
                       <a:pPr indent="0">
                         <a:buNone/>
@@ -15419,7 +15166,7 @@
                       </a:endParaRPr>
                     </a:p>
                   </a:txBody>
-                  <a:tcPr marL="68580" marR="68580" marT="0" marB="0" vert="horz" anchor="ctr">
+                  <a:tcPr marL="68580" marR="68580" marT="0" marB="0" anchor="ctr">
                     <a:lnL w="12700" cap="flat" cmpd="sng">
                       <a:solidFill>
                         <a:srgbClr val="080000"/>
@@ -15466,6 +15213,7 @@
                 <a:tc>
                   <a:txBody>
                     <a:bodyPr/>
+                    <a:lstStyle/>
                     <a:p>
                       <a:pPr indent="0">
                         <a:buNone/>
@@ -15491,7 +15239,7 @@
                       </a:endParaRPr>
                     </a:p>
                   </a:txBody>
-                  <a:tcPr marL="68580" marR="68580" marT="0" marB="0" vert="horz" anchor="ctr">
+                  <a:tcPr marL="68580" marR="68580" marT="0" marB="0" anchor="ctr">
                     <a:lnL w="12700" cap="flat" cmpd="sng">
                       <a:solidFill>
                         <a:srgbClr val="080000"/>
@@ -15538,6 +15286,7 @@
                 <a:tc>
                   <a:txBody>
                     <a:bodyPr/>
+                    <a:lstStyle/>
                     <a:p>
                       <a:pPr indent="0">
                         <a:buNone/>
@@ -15557,7 +15306,7 @@
                       </a:endParaRPr>
                     </a:p>
                   </a:txBody>
-                  <a:tcPr marL="68580" marR="68580" marT="0" marB="0" vert="horz" anchor="ctr">
+                  <a:tcPr marL="68580" marR="68580" marT="0" marB="0" anchor="ctr">
                     <a:lnL w="12700" cap="flat" cmpd="sng">
                       <a:solidFill>
                         <a:srgbClr val="080000"/>
@@ -15602,6 +15351,7 @@
                 <a:tc>
                   <a:txBody>
                     <a:bodyPr/>
+                    <a:lstStyle/>
                     <a:p>
                       <a:pPr indent="0">
                         <a:buNone/>
@@ -15621,7 +15371,7 @@
                       </a:endParaRPr>
                     </a:p>
                   </a:txBody>
-                  <a:tcPr marL="68580" marR="68580" marT="0" marB="0" vert="horz" anchor="t">
+                  <a:tcPr marL="68580" marR="68580" marT="0" marB="0">
                     <a:lnL w="12700" cap="flat" cmpd="sng">
                       <a:solidFill>
                         <a:srgbClr val="080000"/>
@@ -15666,6 +15416,7 @@
                 <a:tc>
                   <a:txBody>
                     <a:bodyPr/>
+                    <a:lstStyle/>
                     <a:p>
                       <a:pPr indent="0">
                         <a:buNone/>
@@ -15685,7 +15436,7 @@
                       </a:endParaRPr>
                     </a:p>
                   </a:txBody>
-                  <a:tcPr marL="68580" marR="68580" marT="0" marB="0" vert="horz" anchor="ctr">
+                  <a:tcPr marL="68580" marR="68580" marT="0" marB="0" anchor="ctr">
                     <a:lnL w="12700" cap="flat" cmpd="sng">
                       <a:solidFill>
                         <a:srgbClr val="080000"/>
@@ -15732,6 +15483,7 @@
                 <a:tc>
                   <a:txBody>
                     <a:bodyPr/>
+                    <a:lstStyle/>
                     <a:p>
                       <a:pPr indent="0">
                         <a:buNone/>
@@ -15757,7 +15509,7 @@
                       </a:endParaRPr>
                     </a:p>
                   </a:txBody>
-                  <a:tcPr marL="68580" marR="68580" marT="0" marB="0" vert="horz" anchor="ctr">
+                  <a:tcPr marL="68580" marR="68580" marT="0" marB="0" anchor="ctr">
                     <a:lnL w="12700" cap="flat" cmpd="sng">
                       <a:solidFill>
                         <a:srgbClr val="080000"/>
@@ -15804,6 +15556,7 @@
                 <a:tc>
                   <a:txBody>
                     <a:bodyPr/>
+                    <a:lstStyle/>
                     <a:p>
                       <a:pPr indent="0">
                         <a:buNone/>
@@ -15829,7 +15582,7 @@
                       </a:endParaRPr>
                     </a:p>
                   </a:txBody>
-                  <a:tcPr marL="68580" marR="68580" marT="0" marB="0" vert="horz" anchor="ctr">
+                  <a:tcPr marL="68580" marR="68580" marT="0" marB="0" anchor="ctr">
                     <a:lnL w="12700" cap="flat" cmpd="sng">
                       <a:solidFill>
                         <a:srgbClr val="080000"/>
@@ -15876,6 +15629,7 @@
                 <a:tc>
                   <a:txBody>
                     <a:bodyPr/>
+                    <a:lstStyle/>
                     <a:p>
                       <a:pPr indent="0">
                         <a:buNone/>
@@ -15895,7 +15649,7 @@
                       </a:endParaRPr>
                     </a:p>
                   </a:txBody>
-                  <a:tcPr marL="68580" marR="68580" marT="0" marB="0" vert="horz" anchor="ctr">
+                  <a:tcPr marL="68580" marR="68580" marT="0" marB="0" anchor="ctr">
                     <a:lnL w="12700" cap="flat" cmpd="sng">
                       <a:solidFill>
                         <a:srgbClr val="080000"/>
@@ -15940,6 +15694,7 @@
                 <a:tc>
                   <a:txBody>
                     <a:bodyPr/>
+                    <a:lstStyle/>
                     <a:p>
                       <a:pPr indent="0">
                         <a:buNone/>
@@ -15959,7 +15714,7 @@
                       </a:endParaRPr>
                     </a:p>
                   </a:txBody>
-                  <a:tcPr marL="68580" marR="68580" marT="0" marB="0" vert="horz" anchor="t">
+                  <a:tcPr marL="68580" marR="68580" marT="0" marB="0">
                     <a:lnL w="12700" cap="flat" cmpd="sng">
                       <a:solidFill>
                         <a:srgbClr val="080000"/>
@@ -16004,6 +15759,7 @@
                 <a:tc>
                   <a:txBody>
                     <a:bodyPr/>
+                    <a:lstStyle/>
                     <a:p>
                       <a:pPr indent="0">
                         <a:buNone/>
@@ -16023,7 +15779,7 @@
                       </a:endParaRPr>
                     </a:p>
                   </a:txBody>
-                  <a:tcPr marL="68580" marR="68580" marT="0" marB="0" vert="horz" anchor="ctr">
+                  <a:tcPr marL="68580" marR="68580" marT="0" marB="0" anchor="ctr">
                     <a:lnL w="12700" cap="flat" cmpd="sng">
                       <a:solidFill>
                         <a:srgbClr val="080000"/>
@@ -16070,6 +15826,7 @@
                 <a:tc>
                   <a:txBody>
                     <a:bodyPr/>
+                    <a:lstStyle/>
                     <a:p>
                       <a:pPr indent="0">
                         <a:buNone/>
@@ -16095,7 +15852,7 @@
                       </a:endParaRPr>
                     </a:p>
                   </a:txBody>
-                  <a:tcPr marL="68580" marR="68580" marT="0" marB="0" vert="horz" anchor="ctr">
+                  <a:tcPr marL="68580" marR="68580" marT="0" marB="0" anchor="ctr">
                     <a:lnL w="12700" cap="flat" cmpd="sng">
                       <a:solidFill>
                         <a:srgbClr val="080000"/>
@@ -16142,6 +15899,7 @@
                 <a:tc>
                   <a:txBody>
                     <a:bodyPr/>
+                    <a:lstStyle/>
                     <a:p>
                       <a:pPr indent="0">
                         <a:buNone/>
@@ -16167,7 +15925,7 @@
                       </a:endParaRPr>
                     </a:p>
                   </a:txBody>
-                  <a:tcPr marL="68580" marR="68580" marT="0" marB="0" vert="horz" anchor="ctr">
+                  <a:tcPr marL="68580" marR="68580" marT="0" marB="0" anchor="ctr">
                     <a:lnL w="12700" cap="flat" cmpd="sng">
                       <a:solidFill>
                         <a:srgbClr val="080000"/>
@@ -16214,6 +15972,7 @@
                 <a:tc>
                   <a:txBody>
                     <a:bodyPr/>
+                    <a:lstStyle/>
                     <a:p>
                       <a:pPr indent="0">
                         <a:buNone/>
@@ -16233,7 +15992,7 @@
                       </a:endParaRPr>
                     </a:p>
                   </a:txBody>
-                  <a:tcPr marL="68580" marR="68580" marT="0" marB="0" vert="horz" anchor="ctr">
+                  <a:tcPr marL="68580" marR="68580" marT="0" marB="0" anchor="ctr">
                     <a:lnL w="12700" cap="flat" cmpd="sng">
                       <a:solidFill>
                         <a:srgbClr val="080000"/>
@@ -16278,6 +16037,7 @@
                 <a:tc>
                   <a:txBody>
                     <a:bodyPr/>
+                    <a:lstStyle/>
                     <a:p>
                       <a:pPr indent="0">
                         <a:buNone/>
@@ -16297,7 +16057,7 @@
                       </a:endParaRPr>
                     </a:p>
                   </a:txBody>
-                  <a:tcPr marL="68580" marR="68580" marT="0" marB="0" vert="horz" anchor="t">
+                  <a:tcPr marL="68580" marR="68580" marT="0" marB="0">
                     <a:lnL w="12700" cap="flat" cmpd="sng">
                       <a:solidFill>
                         <a:srgbClr val="080000"/>
@@ -16342,6 +16102,7 @@
                 <a:tc>
                   <a:txBody>
                     <a:bodyPr/>
+                    <a:lstStyle/>
                     <a:p>
                       <a:pPr indent="0">
                         <a:buNone/>
@@ -16361,7 +16122,7 @@
                       </a:endParaRPr>
                     </a:p>
                   </a:txBody>
-                  <a:tcPr marL="68580" marR="68580" marT="0" marB="0" vert="horz" anchor="ctr">
+                  <a:tcPr marL="68580" marR="68580" marT="0" marB="0" anchor="ctr">
                     <a:lnL w="12700" cap="flat" cmpd="sng">
                       <a:solidFill>
                         <a:srgbClr val="080000"/>
@@ -16408,6 +16169,7 @@
                 <a:tc>
                   <a:txBody>
                     <a:bodyPr/>
+                    <a:lstStyle/>
                     <a:p>
                       <a:pPr indent="0">
                         <a:buNone/>
@@ -16433,7 +16195,7 @@
                       </a:endParaRPr>
                     </a:p>
                   </a:txBody>
-                  <a:tcPr marL="68580" marR="68580" marT="0" marB="0" vert="horz" anchor="ctr">
+                  <a:tcPr marL="68580" marR="68580" marT="0" marB="0" anchor="ctr">
                     <a:lnL w="12700" cap="flat" cmpd="sng">
                       <a:solidFill>
                         <a:srgbClr val="080000"/>
@@ -16480,6 +16242,7 @@
                 <a:tc>
                   <a:txBody>
                     <a:bodyPr/>
+                    <a:lstStyle/>
                     <a:p>
                       <a:pPr indent="0">
                         <a:buNone/>
@@ -16505,7 +16268,7 @@
                       </a:endParaRPr>
                     </a:p>
                   </a:txBody>
-                  <a:tcPr marL="68580" marR="68580" marT="0" marB="0" vert="horz" anchor="ctr">
+                  <a:tcPr marL="68580" marR="68580" marT="0" marB="0" anchor="ctr">
                     <a:lnL w="12700" cap="flat" cmpd="sng">
                       <a:solidFill>
                         <a:srgbClr val="080000"/>
@@ -16552,6 +16315,7 @@
                 <a:tc>
                   <a:txBody>
                     <a:bodyPr/>
+                    <a:lstStyle/>
                     <a:p>
                       <a:pPr indent="0">
                         <a:buNone/>
@@ -16563,7 +16327,7 @@
                       </a:endParaRPr>
                     </a:p>
                   </a:txBody>
-                  <a:tcPr marL="68580" marR="68580" marT="0" marB="0" vert="horz" anchor="ctr">
+                  <a:tcPr marL="68580" marR="68580" marT="0" marB="0" anchor="ctr">
                     <a:lnL w="12700" cap="flat" cmpd="sng">
                       <a:solidFill>
                         <a:srgbClr val="080000"/>
@@ -16608,6 +16372,7 @@
                 <a:tc>
                   <a:txBody>
                     <a:bodyPr/>
+                    <a:lstStyle/>
                     <a:p>
                       <a:pPr indent="0">
                         <a:buNone/>
@@ -16627,7 +16392,7 @@
                       </a:endParaRPr>
                     </a:p>
                   </a:txBody>
-                  <a:tcPr marL="68580" marR="68580" marT="0" marB="0" vert="horz" anchor="t">
+                  <a:tcPr marL="68580" marR="68580" marT="0" marB="0">
                     <a:lnL w="12700" cap="flat" cmpd="sng">
                       <a:solidFill>
                         <a:srgbClr val="080000"/>
@@ -16672,6 +16437,7 @@
                 <a:tc>
                   <a:txBody>
                     <a:bodyPr/>
+                    <a:lstStyle/>
                     <a:p>
                       <a:pPr indent="0">
                         <a:buNone/>
@@ -16691,7 +16457,7 @@
                       </a:endParaRPr>
                     </a:p>
                   </a:txBody>
-                  <a:tcPr marL="68580" marR="68580" marT="0" marB="0" vert="horz" anchor="ctr">
+                  <a:tcPr marL="68580" marR="68580" marT="0" marB="0" anchor="ctr">
                     <a:lnL w="12700" cap="flat" cmpd="sng">
                       <a:solidFill>
                         <a:srgbClr val="080000"/>
@@ -16738,6 +16504,7 @@
                 <a:tc>
                   <a:txBody>
                     <a:bodyPr/>
+                    <a:lstStyle/>
                     <a:p>
                       <a:pPr indent="0">
                         <a:buNone/>
@@ -16763,7 +16530,7 @@
                       </a:endParaRPr>
                     </a:p>
                   </a:txBody>
-                  <a:tcPr marL="68580" marR="68580" marT="0" marB="0" vert="horz" anchor="ctr">
+                  <a:tcPr marL="68580" marR="68580" marT="0" marB="0" anchor="ctr">
                     <a:lnL w="12700" cap="flat" cmpd="sng">
                       <a:solidFill>
                         <a:srgbClr val="080000"/>
@@ -16810,6 +16577,7 @@
                 <a:tc>
                   <a:txBody>
                     <a:bodyPr/>
+                    <a:lstStyle/>
                     <a:p>
                       <a:pPr indent="0">
                         <a:buNone/>
@@ -16835,7 +16603,7 @@
                       </a:endParaRPr>
                     </a:p>
                   </a:txBody>
-                  <a:tcPr marL="68580" marR="68580" marT="0" marB="0" vert="horz" anchor="ctr">
+                  <a:tcPr marL="68580" marR="68580" marT="0" marB="0" anchor="ctr">
                     <a:lnL w="12700" cap="flat" cmpd="sng">
                       <a:solidFill>
                         <a:srgbClr val="080000"/>
@@ -16882,6 +16650,7 @@
                 <a:tc>
                   <a:txBody>
                     <a:bodyPr/>
+                    <a:lstStyle/>
                     <a:p>
                       <a:pPr indent="0">
                         <a:buNone/>
@@ -16893,7 +16662,7 @@
                       </a:endParaRPr>
                     </a:p>
                   </a:txBody>
-                  <a:tcPr marL="68580" marR="68580" marT="0" marB="0" vert="horz" anchor="ctr">
+                  <a:tcPr marL="68580" marR="68580" marT="0" marB="0" anchor="ctr">
                     <a:lnL w="12700" cap="flat" cmpd="sng">
                       <a:solidFill>
                         <a:srgbClr val="080000"/>
@@ -16938,6 +16707,7 @@
                 <a:tc>
                   <a:txBody>
                     <a:bodyPr/>
+                    <a:lstStyle/>
                     <a:p>
                       <a:pPr indent="0">
                         <a:buNone/>
@@ -16957,7 +16727,7 @@
                       </a:endParaRPr>
                     </a:p>
                   </a:txBody>
-                  <a:tcPr marL="68580" marR="68580" marT="0" marB="0" vert="horz" anchor="t">
+                  <a:tcPr marL="68580" marR="68580" marT="0" marB="0">
                     <a:lnL w="12700" cap="flat" cmpd="sng">
                       <a:solidFill>
                         <a:srgbClr val="080000"/>
@@ -17002,6 +16772,7 @@
                 <a:tc>
                   <a:txBody>
                     <a:bodyPr/>
+                    <a:lstStyle/>
                     <a:p>
                       <a:pPr indent="0">
                         <a:buNone/>
@@ -17021,7 +16792,7 @@
                       </a:endParaRPr>
                     </a:p>
                   </a:txBody>
-                  <a:tcPr marL="68580" marR="68580" marT="0" marB="0" vert="horz" anchor="ctr">
+                  <a:tcPr marL="68580" marR="68580" marT="0" marB="0" anchor="ctr">
                     <a:lnL w="12700" cap="flat" cmpd="sng">
                       <a:solidFill>
                         <a:srgbClr val="080000"/>
@@ -17068,6 +16839,7 @@
                 <a:tc>
                   <a:txBody>
                     <a:bodyPr/>
+                    <a:lstStyle/>
                     <a:p>
                       <a:pPr indent="0">
                         <a:buNone/>
@@ -17093,7 +16865,7 @@
                       </a:endParaRPr>
                     </a:p>
                   </a:txBody>
-                  <a:tcPr marL="68580" marR="68580" marT="0" marB="0" vert="horz" anchor="ctr">
+                  <a:tcPr marL="68580" marR="68580" marT="0" marB="0" anchor="ctr">
                     <a:lnL w="12700" cap="flat" cmpd="sng">
                       <a:solidFill>
                         <a:srgbClr val="080000"/>
@@ -17140,6 +16912,7 @@
                 <a:tc>
                   <a:txBody>
                     <a:bodyPr/>
+                    <a:lstStyle/>
                     <a:p>
                       <a:pPr indent="0">
                         <a:buNone/>
@@ -17165,7 +16938,7 @@
                       </a:endParaRPr>
                     </a:p>
                   </a:txBody>
-                  <a:tcPr marL="68580" marR="68580" marT="0" marB="0" vert="horz" anchor="ctr">
+                  <a:tcPr marL="68580" marR="68580" marT="0" marB="0" anchor="ctr">
                     <a:lnL w="12700" cap="flat" cmpd="sng">
                       <a:solidFill>
                         <a:srgbClr val="080000"/>
@@ -17212,6 +16985,7 @@
                 <a:tc>
                   <a:txBody>
                     <a:bodyPr/>
+                    <a:lstStyle/>
                     <a:p>
                       <a:pPr indent="0">
                         <a:buNone/>
@@ -17231,7 +17005,7 @@
                       </a:endParaRPr>
                     </a:p>
                   </a:txBody>
-                  <a:tcPr marL="68580" marR="68580" marT="0" marB="0" vert="horz" anchor="ctr">
+                  <a:tcPr marL="68580" marR="68580" marT="0" marB="0" anchor="ctr">
                     <a:lnL w="12700" cap="flat" cmpd="sng">
                       <a:solidFill>
                         <a:srgbClr val="080000"/>
@@ -17276,6 +17050,7 @@
                 <a:tc>
                   <a:txBody>
                     <a:bodyPr/>
+                    <a:lstStyle/>
                     <a:p>
                       <a:pPr indent="0">
                         <a:buNone/>
@@ -17295,7 +17070,7 @@
                       </a:endParaRPr>
                     </a:p>
                   </a:txBody>
-                  <a:tcPr marL="68580" marR="68580" marT="0" marB="0" vert="horz" anchor="t">
+                  <a:tcPr marL="68580" marR="68580" marT="0" marB="0">
                     <a:lnL w="12700" cap="flat" cmpd="sng">
                       <a:solidFill>
                         <a:srgbClr val="080000"/>
@@ -17340,6 +17115,7 @@
                 <a:tc>
                   <a:txBody>
                     <a:bodyPr/>
+                    <a:lstStyle/>
                     <a:p>
                       <a:pPr indent="0">
                         <a:buNone/>
@@ -17359,7 +17135,7 @@
                       </a:endParaRPr>
                     </a:p>
                   </a:txBody>
-                  <a:tcPr marL="68580" marR="68580" marT="0" marB="0" vert="horz" anchor="ctr">
+                  <a:tcPr marL="68580" marR="68580" marT="0" marB="0" anchor="ctr">
                     <a:lnL w="12700" cap="flat" cmpd="sng">
                       <a:solidFill>
                         <a:srgbClr val="080000"/>
@@ -17406,6 +17182,7 @@
                 <a:tc>
                   <a:txBody>
                     <a:bodyPr/>
+                    <a:lstStyle/>
                     <a:p>
                       <a:pPr indent="0">
                         <a:buNone/>
@@ -17431,7 +17208,7 @@
                       </a:endParaRPr>
                     </a:p>
                   </a:txBody>
-                  <a:tcPr marL="68580" marR="68580" marT="0" marB="0" vert="horz" anchor="ctr">
+                  <a:tcPr marL="68580" marR="68580" marT="0" marB="0" anchor="ctr">
                     <a:lnL w="12700" cap="flat" cmpd="sng">
                       <a:solidFill>
                         <a:srgbClr val="080000"/>
@@ -17478,6 +17255,7 @@
                 <a:tc>
                   <a:txBody>
                     <a:bodyPr/>
+                    <a:lstStyle/>
                     <a:p>
                       <a:pPr indent="0">
                         <a:buNone/>
@@ -17503,7 +17281,7 @@
                       </a:endParaRPr>
                     </a:p>
                   </a:txBody>
-                  <a:tcPr marL="68580" marR="68580" marT="0" marB="0" vert="horz" anchor="ctr">
+                  <a:tcPr marL="68580" marR="68580" marT="0" marB="0" anchor="ctr">
                     <a:lnL w="12700" cap="flat" cmpd="sng">
                       <a:solidFill>
                         <a:srgbClr val="080000"/>
@@ -17550,6 +17328,7 @@
                 <a:tc>
                   <a:txBody>
                     <a:bodyPr/>
+                    <a:lstStyle/>
                     <a:p>
                       <a:pPr indent="0">
                         <a:buNone/>
@@ -17569,7 +17348,7 @@
                       </a:endParaRPr>
                     </a:p>
                   </a:txBody>
-                  <a:tcPr marL="68580" marR="68580" marT="0" marB="0" vert="horz" anchor="ctr">
+                  <a:tcPr marL="68580" marR="68580" marT="0" marB="0" anchor="ctr">
                     <a:lnL w="12700" cap="flat" cmpd="sng">
                       <a:solidFill>
                         <a:srgbClr val="080000"/>
@@ -17614,6 +17393,7 @@
                 <a:tc>
                   <a:txBody>
                     <a:bodyPr/>
+                    <a:lstStyle/>
                     <a:p>
                       <a:pPr indent="0">
                         <a:buNone/>
@@ -17633,7 +17413,7 @@
                       </a:endParaRPr>
                     </a:p>
                   </a:txBody>
-                  <a:tcPr marL="68580" marR="68580" marT="0" marB="0" vert="horz" anchor="t">
+                  <a:tcPr marL="68580" marR="68580" marT="0" marB="0">
                     <a:lnL w="12700" cap="flat" cmpd="sng">
                       <a:solidFill>
                         <a:srgbClr val="080000"/>
@@ -17678,6 +17458,7 @@
                 <a:tc>
                   <a:txBody>
                     <a:bodyPr/>
+                    <a:lstStyle/>
                     <a:p>
                       <a:pPr indent="0">
                         <a:buNone/>
@@ -17697,7 +17478,7 @@
                       </a:endParaRPr>
                     </a:p>
                   </a:txBody>
-                  <a:tcPr marL="68580" marR="68580" marT="0" marB="0" vert="horz" anchor="ctr">
+                  <a:tcPr marL="68580" marR="68580" marT="0" marB="0" anchor="ctr">
                     <a:lnL w="12700" cap="flat" cmpd="sng">
                       <a:solidFill>
                         <a:srgbClr val="080000"/>
@@ -17744,6 +17525,7 @@
                 <a:tc>
                   <a:txBody>
                     <a:bodyPr/>
+                    <a:lstStyle/>
                     <a:p>
                       <a:pPr indent="0">
                         <a:buNone/>
@@ -17769,7 +17551,7 @@
                       </a:endParaRPr>
                     </a:p>
                   </a:txBody>
-                  <a:tcPr marL="68580" marR="68580" marT="0" marB="0" vert="horz" anchor="ctr">
+                  <a:tcPr marL="68580" marR="68580" marT="0" marB="0" anchor="ctr">
                     <a:lnL w="12700" cap="flat" cmpd="sng">
                       <a:solidFill>
                         <a:srgbClr val="080000"/>
@@ -17816,6 +17598,7 @@
                 <a:tc>
                   <a:txBody>
                     <a:bodyPr/>
+                    <a:lstStyle/>
                     <a:p>
                       <a:pPr indent="0">
                         <a:buNone/>
@@ -17841,7 +17624,7 @@
                       </a:endParaRPr>
                     </a:p>
                   </a:txBody>
-                  <a:tcPr marL="68580" marR="68580" marT="0" marB="0" vert="horz" anchor="ctr">
+                  <a:tcPr marL="68580" marR="68580" marT="0" marB="0" anchor="ctr">
                     <a:lnL w="12700" cap="flat" cmpd="sng">
                       <a:solidFill>
                         <a:srgbClr val="080000"/>
@@ -17888,6 +17671,7 @@
                 <a:tc>
                   <a:txBody>
                     <a:bodyPr/>
+                    <a:lstStyle/>
                     <a:p>
                       <a:pPr indent="0">
                         <a:buNone/>
@@ -17907,7 +17691,7 @@
                       </a:endParaRPr>
                     </a:p>
                   </a:txBody>
-                  <a:tcPr marL="68580" marR="68580" marT="0" marB="0" vert="horz" anchor="ctr">
+                  <a:tcPr marL="68580" marR="68580" marT="0" marB="0" anchor="ctr">
                     <a:lnL w="12700" cap="flat" cmpd="sng">
                       <a:solidFill>
                         <a:srgbClr val="080000"/>
@@ -17952,6 +17736,7 @@
                 <a:tc>
                   <a:txBody>
                     <a:bodyPr/>
+                    <a:lstStyle/>
                     <a:p>
                       <a:pPr indent="0">
                         <a:buNone/>
@@ -17971,7 +17756,7 @@
                       </a:endParaRPr>
                     </a:p>
                   </a:txBody>
-                  <a:tcPr marL="68580" marR="68580" marT="0" marB="0" vert="horz" anchor="t">
+                  <a:tcPr marL="68580" marR="68580" marT="0" marB="0">
                     <a:lnL w="12700" cap="flat" cmpd="sng">
                       <a:solidFill>
                         <a:srgbClr val="080000"/>
@@ -18016,6 +17801,7 @@
                 <a:tc>
                   <a:txBody>
                     <a:bodyPr/>
+                    <a:lstStyle/>
                     <a:p>
                       <a:pPr indent="0">
                         <a:buNone/>
@@ -18035,7 +17821,7 @@
                       </a:endParaRPr>
                     </a:p>
                   </a:txBody>
-                  <a:tcPr marL="68580" marR="68580" marT="0" marB="0" vert="horz" anchor="ctr">
+                  <a:tcPr marL="68580" marR="68580" marT="0" marB="0" anchor="ctr">
                     <a:lnL w="12700" cap="flat" cmpd="sng">
                       <a:solidFill>
                         <a:srgbClr val="080000"/>
@@ -18082,6 +17868,7 @@
                 <a:tc>
                   <a:txBody>
                     <a:bodyPr/>
+                    <a:lstStyle/>
                     <a:p>
                       <a:pPr indent="0">
                         <a:buNone/>
@@ -18107,7 +17894,7 @@
                       </a:endParaRPr>
                     </a:p>
                   </a:txBody>
-                  <a:tcPr marL="68580" marR="68580" marT="0" marB="0" vert="horz" anchor="ctr">
+                  <a:tcPr marL="68580" marR="68580" marT="0" marB="0" anchor="ctr">
                     <a:lnL w="12700" cap="flat" cmpd="sng">
                       <a:solidFill>
                         <a:srgbClr val="080000"/>
@@ -18154,6 +17941,7 @@
                 <a:tc>
                   <a:txBody>
                     <a:bodyPr/>
+                    <a:lstStyle/>
                     <a:p>
                       <a:pPr indent="0">
                         <a:buNone/>
@@ -18179,7 +17967,7 @@
                       </a:endParaRPr>
                     </a:p>
                   </a:txBody>
-                  <a:tcPr marL="68580" marR="68580" marT="0" marB="0" vert="horz" anchor="ctr">
+                  <a:tcPr marL="68580" marR="68580" marT="0" marB="0" anchor="ctr">
                     <a:lnL w="12700" cap="flat" cmpd="sng">
                       <a:solidFill>
                         <a:srgbClr val="080000"/>
@@ -18226,6 +18014,7 @@
                 <a:tc>
                   <a:txBody>
                     <a:bodyPr/>
+                    <a:lstStyle/>
                     <a:p>
                       <a:pPr indent="0">
                         <a:buNone/>
@@ -18245,7 +18034,7 @@
                       </a:endParaRPr>
                     </a:p>
                   </a:txBody>
-                  <a:tcPr marL="68580" marR="68580" marT="0" marB="0" vert="horz" anchor="ctr">
+                  <a:tcPr marL="68580" marR="68580" marT="0" marB="0" anchor="ctr">
                     <a:lnL w="12700" cap="flat" cmpd="sng">
                       <a:solidFill>
                         <a:srgbClr val="080000"/>
@@ -18290,6 +18079,7 @@
                 <a:tc>
                   <a:txBody>
                     <a:bodyPr/>
+                    <a:lstStyle/>
                     <a:p>
                       <a:pPr indent="0">
                         <a:buNone/>
@@ -18309,7 +18099,7 @@
                       </a:endParaRPr>
                     </a:p>
                   </a:txBody>
-                  <a:tcPr marL="68580" marR="68580" marT="0" marB="0" vert="horz" anchor="t">
+                  <a:tcPr marL="68580" marR="68580" marT="0" marB="0">
                     <a:lnL w="12700" cap="flat" cmpd="sng">
                       <a:solidFill>
                         <a:srgbClr val="080000"/>
@@ -18354,6 +18144,7 @@
                 <a:tc>
                   <a:txBody>
                     <a:bodyPr/>
+                    <a:lstStyle/>
                     <a:p>
                       <a:pPr indent="0">
                         <a:buNone/>
@@ -18373,7 +18164,7 @@
                       </a:endParaRPr>
                     </a:p>
                   </a:txBody>
-                  <a:tcPr marL="68580" marR="68580" marT="0" marB="0" vert="horz" anchor="ctr">
+                  <a:tcPr marL="68580" marR="68580" marT="0" marB="0" anchor="ctr">
                     <a:lnL w="12700" cap="flat" cmpd="sng">
                       <a:solidFill>
                         <a:srgbClr val="080000"/>
@@ -18420,6 +18211,7 @@
                 <a:tc>
                   <a:txBody>
                     <a:bodyPr/>
+                    <a:lstStyle/>
                     <a:p>
                       <a:pPr indent="0">
                         <a:buNone/>
@@ -18445,7 +18237,7 @@
                       </a:endParaRPr>
                     </a:p>
                   </a:txBody>
-                  <a:tcPr marL="68580" marR="68580" marT="0" marB="0" vert="horz" anchor="ctr">
+                  <a:tcPr marL="68580" marR="68580" marT="0" marB="0" anchor="ctr">
                     <a:lnL w="12700" cap="flat" cmpd="sng">
                       <a:solidFill>
                         <a:srgbClr val="080000"/>
@@ -18492,6 +18284,7 @@
                 <a:tc>
                   <a:txBody>
                     <a:bodyPr/>
+                    <a:lstStyle/>
                     <a:p>
                       <a:pPr indent="0">
                         <a:buNone/>
@@ -18517,7 +18310,7 @@
                       </a:endParaRPr>
                     </a:p>
                   </a:txBody>
-                  <a:tcPr marL="68580" marR="68580" marT="0" marB="0" vert="horz" anchor="ctr">
+                  <a:tcPr marL="68580" marR="68580" marT="0" marB="0" anchor="ctr">
                     <a:lnL w="12700" cap="flat" cmpd="sng">
                       <a:solidFill>
                         <a:srgbClr val="080000"/>
@@ -18564,6 +18357,7 @@
                 <a:tc>
                   <a:txBody>
                     <a:bodyPr/>
+                    <a:lstStyle/>
                     <a:p>
                       <a:pPr indent="0">
                         <a:buNone/>
@@ -18583,7 +18377,7 @@
                       </a:endParaRPr>
                     </a:p>
                   </a:txBody>
-                  <a:tcPr marL="68580" marR="68580" marT="0" marB="0" vert="horz" anchor="ctr">
+                  <a:tcPr marL="68580" marR="68580" marT="0" marB="0" anchor="ctr">
                     <a:lnL w="12700" cap="flat" cmpd="sng">
                       <a:solidFill>
                         <a:srgbClr val="080000"/>
@@ -18628,6 +18422,7 @@
                 <a:tc>
                   <a:txBody>
                     <a:bodyPr/>
+                    <a:lstStyle/>
                     <a:p>
                       <a:pPr indent="0">
                         <a:buNone/>
@@ -18647,7 +18442,7 @@
                       </a:endParaRPr>
                     </a:p>
                   </a:txBody>
-                  <a:tcPr marL="68580" marR="68580" marT="0" marB="0" vert="horz" anchor="t">
+                  <a:tcPr marL="68580" marR="68580" marT="0" marB="0">
                     <a:lnL w="12700" cap="flat" cmpd="sng">
                       <a:solidFill>
                         <a:srgbClr val="080000"/>
@@ -18692,6 +18487,7 @@
                 <a:tc>
                   <a:txBody>
                     <a:bodyPr/>
+                    <a:lstStyle/>
                     <a:p>
                       <a:pPr indent="0">
                         <a:buNone/>
@@ -18711,7 +18507,7 @@
                       </a:endParaRPr>
                     </a:p>
                   </a:txBody>
-                  <a:tcPr marL="68580" marR="68580" marT="0" marB="0" vert="horz" anchor="ctr">
+                  <a:tcPr marL="68580" marR="68580" marT="0" marB="0" anchor="ctr">
                     <a:lnL w="12700" cap="flat" cmpd="sng">
                       <a:solidFill>
                         <a:srgbClr val="080000"/>
@@ -18758,6 +18554,7 @@
                 <a:tc>
                   <a:txBody>
                     <a:bodyPr/>
+                    <a:lstStyle/>
                     <a:p>
                       <a:pPr indent="0">
                         <a:buNone/>
@@ -18783,7 +18580,7 @@
                       </a:endParaRPr>
                     </a:p>
                   </a:txBody>
-                  <a:tcPr marL="68580" marR="68580" marT="0" marB="0" vert="horz" anchor="ctr">
+                  <a:tcPr marL="68580" marR="68580" marT="0" marB="0" anchor="ctr">
                     <a:lnL w="12700" cap="flat" cmpd="sng">
                       <a:solidFill>
                         <a:srgbClr val="080000"/>
@@ -18830,6 +18627,7 @@
                 <a:tc>
                   <a:txBody>
                     <a:bodyPr/>
+                    <a:lstStyle/>
                     <a:p>
                       <a:pPr indent="0">
                         <a:buNone/>
@@ -18855,7 +18653,7 @@
                       </a:endParaRPr>
                     </a:p>
                   </a:txBody>
-                  <a:tcPr marL="68580" marR="68580" marT="0" marB="0" vert="horz" anchor="ctr">
+                  <a:tcPr marL="68580" marR="68580" marT="0" marB="0" anchor="ctr">
                     <a:lnL w="12700" cap="flat" cmpd="sng">
                       <a:solidFill>
                         <a:srgbClr val="080000"/>
@@ -18902,6 +18700,7 @@
                 <a:tc>
                   <a:txBody>
                     <a:bodyPr/>
+                    <a:lstStyle/>
                     <a:p>
                       <a:pPr indent="0">
                         <a:buNone/>
@@ -18921,7 +18720,7 @@
                       </a:endParaRPr>
                     </a:p>
                   </a:txBody>
-                  <a:tcPr marL="68580" marR="68580" marT="0" marB="0" vert="horz" anchor="ctr">
+                  <a:tcPr marL="68580" marR="68580" marT="0" marB="0" anchor="ctr">
                     <a:lnL w="12700" cap="flat" cmpd="sng">
                       <a:solidFill>
                         <a:srgbClr val="080000"/>
@@ -18966,6 +18765,7 @@
                 <a:tc>
                   <a:txBody>
                     <a:bodyPr/>
+                    <a:lstStyle/>
                     <a:p>
                       <a:pPr indent="0">
                         <a:buNone/>
@@ -18985,7 +18785,7 @@
                       </a:endParaRPr>
                     </a:p>
                   </a:txBody>
-                  <a:tcPr marL="68580" marR="68580" marT="0" marB="0" vert="horz" anchor="t">
+                  <a:tcPr marL="68580" marR="68580" marT="0" marB="0">
                     <a:lnL w="12700" cap="flat" cmpd="sng">
                       <a:solidFill>
                         <a:srgbClr val="080000"/>
@@ -19030,6 +18830,7 @@
                 <a:tc>
                   <a:txBody>
                     <a:bodyPr/>
+                    <a:lstStyle/>
                     <a:p>
                       <a:pPr indent="0">
                         <a:buNone/>
@@ -19049,7 +18850,7 @@
                       </a:endParaRPr>
                     </a:p>
                   </a:txBody>
-                  <a:tcPr marL="68580" marR="68580" marT="0" marB="0" vert="horz" anchor="ctr">
+                  <a:tcPr marL="68580" marR="68580" marT="0" marB="0" anchor="ctr">
                     <a:lnL w="12700" cap="flat" cmpd="sng">
                       <a:solidFill>
                         <a:srgbClr val="080000"/>
@@ -19096,6 +18897,7 @@
                 <a:tc>
                   <a:txBody>
                     <a:bodyPr/>
+                    <a:lstStyle/>
                     <a:p>
                       <a:pPr indent="0">
                         <a:buNone/>
@@ -19121,7 +18923,7 @@
                       </a:endParaRPr>
                     </a:p>
                   </a:txBody>
-                  <a:tcPr marL="68580" marR="68580" marT="0" marB="0" vert="horz" anchor="ctr">
+                  <a:tcPr marL="68580" marR="68580" marT="0" marB="0" anchor="ctr">
                     <a:lnL w="12700" cap="flat" cmpd="sng">
                       <a:solidFill>
                         <a:srgbClr val="080000"/>
@@ -19168,6 +18970,7 @@
                 <a:tc>
                   <a:txBody>
                     <a:bodyPr/>
+                    <a:lstStyle/>
                     <a:p>
                       <a:pPr indent="0">
                         <a:buNone/>
@@ -19193,7 +18996,7 @@
                       </a:endParaRPr>
                     </a:p>
                   </a:txBody>
-                  <a:tcPr marL="68580" marR="68580" marT="0" marB="0" vert="horz" anchor="ctr">
+                  <a:tcPr marL="68580" marR="68580" marT="0" marB="0" anchor="ctr">
                     <a:lnL w="12700" cap="flat" cmpd="sng">
                       <a:solidFill>
                         <a:srgbClr val="080000"/>
@@ -19240,6 +19043,7 @@
                 <a:tc>
                   <a:txBody>
                     <a:bodyPr/>
+                    <a:lstStyle/>
                     <a:p>
                       <a:pPr indent="0">
                         <a:buNone/>
@@ -19259,7 +19063,7 @@
                       </a:endParaRPr>
                     </a:p>
                   </a:txBody>
-                  <a:tcPr marL="68580" marR="68580" marT="0" marB="0" vert="horz" anchor="ctr">
+                  <a:tcPr marL="68580" marR="68580" marT="0" marB="0" anchor="ctr">
                     <a:lnL w="12700" cap="flat" cmpd="sng">
                       <a:solidFill>
                         <a:srgbClr val="080000"/>
@@ -19304,6 +19108,7 @@
                 <a:tc>
                   <a:txBody>
                     <a:bodyPr/>
+                    <a:lstStyle/>
                     <a:p>
                       <a:pPr indent="0">
                         <a:buNone/>
@@ -19323,7 +19128,7 @@
                       </a:endParaRPr>
                     </a:p>
                   </a:txBody>
-                  <a:tcPr marL="68580" marR="68580" marT="0" marB="0" vert="horz" anchor="t">
+                  <a:tcPr marL="68580" marR="68580" marT="0" marB="0">
                     <a:lnL w="12700" cap="flat" cmpd="sng">
                       <a:solidFill>
                         <a:srgbClr val="080000"/>
@@ -19368,6 +19173,7 @@
                 <a:tc>
                   <a:txBody>
                     <a:bodyPr/>
+                    <a:lstStyle/>
                     <a:p>
                       <a:pPr indent="0">
                         <a:buNone/>
@@ -19379,7 +19185,7 @@
                       </a:endParaRPr>
                     </a:p>
                   </a:txBody>
-                  <a:tcPr marL="68580" marR="68580" marT="0" marB="0" vert="horz" anchor="ctr">
+                  <a:tcPr marL="68580" marR="68580" marT="0" marB="0" anchor="ctr">
                     <a:lnL w="12700" cap="flat" cmpd="sng">
                       <a:solidFill>
                         <a:srgbClr val="080000"/>
@@ -19701,7 +19507,7 @@
           <p:nvPr/>
         </p:nvPicPr>
         <p:blipFill>
-          <a:blip r:embed="rId1"/>
+          <a:blip r:embed="rId3"/>
           <a:stretch>
             <a:fillRect/>
           </a:stretch>
@@ -19724,7 +19530,7 @@
         </p:nvGraphicFramePr>
         <p:xfrm>
           <a:off x="834390" y="1601470"/>
-          <a:ext cx="7698105" cy="5212080"/>
+          <a:ext cx="7698105" cy="5274310"/>
         </p:xfrm>
         <a:graphic>
           <a:graphicData uri="http://schemas.openxmlformats.org/drawingml/2006/table">
@@ -19740,6 +19546,7 @@
                 <a:tc>
                   <a:txBody>
                     <a:bodyPr/>
+                    <a:lstStyle/>
                     <a:p>
                       <a:pPr indent="0" algn="ctr">
                         <a:buNone/>
@@ -19765,7 +19572,7 @@
                       </a:endParaRPr>
                     </a:p>
                   </a:txBody>
-                  <a:tcPr marL="68580" marR="68580" marT="0" marB="0" vert="horz" anchor="ctr">
+                  <a:tcPr marL="68580" marR="68580" marT="0" marB="0" anchor="ctr">
                     <a:lnL w="12700" cap="flat" cmpd="sng">
                       <a:solidFill>
                         <a:srgbClr val="080000"/>
@@ -19812,6 +19619,7 @@
                 <a:tc>
                   <a:txBody>
                     <a:bodyPr/>
+                    <a:lstStyle/>
                     <a:p>
                       <a:pPr indent="0" algn="ctr">
                         <a:buNone/>
@@ -19837,7 +19645,7 @@
                       </a:endParaRPr>
                     </a:p>
                   </a:txBody>
-                  <a:tcPr marL="68580" marR="68580" marT="0" marB="0" vert="horz" anchor="ctr">
+                  <a:tcPr marL="68580" marR="68580" marT="0" marB="0" anchor="ctr">
                     <a:lnL w="12700" cap="flat" cmpd="sng">
                       <a:solidFill>
                         <a:srgbClr val="080000"/>
@@ -19886,6 +19694,7 @@
                 <a:tc>
                   <a:txBody>
                     <a:bodyPr/>
+                    <a:lstStyle/>
                     <a:p>
                       <a:pPr indent="0">
                         <a:buNone/>
@@ -19919,7 +19728,7 @@
                       </a:endParaRPr>
                     </a:p>
                   </a:txBody>
-                  <a:tcPr marL="68580" marR="68580" marT="0" marB="0" vert="horz" anchor="ctr">
+                  <a:tcPr marL="68580" marR="68580" marT="0" marB="0" anchor="ctr">
                     <a:lnL w="12700" cap="flat" cmpd="sng">
                       <a:solidFill>
                         <a:srgbClr val="080000"/>
@@ -19964,6 +19773,7 @@
                 <a:tc>
                   <a:txBody>
                     <a:bodyPr/>
+                    <a:lstStyle/>
                     <a:p>
                       <a:pPr indent="0">
                         <a:buNone/>
@@ -19997,7 +19807,7 @@
                       </a:endParaRPr>
                     </a:p>
                   </a:txBody>
-                  <a:tcPr marL="68580" marR="68580" marT="0" marB="0" vert="horz" anchor="ctr">
+                  <a:tcPr marL="68580" marR="68580" marT="0" marB="0" anchor="ctr">
                     <a:lnL w="12700" cap="flat" cmpd="sng">
                       <a:solidFill>
                         <a:srgbClr val="080000"/>
@@ -20044,6 +19854,7 @@
                 <a:tc>
                   <a:txBody>
                     <a:bodyPr/>
+                    <a:lstStyle/>
                     <a:p>
                       <a:pPr indent="0">
                         <a:buNone/>
@@ -20077,7 +19888,7 @@
                       </a:endParaRPr>
                     </a:p>
                   </a:txBody>
-                  <a:tcPr marL="68580" marR="68580" marT="0" marB="0" vert="horz" anchor="ctr">
+                  <a:tcPr marL="68580" marR="68580" marT="0" marB="0" anchor="ctr">
                     <a:lnL w="12700" cap="flat" cmpd="sng">
                       <a:solidFill>
                         <a:srgbClr val="080000"/>
@@ -20122,6 +19933,7 @@
                 <a:tc>
                   <a:txBody>
                     <a:bodyPr/>
+                    <a:lstStyle/>
                     <a:p>
                       <a:pPr indent="0">
                         <a:buNone/>
@@ -20155,7 +19967,7 @@
                       </a:endParaRPr>
                     </a:p>
                   </a:txBody>
-                  <a:tcPr marL="68580" marR="68580" marT="0" marB="0" vert="horz" anchor="ctr">
+                  <a:tcPr marL="68580" marR="68580" marT="0" marB="0" anchor="ctr">
                     <a:lnL w="12700" cap="flat" cmpd="sng">
                       <a:solidFill>
                         <a:srgbClr val="080000"/>
@@ -20202,6 +20014,7 @@
                 <a:tc>
                   <a:txBody>
                     <a:bodyPr/>
+                    <a:lstStyle/>
                     <a:p>
                       <a:pPr indent="0">
                         <a:buNone/>
@@ -20235,7 +20048,7 @@
                       </a:endParaRPr>
                     </a:p>
                   </a:txBody>
-                  <a:tcPr marL="68580" marR="68580" marT="0" marB="0" vert="horz" anchor="ctr">
+                  <a:tcPr marL="68580" marR="68580" marT="0" marB="0" anchor="ctr">
                     <a:lnL w="12700" cap="flat" cmpd="sng">
                       <a:solidFill>
                         <a:srgbClr val="080000"/>
@@ -20280,6 +20093,7 @@
                 <a:tc>
                   <a:txBody>
                     <a:bodyPr/>
+                    <a:lstStyle/>
                     <a:p>
                       <a:pPr indent="0">
                         <a:buNone/>
@@ -20313,7 +20127,7 @@
                       </a:endParaRPr>
                     </a:p>
                   </a:txBody>
-                  <a:tcPr marL="68580" marR="68580" marT="0" marB="0" vert="horz" anchor="ctr">
+                  <a:tcPr marL="68580" marR="68580" marT="0" marB="0" anchor="ctr">
                     <a:lnL w="12700" cap="flat" cmpd="sng">
                       <a:solidFill>
                         <a:srgbClr val="080000"/>
@@ -20360,6 +20174,7 @@
                 <a:tc>
                   <a:txBody>
                     <a:bodyPr/>
+                    <a:lstStyle/>
                     <a:p>
                       <a:pPr indent="0">
                         <a:buNone/>
@@ -20393,7 +20208,7 @@
                       </a:endParaRPr>
                     </a:p>
                   </a:txBody>
-                  <a:tcPr marL="68580" marR="68580" marT="0" marB="0" vert="horz" anchor="ctr">
+                  <a:tcPr marL="68580" marR="68580" marT="0" marB="0" anchor="ctr">
                     <a:lnL w="12700" cap="flat" cmpd="sng">
                       <a:solidFill>
                         <a:srgbClr val="080000"/>
@@ -20438,6 +20253,7 @@
                 <a:tc>
                   <a:txBody>
                     <a:bodyPr/>
+                    <a:lstStyle/>
                     <a:p>
                       <a:pPr indent="0">
                         <a:buNone/>
@@ -20471,7 +20287,7 @@
                       </a:endParaRPr>
                     </a:p>
                   </a:txBody>
-                  <a:tcPr marL="68580" marR="68580" marT="0" marB="0" vert="horz" anchor="ctr">
+                  <a:tcPr marL="68580" marR="68580" marT="0" marB="0" anchor="ctr">
                     <a:lnL w="12700" cap="flat" cmpd="sng">
                       <a:solidFill>
                         <a:srgbClr val="080000"/>
@@ -20518,6 +20334,7 @@
                 <a:tc>
                   <a:txBody>
                     <a:bodyPr/>
+                    <a:lstStyle/>
                     <a:p>
                       <a:pPr indent="0">
                         <a:buNone/>
@@ -20551,7 +20368,7 @@
                       </a:endParaRPr>
                     </a:p>
                   </a:txBody>
-                  <a:tcPr marL="68580" marR="68580" marT="0" marB="0" vert="horz" anchor="ctr">
+                  <a:tcPr marL="68580" marR="68580" marT="0" marB="0" anchor="ctr">
                     <a:lnL w="12700" cap="flat" cmpd="sng">
                       <a:solidFill>
                         <a:srgbClr val="080000"/>
@@ -20596,6 +20413,7 @@
                 <a:tc>
                   <a:txBody>
                     <a:bodyPr/>
+                    <a:lstStyle/>
                     <a:p>
                       <a:pPr indent="0">
                         <a:buNone/>
@@ -20629,7 +20447,7 @@
                       </a:endParaRPr>
                     </a:p>
                   </a:txBody>
-                  <a:tcPr marL="68580" marR="68580" marT="0" marB="0" vert="horz" anchor="ctr">
+                  <a:tcPr marL="68580" marR="68580" marT="0" marB="0" anchor="ctr">
                     <a:lnL w="12700" cap="flat" cmpd="sng">
                       <a:solidFill>
                         <a:srgbClr val="080000"/>
@@ -20676,6 +20494,7 @@
                 <a:tc>
                   <a:txBody>
                     <a:bodyPr/>
+                    <a:lstStyle/>
                     <a:p>
                       <a:pPr indent="0">
                         <a:buNone/>
@@ -20709,7 +20528,7 @@
                       </a:endParaRPr>
                     </a:p>
                   </a:txBody>
-                  <a:tcPr marL="68580" marR="68580" marT="0" marB="0" vert="horz" anchor="ctr">
+                  <a:tcPr marL="68580" marR="68580" marT="0" marB="0" anchor="ctr">
                     <a:lnL w="12700" cap="flat" cmpd="sng">
                       <a:solidFill>
                         <a:srgbClr val="080000"/>
@@ -20754,6 +20573,7 @@
                 <a:tc>
                   <a:txBody>
                     <a:bodyPr/>
+                    <a:lstStyle/>
                     <a:p>
                       <a:pPr indent="0">
                         <a:buNone/>
@@ -20787,7 +20607,7 @@
                       </a:endParaRPr>
                     </a:p>
                   </a:txBody>
-                  <a:tcPr marL="68580" marR="68580" marT="0" marB="0" vert="horz" anchor="ctr">
+                  <a:tcPr marL="68580" marR="68580" marT="0" marB="0" anchor="ctr">
                     <a:lnL w="12700" cap="flat" cmpd="sng">
                       <a:solidFill>
                         <a:srgbClr val="080000"/>
@@ -20834,6 +20654,7 @@
                 <a:tc>
                   <a:txBody>
                     <a:bodyPr/>
+                    <a:lstStyle/>
                     <a:p>
                       <a:pPr indent="0">
                         <a:buNone/>
@@ -20867,7 +20688,7 @@
                       </a:endParaRPr>
                     </a:p>
                   </a:txBody>
-                  <a:tcPr marL="68580" marR="68580" marT="0" marB="0" vert="horz" anchor="ctr">
+                  <a:tcPr marL="68580" marR="68580" marT="0" marB="0" anchor="ctr">
                     <a:lnL w="12700" cap="flat" cmpd="sng">
                       <a:solidFill>
                         <a:srgbClr val="080000"/>
@@ -20912,6 +20733,7 @@
                 <a:tc>
                   <a:txBody>
                     <a:bodyPr/>
+                    <a:lstStyle/>
                     <a:p>
                       <a:pPr indent="0">
                         <a:buNone/>
@@ -20945,7 +20767,7 @@
                       </a:endParaRPr>
                     </a:p>
                   </a:txBody>
-                  <a:tcPr marL="68580" marR="68580" marT="0" marB="0" vert="horz" anchor="ctr">
+                  <a:tcPr marL="68580" marR="68580" marT="0" marB="0" anchor="ctr">
                     <a:lnL w="12700" cap="flat" cmpd="sng">
                       <a:solidFill>
                         <a:srgbClr val="080000"/>
@@ -20992,6 +20814,7 @@
                 <a:tc>
                   <a:txBody>
                     <a:bodyPr/>
+                    <a:lstStyle/>
                     <a:p>
                       <a:pPr indent="0">
                         <a:buNone/>
@@ -21025,7 +20848,7 @@
                       </a:endParaRPr>
                     </a:p>
                   </a:txBody>
-                  <a:tcPr marL="68580" marR="68580" marT="0" marB="0" vert="horz" anchor="ctr">
+                  <a:tcPr marL="68580" marR="68580" marT="0" marB="0" anchor="ctr">
                     <a:lnL w="12700" cap="flat" cmpd="sng">
                       <a:solidFill>
                         <a:srgbClr val="080000"/>
@@ -21070,6 +20893,7 @@
                 <a:tc>
                   <a:txBody>
                     <a:bodyPr/>
+                    <a:lstStyle/>
                     <a:p>
                       <a:pPr indent="0">
                         <a:buNone/>
@@ -21103,7 +20927,7 @@
                       </a:endParaRPr>
                     </a:p>
                   </a:txBody>
-                  <a:tcPr marL="68580" marR="68580" marT="0" marB="0" vert="horz" anchor="ctr">
+                  <a:tcPr marL="68580" marR="68580" marT="0" marB="0" anchor="ctr">
                     <a:lnL w="12700" cap="flat" cmpd="sng">
                       <a:solidFill>
                         <a:srgbClr val="080000"/>
@@ -21150,6 +20974,7 @@
                 <a:tc>
                   <a:txBody>
                     <a:bodyPr/>
+                    <a:lstStyle/>
                     <a:p>
                       <a:pPr indent="0">
                         <a:buNone/>
@@ -21183,7 +21008,7 @@
                       </a:endParaRPr>
                     </a:p>
                   </a:txBody>
-                  <a:tcPr marL="68580" marR="68580" marT="0" marB="0" vert="horz" anchor="ctr">
+                  <a:tcPr marL="68580" marR="68580" marT="0" marB="0" anchor="ctr">
                     <a:lnL w="12700" cap="flat" cmpd="sng">
                       <a:solidFill>
                         <a:srgbClr val="080000"/>
@@ -21228,6 +21053,7 @@
                 <a:tc>
                   <a:txBody>
                     <a:bodyPr/>
+                    <a:lstStyle/>
                     <a:p>
                       <a:pPr indent="0">
                         <a:buNone/>
@@ -21261,7 +21087,7 @@
                       </a:endParaRPr>
                     </a:p>
                   </a:txBody>
-                  <a:tcPr marL="68580" marR="68580" marT="0" marB="0" vert="horz" anchor="ctr">
+                  <a:tcPr marL="68580" marR="68580" marT="0" marB="0" anchor="ctr">
                     <a:lnL w="12700" cap="flat" cmpd="sng">
                       <a:solidFill>
                         <a:srgbClr val="080000"/>
@@ -21308,6 +21134,7 @@
                 <a:tc>
                   <a:txBody>
                     <a:bodyPr/>
+                    <a:lstStyle/>
                     <a:p>
                       <a:pPr indent="0">
                         <a:buNone/>
@@ -21341,7 +21168,7 @@
                       </a:endParaRPr>
                     </a:p>
                   </a:txBody>
-                  <a:tcPr marL="68580" marR="68580" marT="0" marB="0" vert="horz" anchor="ctr">
+                  <a:tcPr marL="68580" marR="68580" marT="0" marB="0" anchor="ctr">
                     <a:lnL w="12700" cap="flat" cmpd="sng">
                       <a:solidFill>
                         <a:srgbClr val="080000"/>
@@ -21386,6 +21213,7 @@
                 <a:tc>
                   <a:txBody>
                     <a:bodyPr/>
+                    <a:lstStyle/>
                     <a:p>
                       <a:pPr indent="0">
                         <a:buNone/>
@@ -21419,7 +21247,7 @@
                       </a:endParaRPr>
                     </a:p>
                   </a:txBody>
-                  <a:tcPr marL="68580" marR="68580" marT="0" marB="0" vert="horz" anchor="ctr">
+                  <a:tcPr marL="68580" marR="68580" marT="0" marB="0" anchor="ctr">
                     <a:lnL w="12700" cap="flat" cmpd="sng">
                       <a:solidFill>
                         <a:srgbClr val="080000"/>
@@ -21466,6 +21294,7 @@
                 <a:tc>
                   <a:txBody>
                     <a:bodyPr/>
+                    <a:lstStyle/>
                     <a:p>
                       <a:pPr indent="0">
                         <a:buNone/>
@@ -21499,7 +21328,7 @@
                       </a:endParaRPr>
                     </a:p>
                   </a:txBody>
-                  <a:tcPr marL="68580" marR="68580" marT="0" marB="0" vert="horz" anchor="ctr">
+                  <a:tcPr marL="68580" marR="68580" marT="0" marB="0" anchor="ctr">
                     <a:lnL w="12700" cap="flat" cmpd="sng">
                       <a:solidFill>
                         <a:srgbClr val="080000"/>
@@ -21544,6 +21373,7 @@
                 <a:tc>
                   <a:txBody>
                     <a:bodyPr/>
+                    <a:lstStyle/>
                     <a:p>
                       <a:pPr indent="0">
                         <a:buNone/>
@@ -21577,7 +21407,7 @@
                       </a:endParaRPr>
                     </a:p>
                   </a:txBody>
-                  <a:tcPr marL="68580" marR="68580" marT="0" marB="0" vert="horz" anchor="ctr">
+                  <a:tcPr marL="68580" marR="68580" marT="0" marB="0" anchor="ctr">
                     <a:lnL w="12700" cap="flat" cmpd="sng">
                       <a:solidFill>
                         <a:srgbClr val="080000"/>
@@ -21624,6 +21454,7 @@
                 <a:tc>
                   <a:txBody>
                     <a:bodyPr/>
+                    <a:lstStyle/>
                     <a:p>
                       <a:pPr indent="0">
                         <a:buNone/>
@@ -21657,7 +21488,7 @@
                       </a:endParaRPr>
                     </a:p>
                   </a:txBody>
-                  <a:tcPr marL="68580" marR="68580" marT="0" marB="0" vert="horz" anchor="ctr">
+                  <a:tcPr marL="68580" marR="68580" marT="0" marB="0" anchor="ctr">
                     <a:lnL w="12700" cap="flat" cmpd="sng">
                       <a:solidFill>
                         <a:srgbClr val="080000"/>
@@ -21702,6 +21533,7 @@
                 <a:tc>
                   <a:txBody>
                     <a:bodyPr/>
+                    <a:lstStyle/>
                     <a:p>
                       <a:pPr indent="0">
                         <a:buNone/>
@@ -21735,7 +21567,7 @@
                       </a:endParaRPr>
                     </a:p>
                   </a:txBody>
-                  <a:tcPr marL="68580" marR="68580" marT="0" marB="0" vert="horz" anchor="ctr">
+                  <a:tcPr marL="68580" marR="68580" marT="0" marB="0" anchor="ctr">
                     <a:lnL w="12700" cap="flat" cmpd="sng">
                       <a:solidFill>
                         <a:srgbClr val="080000"/>
@@ -21782,6 +21614,7 @@
                 <a:tc>
                   <a:txBody>
                     <a:bodyPr/>
+                    <a:lstStyle/>
                     <a:p>
                       <a:pPr indent="0">
                         <a:buNone/>
@@ -21815,7 +21648,7 @@
                       </a:endParaRPr>
                     </a:p>
                   </a:txBody>
-                  <a:tcPr marL="68580" marR="68580" marT="0" marB="0" vert="horz" anchor="ctr">
+                  <a:tcPr marL="68580" marR="68580" marT="0" marB="0" anchor="ctr">
                     <a:lnL w="12700" cap="flat" cmpd="sng">
                       <a:solidFill>
                         <a:srgbClr val="080000"/>
@@ -21860,6 +21693,7 @@
                 <a:tc>
                   <a:txBody>
                     <a:bodyPr/>
+                    <a:lstStyle/>
                     <a:p>
                       <a:pPr indent="0">
                         <a:buNone/>
@@ -21893,7 +21727,7 @@
                       </a:endParaRPr>
                     </a:p>
                   </a:txBody>
-                  <a:tcPr marL="68580" marR="68580" marT="0" marB="0" vert="horz" anchor="ctr">
+                  <a:tcPr marL="68580" marR="68580" marT="0" marB="0" anchor="ctr">
                     <a:lnL w="12700" cap="flat" cmpd="sng">
                       <a:solidFill>
                         <a:srgbClr val="080000"/>
@@ -21940,6 +21774,7 @@
                 <a:tc>
                   <a:txBody>
                     <a:bodyPr/>
+                    <a:lstStyle/>
                     <a:p>
                       <a:pPr indent="0">
                         <a:buNone/>
@@ -21973,7 +21808,7 @@
                       </a:endParaRPr>
                     </a:p>
                   </a:txBody>
-                  <a:tcPr marL="68580" marR="68580" marT="0" marB="0" vert="horz" anchor="ctr">
+                  <a:tcPr marL="68580" marR="68580" marT="0" marB="0" anchor="ctr">
                     <a:lnL w="12700" cap="flat" cmpd="sng">
                       <a:solidFill>
                         <a:srgbClr val="080000"/>
@@ -22018,6 +21853,7 @@
                 <a:tc>
                   <a:txBody>
                     <a:bodyPr/>
+                    <a:lstStyle/>
                     <a:p>
                       <a:pPr indent="0">
                         <a:buNone/>
@@ -22051,7 +21887,7 @@
                       </a:endParaRPr>
                     </a:p>
                   </a:txBody>
-                  <a:tcPr marL="68580" marR="68580" marT="0" marB="0" vert="horz" anchor="ctr">
+                  <a:tcPr marL="68580" marR="68580" marT="0" marB="0" anchor="ctr">
                     <a:lnL w="12700" cap="flat" cmpd="sng">
                       <a:solidFill>
                         <a:srgbClr val="080000"/>
@@ -22098,6 +21934,7 @@
                 <a:tc>
                   <a:txBody>
                     <a:bodyPr/>
+                    <a:lstStyle/>
                     <a:p>
                       <a:pPr indent="0">
                         <a:buNone/>
@@ -22131,7 +21968,7 @@
                       </a:endParaRPr>
                     </a:p>
                   </a:txBody>
-                  <a:tcPr marL="68580" marR="68580" marT="0" marB="0" vert="horz" anchor="ctr">
+                  <a:tcPr marL="68580" marR="68580" marT="0" marB="0" anchor="ctr">
                     <a:lnL w="12700" cap="flat" cmpd="sng">
                       <a:solidFill>
                         <a:srgbClr val="080000"/>
@@ -22176,6 +22013,7 @@
                 <a:tc>
                   <a:txBody>
                     <a:bodyPr/>
+                    <a:lstStyle/>
                     <a:p>
                       <a:pPr indent="0">
                         <a:buNone/>
@@ -22209,7 +22047,7 @@
                       </a:endParaRPr>
                     </a:p>
                   </a:txBody>
-                  <a:tcPr marL="68580" marR="68580" marT="0" marB="0" vert="horz" anchor="ctr">
+                  <a:tcPr marL="68580" marR="68580" marT="0" marB="0" anchor="ctr">
                     <a:lnL w="12700" cap="flat" cmpd="sng">
                       <a:solidFill>
                         <a:srgbClr val="080000"/>
@@ -22256,6 +22094,7 @@
                 <a:tc>
                   <a:txBody>
                     <a:bodyPr/>
+                    <a:lstStyle/>
                     <a:p>
                       <a:pPr indent="0">
                         <a:buNone/>
@@ -22289,7 +22128,7 @@
                       </a:endParaRPr>
                     </a:p>
                   </a:txBody>
-                  <a:tcPr marL="68580" marR="68580" marT="0" marB="0" vert="horz" anchor="ctr">
+                  <a:tcPr marL="68580" marR="68580" marT="0" marB="0" anchor="ctr">
                     <a:lnL w="12700" cap="flat" cmpd="sng">
                       <a:solidFill>
                         <a:srgbClr val="080000"/>
@@ -22334,6 +22173,7 @@
                 <a:tc>
                   <a:txBody>
                     <a:bodyPr/>
+                    <a:lstStyle/>
                     <a:p>
                       <a:pPr indent="0">
                         <a:buNone/>
@@ -22367,7 +22207,7 @@
                       </a:endParaRPr>
                     </a:p>
                   </a:txBody>
-                  <a:tcPr marL="68580" marR="68580" marT="0" marB="0" vert="horz" anchor="ctr">
+                  <a:tcPr marL="68580" marR="68580" marT="0" marB="0" anchor="ctr">
                     <a:lnL w="12700" cap="flat" cmpd="sng">
                       <a:solidFill>
                         <a:srgbClr val="080000"/>
@@ -22414,6 +22254,7 @@
                 <a:tc>
                   <a:txBody>
                     <a:bodyPr/>
+                    <a:lstStyle/>
                     <a:p>
                       <a:pPr indent="0">
                         <a:buNone/>
@@ -22447,7 +22288,7 @@
                       </a:endParaRPr>
                     </a:p>
                   </a:txBody>
-                  <a:tcPr marL="68580" marR="68580" marT="0" marB="0" vert="horz" anchor="ctr">
+                  <a:tcPr marL="68580" marR="68580" marT="0" marB="0" anchor="ctr">
                     <a:lnL w="12700" cap="flat" cmpd="sng">
                       <a:solidFill>
                         <a:srgbClr val="080000"/>
@@ -22492,6 +22333,7 @@
                 <a:tc>
                   <a:txBody>
                     <a:bodyPr/>
+                    <a:lstStyle/>
                     <a:p>
                       <a:pPr indent="0">
                         <a:buNone/>
@@ -22525,7 +22367,7 @@
                       </a:endParaRPr>
                     </a:p>
                   </a:txBody>
-                  <a:tcPr marL="68580" marR="68580" marT="0" marB="0" vert="horz" anchor="ctr">
+                  <a:tcPr marL="68580" marR="68580" marT="0" marB="0" anchor="ctr">
                     <a:lnL w="12700" cap="flat" cmpd="sng">
                       <a:solidFill>
                         <a:srgbClr val="080000"/>
@@ -22572,6 +22414,7 @@
                 <a:tc>
                   <a:txBody>
                     <a:bodyPr/>
+                    <a:lstStyle/>
                     <a:p>
                       <a:pPr indent="0">
                         <a:buNone/>
@@ -22605,7 +22448,7 @@
                       </a:endParaRPr>
                     </a:p>
                   </a:txBody>
-                  <a:tcPr marL="68580" marR="68580" marT="0" marB="0" vert="horz" anchor="ctr">
+                  <a:tcPr marL="68580" marR="68580" marT="0" marB="0" anchor="ctr">
                     <a:lnL w="12700" cap="flat" cmpd="sng">
                       <a:solidFill>
                         <a:srgbClr val="080000"/>
@@ -22650,6 +22493,7 @@
                 <a:tc>
                   <a:txBody>
                     <a:bodyPr/>
+                    <a:lstStyle/>
                     <a:p>
                       <a:pPr indent="0">
                         <a:buNone/>
@@ -22683,7 +22527,7 @@
                       </a:endParaRPr>
                     </a:p>
                   </a:txBody>
-                  <a:tcPr marL="68580" marR="68580" marT="0" marB="0" vert="horz" anchor="ctr">
+                  <a:tcPr marL="68580" marR="68580" marT="0" marB="0" anchor="ctr">
                     <a:lnL w="12700" cap="flat" cmpd="sng">
                       <a:solidFill>
                         <a:srgbClr val="080000"/>
@@ -22996,9 +22840,11 @@
       </a:bgFillStyleLst>
     </a:fmtScheme>
   </a:themeElements>
+  <a:objectDefaults/>
+  <a:extraClrSchemeLst/>
   <a:extLst>
     <a:ext uri="{05A4C25C-085E-4340-85A3-A5531E510DB2}">
-      <thm15:themeFamily xmlns:thm15="http://schemas.microsoft.com/office/thememl/2012/main" name="Office Theme" id="{62F939B6-93AF-4DB8-9C6B-D6C7DFDC589F}" vid="{4A3C46E8-61CC-4603-A589-7422A47A8E4A}"/>
+      <thm15:themeFamily xmlns:thm15="http://schemas.microsoft.com/office/thememl/2012/main" xmlns="" name="Office Theme" id="{62F939B6-93AF-4DB8-9C6B-D6C7DFDC589F}" vid="{4A3C46E8-61CC-4603-A589-7422A47A8E4A}"/>
     </a:ext>
   </a:extLst>
 </a:theme>
@@ -23255,9 +23101,11 @@
       </a:bgFillStyleLst>
     </a:fmtScheme>
   </a:themeElements>
+  <a:objectDefaults/>
+  <a:extraClrSchemeLst/>
   <a:extLst>
     <a:ext uri="{05A4C25C-085E-4340-85A3-A5531E510DB2}">
-      <thm15:themeFamily xmlns:thm15="http://schemas.microsoft.com/office/thememl/2012/main" name="Office Theme" id="{62F939B6-93AF-4DB8-9C6B-D6C7DFDC589F}" vid="{4A3C46E8-61CC-4603-A589-7422A47A8E4A}"/>
+      <thm15:themeFamily xmlns:thm15="http://schemas.microsoft.com/office/thememl/2012/main" xmlns="" name="Office Theme" id="{62F939B6-93AF-4DB8-9C6B-D6C7DFDC589F}" vid="{4A3C46E8-61CC-4603-A589-7422A47A8E4A}"/>
     </a:ext>
   </a:extLst>
 </a:theme>
